--- a/final_presentation/Presentation.pptx
+++ b/final_presentation/Presentation.pptx
@@ -3908,13 +3908,17 @@
         <p:spPr/>
         <p:txBody>
           <a:bodyPr>
-            <a:normAutofit fontScale="90000"/>
+            <a:normAutofit/>
           </a:bodyPr>
           <a:lstStyle/>
           <a:p>
             <a:r>
               <a:rPr lang="en-US" dirty="0" smtClean="0"/>
-              <a:t>Project Structure (Terrence’s Section)</a:t>
+              <a:t>Project </a:t>
+            </a:r>
+            <a:r>
+              <a:rPr lang="en-US" dirty="0" smtClean="0"/>
+              <a:t>Structure</a:t>
             </a:r>
             <a:endParaRPr lang="en-US" dirty="0"/>
           </a:p>
@@ -3935,7 +3939,50 @@
           <a:bodyPr/>
           <a:lstStyle/>
           <a:p>
-            <a:endParaRPr lang="en-US" dirty="0"/>
+            <a:r>
+              <a:rPr lang="en-US" dirty="0" err="1" smtClean="0"/>
+              <a:t>Lazer</a:t>
+            </a:r>
+            <a:r>
+              <a:rPr lang="en-US" dirty="0" smtClean="0"/>
+              <a:t> Blast uses the Python </a:t>
+            </a:r>
+            <a:r>
+              <a:rPr lang="en-US" dirty="0" err="1" smtClean="0"/>
+              <a:t>setuptools</a:t>
+            </a:r>
+            <a:r>
+              <a:rPr lang="en-US" dirty="0" smtClean="0"/>
+              <a:t> module, to make installation and development easier.</a:t>
+            </a:r>
+          </a:p>
+          <a:p>
+            <a:r>
+              <a:rPr lang="en-US" dirty="0" smtClean="0"/>
+              <a:t>It could easily be hosted on </a:t>
+            </a:r>
+            <a:r>
+              <a:rPr lang="en-US" dirty="0" err="1" smtClean="0"/>
+              <a:t>PypI</a:t>
+            </a:r>
+            <a:r>
+              <a:rPr lang="en-US" dirty="0" smtClean="0"/>
+              <a:t>, and users could install it just by typing `pip3 install </a:t>
+            </a:r>
+            <a:r>
+              <a:rPr lang="en-US" dirty="0" err="1" smtClean="0"/>
+              <a:t>lazer_blast</a:t>
+            </a:r>
+            <a:r>
+              <a:rPr lang="en-US" dirty="0" smtClean="0"/>
+              <a:t>`</a:t>
+            </a:r>
+          </a:p>
+          <a:p>
+            <a:r>
+              <a:rPr lang="en-US" dirty="0" smtClean="0"/>
+              <a:t>It also gives a common entry point for tests and requirements installation.</a:t>
+            </a:r>
           </a:p>
         </p:txBody>
       </p:sp>
@@ -4145,7 +4192,59 @@
           <a:p>
             <a:r>
               <a:rPr lang="en-US" dirty="0" smtClean="0"/>
-              <a:t>Base Classes</a:t>
+              <a:t>To help reduce duplication, we made two base classes: </a:t>
+            </a:r>
+            <a:r>
+              <a:rPr lang="en-US" dirty="0" err="1" smtClean="0"/>
+              <a:t>RenderedBase</a:t>
+            </a:r>
+            <a:r>
+              <a:rPr lang="en-US" dirty="0"/>
+              <a:t> </a:t>
+            </a:r>
+            <a:r>
+              <a:rPr lang="en-US" dirty="0" smtClean="0"/>
+              <a:t>and </a:t>
+            </a:r>
+            <a:r>
+              <a:rPr lang="en-US" dirty="0" err="1" smtClean="0"/>
+              <a:t>ActorBase</a:t>
+            </a:r>
+            <a:r>
+              <a:rPr lang="en-US" dirty="0" smtClean="0"/>
+              <a:t>.</a:t>
+            </a:r>
+          </a:p>
+          <a:p>
+            <a:r>
+              <a:rPr lang="en-US" dirty="0" smtClean="0"/>
+              <a:t>Anything  which is rendered will inherit from </a:t>
+            </a:r>
+            <a:r>
+              <a:rPr lang="en-US" dirty="0" err="1" smtClean="0"/>
+              <a:t>RenderedBase</a:t>
+            </a:r>
+            <a:r>
+              <a:rPr lang="en-US" dirty="0" smtClean="0"/>
+              <a:t>, and anything which </a:t>
+            </a:r>
+            <a:r>
+              <a:rPr lang="en-US" dirty="0" smtClean="0"/>
+              <a:t>has agency inherits from </a:t>
+            </a:r>
+            <a:r>
+              <a:rPr lang="en-US" dirty="0" err="1" smtClean="0"/>
+              <a:t>ActorBase</a:t>
+            </a:r>
+            <a:r>
+              <a:rPr lang="en-US" dirty="0" smtClean="0"/>
+              <a:t>.</a:t>
+            </a:r>
+          </a:p>
+          <a:p>
+            <a:r>
+              <a:rPr lang="en-US" dirty="0" smtClean="0"/>
+              <a:t>This also hides complexity from the API, and allows for easier use by later developers.</a:t>
             </a:r>
             <a:endParaRPr lang="en-US" dirty="0"/>
           </a:p>
@@ -4219,9 +4318,22 @@
           <a:bodyPr/>
           <a:lstStyle/>
           <a:p>
-            <a:pPr marL="0" indent="0">
-              <a:buNone/>
-            </a:pPr>
+            <a:r>
+              <a:rPr lang="en-US" dirty="0" smtClean="0"/>
+              <a:t>Our base classes, Player class and Enemy class all have unit tests for their main methods.</a:t>
+            </a:r>
+          </a:p>
+          <a:p>
+            <a:r>
+              <a:rPr lang="en-US" dirty="0" smtClean="0"/>
+              <a:t>This helped to reduce regression.</a:t>
+            </a:r>
+          </a:p>
+          <a:p>
+            <a:r>
+              <a:rPr lang="en-US" dirty="0" smtClean="0"/>
+              <a:t>It also provided an example of the expected use, and so helped when working as a team.</a:t>
+            </a:r>
             <a:endParaRPr lang="en-US" dirty="0"/>
           </a:p>
         </p:txBody>
@@ -4291,9 +4403,41 @@
         </p:nvSpPr>
         <p:spPr/>
         <p:txBody>
-          <a:bodyPr/>
-          <a:lstStyle/>
-          <a:p>
+          <a:bodyPr>
+            <a:normAutofit lnSpcReduction="10000"/>
+          </a:bodyPr>
+          <a:lstStyle/>
+          <a:p>
+            <a:r>
+              <a:rPr lang="en-US" dirty="0" smtClean="0"/>
+              <a:t>An additional improvement over </a:t>
+            </a:r>
+            <a:r>
+              <a:rPr lang="en-US" dirty="0" err="1" smtClean="0"/>
+              <a:t>Pylaga</a:t>
+            </a:r>
+            <a:r>
+              <a:rPr lang="en-US" dirty="0" smtClean="0"/>
+              <a:t> was the use of a settings file.</a:t>
+            </a:r>
+          </a:p>
+          <a:p>
+            <a:r>
+              <a:rPr lang="en-US" dirty="0" smtClean="0"/>
+              <a:t>Things such as key-bindings, spawn rates, speed and strength can easily be changed.</a:t>
+            </a:r>
+          </a:p>
+          <a:p>
+            <a:r>
+              <a:rPr lang="en-US" dirty="0" smtClean="0"/>
+              <a:t>This helped when performing usability testing, as updates could be made in real time.</a:t>
+            </a:r>
+          </a:p>
+          <a:p>
+            <a:r>
+              <a:rPr lang="en-US" dirty="0" smtClean="0"/>
+              <a:t>In the future we would move it to another format (like YAML or JSON) and allow all settings to be edited/saved through the GUI.</a:t>
+            </a:r>
             <a:endParaRPr lang="en-US" dirty="0"/>
           </a:p>
         </p:txBody>

--- a/final_presentation/Presentation.pptx
+++ b/final_presentation/Presentation.pptx
@@ -1,40 +1,135 @@
 
 <file path=ppt/presentation.xml><?xml version="1.0" encoding="utf-8"?>
-<p:presentation xmlns:a="http://schemas.openxmlformats.org/drawingml/2006/main" xmlns:p="http://schemas.openxmlformats.org/presentationml/2006/main" xmlns:r="http://schemas.openxmlformats.org/officeDocument/2006/relationships" xmlns:p14="http://schemas.microsoft.com/office/powerpoint/2010/main" xmlns:p15="http://schemas.microsoft.com/office/powerpoint/2012/main" xmlns:mc="http://schemas.openxmlformats.org/markup-compatibility/2006">
+<p:presentation xmlns:a="http://schemas.openxmlformats.org/drawingml/2006/main" xmlns:r="http://schemas.openxmlformats.org/officeDocument/2006/relationships" xmlns:p="http://schemas.openxmlformats.org/presentationml/2006/main">
   <p:sldMasterIdLst>
-    <p:sldMasterId id="2147483648" r:id="rId2"/>
-    <p:sldMasterId id="2147483661" r:id="rId3"/>
+    <p:sldMasterId id="2147483648" r:id="rId1"/>
+    <p:sldMasterId id="2147483661" r:id="rId2"/>
   </p:sldMasterIdLst>
   <p:sldIdLst>
-    <p:sldId id="256" r:id="rId4"/>
-    <p:sldId id="257" r:id="rId5"/>
-    <p:sldId id="258" r:id="rId6"/>
-    <p:sldId id="259" r:id="rId7"/>
-    <p:sldId id="260" r:id="rId8"/>
-    <p:sldId id="261" r:id="rId9"/>
-    <p:sldId id="262" r:id="rId10"/>
-    <p:sldId id="263" r:id="rId11"/>
-    <p:sldId id="264" r:id="rId12"/>
-    <p:sldId id="265" r:id="rId13"/>
-    <p:sldId id="266" r:id="rId14"/>
-    <p:sldId id="267" r:id="rId15"/>
-    <p:sldId id="268" r:id="rId16"/>
-    <p:sldId id="269" r:id="rId17"/>
-    <p:sldId id="270" r:id="rId18"/>
-    <p:sldId id="271" r:id="rId19"/>
-    <p:sldId id="272" r:id="rId20"/>
-    <p:sldId id="273" r:id="rId21"/>
-    <p:sldId id="274" r:id="rId22"/>
-    <p:sldId id="275" r:id="rId23"/>
-    <p:sldId id="276" r:id="rId24"/>
+    <p:sldId id="256" r:id="rId3"/>
+    <p:sldId id="257" r:id="rId4"/>
+    <p:sldId id="258" r:id="rId5"/>
+    <p:sldId id="259" r:id="rId6"/>
+    <p:sldId id="260" r:id="rId7"/>
+    <p:sldId id="261" r:id="rId8"/>
+    <p:sldId id="262" r:id="rId9"/>
+    <p:sldId id="263" r:id="rId10"/>
+    <p:sldId id="264" r:id="rId11"/>
+    <p:sldId id="265" r:id="rId12"/>
+    <p:sldId id="266" r:id="rId13"/>
+    <p:sldId id="267" r:id="rId14"/>
+    <p:sldId id="268" r:id="rId15"/>
+    <p:sldId id="281" r:id="rId16"/>
+    <p:sldId id="282" r:id="rId17"/>
+    <p:sldId id="283" r:id="rId18"/>
+    <p:sldId id="284" r:id="rId19"/>
+    <p:sldId id="277" r:id="rId20"/>
+    <p:sldId id="278" r:id="rId21"/>
+    <p:sldId id="279" r:id="rId22"/>
+    <p:sldId id="280" r:id="rId23"/>
   </p:sldIdLst>
-  <p:sldSz cx="9144000" cy="6858000"/>
+  <p:sldSz cx="9144000" cy="6858000" type="screen4x3"/>
   <p:notesSz cx="7772400" cy="10058400"/>
+  <p:defaultTextStyle>
+    <a:defPPr>
+      <a:defRPr lang="en-US"/>
+    </a:defPPr>
+    <a:lvl1pPr marL="0" algn="l" defTabSz="457200" rtl="0" eaLnBrk="1" latinLnBrk="0" hangingPunct="1">
+      <a:defRPr sz="1800" kern="1200">
+        <a:solidFill>
+          <a:schemeClr val="tx1"/>
+        </a:solidFill>
+        <a:latin typeface="+mn-lt"/>
+        <a:ea typeface="+mn-ea"/>
+        <a:cs typeface="+mn-cs"/>
+      </a:defRPr>
+    </a:lvl1pPr>
+    <a:lvl2pPr marL="457200" algn="l" defTabSz="457200" rtl="0" eaLnBrk="1" latinLnBrk="0" hangingPunct="1">
+      <a:defRPr sz="1800" kern="1200">
+        <a:solidFill>
+          <a:schemeClr val="tx1"/>
+        </a:solidFill>
+        <a:latin typeface="+mn-lt"/>
+        <a:ea typeface="+mn-ea"/>
+        <a:cs typeface="+mn-cs"/>
+      </a:defRPr>
+    </a:lvl2pPr>
+    <a:lvl3pPr marL="914400" algn="l" defTabSz="457200" rtl="0" eaLnBrk="1" latinLnBrk="0" hangingPunct="1">
+      <a:defRPr sz="1800" kern="1200">
+        <a:solidFill>
+          <a:schemeClr val="tx1"/>
+        </a:solidFill>
+        <a:latin typeface="+mn-lt"/>
+        <a:ea typeface="+mn-ea"/>
+        <a:cs typeface="+mn-cs"/>
+      </a:defRPr>
+    </a:lvl3pPr>
+    <a:lvl4pPr marL="1371600" algn="l" defTabSz="457200" rtl="0" eaLnBrk="1" latinLnBrk="0" hangingPunct="1">
+      <a:defRPr sz="1800" kern="1200">
+        <a:solidFill>
+          <a:schemeClr val="tx1"/>
+        </a:solidFill>
+        <a:latin typeface="+mn-lt"/>
+        <a:ea typeface="+mn-ea"/>
+        <a:cs typeface="+mn-cs"/>
+      </a:defRPr>
+    </a:lvl4pPr>
+    <a:lvl5pPr marL="1828800" algn="l" defTabSz="457200" rtl="0" eaLnBrk="1" latinLnBrk="0" hangingPunct="1">
+      <a:defRPr sz="1800" kern="1200">
+        <a:solidFill>
+          <a:schemeClr val="tx1"/>
+        </a:solidFill>
+        <a:latin typeface="+mn-lt"/>
+        <a:ea typeface="+mn-ea"/>
+        <a:cs typeface="+mn-cs"/>
+      </a:defRPr>
+    </a:lvl5pPr>
+    <a:lvl6pPr marL="2286000" algn="l" defTabSz="457200" rtl="0" eaLnBrk="1" latinLnBrk="0" hangingPunct="1">
+      <a:defRPr sz="1800" kern="1200">
+        <a:solidFill>
+          <a:schemeClr val="tx1"/>
+        </a:solidFill>
+        <a:latin typeface="+mn-lt"/>
+        <a:ea typeface="+mn-ea"/>
+        <a:cs typeface="+mn-cs"/>
+      </a:defRPr>
+    </a:lvl6pPr>
+    <a:lvl7pPr marL="2743200" algn="l" defTabSz="457200" rtl="0" eaLnBrk="1" latinLnBrk="0" hangingPunct="1">
+      <a:defRPr sz="1800" kern="1200">
+        <a:solidFill>
+          <a:schemeClr val="tx1"/>
+        </a:solidFill>
+        <a:latin typeface="+mn-lt"/>
+        <a:ea typeface="+mn-ea"/>
+        <a:cs typeface="+mn-cs"/>
+      </a:defRPr>
+    </a:lvl7pPr>
+    <a:lvl8pPr marL="3200400" algn="l" defTabSz="457200" rtl="0" eaLnBrk="1" latinLnBrk="0" hangingPunct="1">
+      <a:defRPr sz="1800" kern="1200">
+        <a:solidFill>
+          <a:schemeClr val="tx1"/>
+        </a:solidFill>
+        <a:latin typeface="+mn-lt"/>
+        <a:ea typeface="+mn-ea"/>
+        <a:cs typeface="+mn-cs"/>
+      </a:defRPr>
+    </a:lvl8pPr>
+    <a:lvl9pPr marL="3657600" algn="l" defTabSz="457200" rtl="0" eaLnBrk="1" latinLnBrk="0" hangingPunct="1">
+      <a:defRPr sz="1800" kern="1200">
+        <a:solidFill>
+          <a:schemeClr val="tx1"/>
+        </a:solidFill>
+        <a:latin typeface="+mn-lt"/>
+        <a:ea typeface="+mn-ea"/>
+        <a:cs typeface="+mn-cs"/>
+      </a:defRPr>
+    </a:lvl9pPr>
+  </p:defaultTextStyle>
 </p:presentation>
 </file>
 
 <file path=ppt/slideLayouts/slideLayout1.xml><?xml version="1.0" encoding="utf-8"?>
-<p:sldLayout xmlns:a="http://schemas.openxmlformats.org/drawingml/2006/main" xmlns:p="http://schemas.openxmlformats.org/presentationml/2006/main" xmlns:r="http://schemas.openxmlformats.org/officeDocument/2006/relationships" xmlns:p14="http://schemas.microsoft.com/office/powerpoint/2010/main" xmlns:p15="http://schemas.microsoft.com/office/powerpoint/2012/main" xmlns:mc="http://schemas.openxmlformats.org/markup-compatibility/2006" type="blank" preserve="1">
+<p:sldLayout xmlns:a="http://schemas.openxmlformats.org/drawingml/2006/main" xmlns:r="http://schemas.openxmlformats.org/officeDocument/2006/relationships" xmlns:p="http://schemas.openxmlformats.org/presentationml/2006/main" type="blank" preserve="1">
   <p:cSld name="Blank Slide">
     <p:spTree>
       <p:nvGrpSpPr>
@@ -52,11 +147,14 @@
       </p:grpSpPr>
     </p:spTree>
   </p:cSld>
+  <p:clrMapOvr>
+    <a:masterClrMapping/>
+  </p:clrMapOvr>
 </p:sldLayout>
 </file>
 
 <file path=ppt/slideLayouts/slideLayout10.xml><?xml version="1.0" encoding="utf-8"?>
-<p:sldLayout xmlns:a="http://schemas.openxmlformats.org/drawingml/2006/main" xmlns:p="http://schemas.openxmlformats.org/presentationml/2006/main" xmlns:r="http://schemas.openxmlformats.org/officeDocument/2006/relationships" xmlns:p14="http://schemas.microsoft.com/office/powerpoint/2010/main" xmlns:p15="http://schemas.microsoft.com/office/powerpoint/2012/main" xmlns:mc="http://schemas.openxmlformats.org/markup-compatibility/2006" type="objOverTx" preserve="1">
+<p:sldLayout xmlns:a="http://schemas.openxmlformats.org/drawingml/2006/main" xmlns:r="http://schemas.openxmlformats.org/officeDocument/2006/relationships" xmlns:p="http://schemas.openxmlformats.org/presentationml/2006/main" type="objOverTx" preserve="1">
   <p:cSld name="Title, Content over Content">
     <p:spTree>
       <p:nvGrpSpPr>
@@ -92,16 +190,17 @@
           </a:prstGeom>
         </p:spPr>
         <p:txBody>
-          <a:bodyPr lIns="0" rIns="0" tIns="0" bIns="0" anchor="ctr"/>
+          <a:bodyPr lIns="0" tIns="0" rIns="0" bIns="0" anchor="ctr"/>
+          <a:lstStyle/>
           <a:p>
             <a:pPr algn="ctr"/>
-            <a:endParaRPr b="0" lang="en-CA" sz="4400" spc="-1" strike="noStrike">
-              <a:solidFill>
-                <a:srgbClr val="ffffff"/>
-              </a:solidFill>
-              <a:uFill>
-                <a:solidFill>
-                  <a:srgbClr val="ffffff"/>
+            <a:endParaRPr lang="en-CA" sz="4400" b="0" strike="noStrike" spc="-1">
+              <a:solidFill>
+                <a:srgbClr val="FFFFFF"/>
+              </a:solidFill>
+              <a:uFill>
+                <a:solidFill>
+                  <a:srgbClr val="FFFFFF"/>
                 </a:solidFill>
               </a:uFill>
               <a:latin typeface="Arial"/>
@@ -129,15 +228,16 @@
           </a:prstGeom>
         </p:spPr>
         <p:txBody>
-          <a:bodyPr lIns="0" rIns="0" tIns="0" bIns="0"/>
-          <a:p>
-            <a:endParaRPr b="0" lang="en-CA" sz="3200" spc="-1" strike="noStrike">
-              <a:solidFill>
-                <a:srgbClr val="ffffff"/>
-              </a:solidFill>
-              <a:uFill>
-                <a:solidFill>
-                  <a:srgbClr val="ffffff"/>
+          <a:bodyPr lIns="0" tIns="0" rIns="0" bIns="0"/>
+          <a:lstStyle/>
+          <a:p>
+            <a:endParaRPr lang="en-CA" sz="3200" b="0" strike="noStrike" spc="-1">
+              <a:solidFill>
+                <a:srgbClr val="FFFFFF"/>
+              </a:solidFill>
+              <a:uFill>
+                <a:solidFill>
+                  <a:srgbClr val="FFFFFF"/>
                 </a:solidFill>
               </a:uFill>
               <a:latin typeface="Arial"/>
@@ -165,15 +265,16 @@
           </a:prstGeom>
         </p:spPr>
         <p:txBody>
-          <a:bodyPr lIns="0" rIns="0" tIns="0" bIns="0"/>
-          <a:p>
-            <a:endParaRPr b="0" lang="en-CA" sz="3200" spc="-1" strike="noStrike">
-              <a:solidFill>
-                <a:srgbClr val="ffffff"/>
-              </a:solidFill>
-              <a:uFill>
-                <a:solidFill>
-                  <a:srgbClr val="ffffff"/>
+          <a:bodyPr lIns="0" tIns="0" rIns="0" bIns="0"/>
+          <a:lstStyle/>
+          <a:p>
+            <a:endParaRPr lang="en-CA" sz="3200" b="0" strike="noStrike" spc="-1">
+              <a:solidFill>
+                <a:srgbClr val="FFFFFF"/>
+              </a:solidFill>
+              <a:uFill>
+                <a:solidFill>
+                  <a:srgbClr val="FFFFFF"/>
                 </a:solidFill>
               </a:uFill>
               <a:latin typeface="Arial"/>
@@ -183,11 +284,14 @@
       </p:sp>
     </p:spTree>
   </p:cSld>
+  <p:clrMapOvr>
+    <a:masterClrMapping/>
+  </p:clrMapOvr>
 </p:sldLayout>
 </file>
 
 <file path=ppt/slideLayouts/slideLayout11.xml><?xml version="1.0" encoding="utf-8"?>
-<p:sldLayout xmlns:a="http://schemas.openxmlformats.org/drawingml/2006/main" xmlns:p="http://schemas.openxmlformats.org/presentationml/2006/main" xmlns:r="http://schemas.openxmlformats.org/officeDocument/2006/relationships" xmlns:p14="http://schemas.microsoft.com/office/powerpoint/2010/main" xmlns:p15="http://schemas.microsoft.com/office/powerpoint/2012/main" xmlns:mc="http://schemas.openxmlformats.org/markup-compatibility/2006" type="fourObj" preserve="1">
+<p:sldLayout xmlns:a="http://schemas.openxmlformats.org/drawingml/2006/main" xmlns:r="http://schemas.openxmlformats.org/officeDocument/2006/relationships" xmlns:p="http://schemas.openxmlformats.org/presentationml/2006/main" type="fourObj" preserve="1">
   <p:cSld name="Title, 4 Content">
     <p:spTree>
       <p:nvGrpSpPr>
@@ -223,16 +327,17 @@
           </a:prstGeom>
         </p:spPr>
         <p:txBody>
-          <a:bodyPr lIns="0" rIns="0" tIns="0" bIns="0" anchor="ctr"/>
+          <a:bodyPr lIns="0" tIns="0" rIns="0" bIns="0" anchor="ctr"/>
+          <a:lstStyle/>
           <a:p>
             <a:pPr algn="ctr"/>
-            <a:endParaRPr b="0" lang="en-CA" sz="4400" spc="-1" strike="noStrike">
-              <a:solidFill>
-                <a:srgbClr val="ffffff"/>
-              </a:solidFill>
-              <a:uFill>
-                <a:solidFill>
-                  <a:srgbClr val="ffffff"/>
+            <a:endParaRPr lang="en-CA" sz="4400" b="0" strike="noStrike" spc="-1">
+              <a:solidFill>
+                <a:srgbClr val="FFFFFF"/>
+              </a:solidFill>
+              <a:uFill>
+                <a:solidFill>
+                  <a:srgbClr val="FFFFFF"/>
                 </a:solidFill>
               </a:uFill>
               <a:latin typeface="Arial"/>
@@ -260,15 +365,16 @@
           </a:prstGeom>
         </p:spPr>
         <p:txBody>
-          <a:bodyPr lIns="0" rIns="0" tIns="0" bIns="0"/>
-          <a:p>
-            <a:endParaRPr b="0" lang="en-CA" sz="3200" spc="-1" strike="noStrike">
-              <a:solidFill>
-                <a:srgbClr val="ffffff"/>
-              </a:solidFill>
-              <a:uFill>
-                <a:solidFill>
-                  <a:srgbClr val="ffffff"/>
+          <a:bodyPr lIns="0" tIns="0" rIns="0" bIns="0"/>
+          <a:lstStyle/>
+          <a:p>
+            <a:endParaRPr lang="en-CA" sz="3200" b="0" strike="noStrike" spc="-1">
+              <a:solidFill>
+                <a:srgbClr val="FFFFFF"/>
+              </a:solidFill>
+              <a:uFill>
+                <a:solidFill>
+                  <a:srgbClr val="FFFFFF"/>
                 </a:solidFill>
               </a:uFill>
               <a:latin typeface="Arial"/>
@@ -296,15 +402,16 @@
           </a:prstGeom>
         </p:spPr>
         <p:txBody>
-          <a:bodyPr lIns="0" rIns="0" tIns="0" bIns="0"/>
-          <a:p>
-            <a:endParaRPr b="0" lang="en-CA" sz="3200" spc="-1" strike="noStrike">
-              <a:solidFill>
-                <a:srgbClr val="ffffff"/>
-              </a:solidFill>
-              <a:uFill>
-                <a:solidFill>
-                  <a:srgbClr val="ffffff"/>
+          <a:bodyPr lIns="0" tIns="0" rIns="0" bIns="0"/>
+          <a:lstStyle/>
+          <a:p>
+            <a:endParaRPr lang="en-CA" sz="3200" b="0" strike="noStrike" spc="-1">
+              <a:solidFill>
+                <a:srgbClr val="FFFFFF"/>
+              </a:solidFill>
+              <a:uFill>
+                <a:solidFill>
+                  <a:srgbClr val="FFFFFF"/>
                 </a:solidFill>
               </a:uFill>
               <a:latin typeface="Arial"/>
@@ -332,15 +439,16 @@
           </a:prstGeom>
         </p:spPr>
         <p:txBody>
-          <a:bodyPr lIns="0" rIns="0" tIns="0" bIns="0"/>
-          <a:p>
-            <a:endParaRPr b="0" lang="en-CA" sz="3200" spc="-1" strike="noStrike">
-              <a:solidFill>
-                <a:srgbClr val="ffffff"/>
-              </a:solidFill>
-              <a:uFill>
-                <a:solidFill>
-                  <a:srgbClr val="ffffff"/>
+          <a:bodyPr lIns="0" tIns="0" rIns="0" bIns="0"/>
+          <a:lstStyle/>
+          <a:p>
+            <a:endParaRPr lang="en-CA" sz="3200" b="0" strike="noStrike" spc="-1">
+              <a:solidFill>
+                <a:srgbClr val="FFFFFF"/>
+              </a:solidFill>
+              <a:uFill>
+                <a:solidFill>
+                  <a:srgbClr val="FFFFFF"/>
                 </a:solidFill>
               </a:uFill>
               <a:latin typeface="Arial"/>
@@ -368,15 +476,16 @@
           </a:prstGeom>
         </p:spPr>
         <p:txBody>
-          <a:bodyPr lIns="0" rIns="0" tIns="0" bIns="0"/>
-          <a:p>
-            <a:endParaRPr b="0" lang="en-CA" sz="3200" spc="-1" strike="noStrike">
-              <a:solidFill>
-                <a:srgbClr val="ffffff"/>
-              </a:solidFill>
-              <a:uFill>
-                <a:solidFill>
-                  <a:srgbClr val="ffffff"/>
+          <a:bodyPr lIns="0" tIns="0" rIns="0" bIns="0"/>
+          <a:lstStyle/>
+          <a:p>
+            <a:endParaRPr lang="en-CA" sz="3200" b="0" strike="noStrike" spc="-1">
+              <a:solidFill>
+                <a:srgbClr val="FFFFFF"/>
+              </a:solidFill>
+              <a:uFill>
+                <a:solidFill>
+                  <a:srgbClr val="FFFFFF"/>
                 </a:solidFill>
               </a:uFill>
               <a:latin typeface="Arial"/>
@@ -386,11 +495,14 @@
       </p:sp>
     </p:spTree>
   </p:cSld>
+  <p:clrMapOvr>
+    <a:masterClrMapping/>
+  </p:clrMapOvr>
 </p:sldLayout>
 </file>
 
 <file path=ppt/slideLayouts/slideLayout12.xml><?xml version="1.0" encoding="utf-8"?>
-<p:sldLayout xmlns:a="http://schemas.openxmlformats.org/drawingml/2006/main" xmlns:p="http://schemas.openxmlformats.org/presentationml/2006/main" xmlns:r="http://schemas.openxmlformats.org/officeDocument/2006/relationships" xmlns:p14="http://schemas.microsoft.com/office/powerpoint/2010/main" xmlns:p15="http://schemas.microsoft.com/office/powerpoint/2012/main" xmlns:mc="http://schemas.openxmlformats.org/markup-compatibility/2006" type="blank" preserve="1">
+<p:sldLayout xmlns:a="http://schemas.openxmlformats.org/drawingml/2006/main" xmlns:r="http://schemas.openxmlformats.org/officeDocument/2006/relationships" xmlns:p="http://schemas.openxmlformats.org/presentationml/2006/main" type="blank" preserve="1">
   <p:cSld name="Title, 6 Content">
     <p:spTree>
       <p:nvGrpSpPr>
@@ -426,16 +538,17 @@
           </a:prstGeom>
         </p:spPr>
         <p:txBody>
-          <a:bodyPr lIns="0" rIns="0" tIns="0" bIns="0" anchor="ctr"/>
+          <a:bodyPr lIns="0" tIns="0" rIns="0" bIns="0" anchor="ctr"/>
+          <a:lstStyle/>
           <a:p>
             <a:pPr algn="ctr"/>
-            <a:endParaRPr b="0" lang="en-CA" sz="4400" spc="-1" strike="noStrike">
-              <a:solidFill>
-                <a:srgbClr val="ffffff"/>
-              </a:solidFill>
-              <a:uFill>
-                <a:solidFill>
-                  <a:srgbClr val="ffffff"/>
+            <a:endParaRPr lang="en-CA" sz="4400" b="0" strike="noStrike" spc="-1">
+              <a:solidFill>
+                <a:srgbClr val="FFFFFF"/>
+              </a:solidFill>
+              <a:uFill>
+                <a:solidFill>
+                  <a:srgbClr val="FFFFFF"/>
                 </a:solidFill>
               </a:uFill>
               <a:latin typeface="Arial"/>
@@ -463,15 +576,16 @@
           </a:prstGeom>
         </p:spPr>
         <p:txBody>
-          <a:bodyPr lIns="0" rIns="0" tIns="0" bIns="0"/>
-          <a:p>
-            <a:endParaRPr b="0" lang="en-CA" sz="3200" spc="-1" strike="noStrike">
-              <a:solidFill>
-                <a:srgbClr val="ffffff"/>
-              </a:solidFill>
-              <a:uFill>
-                <a:solidFill>
-                  <a:srgbClr val="ffffff"/>
+          <a:bodyPr lIns="0" tIns="0" rIns="0" bIns="0"/>
+          <a:lstStyle/>
+          <a:p>
+            <a:endParaRPr lang="en-CA" sz="3200" b="0" strike="noStrike" spc="-1">
+              <a:solidFill>
+                <a:srgbClr val="FFFFFF"/>
+              </a:solidFill>
+              <a:uFill>
+                <a:solidFill>
+                  <a:srgbClr val="FFFFFF"/>
                 </a:solidFill>
               </a:uFill>
               <a:latin typeface="Arial"/>
@@ -499,15 +613,16 @@
           </a:prstGeom>
         </p:spPr>
         <p:txBody>
-          <a:bodyPr lIns="0" rIns="0" tIns="0" bIns="0"/>
-          <a:p>
-            <a:endParaRPr b="0" lang="en-CA" sz="3200" spc="-1" strike="noStrike">
-              <a:solidFill>
-                <a:srgbClr val="ffffff"/>
-              </a:solidFill>
-              <a:uFill>
-                <a:solidFill>
-                  <a:srgbClr val="ffffff"/>
+          <a:bodyPr lIns="0" tIns="0" rIns="0" bIns="0"/>
+          <a:lstStyle/>
+          <a:p>
+            <a:endParaRPr lang="en-CA" sz="3200" b="0" strike="noStrike" spc="-1">
+              <a:solidFill>
+                <a:srgbClr val="FFFFFF"/>
+              </a:solidFill>
+              <a:uFill>
+                <a:solidFill>
+                  <a:srgbClr val="FFFFFF"/>
                 </a:solidFill>
               </a:uFill>
               <a:latin typeface="Arial"/>
@@ -517,7 +632,7 @@
       </p:sp>
       <p:pic>
         <p:nvPicPr>
-          <p:cNvPr id="34" name="" descr=""/>
+          <p:cNvPr id="34" name="Picture 33"/>
           <p:cNvPicPr/>
           <p:nvPr/>
         </p:nvPicPr>
@@ -540,12 +655,12 @@
       </p:pic>
       <p:pic>
         <p:nvPicPr>
-          <p:cNvPr id="35" name="" descr=""/>
+          <p:cNvPr id="35" name="Picture 34"/>
           <p:cNvPicPr/>
           <p:nvPr/>
         </p:nvPicPr>
         <p:blipFill>
-          <a:blip r:embed="rId3"/>
+          <a:blip r:embed="rId2"/>
           <a:stretch/>
         </p:blipFill>
         <p:spPr>
@@ -563,11 +678,14 @@
       </p:pic>
     </p:spTree>
   </p:cSld>
+  <p:clrMapOvr>
+    <a:masterClrMapping/>
+  </p:clrMapOvr>
 </p:sldLayout>
 </file>
 
 <file path=ppt/slideLayouts/slideLayout13.xml><?xml version="1.0" encoding="utf-8"?>
-<p:sldLayout xmlns:a="http://schemas.openxmlformats.org/drawingml/2006/main" xmlns:p="http://schemas.openxmlformats.org/presentationml/2006/main" xmlns:r="http://schemas.openxmlformats.org/officeDocument/2006/relationships" xmlns:p14="http://schemas.microsoft.com/office/powerpoint/2010/main" xmlns:p15="http://schemas.microsoft.com/office/powerpoint/2012/main" xmlns:mc="http://schemas.openxmlformats.org/markup-compatibility/2006" type="blank" preserve="1">
+<p:sldLayout xmlns:a="http://schemas.openxmlformats.org/drawingml/2006/main" xmlns:r="http://schemas.openxmlformats.org/officeDocument/2006/relationships" xmlns:p="http://schemas.openxmlformats.org/presentationml/2006/main" type="blank" preserve="1">
   <p:cSld name="Blank Slide">
     <p:spTree>
       <p:nvGrpSpPr>
@@ -585,11 +703,14 @@
       </p:grpSpPr>
     </p:spTree>
   </p:cSld>
+  <p:clrMapOvr>
+    <a:masterClrMapping/>
+  </p:clrMapOvr>
 </p:sldLayout>
 </file>
 
 <file path=ppt/slideLayouts/slideLayout14.xml><?xml version="1.0" encoding="utf-8"?>
-<p:sldLayout xmlns:a="http://schemas.openxmlformats.org/drawingml/2006/main" xmlns:p="http://schemas.openxmlformats.org/presentationml/2006/main" xmlns:r="http://schemas.openxmlformats.org/officeDocument/2006/relationships" xmlns:p14="http://schemas.microsoft.com/office/powerpoint/2010/main" xmlns:p15="http://schemas.microsoft.com/office/powerpoint/2012/main" xmlns:mc="http://schemas.openxmlformats.org/markup-compatibility/2006" type="tx" preserve="1">
+<p:sldLayout xmlns:a="http://schemas.openxmlformats.org/drawingml/2006/main" xmlns:r="http://schemas.openxmlformats.org/officeDocument/2006/relationships" xmlns:p="http://schemas.openxmlformats.org/presentationml/2006/main" type="tx" preserve="1">
   <p:cSld name="Title Slide">
     <p:spTree>
       <p:nvGrpSpPr>
@@ -625,16 +746,17 @@
           </a:prstGeom>
         </p:spPr>
         <p:txBody>
-          <a:bodyPr lIns="0" rIns="0" tIns="0" bIns="0" anchor="ctr"/>
+          <a:bodyPr lIns="0" tIns="0" rIns="0" bIns="0" anchor="ctr"/>
+          <a:lstStyle/>
           <a:p>
             <a:pPr algn="ctr"/>
-            <a:endParaRPr b="0" lang="en-CA" sz="4400" spc="-1" strike="noStrike">
-              <a:solidFill>
-                <a:srgbClr val="ffffff"/>
-              </a:solidFill>
-              <a:uFill>
-                <a:solidFill>
-                  <a:srgbClr val="ffffff"/>
+            <a:endParaRPr lang="en-CA" sz="4400" b="0" strike="noStrike" spc="-1">
+              <a:solidFill>
+                <a:srgbClr val="FFFFFF"/>
+              </a:solidFill>
+              <a:uFill>
+                <a:solidFill>
+                  <a:srgbClr val="FFFFFF"/>
                 </a:solidFill>
               </a:uFill>
               <a:latin typeface="Arial"/>
@@ -662,16 +784,17 @@
           </a:prstGeom>
         </p:spPr>
         <p:txBody>
-          <a:bodyPr lIns="0" rIns="0" tIns="0" bIns="0" anchor="ctr"/>
+          <a:bodyPr lIns="0" tIns="0" rIns="0" bIns="0" anchor="ctr"/>
+          <a:lstStyle/>
           <a:p>
             <a:pPr algn="ctr"/>
-            <a:endParaRPr b="0" lang="en-CA" sz="3200" spc="-1" strike="noStrike">
-              <a:solidFill>
-                <a:srgbClr val="ffffff"/>
-              </a:solidFill>
-              <a:uFill>
-                <a:solidFill>
-                  <a:srgbClr val="ffffff"/>
+            <a:endParaRPr lang="en-CA" sz="3200" b="0" strike="noStrike" spc="-1">
+              <a:solidFill>
+                <a:srgbClr val="FFFFFF"/>
+              </a:solidFill>
+              <a:uFill>
+                <a:solidFill>
+                  <a:srgbClr val="FFFFFF"/>
                 </a:solidFill>
               </a:uFill>
               <a:latin typeface="Arial"/>
@@ -681,11 +804,14 @@
       </p:sp>
     </p:spTree>
   </p:cSld>
+  <p:clrMapOvr>
+    <a:masterClrMapping/>
+  </p:clrMapOvr>
 </p:sldLayout>
 </file>
 
 <file path=ppt/slideLayouts/slideLayout15.xml><?xml version="1.0" encoding="utf-8"?>
-<p:sldLayout xmlns:a="http://schemas.openxmlformats.org/drawingml/2006/main" xmlns:p="http://schemas.openxmlformats.org/presentationml/2006/main" xmlns:r="http://schemas.openxmlformats.org/officeDocument/2006/relationships" xmlns:p14="http://schemas.microsoft.com/office/powerpoint/2010/main" xmlns:p15="http://schemas.microsoft.com/office/powerpoint/2012/main" xmlns:mc="http://schemas.openxmlformats.org/markup-compatibility/2006" type="obj" preserve="1">
+<p:sldLayout xmlns:a="http://schemas.openxmlformats.org/drawingml/2006/main" xmlns:r="http://schemas.openxmlformats.org/officeDocument/2006/relationships" xmlns:p="http://schemas.openxmlformats.org/presentationml/2006/main" type="obj" preserve="1">
   <p:cSld name="Title, Content">
     <p:spTree>
       <p:nvGrpSpPr>
@@ -721,16 +847,17 @@
           </a:prstGeom>
         </p:spPr>
         <p:txBody>
-          <a:bodyPr lIns="0" rIns="0" tIns="0" bIns="0" anchor="ctr"/>
+          <a:bodyPr lIns="0" tIns="0" rIns="0" bIns="0" anchor="ctr"/>
+          <a:lstStyle/>
           <a:p>
             <a:pPr algn="ctr"/>
-            <a:endParaRPr b="0" lang="en-CA" sz="4400" spc="-1" strike="noStrike">
-              <a:solidFill>
-                <a:srgbClr val="ffffff"/>
-              </a:solidFill>
-              <a:uFill>
-                <a:solidFill>
-                  <a:srgbClr val="ffffff"/>
+            <a:endParaRPr lang="en-CA" sz="4400" b="0" strike="noStrike" spc="-1">
+              <a:solidFill>
+                <a:srgbClr val="FFFFFF"/>
+              </a:solidFill>
+              <a:uFill>
+                <a:solidFill>
+                  <a:srgbClr val="FFFFFF"/>
                 </a:solidFill>
               </a:uFill>
               <a:latin typeface="Arial"/>
@@ -758,15 +885,16 @@
           </a:prstGeom>
         </p:spPr>
         <p:txBody>
-          <a:bodyPr lIns="0" rIns="0" tIns="0" bIns="0"/>
-          <a:p>
-            <a:endParaRPr b="0" lang="en-CA" sz="3200" spc="-1" strike="noStrike">
-              <a:solidFill>
-                <a:srgbClr val="ffffff"/>
-              </a:solidFill>
-              <a:uFill>
-                <a:solidFill>
-                  <a:srgbClr val="ffffff"/>
+          <a:bodyPr lIns="0" tIns="0" rIns="0" bIns="0"/>
+          <a:lstStyle/>
+          <a:p>
+            <a:endParaRPr lang="en-CA" sz="3200" b="0" strike="noStrike" spc="-1">
+              <a:solidFill>
+                <a:srgbClr val="FFFFFF"/>
+              </a:solidFill>
+              <a:uFill>
+                <a:solidFill>
+                  <a:srgbClr val="FFFFFF"/>
                 </a:solidFill>
               </a:uFill>
               <a:latin typeface="Arial"/>
@@ -776,11 +904,14 @@
       </p:sp>
     </p:spTree>
   </p:cSld>
+  <p:clrMapOvr>
+    <a:masterClrMapping/>
+  </p:clrMapOvr>
 </p:sldLayout>
 </file>
 
 <file path=ppt/slideLayouts/slideLayout16.xml><?xml version="1.0" encoding="utf-8"?>
-<p:sldLayout xmlns:a="http://schemas.openxmlformats.org/drawingml/2006/main" xmlns:p="http://schemas.openxmlformats.org/presentationml/2006/main" xmlns:r="http://schemas.openxmlformats.org/officeDocument/2006/relationships" xmlns:p14="http://schemas.microsoft.com/office/powerpoint/2010/main" xmlns:p15="http://schemas.microsoft.com/office/powerpoint/2012/main" xmlns:mc="http://schemas.openxmlformats.org/markup-compatibility/2006" type="twoObj" preserve="1">
+<p:sldLayout xmlns:a="http://schemas.openxmlformats.org/drawingml/2006/main" xmlns:r="http://schemas.openxmlformats.org/officeDocument/2006/relationships" xmlns:p="http://schemas.openxmlformats.org/presentationml/2006/main" type="twoObj" preserve="1">
   <p:cSld name="Title, 2 Content">
     <p:spTree>
       <p:nvGrpSpPr>
@@ -816,16 +947,17 @@
           </a:prstGeom>
         </p:spPr>
         <p:txBody>
-          <a:bodyPr lIns="0" rIns="0" tIns="0" bIns="0" anchor="ctr"/>
+          <a:bodyPr lIns="0" tIns="0" rIns="0" bIns="0" anchor="ctr"/>
+          <a:lstStyle/>
           <a:p>
             <a:pPr algn="ctr"/>
-            <a:endParaRPr b="0" lang="en-CA" sz="4400" spc="-1" strike="noStrike">
-              <a:solidFill>
-                <a:srgbClr val="ffffff"/>
-              </a:solidFill>
-              <a:uFill>
-                <a:solidFill>
-                  <a:srgbClr val="ffffff"/>
+            <a:endParaRPr lang="en-CA" sz="4400" b="0" strike="noStrike" spc="-1">
+              <a:solidFill>
+                <a:srgbClr val="FFFFFF"/>
+              </a:solidFill>
+              <a:uFill>
+                <a:solidFill>
+                  <a:srgbClr val="FFFFFF"/>
                 </a:solidFill>
               </a:uFill>
               <a:latin typeface="Arial"/>
@@ -853,15 +985,16 @@
           </a:prstGeom>
         </p:spPr>
         <p:txBody>
-          <a:bodyPr lIns="0" rIns="0" tIns="0" bIns="0"/>
-          <a:p>
-            <a:endParaRPr b="0" lang="en-CA" sz="3200" spc="-1" strike="noStrike">
-              <a:solidFill>
-                <a:srgbClr val="ffffff"/>
-              </a:solidFill>
-              <a:uFill>
-                <a:solidFill>
-                  <a:srgbClr val="ffffff"/>
+          <a:bodyPr lIns="0" tIns="0" rIns="0" bIns="0"/>
+          <a:lstStyle/>
+          <a:p>
+            <a:endParaRPr lang="en-CA" sz="3200" b="0" strike="noStrike" spc="-1">
+              <a:solidFill>
+                <a:srgbClr val="FFFFFF"/>
+              </a:solidFill>
+              <a:uFill>
+                <a:solidFill>
+                  <a:srgbClr val="FFFFFF"/>
                 </a:solidFill>
               </a:uFill>
               <a:latin typeface="Arial"/>
@@ -889,15 +1022,16 @@
           </a:prstGeom>
         </p:spPr>
         <p:txBody>
-          <a:bodyPr lIns="0" rIns="0" tIns="0" bIns="0"/>
-          <a:p>
-            <a:endParaRPr b="0" lang="en-CA" sz="3200" spc="-1" strike="noStrike">
-              <a:solidFill>
-                <a:srgbClr val="ffffff"/>
-              </a:solidFill>
-              <a:uFill>
-                <a:solidFill>
-                  <a:srgbClr val="ffffff"/>
+          <a:bodyPr lIns="0" tIns="0" rIns="0" bIns="0"/>
+          <a:lstStyle/>
+          <a:p>
+            <a:endParaRPr lang="en-CA" sz="3200" b="0" strike="noStrike" spc="-1">
+              <a:solidFill>
+                <a:srgbClr val="FFFFFF"/>
+              </a:solidFill>
+              <a:uFill>
+                <a:solidFill>
+                  <a:srgbClr val="FFFFFF"/>
                 </a:solidFill>
               </a:uFill>
               <a:latin typeface="Arial"/>
@@ -907,11 +1041,14 @@
       </p:sp>
     </p:spTree>
   </p:cSld>
+  <p:clrMapOvr>
+    <a:masterClrMapping/>
+  </p:clrMapOvr>
 </p:sldLayout>
 </file>
 
 <file path=ppt/slideLayouts/slideLayout17.xml><?xml version="1.0" encoding="utf-8"?>
-<p:sldLayout xmlns:a="http://schemas.openxmlformats.org/drawingml/2006/main" xmlns:p="http://schemas.openxmlformats.org/presentationml/2006/main" xmlns:r="http://schemas.openxmlformats.org/officeDocument/2006/relationships" xmlns:p14="http://schemas.microsoft.com/office/powerpoint/2010/main" xmlns:p15="http://schemas.microsoft.com/office/powerpoint/2012/main" xmlns:mc="http://schemas.openxmlformats.org/markup-compatibility/2006" type="titleOnly" preserve="1">
+<p:sldLayout xmlns:a="http://schemas.openxmlformats.org/drawingml/2006/main" xmlns:r="http://schemas.openxmlformats.org/officeDocument/2006/relationships" xmlns:p="http://schemas.openxmlformats.org/presentationml/2006/main" type="titleOnly" preserve="1">
   <p:cSld name="Title Only">
     <p:spTree>
       <p:nvGrpSpPr>
@@ -947,16 +1084,17 @@
           </a:prstGeom>
         </p:spPr>
         <p:txBody>
-          <a:bodyPr lIns="0" rIns="0" tIns="0" bIns="0" anchor="ctr"/>
+          <a:bodyPr lIns="0" tIns="0" rIns="0" bIns="0" anchor="ctr"/>
+          <a:lstStyle/>
           <a:p>
             <a:pPr algn="ctr"/>
-            <a:endParaRPr b="0" lang="en-CA" sz="4400" spc="-1" strike="noStrike">
-              <a:solidFill>
-                <a:srgbClr val="ffffff"/>
-              </a:solidFill>
-              <a:uFill>
-                <a:solidFill>
-                  <a:srgbClr val="ffffff"/>
+            <a:endParaRPr lang="en-CA" sz="4400" b="0" strike="noStrike" spc="-1">
+              <a:solidFill>
+                <a:srgbClr val="FFFFFF"/>
+              </a:solidFill>
+              <a:uFill>
+                <a:solidFill>
+                  <a:srgbClr val="FFFFFF"/>
                 </a:solidFill>
               </a:uFill>
               <a:latin typeface="Arial"/>
@@ -966,11 +1104,14 @@
       </p:sp>
     </p:spTree>
   </p:cSld>
+  <p:clrMapOvr>
+    <a:masterClrMapping/>
+  </p:clrMapOvr>
 </p:sldLayout>
 </file>
 
 <file path=ppt/slideLayouts/slideLayout18.xml><?xml version="1.0" encoding="utf-8"?>
-<p:sldLayout xmlns:a="http://schemas.openxmlformats.org/drawingml/2006/main" xmlns:p="http://schemas.openxmlformats.org/presentationml/2006/main" xmlns:r="http://schemas.openxmlformats.org/officeDocument/2006/relationships" xmlns:p14="http://schemas.microsoft.com/office/powerpoint/2010/main" xmlns:p15="http://schemas.microsoft.com/office/powerpoint/2012/main" xmlns:mc="http://schemas.openxmlformats.org/markup-compatibility/2006" type="objOnly" preserve="1">
+<p:sldLayout xmlns:a="http://schemas.openxmlformats.org/drawingml/2006/main" xmlns:r="http://schemas.openxmlformats.org/officeDocument/2006/relationships" xmlns:p="http://schemas.openxmlformats.org/presentationml/2006/main" type="objOnly" preserve="1">
   <p:cSld name="Centered Text">
     <p:spTree>
       <p:nvGrpSpPr>
@@ -1006,16 +1147,17 @@
           </a:prstGeom>
         </p:spPr>
         <p:txBody>
-          <a:bodyPr lIns="0" rIns="0" tIns="0" bIns="0" anchor="ctr"/>
+          <a:bodyPr lIns="0" tIns="0" rIns="0" bIns="0" anchor="ctr"/>
+          <a:lstStyle/>
           <a:p>
             <a:pPr algn="ctr"/>
-            <a:endParaRPr b="0" lang="en-CA" sz="3200" spc="-1" strike="noStrike">
-              <a:solidFill>
-                <a:srgbClr val="ffffff"/>
-              </a:solidFill>
-              <a:uFill>
-                <a:solidFill>
-                  <a:srgbClr val="ffffff"/>
+            <a:endParaRPr lang="en-CA" sz="3200" b="0" strike="noStrike" spc="-1">
+              <a:solidFill>
+                <a:srgbClr val="FFFFFF"/>
+              </a:solidFill>
+              <a:uFill>
+                <a:solidFill>
+                  <a:srgbClr val="FFFFFF"/>
                 </a:solidFill>
               </a:uFill>
               <a:latin typeface="Arial"/>
@@ -1025,11 +1167,14 @@
       </p:sp>
     </p:spTree>
   </p:cSld>
+  <p:clrMapOvr>
+    <a:masterClrMapping/>
+  </p:clrMapOvr>
 </p:sldLayout>
 </file>
 
 <file path=ppt/slideLayouts/slideLayout19.xml><?xml version="1.0" encoding="utf-8"?>
-<p:sldLayout xmlns:a="http://schemas.openxmlformats.org/drawingml/2006/main" xmlns:p="http://schemas.openxmlformats.org/presentationml/2006/main" xmlns:r="http://schemas.openxmlformats.org/officeDocument/2006/relationships" xmlns:p14="http://schemas.microsoft.com/office/powerpoint/2010/main" xmlns:p15="http://schemas.microsoft.com/office/powerpoint/2012/main" xmlns:mc="http://schemas.openxmlformats.org/markup-compatibility/2006" type="twoObjAndObj" preserve="1">
+<p:sldLayout xmlns:a="http://schemas.openxmlformats.org/drawingml/2006/main" xmlns:r="http://schemas.openxmlformats.org/officeDocument/2006/relationships" xmlns:p="http://schemas.openxmlformats.org/presentationml/2006/main" type="twoObjAndObj" preserve="1">
   <p:cSld name="Title, 2 Content and Content">
     <p:spTree>
       <p:nvGrpSpPr>
@@ -1065,16 +1210,17 @@
           </a:prstGeom>
         </p:spPr>
         <p:txBody>
-          <a:bodyPr lIns="0" rIns="0" tIns="0" bIns="0" anchor="ctr"/>
+          <a:bodyPr lIns="0" tIns="0" rIns="0" bIns="0" anchor="ctr"/>
+          <a:lstStyle/>
           <a:p>
             <a:pPr algn="ctr"/>
-            <a:endParaRPr b="0" lang="en-CA" sz="4400" spc="-1" strike="noStrike">
-              <a:solidFill>
-                <a:srgbClr val="ffffff"/>
-              </a:solidFill>
-              <a:uFill>
-                <a:solidFill>
-                  <a:srgbClr val="ffffff"/>
+            <a:endParaRPr lang="en-CA" sz="4400" b="0" strike="noStrike" spc="-1">
+              <a:solidFill>
+                <a:srgbClr val="FFFFFF"/>
+              </a:solidFill>
+              <a:uFill>
+                <a:solidFill>
+                  <a:srgbClr val="FFFFFF"/>
                 </a:solidFill>
               </a:uFill>
               <a:latin typeface="Arial"/>
@@ -1102,15 +1248,16 @@
           </a:prstGeom>
         </p:spPr>
         <p:txBody>
-          <a:bodyPr lIns="0" rIns="0" tIns="0" bIns="0"/>
-          <a:p>
-            <a:endParaRPr b="0" lang="en-CA" sz="3200" spc="-1" strike="noStrike">
-              <a:solidFill>
-                <a:srgbClr val="ffffff"/>
-              </a:solidFill>
-              <a:uFill>
-                <a:solidFill>
-                  <a:srgbClr val="ffffff"/>
+          <a:bodyPr lIns="0" tIns="0" rIns="0" bIns="0"/>
+          <a:lstStyle/>
+          <a:p>
+            <a:endParaRPr lang="en-CA" sz="3200" b="0" strike="noStrike" spc="-1">
+              <a:solidFill>
+                <a:srgbClr val="FFFFFF"/>
+              </a:solidFill>
+              <a:uFill>
+                <a:solidFill>
+                  <a:srgbClr val="FFFFFF"/>
                 </a:solidFill>
               </a:uFill>
               <a:latin typeface="Arial"/>
@@ -1138,15 +1285,16 @@
           </a:prstGeom>
         </p:spPr>
         <p:txBody>
-          <a:bodyPr lIns="0" rIns="0" tIns="0" bIns="0"/>
-          <a:p>
-            <a:endParaRPr b="0" lang="en-CA" sz="3200" spc="-1" strike="noStrike">
-              <a:solidFill>
-                <a:srgbClr val="ffffff"/>
-              </a:solidFill>
-              <a:uFill>
-                <a:solidFill>
-                  <a:srgbClr val="ffffff"/>
+          <a:bodyPr lIns="0" tIns="0" rIns="0" bIns="0"/>
+          <a:lstStyle/>
+          <a:p>
+            <a:endParaRPr lang="en-CA" sz="3200" b="0" strike="noStrike" spc="-1">
+              <a:solidFill>
+                <a:srgbClr val="FFFFFF"/>
+              </a:solidFill>
+              <a:uFill>
+                <a:solidFill>
+                  <a:srgbClr val="FFFFFF"/>
                 </a:solidFill>
               </a:uFill>
               <a:latin typeface="Arial"/>
@@ -1174,15 +1322,16 @@
           </a:prstGeom>
         </p:spPr>
         <p:txBody>
-          <a:bodyPr lIns="0" rIns="0" tIns="0" bIns="0"/>
-          <a:p>
-            <a:endParaRPr b="0" lang="en-CA" sz="3200" spc="-1" strike="noStrike">
-              <a:solidFill>
-                <a:srgbClr val="ffffff"/>
-              </a:solidFill>
-              <a:uFill>
-                <a:solidFill>
-                  <a:srgbClr val="ffffff"/>
+          <a:bodyPr lIns="0" tIns="0" rIns="0" bIns="0"/>
+          <a:lstStyle/>
+          <a:p>
+            <a:endParaRPr lang="en-CA" sz="3200" b="0" strike="noStrike" spc="-1">
+              <a:solidFill>
+                <a:srgbClr val="FFFFFF"/>
+              </a:solidFill>
+              <a:uFill>
+                <a:solidFill>
+                  <a:srgbClr val="FFFFFF"/>
                 </a:solidFill>
               </a:uFill>
               <a:latin typeface="Arial"/>
@@ -1192,11 +1341,14 @@
       </p:sp>
     </p:spTree>
   </p:cSld>
+  <p:clrMapOvr>
+    <a:masterClrMapping/>
+  </p:clrMapOvr>
 </p:sldLayout>
 </file>
 
 <file path=ppt/slideLayouts/slideLayout2.xml><?xml version="1.0" encoding="utf-8"?>
-<p:sldLayout xmlns:a="http://schemas.openxmlformats.org/drawingml/2006/main" xmlns:p="http://schemas.openxmlformats.org/presentationml/2006/main" xmlns:r="http://schemas.openxmlformats.org/officeDocument/2006/relationships" xmlns:p14="http://schemas.microsoft.com/office/powerpoint/2010/main" xmlns:p15="http://schemas.microsoft.com/office/powerpoint/2012/main" xmlns:mc="http://schemas.openxmlformats.org/markup-compatibility/2006" type="tx" preserve="1">
+<p:sldLayout xmlns:a="http://schemas.openxmlformats.org/drawingml/2006/main" xmlns:r="http://schemas.openxmlformats.org/officeDocument/2006/relationships" xmlns:p="http://schemas.openxmlformats.org/presentationml/2006/main" type="tx" preserve="1">
   <p:cSld name="Title Slide">
     <p:spTree>
       <p:nvGrpSpPr>
@@ -1232,16 +1384,17 @@
           </a:prstGeom>
         </p:spPr>
         <p:txBody>
-          <a:bodyPr lIns="0" rIns="0" tIns="0" bIns="0" anchor="ctr"/>
+          <a:bodyPr lIns="0" tIns="0" rIns="0" bIns="0" anchor="ctr"/>
+          <a:lstStyle/>
           <a:p>
             <a:pPr algn="ctr"/>
-            <a:endParaRPr b="0" lang="en-CA" sz="4400" spc="-1" strike="noStrike">
-              <a:solidFill>
-                <a:srgbClr val="ffffff"/>
-              </a:solidFill>
-              <a:uFill>
-                <a:solidFill>
-                  <a:srgbClr val="ffffff"/>
+            <a:endParaRPr lang="en-CA" sz="4400" b="0" strike="noStrike" spc="-1">
+              <a:solidFill>
+                <a:srgbClr val="FFFFFF"/>
+              </a:solidFill>
+              <a:uFill>
+                <a:solidFill>
+                  <a:srgbClr val="FFFFFF"/>
                 </a:solidFill>
               </a:uFill>
               <a:latin typeface="Arial"/>
@@ -1269,16 +1422,17 @@
           </a:prstGeom>
         </p:spPr>
         <p:txBody>
-          <a:bodyPr lIns="0" rIns="0" tIns="0" bIns="0" anchor="ctr"/>
+          <a:bodyPr lIns="0" tIns="0" rIns="0" bIns="0" anchor="ctr"/>
+          <a:lstStyle/>
           <a:p>
             <a:pPr algn="ctr"/>
-            <a:endParaRPr b="0" lang="en-CA" sz="3200" spc="-1" strike="noStrike">
-              <a:solidFill>
-                <a:srgbClr val="ffffff"/>
-              </a:solidFill>
-              <a:uFill>
-                <a:solidFill>
-                  <a:srgbClr val="ffffff"/>
+            <a:endParaRPr lang="en-CA" sz="3200" b="0" strike="noStrike" spc="-1">
+              <a:solidFill>
+                <a:srgbClr val="FFFFFF"/>
+              </a:solidFill>
+              <a:uFill>
+                <a:solidFill>
+                  <a:srgbClr val="FFFFFF"/>
                 </a:solidFill>
               </a:uFill>
               <a:latin typeface="Arial"/>
@@ -1288,11 +1442,14 @@
       </p:sp>
     </p:spTree>
   </p:cSld>
+  <p:clrMapOvr>
+    <a:masterClrMapping/>
+  </p:clrMapOvr>
 </p:sldLayout>
 </file>
 
 <file path=ppt/slideLayouts/slideLayout20.xml><?xml version="1.0" encoding="utf-8"?>
-<p:sldLayout xmlns:a="http://schemas.openxmlformats.org/drawingml/2006/main" xmlns:p="http://schemas.openxmlformats.org/presentationml/2006/main" xmlns:r="http://schemas.openxmlformats.org/officeDocument/2006/relationships" xmlns:p14="http://schemas.microsoft.com/office/powerpoint/2010/main" xmlns:p15="http://schemas.microsoft.com/office/powerpoint/2012/main" xmlns:mc="http://schemas.openxmlformats.org/markup-compatibility/2006" type="objAndTwoObj" preserve="1">
+<p:sldLayout xmlns:a="http://schemas.openxmlformats.org/drawingml/2006/main" xmlns:r="http://schemas.openxmlformats.org/officeDocument/2006/relationships" xmlns:p="http://schemas.openxmlformats.org/presentationml/2006/main" type="objAndTwoObj" preserve="1">
   <p:cSld name="Title Content and 2 Content">
     <p:spTree>
       <p:nvGrpSpPr>
@@ -1328,16 +1485,17 @@
           </a:prstGeom>
         </p:spPr>
         <p:txBody>
-          <a:bodyPr lIns="0" rIns="0" tIns="0" bIns="0" anchor="ctr"/>
+          <a:bodyPr lIns="0" tIns="0" rIns="0" bIns="0" anchor="ctr"/>
+          <a:lstStyle/>
           <a:p>
             <a:pPr algn="ctr"/>
-            <a:endParaRPr b="0" lang="en-CA" sz="4400" spc="-1" strike="noStrike">
-              <a:solidFill>
-                <a:srgbClr val="ffffff"/>
-              </a:solidFill>
-              <a:uFill>
-                <a:solidFill>
-                  <a:srgbClr val="ffffff"/>
+            <a:endParaRPr lang="en-CA" sz="4400" b="0" strike="noStrike" spc="-1">
+              <a:solidFill>
+                <a:srgbClr val="FFFFFF"/>
+              </a:solidFill>
+              <a:uFill>
+                <a:solidFill>
+                  <a:srgbClr val="FFFFFF"/>
                 </a:solidFill>
               </a:uFill>
               <a:latin typeface="Arial"/>
@@ -1365,15 +1523,16 @@
           </a:prstGeom>
         </p:spPr>
         <p:txBody>
-          <a:bodyPr lIns="0" rIns="0" tIns="0" bIns="0"/>
-          <a:p>
-            <a:endParaRPr b="0" lang="en-CA" sz="3200" spc="-1" strike="noStrike">
-              <a:solidFill>
-                <a:srgbClr val="ffffff"/>
-              </a:solidFill>
-              <a:uFill>
-                <a:solidFill>
-                  <a:srgbClr val="ffffff"/>
+          <a:bodyPr lIns="0" tIns="0" rIns="0" bIns="0"/>
+          <a:lstStyle/>
+          <a:p>
+            <a:endParaRPr lang="en-CA" sz="3200" b="0" strike="noStrike" spc="-1">
+              <a:solidFill>
+                <a:srgbClr val="FFFFFF"/>
+              </a:solidFill>
+              <a:uFill>
+                <a:solidFill>
+                  <a:srgbClr val="FFFFFF"/>
                 </a:solidFill>
               </a:uFill>
               <a:latin typeface="Arial"/>
@@ -1401,15 +1560,16 @@
           </a:prstGeom>
         </p:spPr>
         <p:txBody>
-          <a:bodyPr lIns="0" rIns="0" tIns="0" bIns="0"/>
-          <a:p>
-            <a:endParaRPr b="0" lang="en-CA" sz="3200" spc="-1" strike="noStrike">
-              <a:solidFill>
-                <a:srgbClr val="ffffff"/>
-              </a:solidFill>
-              <a:uFill>
-                <a:solidFill>
-                  <a:srgbClr val="ffffff"/>
+          <a:bodyPr lIns="0" tIns="0" rIns="0" bIns="0"/>
+          <a:lstStyle/>
+          <a:p>
+            <a:endParaRPr lang="en-CA" sz="3200" b="0" strike="noStrike" spc="-1">
+              <a:solidFill>
+                <a:srgbClr val="FFFFFF"/>
+              </a:solidFill>
+              <a:uFill>
+                <a:solidFill>
+                  <a:srgbClr val="FFFFFF"/>
                 </a:solidFill>
               </a:uFill>
               <a:latin typeface="Arial"/>
@@ -1437,15 +1597,16 @@
           </a:prstGeom>
         </p:spPr>
         <p:txBody>
-          <a:bodyPr lIns="0" rIns="0" tIns="0" bIns="0"/>
-          <a:p>
-            <a:endParaRPr b="0" lang="en-CA" sz="3200" spc="-1" strike="noStrike">
-              <a:solidFill>
-                <a:srgbClr val="ffffff"/>
-              </a:solidFill>
-              <a:uFill>
-                <a:solidFill>
-                  <a:srgbClr val="ffffff"/>
+          <a:bodyPr lIns="0" tIns="0" rIns="0" bIns="0"/>
+          <a:lstStyle/>
+          <a:p>
+            <a:endParaRPr lang="en-CA" sz="3200" b="0" strike="noStrike" spc="-1">
+              <a:solidFill>
+                <a:srgbClr val="FFFFFF"/>
+              </a:solidFill>
+              <a:uFill>
+                <a:solidFill>
+                  <a:srgbClr val="FFFFFF"/>
                 </a:solidFill>
               </a:uFill>
               <a:latin typeface="Arial"/>
@@ -1455,11 +1616,14 @@
       </p:sp>
     </p:spTree>
   </p:cSld>
+  <p:clrMapOvr>
+    <a:masterClrMapping/>
+  </p:clrMapOvr>
 </p:sldLayout>
 </file>
 
 <file path=ppt/slideLayouts/slideLayout21.xml><?xml version="1.0" encoding="utf-8"?>
-<p:sldLayout xmlns:a="http://schemas.openxmlformats.org/drawingml/2006/main" xmlns:p="http://schemas.openxmlformats.org/presentationml/2006/main" xmlns:r="http://schemas.openxmlformats.org/officeDocument/2006/relationships" xmlns:p14="http://schemas.microsoft.com/office/powerpoint/2010/main" xmlns:p15="http://schemas.microsoft.com/office/powerpoint/2012/main" xmlns:mc="http://schemas.openxmlformats.org/markup-compatibility/2006" type="twoObjOverTx" preserve="1">
+<p:sldLayout xmlns:a="http://schemas.openxmlformats.org/drawingml/2006/main" xmlns:r="http://schemas.openxmlformats.org/officeDocument/2006/relationships" xmlns:p="http://schemas.openxmlformats.org/presentationml/2006/main" type="twoObjOverTx" preserve="1">
   <p:cSld name="Title, 2 Content over Content">
     <p:spTree>
       <p:nvGrpSpPr>
@@ -1495,16 +1659,17 @@
           </a:prstGeom>
         </p:spPr>
         <p:txBody>
-          <a:bodyPr lIns="0" rIns="0" tIns="0" bIns="0" anchor="ctr"/>
+          <a:bodyPr lIns="0" tIns="0" rIns="0" bIns="0" anchor="ctr"/>
+          <a:lstStyle/>
           <a:p>
             <a:pPr algn="ctr"/>
-            <a:endParaRPr b="0" lang="en-CA" sz="4400" spc="-1" strike="noStrike">
-              <a:solidFill>
-                <a:srgbClr val="ffffff"/>
-              </a:solidFill>
-              <a:uFill>
-                <a:solidFill>
-                  <a:srgbClr val="ffffff"/>
+            <a:endParaRPr lang="en-CA" sz="4400" b="0" strike="noStrike" spc="-1">
+              <a:solidFill>
+                <a:srgbClr val="FFFFFF"/>
+              </a:solidFill>
+              <a:uFill>
+                <a:solidFill>
+                  <a:srgbClr val="FFFFFF"/>
                 </a:solidFill>
               </a:uFill>
               <a:latin typeface="Arial"/>
@@ -1532,15 +1697,16 @@
           </a:prstGeom>
         </p:spPr>
         <p:txBody>
-          <a:bodyPr lIns="0" rIns="0" tIns="0" bIns="0"/>
-          <a:p>
-            <a:endParaRPr b="0" lang="en-CA" sz="3200" spc="-1" strike="noStrike">
-              <a:solidFill>
-                <a:srgbClr val="ffffff"/>
-              </a:solidFill>
-              <a:uFill>
-                <a:solidFill>
-                  <a:srgbClr val="ffffff"/>
+          <a:bodyPr lIns="0" tIns="0" rIns="0" bIns="0"/>
+          <a:lstStyle/>
+          <a:p>
+            <a:endParaRPr lang="en-CA" sz="3200" b="0" strike="noStrike" spc="-1">
+              <a:solidFill>
+                <a:srgbClr val="FFFFFF"/>
+              </a:solidFill>
+              <a:uFill>
+                <a:solidFill>
+                  <a:srgbClr val="FFFFFF"/>
                 </a:solidFill>
               </a:uFill>
               <a:latin typeface="Arial"/>
@@ -1568,15 +1734,16 @@
           </a:prstGeom>
         </p:spPr>
         <p:txBody>
-          <a:bodyPr lIns="0" rIns="0" tIns="0" bIns="0"/>
-          <a:p>
-            <a:endParaRPr b="0" lang="en-CA" sz="3200" spc="-1" strike="noStrike">
-              <a:solidFill>
-                <a:srgbClr val="ffffff"/>
-              </a:solidFill>
-              <a:uFill>
-                <a:solidFill>
-                  <a:srgbClr val="ffffff"/>
+          <a:bodyPr lIns="0" tIns="0" rIns="0" bIns="0"/>
+          <a:lstStyle/>
+          <a:p>
+            <a:endParaRPr lang="en-CA" sz="3200" b="0" strike="noStrike" spc="-1">
+              <a:solidFill>
+                <a:srgbClr val="FFFFFF"/>
+              </a:solidFill>
+              <a:uFill>
+                <a:solidFill>
+                  <a:srgbClr val="FFFFFF"/>
                 </a:solidFill>
               </a:uFill>
               <a:latin typeface="Arial"/>
@@ -1604,15 +1771,16 @@
           </a:prstGeom>
         </p:spPr>
         <p:txBody>
-          <a:bodyPr lIns="0" rIns="0" tIns="0" bIns="0"/>
-          <a:p>
-            <a:endParaRPr b="0" lang="en-CA" sz="3200" spc="-1" strike="noStrike">
-              <a:solidFill>
-                <a:srgbClr val="ffffff"/>
-              </a:solidFill>
-              <a:uFill>
-                <a:solidFill>
-                  <a:srgbClr val="ffffff"/>
+          <a:bodyPr lIns="0" tIns="0" rIns="0" bIns="0"/>
+          <a:lstStyle/>
+          <a:p>
+            <a:endParaRPr lang="en-CA" sz="3200" b="0" strike="noStrike" spc="-1">
+              <a:solidFill>
+                <a:srgbClr val="FFFFFF"/>
+              </a:solidFill>
+              <a:uFill>
+                <a:solidFill>
+                  <a:srgbClr val="FFFFFF"/>
                 </a:solidFill>
               </a:uFill>
               <a:latin typeface="Arial"/>
@@ -1622,11 +1790,14 @@
       </p:sp>
     </p:spTree>
   </p:cSld>
+  <p:clrMapOvr>
+    <a:masterClrMapping/>
+  </p:clrMapOvr>
 </p:sldLayout>
 </file>
 
 <file path=ppt/slideLayouts/slideLayout22.xml><?xml version="1.0" encoding="utf-8"?>
-<p:sldLayout xmlns:a="http://schemas.openxmlformats.org/drawingml/2006/main" xmlns:p="http://schemas.openxmlformats.org/presentationml/2006/main" xmlns:r="http://schemas.openxmlformats.org/officeDocument/2006/relationships" xmlns:p14="http://schemas.microsoft.com/office/powerpoint/2010/main" xmlns:p15="http://schemas.microsoft.com/office/powerpoint/2012/main" xmlns:mc="http://schemas.openxmlformats.org/markup-compatibility/2006" type="objOverTx" preserve="1">
+<p:sldLayout xmlns:a="http://schemas.openxmlformats.org/drawingml/2006/main" xmlns:r="http://schemas.openxmlformats.org/officeDocument/2006/relationships" xmlns:p="http://schemas.openxmlformats.org/presentationml/2006/main" type="objOverTx" preserve="1">
   <p:cSld name="Title, Content over Content">
     <p:spTree>
       <p:nvGrpSpPr>
@@ -1662,16 +1833,17 @@
           </a:prstGeom>
         </p:spPr>
         <p:txBody>
-          <a:bodyPr lIns="0" rIns="0" tIns="0" bIns="0" anchor="ctr"/>
+          <a:bodyPr lIns="0" tIns="0" rIns="0" bIns="0" anchor="ctr"/>
+          <a:lstStyle/>
           <a:p>
             <a:pPr algn="ctr"/>
-            <a:endParaRPr b="0" lang="en-CA" sz="4400" spc="-1" strike="noStrike">
-              <a:solidFill>
-                <a:srgbClr val="ffffff"/>
-              </a:solidFill>
-              <a:uFill>
-                <a:solidFill>
-                  <a:srgbClr val="ffffff"/>
+            <a:endParaRPr lang="en-CA" sz="4400" b="0" strike="noStrike" spc="-1">
+              <a:solidFill>
+                <a:srgbClr val="FFFFFF"/>
+              </a:solidFill>
+              <a:uFill>
+                <a:solidFill>
+                  <a:srgbClr val="FFFFFF"/>
                 </a:solidFill>
               </a:uFill>
               <a:latin typeface="Arial"/>
@@ -1699,15 +1871,16 @@
           </a:prstGeom>
         </p:spPr>
         <p:txBody>
-          <a:bodyPr lIns="0" rIns="0" tIns="0" bIns="0"/>
-          <a:p>
-            <a:endParaRPr b="0" lang="en-CA" sz="3200" spc="-1" strike="noStrike">
-              <a:solidFill>
-                <a:srgbClr val="ffffff"/>
-              </a:solidFill>
-              <a:uFill>
-                <a:solidFill>
-                  <a:srgbClr val="ffffff"/>
+          <a:bodyPr lIns="0" tIns="0" rIns="0" bIns="0"/>
+          <a:lstStyle/>
+          <a:p>
+            <a:endParaRPr lang="en-CA" sz="3200" b="0" strike="noStrike" spc="-1">
+              <a:solidFill>
+                <a:srgbClr val="FFFFFF"/>
+              </a:solidFill>
+              <a:uFill>
+                <a:solidFill>
+                  <a:srgbClr val="FFFFFF"/>
                 </a:solidFill>
               </a:uFill>
               <a:latin typeface="Arial"/>
@@ -1735,15 +1908,16 @@
           </a:prstGeom>
         </p:spPr>
         <p:txBody>
-          <a:bodyPr lIns="0" rIns="0" tIns="0" bIns="0"/>
-          <a:p>
-            <a:endParaRPr b="0" lang="en-CA" sz="3200" spc="-1" strike="noStrike">
-              <a:solidFill>
-                <a:srgbClr val="ffffff"/>
-              </a:solidFill>
-              <a:uFill>
-                <a:solidFill>
-                  <a:srgbClr val="ffffff"/>
+          <a:bodyPr lIns="0" tIns="0" rIns="0" bIns="0"/>
+          <a:lstStyle/>
+          <a:p>
+            <a:endParaRPr lang="en-CA" sz="3200" b="0" strike="noStrike" spc="-1">
+              <a:solidFill>
+                <a:srgbClr val="FFFFFF"/>
+              </a:solidFill>
+              <a:uFill>
+                <a:solidFill>
+                  <a:srgbClr val="FFFFFF"/>
                 </a:solidFill>
               </a:uFill>
               <a:latin typeface="Arial"/>
@@ -1753,11 +1927,14 @@
       </p:sp>
     </p:spTree>
   </p:cSld>
+  <p:clrMapOvr>
+    <a:masterClrMapping/>
+  </p:clrMapOvr>
 </p:sldLayout>
 </file>
 
 <file path=ppt/slideLayouts/slideLayout23.xml><?xml version="1.0" encoding="utf-8"?>
-<p:sldLayout xmlns:a="http://schemas.openxmlformats.org/drawingml/2006/main" xmlns:p="http://schemas.openxmlformats.org/presentationml/2006/main" xmlns:r="http://schemas.openxmlformats.org/officeDocument/2006/relationships" xmlns:p14="http://schemas.microsoft.com/office/powerpoint/2010/main" xmlns:p15="http://schemas.microsoft.com/office/powerpoint/2012/main" xmlns:mc="http://schemas.openxmlformats.org/markup-compatibility/2006" type="fourObj" preserve="1">
+<p:sldLayout xmlns:a="http://schemas.openxmlformats.org/drawingml/2006/main" xmlns:r="http://schemas.openxmlformats.org/officeDocument/2006/relationships" xmlns:p="http://schemas.openxmlformats.org/presentationml/2006/main" type="fourObj" preserve="1">
   <p:cSld name="Title, 4 Content">
     <p:spTree>
       <p:nvGrpSpPr>
@@ -1793,16 +1970,17 @@
           </a:prstGeom>
         </p:spPr>
         <p:txBody>
-          <a:bodyPr lIns="0" rIns="0" tIns="0" bIns="0" anchor="ctr"/>
+          <a:bodyPr lIns="0" tIns="0" rIns="0" bIns="0" anchor="ctr"/>
+          <a:lstStyle/>
           <a:p>
             <a:pPr algn="ctr"/>
-            <a:endParaRPr b="0" lang="en-CA" sz="4400" spc="-1" strike="noStrike">
-              <a:solidFill>
-                <a:srgbClr val="ffffff"/>
-              </a:solidFill>
-              <a:uFill>
-                <a:solidFill>
-                  <a:srgbClr val="ffffff"/>
+            <a:endParaRPr lang="en-CA" sz="4400" b="0" strike="noStrike" spc="-1">
+              <a:solidFill>
+                <a:srgbClr val="FFFFFF"/>
+              </a:solidFill>
+              <a:uFill>
+                <a:solidFill>
+                  <a:srgbClr val="FFFFFF"/>
                 </a:solidFill>
               </a:uFill>
               <a:latin typeface="Arial"/>
@@ -1830,15 +2008,16 @@
           </a:prstGeom>
         </p:spPr>
         <p:txBody>
-          <a:bodyPr lIns="0" rIns="0" tIns="0" bIns="0"/>
-          <a:p>
-            <a:endParaRPr b="0" lang="en-CA" sz="3200" spc="-1" strike="noStrike">
-              <a:solidFill>
-                <a:srgbClr val="ffffff"/>
-              </a:solidFill>
-              <a:uFill>
-                <a:solidFill>
-                  <a:srgbClr val="ffffff"/>
+          <a:bodyPr lIns="0" tIns="0" rIns="0" bIns="0"/>
+          <a:lstStyle/>
+          <a:p>
+            <a:endParaRPr lang="en-CA" sz="3200" b="0" strike="noStrike" spc="-1">
+              <a:solidFill>
+                <a:srgbClr val="FFFFFF"/>
+              </a:solidFill>
+              <a:uFill>
+                <a:solidFill>
+                  <a:srgbClr val="FFFFFF"/>
                 </a:solidFill>
               </a:uFill>
               <a:latin typeface="Arial"/>
@@ -1866,15 +2045,16 @@
           </a:prstGeom>
         </p:spPr>
         <p:txBody>
-          <a:bodyPr lIns="0" rIns="0" tIns="0" bIns="0"/>
-          <a:p>
-            <a:endParaRPr b="0" lang="en-CA" sz="3200" spc="-1" strike="noStrike">
-              <a:solidFill>
-                <a:srgbClr val="ffffff"/>
-              </a:solidFill>
-              <a:uFill>
-                <a:solidFill>
-                  <a:srgbClr val="ffffff"/>
+          <a:bodyPr lIns="0" tIns="0" rIns="0" bIns="0"/>
+          <a:lstStyle/>
+          <a:p>
+            <a:endParaRPr lang="en-CA" sz="3200" b="0" strike="noStrike" spc="-1">
+              <a:solidFill>
+                <a:srgbClr val="FFFFFF"/>
+              </a:solidFill>
+              <a:uFill>
+                <a:solidFill>
+                  <a:srgbClr val="FFFFFF"/>
                 </a:solidFill>
               </a:uFill>
               <a:latin typeface="Arial"/>
@@ -1902,15 +2082,16 @@
           </a:prstGeom>
         </p:spPr>
         <p:txBody>
-          <a:bodyPr lIns="0" rIns="0" tIns="0" bIns="0"/>
-          <a:p>
-            <a:endParaRPr b="0" lang="en-CA" sz="3200" spc="-1" strike="noStrike">
-              <a:solidFill>
-                <a:srgbClr val="ffffff"/>
-              </a:solidFill>
-              <a:uFill>
-                <a:solidFill>
-                  <a:srgbClr val="ffffff"/>
+          <a:bodyPr lIns="0" tIns="0" rIns="0" bIns="0"/>
+          <a:lstStyle/>
+          <a:p>
+            <a:endParaRPr lang="en-CA" sz="3200" b="0" strike="noStrike" spc="-1">
+              <a:solidFill>
+                <a:srgbClr val="FFFFFF"/>
+              </a:solidFill>
+              <a:uFill>
+                <a:solidFill>
+                  <a:srgbClr val="FFFFFF"/>
                 </a:solidFill>
               </a:uFill>
               <a:latin typeface="Arial"/>
@@ -1938,15 +2119,16 @@
           </a:prstGeom>
         </p:spPr>
         <p:txBody>
-          <a:bodyPr lIns="0" rIns="0" tIns="0" bIns="0"/>
-          <a:p>
-            <a:endParaRPr b="0" lang="en-CA" sz="3200" spc="-1" strike="noStrike">
-              <a:solidFill>
-                <a:srgbClr val="ffffff"/>
-              </a:solidFill>
-              <a:uFill>
-                <a:solidFill>
-                  <a:srgbClr val="ffffff"/>
+          <a:bodyPr lIns="0" tIns="0" rIns="0" bIns="0"/>
+          <a:lstStyle/>
+          <a:p>
+            <a:endParaRPr lang="en-CA" sz="3200" b="0" strike="noStrike" spc="-1">
+              <a:solidFill>
+                <a:srgbClr val="FFFFFF"/>
+              </a:solidFill>
+              <a:uFill>
+                <a:solidFill>
+                  <a:srgbClr val="FFFFFF"/>
                 </a:solidFill>
               </a:uFill>
               <a:latin typeface="Arial"/>
@@ -1956,11 +2138,14 @@
       </p:sp>
     </p:spTree>
   </p:cSld>
+  <p:clrMapOvr>
+    <a:masterClrMapping/>
+  </p:clrMapOvr>
 </p:sldLayout>
 </file>
 
 <file path=ppt/slideLayouts/slideLayout24.xml><?xml version="1.0" encoding="utf-8"?>
-<p:sldLayout xmlns:a="http://schemas.openxmlformats.org/drawingml/2006/main" xmlns:p="http://schemas.openxmlformats.org/presentationml/2006/main" xmlns:r="http://schemas.openxmlformats.org/officeDocument/2006/relationships" xmlns:p14="http://schemas.microsoft.com/office/powerpoint/2010/main" xmlns:p15="http://schemas.microsoft.com/office/powerpoint/2012/main" xmlns:mc="http://schemas.openxmlformats.org/markup-compatibility/2006" type="blank" preserve="1">
+<p:sldLayout xmlns:a="http://schemas.openxmlformats.org/drawingml/2006/main" xmlns:r="http://schemas.openxmlformats.org/officeDocument/2006/relationships" xmlns:p="http://schemas.openxmlformats.org/presentationml/2006/main" type="blank" preserve="1">
   <p:cSld name="Title, 6 Content">
     <p:spTree>
       <p:nvGrpSpPr>
@@ -1996,16 +2181,17 @@
           </a:prstGeom>
         </p:spPr>
         <p:txBody>
-          <a:bodyPr lIns="0" rIns="0" tIns="0" bIns="0" anchor="ctr"/>
+          <a:bodyPr lIns="0" tIns="0" rIns="0" bIns="0" anchor="ctr"/>
+          <a:lstStyle/>
           <a:p>
             <a:pPr algn="ctr"/>
-            <a:endParaRPr b="0" lang="en-CA" sz="4400" spc="-1" strike="noStrike">
-              <a:solidFill>
-                <a:srgbClr val="ffffff"/>
-              </a:solidFill>
-              <a:uFill>
-                <a:solidFill>
-                  <a:srgbClr val="ffffff"/>
+            <a:endParaRPr lang="en-CA" sz="4400" b="0" strike="noStrike" spc="-1">
+              <a:solidFill>
+                <a:srgbClr val="FFFFFF"/>
+              </a:solidFill>
+              <a:uFill>
+                <a:solidFill>
+                  <a:srgbClr val="FFFFFF"/>
                 </a:solidFill>
               </a:uFill>
               <a:latin typeface="Arial"/>
@@ -2033,15 +2219,16 @@
           </a:prstGeom>
         </p:spPr>
         <p:txBody>
-          <a:bodyPr lIns="0" rIns="0" tIns="0" bIns="0"/>
-          <a:p>
-            <a:endParaRPr b="0" lang="en-CA" sz="3200" spc="-1" strike="noStrike">
-              <a:solidFill>
-                <a:srgbClr val="ffffff"/>
-              </a:solidFill>
-              <a:uFill>
-                <a:solidFill>
-                  <a:srgbClr val="ffffff"/>
+          <a:bodyPr lIns="0" tIns="0" rIns="0" bIns="0"/>
+          <a:lstStyle/>
+          <a:p>
+            <a:endParaRPr lang="en-CA" sz="3200" b="0" strike="noStrike" spc="-1">
+              <a:solidFill>
+                <a:srgbClr val="FFFFFF"/>
+              </a:solidFill>
+              <a:uFill>
+                <a:solidFill>
+                  <a:srgbClr val="FFFFFF"/>
                 </a:solidFill>
               </a:uFill>
               <a:latin typeface="Arial"/>
@@ -2069,15 +2256,16 @@
           </a:prstGeom>
         </p:spPr>
         <p:txBody>
-          <a:bodyPr lIns="0" rIns="0" tIns="0" bIns="0"/>
-          <a:p>
-            <a:endParaRPr b="0" lang="en-CA" sz="3200" spc="-1" strike="noStrike">
-              <a:solidFill>
-                <a:srgbClr val="ffffff"/>
-              </a:solidFill>
-              <a:uFill>
-                <a:solidFill>
-                  <a:srgbClr val="ffffff"/>
+          <a:bodyPr lIns="0" tIns="0" rIns="0" bIns="0"/>
+          <a:lstStyle/>
+          <a:p>
+            <a:endParaRPr lang="en-CA" sz="3200" b="0" strike="noStrike" spc="-1">
+              <a:solidFill>
+                <a:srgbClr val="FFFFFF"/>
+              </a:solidFill>
+              <a:uFill>
+                <a:solidFill>
+                  <a:srgbClr val="FFFFFF"/>
                 </a:solidFill>
               </a:uFill>
               <a:latin typeface="Arial"/>
@@ -2087,7 +2275,7 @@
       </p:sp>
       <p:pic>
         <p:nvPicPr>
-          <p:cNvPr id="70" name="" descr=""/>
+          <p:cNvPr id="70" name="Picture 69"/>
           <p:cNvPicPr/>
           <p:nvPr/>
         </p:nvPicPr>
@@ -2110,12 +2298,12 @@
       </p:pic>
       <p:pic>
         <p:nvPicPr>
-          <p:cNvPr id="71" name="" descr=""/>
+          <p:cNvPr id="71" name="Picture 70"/>
           <p:cNvPicPr/>
           <p:nvPr/>
         </p:nvPicPr>
         <p:blipFill>
-          <a:blip r:embed="rId3"/>
+          <a:blip r:embed="rId2"/>
           <a:stretch/>
         </p:blipFill>
         <p:spPr>
@@ -2133,11 +2321,14 @@
       </p:pic>
     </p:spTree>
   </p:cSld>
+  <p:clrMapOvr>
+    <a:masterClrMapping/>
+  </p:clrMapOvr>
 </p:sldLayout>
 </file>
 
 <file path=ppt/slideLayouts/slideLayout3.xml><?xml version="1.0" encoding="utf-8"?>
-<p:sldLayout xmlns:a="http://schemas.openxmlformats.org/drawingml/2006/main" xmlns:p="http://schemas.openxmlformats.org/presentationml/2006/main" xmlns:r="http://schemas.openxmlformats.org/officeDocument/2006/relationships" xmlns:p14="http://schemas.microsoft.com/office/powerpoint/2010/main" xmlns:p15="http://schemas.microsoft.com/office/powerpoint/2012/main" xmlns:mc="http://schemas.openxmlformats.org/markup-compatibility/2006" type="obj" preserve="1">
+<p:sldLayout xmlns:a="http://schemas.openxmlformats.org/drawingml/2006/main" xmlns:r="http://schemas.openxmlformats.org/officeDocument/2006/relationships" xmlns:p="http://schemas.openxmlformats.org/presentationml/2006/main" type="obj" preserve="1">
   <p:cSld name="Title, Content">
     <p:spTree>
       <p:nvGrpSpPr>
@@ -2173,16 +2364,17 @@
           </a:prstGeom>
         </p:spPr>
         <p:txBody>
-          <a:bodyPr lIns="0" rIns="0" tIns="0" bIns="0" anchor="ctr"/>
+          <a:bodyPr lIns="0" tIns="0" rIns="0" bIns="0" anchor="ctr"/>
+          <a:lstStyle/>
           <a:p>
             <a:pPr algn="ctr"/>
-            <a:endParaRPr b="0" lang="en-CA" sz="4400" spc="-1" strike="noStrike">
-              <a:solidFill>
-                <a:srgbClr val="ffffff"/>
-              </a:solidFill>
-              <a:uFill>
-                <a:solidFill>
-                  <a:srgbClr val="ffffff"/>
+            <a:endParaRPr lang="en-CA" sz="4400" b="0" strike="noStrike" spc="-1">
+              <a:solidFill>
+                <a:srgbClr val="FFFFFF"/>
+              </a:solidFill>
+              <a:uFill>
+                <a:solidFill>
+                  <a:srgbClr val="FFFFFF"/>
                 </a:solidFill>
               </a:uFill>
               <a:latin typeface="Arial"/>
@@ -2210,15 +2402,16 @@
           </a:prstGeom>
         </p:spPr>
         <p:txBody>
-          <a:bodyPr lIns="0" rIns="0" tIns="0" bIns="0"/>
-          <a:p>
-            <a:endParaRPr b="0" lang="en-CA" sz="3200" spc="-1" strike="noStrike">
-              <a:solidFill>
-                <a:srgbClr val="ffffff"/>
-              </a:solidFill>
-              <a:uFill>
-                <a:solidFill>
-                  <a:srgbClr val="ffffff"/>
+          <a:bodyPr lIns="0" tIns="0" rIns="0" bIns="0"/>
+          <a:lstStyle/>
+          <a:p>
+            <a:endParaRPr lang="en-CA" sz="3200" b="0" strike="noStrike" spc="-1">
+              <a:solidFill>
+                <a:srgbClr val="FFFFFF"/>
+              </a:solidFill>
+              <a:uFill>
+                <a:solidFill>
+                  <a:srgbClr val="FFFFFF"/>
                 </a:solidFill>
               </a:uFill>
               <a:latin typeface="Arial"/>
@@ -2228,11 +2421,14 @@
       </p:sp>
     </p:spTree>
   </p:cSld>
+  <p:clrMapOvr>
+    <a:masterClrMapping/>
+  </p:clrMapOvr>
 </p:sldLayout>
 </file>
 
 <file path=ppt/slideLayouts/slideLayout4.xml><?xml version="1.0" encoding="utf-8"?>
-<p:sldLayout xmlns:a="http://schemas.openxmlformats.org/drawingml/2006/main" xmlns:p="http://schemas.openxmlformats.org/presentationml/2006/main" xmlns:r="http://schemas.openxmlformats.org/officeDocument/2006/relationships" xmlns:p14="http://schemas.microsoft.com/office/powerpoint/2010/main" xmlns:p15="http://schemas.microsoft.com/office/powerpoint/2012/main" xmlns:mc="http://schemas.openxmlformats.org/markup-compatibility/2006" type="twoObj" preserve="1">
+<p:sldLayout xmlns:a="http://schemas.openxmlformats.org/drawingml/2006/main" xmlns:r="http://schemas.openxmlformats.org/officeDocument/2006/relationships" xmlns:p="http://schemas.openxmlformats.org/presentationml/2006/main" type="twoObj" preserve="1">
   <p:cSld name="Title, 2 Content">
     <p:spTree>
       <p:nvGrpSpPr>
@@ -2268,16 +2464,17 @@
           </a:prstGeom>
         </p:spPr>
         <p:txBody>
-          <a:bodyPr lIns="0" rIns="0" tIns="0" bIns="0" anchor="ctr"/>
+          <a:bodyPr lIns="0" tIns="0" rIns="0" bIns="0" anchor="ctr"/>
+          <a:lstStyle/>
           <a:p>
             <a:pPr algn="ctr"/>
-            <a:endParaRPr b="0" lang="en-CA" sz="4400" spc="-1" strike="noStrike">
-              <a:solidFill>
-                <a:srgbClr val="ffffff"/>
-              </a:solidFill>
-              <a:uFill>
-                <a:solidFill>
-                  <a:srgbClr val="ffffff"/>
+            <a:endParaRPr lang="en-CA" sz="4400" b="0" strike="noStrike" spc="-1">
+              <a:solidFill>
+                <a:srgbClr val="FFFFFF"/>
+              </a:solidFill>
+              <a:uFill>
+                <a:solidFill>
+                  <a:srgbClr val="FFFFFF"/>
                 </a:solidFill>
               </a:uFill>
               <a:latin typeface="Arial"/>
@@ -2305,15 +2502,16 @@
           </a:prstGeom>
         </p:spPr>
         <p:txBody>
-          <a:bodyPr lIns="0" rIns="0" tIns="0" bIns="0"/>
-          <a:p>
-            <a:endParaRPr b="0" lang="en-CA" sz="3200" spc="-1" strike="noStrike">
-              <a:solidFill>
-                <a:srgbClr val="ffffff"/>
-              </a:solidFill>
-              <a:uFill>
-                <a:solidFill>
-                  <a:srgbClr val="ffffff"/>
+          <a:bodyPr lIns="0" tIns="0" rIns="0" bIns="0"/>
+          <a:lstStyle/>
+          <a:p>
+            <a:endParaRPr lang="en-CA" sz="3200" b="0" strike="noStrike" spc="-1">
+              <a:solidFill>
+                <a:srgbClr val="FFFFFF"/>
+              </a:solidFill>
+              <a:uFill>
+                <a:solidFill>
+                  <a:srgbClr val="FFFFFF"/>
                 </a:solidFill>
               </a:uFill>
               <a:latin typeface="Arial"/>
@@ -2341,15 +2539,16 @@
           </a:prstGeom>
         </p:spPr>
         <p:txBody>
-          <a:bodyPr lIns="0" rIns="0" tIns="0" bIns="0"/>
-          <a:p>
-            <a:endParaRPr b="0" lang="en-CA" sz="3200" spc="-1" strike="noStrike">
-              <a:solidFill>
-                <a:srgbClr val="ffffff"/>
-              </a:solidFill>
-              <a:uFill>
-                <a:solidFill>
-                  <a:srgbClr val="ffffff"/>
+          <a:bodyPr lIns="0" tIns="0" rIns="0" bIns="0"/>
+          <a:lstStyle/>
+          <a:p>
+            <a:endParaRPr lang="en-CA" sz="3200" b="0" strike="noStrike" spc="-1">
+              <a:solidFill>
+                <a:srgbClr val="FFFFFF"/>
+              </a:solidFill>
+              <a:uFill>
+                <a:solidFill>
+                  <a:srgbClr val="FFFFFF"/>
                 </a:solidFill>
               </a:uFill>
               <a:latin typeface="Arial"/>
@@ -2359,11 +2558,14 @@
       </p:sp>
     </p:spTree>
   </p:cSld>
+  <p:clrMapOvr>
+    <a:masterClrMapping/>
+  </p:clrMapOvr>
 </p:sldLayout>
 </file>
 
 <file path=ppt/slideLayouts/slideLayout5.xml><?xml version="1.0" encoding="utf-8"?>
-<p:sldLayout xmlns:a="http://schemas.openxmlformats.org/drawingml/2006/main" xmlns:p="http://schemas.openxmlformats.org/presentationml/2006/main" xmlns:r="http://schemas.openxmlformats.org/officeDocument/2006/relationships" xmlns:p14="http://schemas.microsoft.com/office/powerpoint/2010/main" xmlns:p15="http://schemas.microsoft.com/office/powerpoint/2012/main" xmlns:mc="http://schemas.openxmlformats.org/markup-compatibility/2006" type="titleOnly" preserve="1">
+<p:sldLayout xmlns:a="http://schemas.openxmlformats.org/drawingml/2006/main" xmlns:r="http://schemas.openxmlformats.org/officeDocument/2006/relationships" xmlns:p="http://schemas.openxmlformats.org/presentationml/2006/main" type="titleOnly" preserve="1">
   <p:cSld name="Title Only">
     <p:spTree>
       <p:nvGrpSpPr>
@@ -2399,16 +2601,17 @@
           </a:prstGeom>
         </p:spPr>
         <p:txBody>
-          <a:bodyPr lIns="0" rIns="0" tIns="0" bIns="0" anchor="ctr"/>
+          <a:bodyPr lIns="0" tIns="0" rIns="0" bIns="0" anchor="ctr"/>
+          <a:lstStyle/>
           <a:p>
             <a:pPr algn="ctr"/>
-            <a:endParaRPr b="0" lang="en-CA" sz="4400" spc="-1" strike="noStrike">
-              <a:solidFill>
-                <a:srgbClr val="ffffff"/>
-              </a:solidFill>
-              <a:uFill>
-                <a:solidFill>
-                  <a:srgbClr val="ffffff"/>
+            <a:endParaRPr lang="en-CA" sz="4400" b="0" strike="noStrike" spc="-1">
+              <a:solidFill>
+                <a:srgbClr val="FFFFFF"/>
+              </a:solidFill>
+              <a:uFill>
+                <a:solidFill>
+                  <a:srgbClr val="FFFFFF"/>
                 </a:solidFill>
               </a:uFill>
               <a:latin typeface="Arial"/>
@@ -2418,11 +2621,14 @@
       </p:sp>
     </p:spTree>
   </p:cSld>
+  <p:clrMapOvr>
+    <a:masterClrMapping/>
+  </p:clrMapOvr>
 </p:sldLayout>
 </file>
 
 <file path=ppt/slideLayouts/slideLayout6.xml><?xml version="1.0" encoding="utf-8"?>
-<p:sldLayout xmlns:a="http://schemas.openxmlformats.org/drawingml/2006/main" xmlns:p="http://schemas.openxmlformats.org/presentationml/2006/main" xmlns:r="http://schemas.openxmlformats.org/officeDocument/2006/relationships" xmlns:p14="http://schemas.microsoft.com/office/powerpoint/2010/main" xmlns:p15="http://schemas.microsoft.com/office/powerpoint/2012/main" xmlns:mc="http://schemas.openxmlformats.org/markup-compatibility/2006" type="objOnly" preserve="1">
+<p:sldLayout xmlns:a="http://schemas.openxmlformats.org/drawingml/2006/main" xmlns:r="http://schemas.openxmlformats.org/officeDocument/2006/relationships" xmlns:p="http://schemas.openxmlformats.org/presentationml/2006/main" type="objOnly" preserve="1">
   <p:cSld name="Centered Text">
     <p:spTree>
       <p:nvGrpSpPr>
@@ -2458,16 +2664,17 @@
           </a:prstGeom>
         </p:spPr>
         <p:txBody>
-          <a:bodyPr lIns="0" rIns="0" tIns="0" bIns="0" anchor="ctr"/>
+          <a:bodyPr lIns="0" tIns="0" rIns="0" bIns="0" anchor="ctr"/>
+          <a:lstStyle/>
           <a:p>
             <a:pPr algn="ctr"/>
-            <a:endParaRPr b="0" lang="en-CA" sz="3200" spc="-1" strike="noStrike">
-              <a:solidFill>
-                <a:srgbClr val="ffffff"/>
-              </a:solidFill>
-              <a:uFill>
-                <a:solidFill>
-                  <a:srgbClr val="ffffff"/>
+            <a:endParaRPr lang="en-CA" sz="3200" b="0" strike="noStrike" spc="-1">
+              <a:solidFill>
+                <a:srgbClr val="FFFFFF"/>
+              </a:solidFill>
+              <a:uFill>
+                <a:solidFill>
+                  <a:srgbClr val="FFFFFF"/>
                 </a:solidFill>
               </a:uFill>
               <a:latin typeface="Arial"/>
@@ -2477,11 +2684,14 @@
       </p:sp>
     </p:spTree>
   </p:cSld>
+  <p:clrMapOvr>
+    <a:masterClrMapping/>
+  </p:clrMapOvr>
 </p:sldLayout>
 </file>
 
 <file path=ppt/slideLayouts/slideLayout7.xml><?xml version="1.0" encoding="utf-8"?>
-<p:sldLayout xmlns:a="http://schemas.openxmlformats.org/drawingml/2006/main" xmlns:p="http://schemas.openxmlformats.org/presentationml/2006/main" xmlns:r="http://schemas.openxmlformats.org/officeDocument/2006/relationships" xmlns:p14="http://schemas.microsoft.com/office/powerpoint/2010/main" xmlns:p15="http://schemas.microsoft.com/office/powerpoint/2012/main" xmlns:mc="http://schemas.openxmlformats.org/markup-compatibility/2006" type="twoObjAndObj" preserve="1">
+<p:sldLayout xmlns:a="http://schemas.openxmlformats.org/drawingml/2006/main" xmlns:r="http://schemas.openxmlformats.org/officeDocument/2006/relationships" xmlns:p="http://schemas.openxmlformats.org/presentationml/2006/main" type="twoObjAndObj" preserve="1">
   <p:cSld name="Title, 2 Content and Content">
     <p:spTree>
       <p:nvGrpSpPr>
@@ -2517,16 +2727,17 @@
           </a:prstGeom>
         </p:spPr>
         <p:txBody>
-          <a:bodyPr lIns="0" rIns="0" tIns="0" bIns="0" anchor="ctr"/>
+          <a:bodyPr lIns="0" tIns="0" rIns="0" bIns="0" anchor="ctr"/>
+          <a:lstStyle/>
           <a:p>
             <a:pPr algn="ctr"/>
-            <a:endParaRPr b="0" lang="en-CA" sz="4400" spc="-1" strike="noStrike">
-              <a:solidFill>
-                <a:srgbClr val="ffffff"/>
-              </a:solidFill>
-              <a:uFill>
-                <a:solidFill>
-                  <a:srgbClr val="ffffff"/>
+            <a:endParaRPr lang="en-CA" sz="4400" b="0" strike="noStrike" spc="-1">
+              <a:solidFill>
+                <a:srgbClr val="FFFFFF"/>
+              </a:solidFill>
+              <a:uFill>
+                <a:solidFill>
+                  <a:srgbClr val="FFFFFF"/>
                 </a:solidFill>
               </a:uFill>
               <a:latin typeface="Arial"/>
@@ -2554,15 +2765,16 @@
           </a:prstGeom>
         </p:spPr>
         <p:txBody>
-          <a:bodyPr lIns="0" rIns="0" tIns="0" bIns="0"/>
-          <a:p>
-            <a:endParaRPr b="0" lang="en-CA" sz="3200" spc="-1" strike="noStrike">
-              <a:solidFill>
-                <a:srgbClr val="ffffff"/>
-              </a:solidFill>
-              <a:uFill>
-                <a:solidFill>
-                  <a:srgbClr val="ffffff"/>
+          <a:bodyPr lIns="0" tIns="0" rIns="0" bIns="0"/>
+          <a:lstStyle/>
+          <a:p>
+            <a:endParaRPr lang="en-CA" sz="3200" b="0" strike="noStrike" spc="-1">
+              <a:solidFill>
+                <a:srgbClr val="FFFFFF"/>
+              </a:solidFill>
+              <a:uFill>
+                <a:solidFill>
+                  <a:srgbClr val="FFFFFF"/>
                 </a:solidFill>
               </a:uFill>
               <a:latin typeface="Arial"/>
@@ -2590,15 +2802,16 @@
           </a:prstGeom>
         </p:spPr>
         <p:txBody>
-          <a:bodyPr lIns="0" rIns="0" tIns="0" bIns="0"/>
-          <a:p>
-            <a:endParaRPr b="0" lang="en-CA" sz="3200" spc="-1" strike="noStrike">
-              <a:solidFill>
-                <a:srgbClr val="ffffff"/>
-              </a:solidFill>
-              <a:uFill>
-                <a:solidFill>
-                  <a:srgbClr val="ffffff"/>
+          <a:bodyPr lIns="0" tIns="0" rIns="0" bIns="0"/>
+          <a:lstStyle/>
+          <a:p>
+            <a:endParaRPr lang="en-CA" sz="3200" b="0" strike="noStrike" spc="-1">
+              <a:solidFill>
+                <a:srgbClr val="FFFFFF"/>
+              </a:solidFill>
+              <a:uFill>
+                <a:solidFill>
+                  <a:srgbClr val="FFFFFF"/>
                 </a:solidFill>
               </a:uFill>
               <a:latin typeface="Arial"/>
@@ -2626,15 +2839,16 @@
           </a:prstGeom>
         </p:spPr>
         <p:txBody>
-          <a:bodyPr lIns="0" rIns="0" tIns="0" bIns="0"/>
-          <a:p>
-            <a:endParaRPr b="0" lang="en-CA" sz="3200" spc="-1" strike="noStrike">
-              <a:solidFill>
-                <a:srgbClr val="ffffff"/>
-              </a:solidFill>
-              <a:uFill>
-                <a:solidFill>
-                  <a:srgbClr val="ffffff"/>
+          <a:bodyPr lIns="0" tIns="0" rIns="0" bIns="0"/>
+          <a:lstStyle/>
+          <a:p>
+            <a:endParaRPr lang="en-CA" sz="3200" b="0" strike="noStrike" spc="-1">
+              <a:solidFill>
+                <a:srgbClr val="FFFFFF"/>
+              </a:solidFill>
+              <a:uFill>
+                <a:solidFill>
+                  <a:srgbClr val="FFFFFF"/>
                 </a:solidFill>
               </a:uFill>
               <a:latin typeface="Arial"/>
@@ -2644,11 +2858,14 @@
       </p:sp>
     </p:spTree>
   </p:cSld>
+  <p:clrMapOvr>
+    <a:masterClrMapping/>
+  </p:clrMapOvr>
 </p:sldLayout>
 </file>
 
 <file path=ppt/slideLayouts/slideLayout8.xml><?xml version="1.0" encoding="utf-8"?>
-<p:sldLayout xmlns:a="http://schemas.openxmlformats.org/drawingml/2006/main" xmlns:p="http://schemas.openxmlformats.org/presentationml/2006/main" xmlns:r="http://schemas.openxmlformats.org/officeDocument/2006/relationships" xmlns:p14="http://schemas.microsoft.com/office/powerpoint/2010/main" xmlns:p15="http://schemas.microsoft.com/office/powerpoint/2012/main" xmlns:mc="http://schemas.openxmlformats.org/markup-compatibility/2006" type="objAndTwoObj" preserve="1">
+<p:sldLayout xmlns:a="http://schemas.openxmlformats.org/drawingml/2006/main" xmlns:r="http://schemas.openxmlformats.org/officeDocument/2006/relationships" xmlns:p="http://schemas.openxmlformats.org/presentationml/2006/main" type="objAndTwoObj" preserve="1">
   <p:cSld name="Title Content and 2 Content">
     <p:spTree>
       <p:nvGrpSpPr>
@@ -2684,16 +2901,17 @@
           </a:prstGeom>
         </p:spPr>
         <p:txBody>
-          <a:bodyPr lIns="0" rIns="0" tIns="0" bIns="0" anchor="ctr"/>
+          <a:bodyPr lIns="0" tIns="0" rIns="0" bIns="0" anchor="ctr"/>
+          <a:lstStyle/>
           <a:p>
             <a:pPr algn="ctr"/>
-            <a:endParaRPr b="0" lang="en-CA" sz="4400" spc="-1" strike="noStrike">
-              <a:solidFill>
-                <a:srgbClr val="ffffff"/>
-              </a:solidFill>
-              <a:uFill>
-                <a:solidFill>
-                  <a:srgbClr val="ffffff"/>
+            <a:endParaRPr lang="en-CA" sz="4400" b="0" strike="noStrike" spc="-1">
+              <a:solidFill>
+                <a:srgbClr val="FFFFFF"/>
+              </a:solidFill>
+              <a:uFill>
+                <a:solidFill>
+                  <a:srgbClr val="FFFFFF"/>
                 </a:solidFill>
               </a:uFill>
               <a:latin typeface="Arial"/>
@@ -2721,15 +2939,16 @@
           </a:prstGeom>
         </p:spPr>
         <p:txBody>
-          <a:bodyPr lIns="0" rIns="0" tIns="0" bIns="0"/>
-          <a:p>
-            <a:endParaRPr b="0" lang="en-CA" sz="3200" spc="-1" strike="noStrike">
-              <a:solidFill>
-                <a:srgbClr val="ffffff"/>
-              </a:solidFill>
-              <a:uFill>
-                <a:solidFill>
-                  <a:srgbClr val="ffffff"/>
+          <a:bodyPr lIns="0" tIns="0" rIns="0" bIns="0"/>
+          <a:lstStyle/>
+          <a:p>
+            <a:endParaRPr lang="en-CA" sz="3200" b="0" strike="noStrike" spc="-1">
+              <a:solidFill>
+                <a:srgbClr val="FFFFFF"/>
+              </a:solidFill>
+              <a:uFill>
+                <a:solidFill>
+                  <a:srgbClr val="FFFFFF"/>
                 </a:solidFill>
               </a:uFill>
               <a:latin typeface="Arial"/>
@@ -2757,15 +2976,16 @@
           </a:prstGeom>
         </p:spPr>
         <p:txBody>
-          <a:bodyPr lIns="0" rIns="0" tIns="0" bIns="0"/>
-          <a:p>
-            <a:endParaRPr b="0" lang="en-CA" sz="3200" spc="-1" strike="noStrike">
-              <a:solidFill>
-                <a:srgbClr val="ffffff"/>
-              </a:solidFill>
-              <a:uFill>
-                <a:solidFill>
-                  <a:srgbClr val="ffffff"/>
+          <a:bodyPr lIns="0" tIns="0" rIns="0" bIns="0"/>
+          <a:lstStyle/>
+          <a:p>
+            <a:endParaRPr lang="en-CA" sz="3200" b="0" strike="noStrike" spc="-1">
+              <a:solidFill>
+                <a:srgbClr val="FFFFFF"/>
+              </a:solidFill>
+              <a:uFill>
+                <a:solidFill>
+                  <a:srgbClr val="FFFFFF"/>
                 </a:solidFill>
               </a:uFill>
               <a:latin typeface="Arial"/>
@@ -2793,15 +3013,16 @@
           </a:prstGeom>
         </p:spPr>
         <p:txBody>
-          <a:bodyPr lIns="0" rIns="0" tIns="0" bIns="0"/>
-          <a:p>
-            <a:endParaRPr b="0" lang="en-CA" sz="3200" spc="-1" strike="noStrike">
-              <a:solidFill>
-                <a:srgbClr val="ffffff"/>
-              </a:solidFill>
-              <a:uFill>
-                <a:solidFill>
-                  <a:srgbClr val="ffffff"/>
+          <a:bodyPr lIns="0" tIns="0" rIns="0" bIns="0"/>
+          <a:lstStyle/>
+          <a:p>
+            <a:endParaRPr lang="en-CA" sz="3200" b="0" strike="noStrike" spc="-1">
+              <a:solidFill>
+                <a:srgbClr val="FFFFFF"/>
+              </a:solidFill>
+              <a:uFill>
+                <a:solidFill>
+                  <a:srgbClr val="FFFFFF"/>
                 </a:solidFill>
               </a:uFill>
               <a:latin typeface="Arial"/>
@@ -2811,11 +3032,14 @@
       </p:sp>
     </p:spTree>
   </p:cSld>
+  <p:clrMapOvr>
+    <a:masterClrMapping/>
+  </p:clrMapOvr>
 </p:sldLayout>
 </file>
 
 <file path=ppt/slideLayouts/slideLayout9.xml><?xml version="1.0" encoding="utf-8"?>
-<p:sldLayout xmlns:a="http://schemas.openxmlformats.org/drawingml/2006/main" xmlns:p="http://schemas.openxmlformats.org/presentationml/2006/main" xmlns:r="http://schemas.openxmlformats.org/officeDocument/2006/relationships" xmlns:p14="http://schemas.microsoft.com/office/powerpoint/2010/main" xmlns:p15="http://schemas.microsoft.com/office/powerpoint/2012/main" xmlns:mc="http://schemas.openxmlformats.org/markup-compatibility/2006" type="twoObjOverTx" preserve="1">
+<p:sldLayout xmlns:a="http://schemas.openxmlformats.org/drawingml/2006/main" xmlns:r="http://schemas.openxmlformats.org/officeDocument/2006/relationships" xmlns:p="http://schemas.openxmlformats.org/presentationml/2006/main" type="twoObjOverTx" preserve="1">
   <p:cSld name="Title, 2 Content over Content">
     <p:spTree>
       <p:nvGrpSpPr>
@@ -2851,16 +3075,17 @@
           </a:prstGeom>
         </p:spPr>
         <p:txBody>
-          <a:bodyPr lIns="0" rIns="0" tIns="0" bIns="0" anchor="ctr"/>
+          <a:bodyPr lIns="0" tIns="0" rIns="0" bIns="0" anchor="ctr"/>
+          <a:lstStyle/>
           <a:p>
             <a:pPr algn="ctr"/>
-            <a:endParaRPr b="0" lang="en-CA" sz="4400" spc="-1" strike="noStrike">
-              <a:solidFill>
-                <a:srgbClr val="ffffff"/>
-              </a:solidFill>
-              <a:uFill>
-                <a:solidFill>
-                  <a:srgbClr val="ffffff"/>
+            <a:endParaRPr lang="en-CA" sz="4400" b="0" strike="noStrike" spc="-1">
+              <a:solidFill>
+                <a:srgbClr val="FFFFFF"/>
+              </a:solidFill>
+              <a:uFill>
+                <a:solidFill>
+                  <a:srgbClr val="FFFFFF"/>
                 </a:solidFill>
               </a:uFill>
               <a:latin typeface="Arial"/>
@@ -2888,15 +3113,16 @@
           </a:prstGeom>
         </p:spPr>
         <p:txBody>
-          <a:bodyPr lIns="0" rIns="0" tIns="0" bIns="0"/>
-          <a:p>
-            <a:endParaRPr b="0" lang="en-CA" sz="3200" spc="-1" strike="noStrike">
-              <a:solidFill>
-                <a:srgbClr val="ffffff"/>
-              </a:solidFill>
-              <a:uFill>
-                <a:solidFill>
-                  <a:srgbClr val="ffffff"/>
+          <a:bodyPr lIns="0" tIns="0" rIns="0" bIns="0"/>
+          <a:lstStyle/>
+          <a:p>
+            <a:endParaRPr lang="en-CA" sz="3200" b="0" strike="noStrike" spc="-1">
+              <a:solidFill>
+                <a:srgbClr val="FFFFFF"/>
+              </a:solidFill>
+              <a:uFill>
+                <a:solidFill>
+                  <a:srgbClr val="FFFFFF"/>
                 </a:solidFill>
               </a:uFill>
               <a:latin typeface="Arial"/>
@@ -2924,15 +3150,16 @@
           </a:prstGeom>
         </p:spPr>
         <p:txBody>
-          <a:bodyPr lIns="0" rIns="0" tIns="0" bIns="0"/>
-          <a:p>
-            <a:endParaRPr b="0" lang="en-CA" sz="3200" spc="-1" strike="noStrike">
-              <a:solidFill>
-                <a:srgbClr val="ffffff"/>
-              </a:solidFill>
-              <a:uFill>
-                <a:solidFill>
-                  <a:srgbClr val="ffffff"/>
+          <a:bodyPr lIns="0" tIns="0" rIns="0" bIns="0"/>
+          <a:lstStyle/>
+          <a:p>
+            <a:endParaRPr lang="en-CA" sz="3200" b="0" strike="noStrike" spc="-1">
+              <a:solidFill>
+                <a:srgbClr val="FFFFFF"/>
+              </a:solidFill>
+              <a:uFill>
+                <a:solidFill>
+                  <a:srgbClr val="FFFFFF"/>
                 </a:solidFill>
               </a:uFill>
               <a:latin typeface="Arial"/>
@@ -2960,15 +3187,16 @@
           </a:prstGeom>
         </p:spPr>
         <p:txBody>
-          <a:bodyPr lIns="0" rIns="0" tIns="0" bIns="0"/>
-          <a:p>
-            <a:endParaRPr b="0" lang="en-CA" sz="3200" spc="-1" strike="noStrike">
-              <a:solidFill>
-                <a:srgbClr val="ffffff"/>
-              </a:solidFill>
-              <a:uFill>
-                <a:solidFill>
-                  <a:srgbClr val="ffffff"/>
+          <a:bodyPr lIns="0" tIns="0" rIns="0" bIns="0"/>
+          <a:lstStyle/>
+          <a:p>
+            <a:endParaRPr lang="en-CA" sz="3200" b="0" strike="noStrike" spc="-1">
+              <a:solidFill>
+                <a:srgbClr val="FFFFFF"/>
+              </a:solidFill>
+              <a:uFill>
+                <a:solidFill>
+                  <a:srgbClr val="FFFFFF"/>
                 </a:solidFill>
               </a:uFill>
               <a:latin typeface="Arial"/>
@@ -2978,17 +3206,21 @@
       </p:sp>
     </p:spTree>
   </p:cSld>
+  <p:clrMapOvr>
+    <a:masterClrMapping/>
+  </p:clrMapOvr>
 </p:sldLayout>
 </file>
 
 <file path=ppt/slideMasters/slideMaster1.xml><?xml version="1.0" encoding="utf-8"?>
-<p:sldMaster xmlns:a="http://schemas.openxmlformats.org/drawingml/2006/main" xmlns:p="http://schemas.openxmlformats.org/presentationml/2006/main" xmlns:r="http://schemas.openxmlformats.org/officeDocument/2006/relationships" xmlns:p14="http://schemas.microsoft.com/office/powerpoint/2010/main" xmlns:p15="http://schemas.microsoft.com/office/powerpoint/2012/main" xmlns:mc="http://schemas.openxmlformats.org/markup-compatibility/2006">
+<p:sldMaster xmlns:a="http://schemas.openxmlformats.org/drawingml/2006/main" xmlns:r="http://schemas.openxmlformats.org/officeDocument/2006/relationships" xmlns:p="http://schemas.openxmlformats.org/presentationml/2006/main">
   <p:cSld>
     <p:bg>
       <p:bgPr>
         <a:solidFill>
           <a:srgbClr val="000000"/>
         </a:solidFill>
+        <a:effectLst/>
       </p:bgPr>
     </p:bg>
     <p:spTree>
@@ -3007,7 +3239,7 @@
       </p:grpSpPr>
       <p:sp>
         <p:nvSpPr>
-          <p:cNvPr id="0" name="PlaceHolder 1"/>
+          <p:cNvPr id="2" name="PlaceHolder 1"/>
           <p:cNvSpPr>
             <a:spLocks noGrp="1"/>
           </p:cNvSpPr>
@@ -3025,40 +3257,30 @@
           </a:prstGeom>
         </p:spPr>
         <p:txBody>
-          <a:bodyPr lIns="0" rIns="0" tIns="0" bIns="0" anchor="ctr"/>
+          <a:bodyPr lIns="0" tIns="0" rIns="0" bIns="0" anchor="ctr"/>
+          <a:lstStyle/>
           <a:p>
             <a:pPr algn="ctr"/>
             <a:r>
-              <a:rPr b="0" lang="en-CA" sz="4400" spc="-1" strike="noStrike">
-                <a:solidFill>
-                  <a:srgbClr val="ffffff"/>
+              <a:rPr lang="en-CA" sz="4400" b="0" strike="noStrike" spc="-1">
+                <a:solidFill>
+                  <a:srgbClr val="FFFFFF"/>
                 </a:solidFill>
                 <a:uFill>
                   <a:solidFill>
-                    <a:srgbClr val="ffffff"/>
+                    <a:srgbClr val="FFFFFF"/>
                   </a:solidFill>
                 </a:uFill>
                 <a:latin typeface="Arial"/>
               </a:rPr>
               <a:t>Click to edit the title text format</a:t>
             </a:r>
-            <a:endParaRPr b="0" lang="en-CA" sz="4400" spc="-1" strike="noStrike">
-              <a:solidFill>
-                <a:srgbClr val="ffffff"/>
-              </a:solidFill>
-              <a:uFill>
-                <a:solidFill>
-                  <a:srgbClr val="ffffff"/>
-                </a:solidFill>
-              </a:uFill>
-              <a:latin typeface="Arial"/>
-            </a:endParaRPr>
-          </a:p>
-        </p:txBody>
-      </p:sp>
-      <p:sp>
-        <p:nvSpPr>
-          <p:cNvPr id="1" name="PlaceHolder 2"/>
+          </a:p>
+        </p:txBody>
+      </p:sp>
+      <p:sp>
+        <p:nvSpPr>
+          <p:cNvPr id="3" name="PlaceHolder 2"/>
           <p:cNvSpPr>
             <a:spLocks noGrp="1"/>
           </p:cNvSpPr>
@@ -3076,282 +3298,212 @@
           </a:prstGeom>
         </p:spPr>
         <p:txBody>
-          <a:bodyPr lIns="0" rIns="0" tIns="0" bIns="0"/>
+          <a:bodyPr lIns="0" tIns="0" rIns="0" bIns="0"/>
+          <a:lstStyle/>
           <a:p>
             <a:pPr marL="432000" indent="-324000">
               <a:buClr>
-                <a:srgbClr val="ffffff"/>
+                <a:srgbClr val="FFFFFF"/>
               </a:buClr>
               <a:buSzPct val="45000"/>
               <a:buFont typeface="Wingdings" charset="2"/>
               <a:buChar char=""/>
             </a:pPr>
             <a:r>
-              <a:rPr b="0" lang="en-CA" sz="3200" spc="-1" strike="noStrike">
-                <a:solidFill>
-                  <a:srgbClr val="ffffff"/>
+              <a:rPr lang="en-CA" sz="3200" b="0" strike="noStrike" spc="-1">
+                <a:solidFill>
+                  <a:srgbClr val="FFFFFF"/>
                 </a:solidFill>
                 <a:uFill>
                   <a:solidFill>
-                    <a:srgbClr val="ffffff"/>
+                    <a:srgbClr val="FFFFFF"/>
                   </a:solidFill>
                 </a:uFill>
                 <a:latin typeface="Arial"/>
               </a:rPr>
               <a:t>Click to edit the outline text format</a:t>
             </a:r>
-            <a:endParaRPr b="0" lang="en-CA" sz="3200" spc="-1" strike="noStrike">
-              <a:solidFill>
-                <a:srgbClr val="ffffff"/>
-              </a:solidFill>
-              <a:uFill>
-                <a:solidFill>
-                  <a:srgbClr val="ffffff"/>
-                </a:solidFill>
-              </a:uFill>
-              <a:latin typeface="Arial"/>
-            </a:endParaRPr>
-          </a:p>
-          <a:p>
-            <a:pPr lvl="1" marL="864000" indent="-324000">
+          </a:p>
+          <a:p>
+            <a:pPr marL="864000" lvl="1" indent="-324000">
               <a:buClr>
-                <a:srgbClr val="ffffff"/>
+                <a:srgbClr val="FFFFFF"/>
               </a:buClr>
               <a:buSzPct val="75000"/>
               <a:buFont typeface="Symbol" charset="2"/>
               <a:buChar char=""/>
             </a:pPr>
             <a:r>
-              <a:rPr b="0" lang="en-CA" sz="2800" spc="-1" strike="noStrike">
-                <a:solidFill>
-                  <a:srgbClr val="ffffff"/>
+              <a:rPr lang="en-CA" sz="2800" b="0" strike="noStrike" spc="-1">
+                <a:solidFill>
+                  <a:srgbClr val="FFFFFF"/>
                 </a:solidFill>
                 <a:uFill>
                   <a:solidFill>
-                    <a:srgbClr val="ffffff"/>
+                    <a:srgbClr val="FFFFFF"/>
                   </a:solidFill>
                 </a:uFill>
                 <a:latin typeface="Arial"/>
               </a:rPr>
               <a:t>Second Outline Level</a:t>
             </a:r>
-            <a:endParaRPr b="0" lang="en-CA" sz="2800" spc="-1" strike="noStrike">
-              <a:solidFill>
-                <a:srgbClr val="ffffff"/>
-              </a:solidFill>
-              <a:uFill>
-                <a:solidFill>
-                  <a:srgbClr val="ffffff"/>
-                </a:solidFill>
-              </a:uFill>
-              <a:latin typeface="Arial"/>
-            </a:endParaRPr>
-          </a:p>
-          <a:p>
-            <a:pPr lvl="2" marL="1296000" indent="-288000">
+          </a:p>
+          <a:p>
+            <a:pPr marL="1296000" lvl="2" indent="-288000">
               <a:buClr>
-                <a:srgbClr val="ffffff"/>
+                <a:srgbClr val="FFFFFF"/>
               </a:buClr>
               <a:buSzPct val="45000"/>
               <a:buFont typeface="Wingdings" charset="2"/>
               <a:buChar char=""/>
             </a:pPr>
             <a:r>
-              <a:rPr b="0" lang="en-CA" sz="2400" spc="-1" strike="noStrike">
-                <a:solidFill>
-                  <a:srgbClr val="ffffff"/>
+              <a:rPr lang="en-CA" sz="2400" b="0" strike="noStrike" spc="-1">
+                <a:solidFill>
+                  <a:srgbClr val="FFFFFF"/>
                 </a:solidFill>
                 <a:uFill>
                   <a:solidFill>
-                    <a:srgbClr val="ffffff"/>
+                    <a:srgbClr val="FFFFFF"/>
                   </a:solidFill>
                 </a:uFill>
                 <a:latin typeface="Arial"/>
               </a:rPr>
               <a:t>Third Outline Level</a:t>
             </a:r>
-            <a:endParaRPr b="0" lang="en-CA" sz="2400" spc="-1" strike="noStrike">
-              <a:solidFill>
-                <a:srgbClr val="ffffff"/>
-              </a:solidFill>
-              <a:uFill>
-                <a:solidFill>
-                  <a:srgbClr val="ffffff"/>
-                </a:solidFill>
-              </a:uFill>
-              <a:latin typeface="Arial"/>
-            </a:endParaRPr>
-          </a:p>
-          <a:p>
-            <a:pPr lvl="3" marL="1728000" indent="-216000">
+          </a:p>
+          <a:p>
+            <a:pPr marL="1728000" lvl="3" indent="-216000">
               <a:buClr>
-                <a:srgbClr val="ffffff"/>
+                <a:srgbClr val="FFFFFF"/>
               </a:buClr>
               <a:buSzPct val="75000"/>
               <a:buFont typeface="Symbol" charset="2"/>
               <a:buChar char=""/>
             </a:pPr>
             <a:r>
-              <a:rPr b="0" lang="en-CA" sz="2000" spc="-1" strike="noStrike">
-                <a:solidFill>
-                  <a:srgbClr val="ffffff"/>
+              <a:rPr lang="en-CA" sz="2000" b="0" strike="noStrike" spc="-1">
+                <a:solidFill>
+                  <a:srgbClr val="FFFFFF"/>
                 </a:solidFill>
                 <a:uFill>
                   <a:solidFill>
-                    <a:srgbClr val="ffffff"/>
+                    <a:srgbClr val="FFFFFF"/>
                   </a:solidFill>
                 </a:uFill>
                 <a:latin typeface="Arial"/>
               </a:rPr>
               <a:t>Fourth Outline Level</a:t>
             </a:r>
-            <a:endParaRPr b="0" lang="en-CA" sz="2000" spc="-1" strike="noStrike">
-              <a:solidFill>
-                <a:srgbClr val="ffffff"/>
-              </a:solidFill>
-              <a:uFill>
-                <a:solidFill>
-                  <a:srgbClr val="ffffff"/>
-                </a:solidFill>
-              </a:uFill>
-              <a:latin typeface="Arial"/>
-            </a:endParaRPr>
-          </a:p>
-          <a:p>
-            <a:pPr lvl="4" marL="2160000" indent="-216000">
+          </a:p>
+          <a:p>
+            <a:pPr marL="2160000" lvl="4" indent="-216000">
               <a:buClr>
-                <a:srgbClr val="ffffff"/>
+                <a:srgbClr val="FFFFFF"/>
               </a:buClr>
               <a:buSzPct val="45000"/>
               <a:buFont typeface="Wingdings" charset="2"/>
               <a:buChar char=""/>
             </a:pPr>
             <a:r>
-              <a:rPr b="0" lang="en-CA" sz="2000" spc="-1" strike="noStrike">
-                <a:solidFill>
-                  <a:srgbClr val="ffffff"/>
+              <a:rPr lang="en-CA" sz="2000" b="0" strike="noStrike" spc="-1">
+                <a:solidFill>
+                  <a:srgbClr val="FFFFFF"/>
                 </a:solidFill>
                 <a:uFill>
                   <a:solidFill>
-                    <a:srgbClr val="ffffff"/>
+                    <a:srgbClr val="FFFFFF"/>
                   </a:solidFill>
                 </a:uFill>
                 <a:latin typeface="Arial"/>
               </a:rPr>
               <a:t>Fifth Outline Level</a:t>
             </a:r>
-            <a:endParaRPr b="0" lang="en-CA" sz="2000" spc="-1" strike="noStrike">
-              <a:solidFill>
-                <a:srgbClr val="ffffff"/>
-              </a:solidFill>
-              <a:uFill>
-                <a:solidFill>
-                  <a:srgbClr val="ffffff"/>
-                </a:solidFill>
-              </a:uFill>
-              <a:latin typeface="Arial"/>
-            </a:endParaRPr>
-          </a:p>
-          <a:p>
-            <a:pPr lvl="5" marL="2592000" indent="-216000">
+          </a:p>
+          <a:p>
+            <a:pPr marL="2592000" lvl="5" indent="-216000">
               <a:buClr>
-                <a:srgbClr val="ffffff"/>
+                <a:srgbClr val="FFFFFF"/>
               </a:buClr>
               <a:buSzPct val="45000"/>
               <a:buFont typeface="Wingdings" charset="2"/>
               <a:buChar char=""/>
             </a:pPr>
             <a:r>
-              <a:rPr b="0" lang="en-CA" sz="2000" spc="-1" strike="noStrike">
-                <a:solidFill>
-                  <a:srgbClr val="ffffff"/>
+              <a:rPr lang="en-CA" sz="2000" b="0" strike="noStrike" spc="-1">
+                <a:solidFill>
+                  <a:srgbClr val="FFFFFF"/>
                 </a:solidFill>
                 <a:uFill>
                   <a:solidFill>
-                    <a:srgbClr val="ffffff"/>
+                    <a:srgbClr val="FFFFFF"/>
                   </a:solidFill>
                 </a:uFill>
                 <a:latin typeface="Arial"/>
               </a:rPr>
               <a:t>Sixth Outline Level</a:t>
             </a:r>
-            <a:endParaRPr b="0" lang="en-CA" sz="2000" spc="-1" strike="noStrike">
-              <a:solidFill>
-                <a:srgbClr val="ffffff"/>
-              </a:solidFill>
-              <a:uFill>
-                <a:solidFill>
-                  <a:srgbClr val="ffffff"/>
-                </a:solidFill>
-              </a:uFill>
-              <a:latin typeface="Arial"/>
-            </a:endParaRPr>
-          </a:p>
-          <a:p>
-            <a:pPr lvl="6" marL="3024000" indent="-216000">
+          </a:p>
+          <a:p>
+            <a:pPr marL="3024000" lvl="6" indent="-216000">
               <a:buClr>
-                <a:srgbClr val="ffffff"/>
+                <a:srgbClr val="FFFFFF"/>
               </a:buClr>
               <a:buSzPct val="45000"/>
               <a:buFont typeface="Wingdings" charset="2"/>
               <a:buChar char=""/>
             </a:pPr>
             <a:r>
-              <a:rPr b="0" lang="en-CA" sz="2000" spc="-1" strike="noStrike">
-                <a:solidFill>
-                  <a:srgbClr val="ffffff"/>
+              <a:rPr lang="en-CA" sz="2000" b="0" strike="noStrike" spc="-1">
+                <a:solidFill>
+                  <a:srgbClr val="FFFFFF"/>
                 </a:solidFill>
                 <a:uFill>
                   <a:solidFill>
-                    <a:srgbClr val="ffffff"/>
+                    <a:srgbClr val="FFFFFF"/>
                   </a:solidFill>
                 </a:uFill>
                 <a:latin typeface="Arial"/>
               </a:rPr>
               <a:t>Seventh Outline Level</a:t>
             </a:r>
-            <a:endParaRPr b="0" lang="en-CA" sz="2000" spc="-1" strike="noStrike">
-              <a:solidFill>
-                <a:srgbClr val="ffffff"/>
-              </a:solidFill>
-              <a:uFill>
-                <a:solidFill>
-                  <a:srgbClr val="ffffff"/>
-                </a:solidFill>
-              </a:uFill>
-              <a:latin typeface="Arial"/>
-            </a:endParaRPr>
           </a:p>
         </p:txBody>
       </p:sp>
     </p:spTree>
   </p:cSld>
-  <p:clrMap bg1="lt1" bg2="lt2" tx1="dk1" tx2="dk2" accent1="accent1" accent2="accent2" accent3="accent3" accent4="accent4" accent5="accent5" accent6="accent6" hlink="hlink" folHlink="folHlink"/>
+  <p:clrMap bg1="lt1" tx1="dk1" bg2="lt2" tx2="dk2" accent1="accent1" accent2="accent2" accent3="accent3" accent4="accent4" accent5="accent5" accent6="accent6" hlink="hlink" folHlink="folHlink"/>
   <p:sldLayoutIdLst>
-    <p:sldLayoutId id="2147483649" r:id="rId2"/>
-    <p:sldLayoutId id="2147483650" r:id="rId3"/>
-    <p:sldLayoutId id="2147483651" r:id="rId4"/>
-    <p:sldLayoutId id="2147483652" r:id="rId5"/>
-    <p:sldLayoutId id="2147483653" r:id="rId6"/>
-    <p:sldLayoutId id="2147483654" r:id="rId7"/>
-    <p:sldLayoutId id="2147483655" r:id="rId8"/>
-    <p:sldLayoutId id="2147483656" r:id="rId9"/>
-    <p:sldLayoutId id="2147483657" r:id="rId10"/>
-    <p:sldLayoutId id="2147483658" r:id="rId11"/>
-    <p:sldLayoutId id="2147483659" r:id="rId12"/>
-    <p:sldLayoutId id="2147483660" r:id="rId13"/>
+    <p:sldLayoutId id="2147483649" r:id="rId1"/>
+    <p:sldLayoutId id="2147483650" r:id="rId2"/>
+    <p:sldLayoutId id="2147483651" r:id="rId3"/>
+    <p:sldLayoutId id="2147483652" r:id="rId4"/>
+    <p:sldLayoutId id="2147483653" r:id="rId5"/>
+    <p:sldLayoutId id="2147483654" r:id="rId6"/>
+    <p:sldLayoutId id="2147483655" r:id="rId7"/>
+    <p:sldLayoutId id="2147483656" r:id="rId8"/>
+    <p:sldLayoutId id="2147483657" r:id="rId9"/>
+    <p:sldLayoutId id="2147483658" r:id="rId10"/>
+    <p:sldLayoutId id="2147483659" r:id="rId11"/>
+    <p:sldLayoutId id="2147483660" r:id="rId12"/>
   </p:sldLayoutIdLst>
+  <p:txStyles>
+    <p:titleStyle/>
+    <p:bodyStyle/>
+    <p:otherStyle/>
+  </p:txStyles>
 </p:sldMaster>
 </file>
 
 <file path=ppt/slideMasters/slideMaster2.xml><?xml version="1.0" encoding="utf-8"?>
-<p:sldMaster xmlns:a="http://schemas.openxmlformats.org/drawingml/2006/main" xmlns:p="http://schemas.openxmlformats.org/presentationml/2006/main" xmlns:r="http://schemas.openxmlformats.org/officeDocument/2006/relationships" xmlns:p14="http://schemas.microsoft.com/office/powerpoint/2010/main" xmlns:p15="http://schemas.microsoft.com/office/powerpoint/2012/main" xmlns:mc="http://schemas.openxmlformats.org/markup-compatibility/2006">
+<p:sldMaster xmlns:a="http://schemas.openxmlformats.org/drawingml/2006/main" xmlns:r="http://schemas.openxmlformats.org/officeDocument/2006/relationships" xmlns:p="http://schemas.openxmlformats.org/presentationml/2006/main">
   <p:cSld>
     <p:bg>
       <p:bgPr>
         <a:solidFill>
           <a:srgbClr val="000000"/>
         </a:solidFill>
+        <a:effectLst/>
       </p:bgPr>
     </p:bg>
     <p:spTree>
@@ -3388,34 +3540,24 @@
           </a:prstGeom>
         </p:spPr>
         <p:txBody>
-          <a:bodyPr lIns="0" rIns="0" tIns="0" bIns="0" anchor="ctr"/>
+          <a:bodyPr lIns="0" tIns="0" rIns="0" bIns="0" anchor="ctr"/>
+          <a:lstStyle/>
           <a:p>
             <a:pPr algn="ctr"/>
             <a:r>
-              <a:rPr b="0" lang="en-CA" sz="4400" spc="-1" strike="noStrike">
-                <a:solidFill>
-                  <a:srgbClr val="ffffff"/>
+              <a:rPr lang="en-CA" sz="4400" b="0" strike="noStrike" spc="-1">
+                <a:solidFill>
+                  <a:srgbClr val="FFFFFF"/>
                 </a:solidFill>
                 <a:uFill>
                   <a:solidFill>
-                    <a:srgbClr val="ffffff"/>
+                    <a:srgbClr val="FFFFFF"/>
                   </a:solidFill>
                 </a:uFill>
                 <a:latin typeface="Arial"/>
               </a:rPr>
               <a:t>Click to edit the title text format</a:t>
             </a:r>
-            <a:endParaRPr b="0" lang="en-CA" sz="4400" spc="-1" strike="noStrike">
-              <a:solidFill>
-                <a:srgbClr val="ffffff"/>
-              </a:solidFill>
-              <a:uFill>
-                <a:solidFill>
-                  <a:srgbClr val="ffffff"/>
-                </a:solidFill>
-              </a:uFill>
-              <a:latin typeface="Arial"/>
-            </a:endParaRPr>
           </a:p>
         </p:txBody>
       </p:sp>
@@ -3439,276 +3581,205 @@
           </a:prstGeom>
         </p:spPr>
         <p:txBody>
-          <a:bodyPr lIns="0" rIns="0" tIns="0" bIns="0"/>
+          <a:bodyPr lIns="0" tIns="0" rIns="0" bIns="0"/>
+          <a:lstStyle/>
           <a:p>
             <a:pPr marL="432000" indent="-324000">
               <a:buClr>
-                <a:srgbClr val="ffffff"/>
+                <a:srgbClr val="FFFFFF"/>
               </a:buClr>
               <a:buSzPct val="45000"/>
               <a:buFont typeface="Wingdings" charset="2"/>
               <a:buChar char=""/>
             </a:pPr>
             <a:r>
-              <a:rPr b="0" lang="en-CA" sz="3200" spc="-1" strike="noStrike">
-                <a:solidFill>
-                  <a:srgbClr val="ffffff"/>
+              <a:rPr lang="en-CA" sz="3200" b="0" strike="noStrike" spc="-1">
+                <a:solidFill>
+                  <a:srgbClr val="FFFFFF"/>
                 </a:solidFill>
                 <a:uFill>
                   <a:solidFill>
-                    <a:srgbClr val="ffffff"/>
+                    <a:srgbClr val="FFFFFF"/>
                   </a:solidFill>
                 </a:uFill>
                 <a:latin typeface="Arial"/>
               </a:rPr>
               <a:t>Click to edit the outline text format</a:t>
             </a:r>
-            <a:endParaRPr b="0" lang="en-CA" sz="3200" spc="-1" strike="noStrike">
-              <a:solidFill>
-                <a:srgbClr val="ffffff"/>
-              </a:solidFill>
-              <a:uFill>
-                <a:solidFill>
-                  <a:srgbClr val="ffffff"/>
-                </a:solidFill>
-              </a:uFill>
-              <a:latin typeface="Arial"/>
-            </a:endParaRPr>
-          </a:p>
-          <a:p>
-            <a:pPr lvl="1" marL="864000" indent="-324000">
+          </a:p>
+          <a:p>
+            <a:pPr marL="864000" lvl="1" indent="-324000">
               <a:buClr>
-                <a:srgbClr val="ffffff"/>
+                <a:srgbClr val="FFFFFF"/>
               </a:buClr>
               <a:buSzPct val="75000"/>
               <a:buFont typeface="Symbol" charset="2"/>
               <a:buChar char=""/>
             </a:pPr>
             <a:r>
-              <a:rPr b="0" lang="en-CA" sz="2800" spc="-1" strike="noStrike">
-                <a:solidFill>
-                  <a:srgbClr val="ffffff"/>
+              <a:rPr lang="en-CA" sz="2800" b="0" strike="noStrike" spc="-1">
+                <a:solidFill>
+                  <a:srgbClr val="FFFFFF"/>
                 </a:solidFill>
                 <a:uFill>
                   <a:solidFill>
-                    <a:srgbClr val="ffffff"/>
+                    <a:srgbClr val="FFFFFF"/>
                   </a:solidFill>
                 </a:uFill>
                 <a:latin typeface="Arial"/>
               </a:rPr>
               <a:t>Second Outline Level</a:t>
             </a:r>
-            <a:endParaRPr b="0" lang="en-CA" sz="2800" spc="-1" strike="noStrike">
-              <a:solidFill>
-                <a:srgbClr val="ffffff"/>
-              </a:solidFill>
-              <a:uFill>
-                <a:solidFill>
-                  <a:srgbClr val="ffffff"/>
-                </a:solidFill>
-              </a:uFill>
-              <a:latin typeface="Arial"/>
-            </a:endParaRPr>
-          </a:p>
-          <a:p>
-            <a:pPr lvl="2" marL="1296000" indent="-288000">
+          </a:p>
+          <a:p>
+            <a:pPr marL="1296000" lvl="2" indent="-288000">
               <a:buClr>
-                <a:srgbClr val="ffffff"/>
+                <a:srgbClr val="FFFFFF"/>
               </a:buClr>
               <a:buSzPct val="45000"/>
               <a:buFont typeface="Wingdings" charset="2"/>
               <a:buChar char=""/>
             </a:pPr>
             <a:r>
-              <a:rPr b="0" lang="en-CA" sz="2400" spc="-1" strike="noStrike">
-                <a:solidFill>
-                  <a:srgbClr val="ffffff"/>
+              <a:rPr lang="en-CA" sz="2400" b="0" strike="noStrike" spc="-1">
+                <a:solidFill>
+                  <a:srgbClr val="FFFFFF"/>
                 </a:solidFill>
                 <a:uFill>
                   <a:solidFill>
-                    <a:srgbClr val="ffffff"/>
+                    <a:srgbClr val="FFFFFF"/>
                   </a:solidFill>
                 </a:uFill>
                 <a:latin typeface="Arial"/>
               </a:rPr>
               <a:t>Third Outline Level</a:t>
             </a:r>
-            <a:endParaRPr b="0" lang="en-CA" sz="2400" spc="-1" strike="noStrike">
-              <a:solidFill>
-                <a:srgbClr val="ffffff"/>
-              </a:solidFill>
-              <a:uFill>
-                <a:solidFill>
-                  <a:srgbClr val="ffffff"/>
-                </a:solidFill>
-              </a:uFill>
-              <a:latin typeface="Arial"/>
-            </a:endParaRPr>
-          </a:p>
-          <a:p>
-            <a:pPr lvl="3" marL="1728000" indent="-216000">
+          </a:p>
+          <a:p>
+            <a:pPr marL="1728000" lvl="3" indent="-216000">
               <a:buClr>
-                <a:srgbClr val="ffffff"/>
+                <a:srgbClr val="FFFFFF"/>
               </a:buClr>
               <a:buSzPct val="75000"/>
               <a:buFont typeface="Symbol" charset="2"/>
               <a:buChar char=""/>
             </a:pPr>
             <a:r>
-              <a:rPr b="0" lang="en-CA" sz="2000" spc="-1" strike="noStrike">
-                <a:solidFill>
-                  <a:srgbClr val="ffffff"/>
+              <a:rPr lang="en-CA" sz="2000" b="0" strike="noStrike" spc="-1">
+                <a:solidFill>
+                  <a:srgbClr val="FFFFFF"/>
                 </a:solidFill>
                 <a:uFill>
                   <a:solidFill>
-                    <a:srgbClr val="ffffff"/>
+                    <a:srgbClr val="FFFFFF"/>
                   </a:solidFill>
                 </a:uFill>
                 <a:latin typeface="Arial"/>
               </a:rPr>
               <a:t>Fourth Outline Level</a:t>
             </a:r>
-            <a:endParaRPr b="0" lang="en-CA" sz="2000" spc="-1" strike="noStrike">
-              <a:solidFill>
-                <a:srgbClr val="ffffff"/>
-              </a:solidFill>
-              <a:uFill>
-                <a:solidFill>
-                  <a:srgbClr val="ffffff"/>
-                </a:solidFill>
-              </a:uFill>
-              <a:latin typeface="Arial"/>
-            </a:endParaRPr>
-          </a:p>
-          <a:p>
-            <a:pPr lvl="4" marL="2160000" indent="-216000">
+          </a:p>
+          <a:p>
+            <a:pPr marL="2160000" lvl="4" indent="-216000">
               <a:buClr>
-                <a:srgbClr val="ffffff"/>
+                <a:srgbClr val="FFFFFF"/>
               </a:buClr>
               <a:buSzPct val="45000"/>
               <a:buFont typeface="Wingdings" charset="2"/>
               <a:buChar char=""/>
             </a:pPr>
             <a:r>
-              <a:rPr b="0" lang="en-CA" sz="2000" spc="-1" strike="noStrike">
-                <a:solidFill>
-                  <a:srgbClr val="ffffff"/>
+              <a:rPr lang="en-CA" sz="2000" b="0" strike="noStrike" spc="-1">
+                <a:solidFill>
+                  <a:srgbClr val="FFFFFF"/>
                 </a:solidFill>
                 <a:uFill>
                   <a:solidFill>
-                    <a:srgbClr val="ffffff"/>
+                    <a:srgbClr val="FFFFFF"/>
                   </a:solidFill>
                 </a:uFill>
                 <a:latin typeface="Arial"/>
               </a:rPr>
               <a:t>Fifth Outline Level</a:t>
             </a:r>
-            <a:endParaRPr b="0" lang="en-CA" sz="2000" spc="-1" strike="noStrike">
-              <a:solidFill>
-                <a:srgbClr val="ffffff"/>
-              </a:solidFill>
-              <a:uFill>
-                <a:solidFill>
-                  <a:srgbClr val="ffffff"/>
-                </a:solidFill>
-              </a:uFill>
-              <a:latin typeface="Arial"/>
-            </a:endParaRPr>
-          </a:p>
-          <a:p>
-            <a:pPr lvl="5" marL="2592000" indent="-216000">
+          </a:p>
+          <a:p>
+            <a:pPr marL="2592000" lvl="5" indent="-216000">
               <a:buClr>
-                <a:srgbClr val="ffffff"/>
+                <a:srgbClr val="FFFFFF"/>
               </a:buClr>
               <a:buSzPct val="45000"/>
               <a:buFont typeface="Wingdings" charset="2"/>
               <a:buChar char=""/>
             </a:pPr>
             <a:r>
-              <a:rPr b="0" lang="en-CA" sz="2000" spc="-1" strike="noStrike">
-                <a:solidFill>
-                  <a:srgbClr val="ffffff"/>
+              <a:rPr lang="en-CA" sz="2000" b="0" strike="noStrike" spc="-1">
+                <a:solidFill>
+                  <a:srgbClr val="FFFFFF"/>
                 </a:solidFill>
                 <a:uFill>
                   <a:solidFill>
-                    <a:srgbClr val="ffffff"/>
+                    <a:srgbClr val="FFFFFF"/>
                   </a:solidFill>
                 </a:uFill>
                 <a:latin typeface="Arial"/>
               </a:rPr>
               <a:t>Sixth Outline Level</a:t>
             </a:r>
-            <a:endParaRPr b="0" lang="en-CA" sz="2000" spc="-1" strike="noStrike">
-              <a:solidFill>
-                <a:srgbClr val="ffffff"/>
-              </a:solidFill>
-              <a:uFill>
-                <a:solidFill>
-                  <a:srgbClr val="ffffff"/>
-                </a:solidFill>
-              </a:uFill>
-              <a:latin typeface="Arial"/>
-            </a:endParaRPr>
-          </a:p>
-          <a:p>
-            <a:pPr lvl="6" marL="3024000" indent="-216000">
+          </a:p>
+          <a:p>
+            <a:pPr marL="3024000" lvl="6" indent="-216000">
               <a:buClr>
-                <a:srgbClr val="ffffff"/>
+                <a:srgbClr val="FFFFFF"/>
               </a:buClr>
               <a:buSzPct val="45000"/>
               <a:buFont typeface="Wingdings" charset="2"/>
               <a:buChar char=""/>
             </a:pPr>
             <a:r>
-              <a:rPr b="0" lang="en-CA" sz="2000" spc="-1" strike="noStrike">
-                <a:solidFill>
-                  <a:srgbClr val="ffffff"/>
+              <a:rPr lang="en-CA" sz="2000" b="0" strike="noStrike" spc="-1">
+                <a:solidFill>
+                  <a:srgbClr val="FFFFFF"/>
                 </a:solidFill>
                 <a:uFill>
                   <a:solidFill>
-                    <a:srgbClr val="ffffff"/>
+                    <a:srgbClr val="FFFFFF"/>
                   </a:solidFill>
                 </a:uFill>
                 <a:latin typeface="Arial"/>
               </a:rPr>
               <a:t>Seventh Outline Level</a:t>
             </a:r>
-            <a:endParaRPr b="0" lang="en-CA" sz="2000" spc="-1" strike="noStrike">
-              <a:solidFill>
-                <a:srgbClr val="ffffff"/>
-              </a:solidFill>
-              <a:uFill>
-                <a:solidFill>
-                  <a:srgbClr val="ffffff"/>
-                </a:solidFill>
-              </a:uFill>
-              <a:latin typeface="Arial"/>
-            </a:endParaRPr>
           </a:p>
         </p:txBody>
       </p:sp>
     </p:spTree>
   </p:cSld>
-  <p:clrMap bg1="lt1" bg2="lt2" tx1="dk1" tx2="dk2" accent1="accent1" accent2="accent2" accent3="accent3" accent4="accent4" accent5="accent5" accent6="accent6" hlink="hlink" folHlink="folHlink"/>
+  <p:clrMap bg1="lt1" tx1="dk1" bg2="lt2" tx2="dk2" accent1="accent1" accent2="accent2" accent3="accent3" accent4="accent4" accent5="accent5" accent6="accent6" hlink="hlink" folHlink="folHlink"/>
   <p:sldLayoutIdLst>
-    <p:sldLayoutId id="2147483662" r:id="rId2"/>
-    <p:sldLayoutId id="2147483663" r:id="rId3"/>
-    <p:sldLayoutId id="2147483664" r:id="rId4"/>
-    <p:sldLayoutId id="2147483665" r:id="rId5"/>
-    <p:sldLayoutId id="2147483666" r:id="rId6"/>
-    <p:sldLayoutId id="2147483667" r:id="rId7"/>
-    <p:sldLayoutId id="2147483668" r:id="rId8"/>
-    <p:sldLayoutId id="2147483669" r:id="rId9"/>
-    <p:sldLayoutId id="2147483670" r:id="rId10"/>
-    <p:sldLayoutId id="2147483671" r:id="rId11"/>
-    <p:sldLayoutId id="2147483672" r:id="rId12"/>
-    <p:sldLayoutId id="2147483673" r:id="rId13"/>
+    <p:sldLayoutId id="2147483662" r:id="rId1"/>
+    <p:sldLayoutId id="2147483663" r:id="rId2"/>
+    <p:sldLayoutId id="2147483664" r:id="rId3"/>
+    <p:sldLayoutId id="2147483665" r:id="rId4"/>
+    <p:sldLayoutId id="2147483666" r:id="rId5"/>
+    <p:sldLayoutId id="2147483667" r:id="rId6"/>
+    <p:sldLayoutId id="2147483668" r:id="rId7"/>
+    <p:sldLayoutId id="2147483669" r:id="rId8"/>
+    <p:sldLayoutId id="2147483670" r:id="rId9"/>
+    <p:sldLayoutId id="2147483671" r:id="rId10"/>
+    <p:sldLayoutId id="2147483672" r:id="rId11"/>
+    <p:sldLayoutId id="2147483673" r:id="rId12"/>
   </p:sldLayoutIdLst>
+  <p:txStyles>
+    <p:titleStyle/>
+    <p:bodyStyle/>
+    <p:otherStyle/>
+  </p:txStyles>
 </p:sldMaster>
 </file>
 
 <file path=ppt/slides/slide1.xml><?xml version="1.0" encoding="utf-8"?>
-<p:sld xmlns:a="http://schemas.openxmlformats.org/drawingml/2006/main" xmlns:p="http://schemas.openxmlformats.org/presentationml/2006/main" xmlns:r="http://schemas.openxmlformats.org/officeDocument/2006/relationships" xmlns:p14="http://schemas.microsoft.com/office/powerpoint/2010/main" xmlns:p15="http://schemas.microsoft.com/office/powerpoint/2012/main" xmlns:mc="http://schemas.openxmlformats.org/markup-compatibility/2006">
+<p:sld xmlns:a="http://schemas.openxmlformats.org/drawingml/2006/main" xmlns:r="http://schemas.openxmlformats.org/officeDocument/2006/relationships" xmlns:p="http://schemas.openxmlformats.org/presentationml/2006/main">
   <p:cSld>
     <p:spTree>
       <p:nvGrpSpPr>
@@ -3744,13 +3815,20 @@
           </a:ln>
         </p:spPr>
         <p:style>
-          <a:lnRef idx="0"/>
-          <a:fillRef idx="0"/>
-          <a:effectRef idx="0"/>
+          <a:lnRef idx="0">
+            <a:scrgbClr r="0" g="0" b="0"/>
+          </a:lnRef>
+          <a:fillRef idx="0">
+            <a:scrgbClr r="0" g="0" b="0"/>
+          </a:fillRef>
+          <a:effectRef idx="0">
+            <a:scrgbClr r="0" g="0" b="0"/>
+          </a:effectRef>
           <a:fontRef idx="minor"/>
         </p:style>
         <p:txBody>
-          <a:bodyPr lIns="90000" rIns="90000" tIns="45000" bIns="45000" anchor="ctr"/>
+          <a:bodyPr lIns="90000" tIns="45000" rIns="90000" bIns="45000" anchor="ctr"/>
+          <a:lstStyle/>
           <a:p>
             <a:pPr algn="ctr">
               <a:lnSpc>
@@ -3758,13 +3836,13 @@
               </a:lnSpc>
             </a:pPr>
             <a:r>
-              <a:rPr b="0" lang="en-CA" sz="4400" spc="-1" strike="noStrike">
-                <a:solidFill>
-                  <a:srgbClr val="ffffff"/>
+              <a:rPr lang="en-CA" sz="4400" b="0" strike="noStrike" spc="-1">
+                <a:solidFill>
+                  <a:srgbClr val="FFFFFF"/>
                 </a:solidFill>
                 <a:uFill>
                   <a:solidFill>
-                    <a:srgbClr val="ffffff"/>
+                    <a:srgbClr val="FFFFFF"/>
                   </a:solidFill>
                 </a:uFill>
                 <a:latin typeface="Calibri"/>
@@ -3772,13 +3850,13 @@
               </a:rPr>
               <a:t>LazerBlast</a:t>
             </a:r>
-            <a:endParaRPr b="0" lang="en-CA" sz="1800" spc="-1" strike="noStrike">
-              <a:solidFill>
-                <a:srgbClr val="ffffff"/>
-              </a:solidFill>
-              <a:uFill>
-                <a:solidFill>
-                  <a:srgbClr val="ffffff"/>
+            <a:endParaRPr lang="en-CA" sz="1800" b="0" strike="noStrike" spc="-1">
+              <a:solidFill>
+                <a:srgbClr val="FFFFFF"/>
+              </a:solidFill>
+              <a:uFill>
+                <a:solidFill>
+                  <a:srgbClr val="FFFFFF"/>
                 </a:solidFill>
               </a:uFill>
               <a:latin typeface="Arial"/>
@@ -3806,13 +3884,20 @@
           </a:ln>
         </p:spPr>
         <p:style>
-          <a:lnRef idx="0"/>
-          <a:fillRef idx="0"/>
-          <a:effectRef idx="0"/>
+          <a:lnRef idx="0">
+            <a:scrgbClr r="0" g="0" b="0"/>
+          </a:lnRef>
+          <a:fillRef idx="0">
+            <a:scrgbClr r="0" g="0" b="0"/>
+          </a:fillRef>
+          <a:effectRef idx="0">
+            <a:scrgbClr r="0" g="0" b="0"/>
+          </a:effectRef>
           <a:fontRef idx="minor"/>
         </p:style>
         <p:txBody>
-          <a:bodyPr lIns="90000" rIns="90000" tIns="45000" bIns="45000"/>
+          <a:bodyPr lIns="90000" tIns="45000" rIns="90000" bIns="45000"/>
+          <a:lstStyle/>
           <a:p>
             <a:pPr algn="ctr">
               <a:lnSpc>
@@ -3820,13 +3905,13 @@
               </a:lnSpc>
             </a:pPr>
             <a:r>
-              <a:rPr b="0" lang="en-CA" sz="3200" spc="-1" strike="noStrike">
-                <a:solidFill>
-                  <a:srgbClr val="ffffff"/>
+              <a:rPr lang="en-CA" sz="3200" b="0" strike="noStrike" spc="-1">
+                <a:solidFill>
+                  <a:srgbClr val="FFFFFF"/>
                 </a:solidFill>
                 <a:uFill>
                   <a:solidFill>
-                    <a:srgbClr val="ffffff"/>
+                    <a:srgbClr val="FFFFFF"/>
                   </a:solidFill>
                 </a:uFill>
                 <a:latin typeface="Calibri"/>
@@ -3834,13 +3919,13 @@
               </a:rPr>
               <a:t>An Improvement on Pylaga</a:t>
             </a:r>
-            <a:endParaRPr b="0" lang="en-CA" sz="1800" spc="-1" strike="noStrike">
-              <a:solidFill>
-                <a:srgbClr val="ffffff"/>
-              </a:solidFill>
-              <a:uFill>
-                <a:solidFill>
-                  <a:srgbClr val="ffffff"/>
+            <a:endParaRPr lang="en-CA" sz="1800" b="0" strike="noStrike" spc="-1">
+              <a:solidFill>
+                <a:srgbClr val="FFFFFF"/>
+              </a:solidFill>
+              <a:uFill>
+                <a:solidFill>
+                  <a:srgbClr val="FFFFFF"/>
                 </a:solidFill>
               </a:uFill>
               <a:latin typeface="Arial"/>
@@ -3850,22 +3935,25 @@
       </p:sp>
     </p:spTree>
   </p:cSld>
+  <p:clrMapOvr>
+    <a:masterClrMapping/>
+  </p:clrMapOvr>
   <p:timing>
     <p:tnLst>
       <p:par>
-        <p:cTn id="1" dur="indefinite" restart="never" nodeType="tmRoot">
+        <p:cTn xmlns:p14="http://schemas.microsoft.com/office/powerpoint/2010/main" id="1" dur="indefinite" restart="never" nodeType="tmRoot">
           <p:childTnLst>
             <p:seq>
               <p:cTn id="2" nodeType="mainSeq"/>
               <p:prevCondLst>
-                <p:cond delay="0" evt="onPrev">
+                <p:cond evt="onPrev" delay="0">
                   <p:tgtEl>
                     <p:sldTgt/>
                   </p:tgtEl>
                 </p:cond>
               </p:prevCondLst>
               <p:nextCondLst>
-                <p:cond delay="0" evt="onNext">
+                <p:cond evt="onNext" delay="0">
                   <p:tgtEl>
                     <p:sldTgt/>
                   </p:tgtEl>
@@ -3881,7 +3969,7 @@
 </file>
 
 <file path=ppt/slides/slide10.xml><?xml version="1.0" encoding="utf-8"?>
-<p:sld xmlns:a="http://schemas.openxmlformats.org/drawingml/2006/main" xmlns:p="http://schemas.openxmlformats.org/presentationml/2006/main" xmlns:r="http://schemas.openxmlformats.org/officeDocument/2006/relationships" xmlns:p14="http://schemas.microsoft.com/office/powerpoint/2010/main" xmlns:p15="http://schemas.microsoft.com/office/powerpoint/2012/main" xmlns:mc="http://schemas.openxmlformats.org/markup-compatibility/2006">
+<p:sld xmlns:a="http://schemas.openxmlformats.org/drawingml/2006/main" xmlns:r="http://schemas.openxmlformats.org/officeDocument/2006/relationships" xmlns:p="http://schemas.openxmlformats.org/presentationml/2006/main">
   <p:cSld>
     <p:spTree>
       <p:nvGrpSpPr>
@@ -3917,13 +4005,20 @@
           </a:ln>
         </p:spPr>
         <p:style>
-          <a:lnRef idx="0"/>
-          <a:fillRef idx="0"/>
-          <a:effectRef idx="0"/>
+          <a:lnRef idx="0">
+            <a:scrgbClr r="0" g="0" b="0"/>
+          </a:lnRef>
+          <a:fillRef idx="0">
+            <a:scrgbClr r="0" g="0" b="0"/>
+          </a:fillRef>
+          <a:effectRef idx="0">
+            <a:scrgbClr r="0" g="0" b="0"/>
+          </a:effectRef>
           <a:fontRef idx="minor"/>
         </p:style>
         <p:txBody>
-          <a:bodyPr lIns="90000" rIns="90000" tIns="45000" bIns="45000" anchor="ctr"/>
+          <a:bodyPr lIns="90000" tIns="45000" rIns="90000" bIns="45000" anchor="ctr"/>
+          <a:lstStyle/>
           <a:p>
             <a:pPr algn="ctr">
               <a:lnSpc>
@@ -3931,13 +4026,13 @@
               </a:lnSpc>
             </a:pPr>
             <a:r>
-              <a:rPr b="0" lang="en-CA" sz="4400" spc="-1" strike="noStrike">
-                <a:solidFill>
-                  <a:srgbClr val="ffffff"/>
+              <a:rPr lang="en-CA" sz="4400" b="0" strike="noStrike" spc="-1">
+                <a:solidFill>
+                  <a:srgbClr val="FFFFFF"/>
                 </a:solidFill>
                 <a:uFill>
                   <a:solidFill>
-                    <a:srgbClr val="ffffff"/>
+                    <a:srgbClr val="FFFFFF"/>
                   </a:solidFill>
                 </a:uFill>
                 <a:latin typeface="Calibri"/>
@@ -3945,13 +4040,13 @@
               </a:rPr>
               <a:t>Brad’s Section</a:t>
             </a:r>
-            <a:endParaRPr b="0" lang="en-CA" sz="1800" spc="-1" strike="noStrike">
-              <a:solidFill>
-                <a:srgbClr val="ffffff"/>
-              </a:solidFill>
-              <a:uFill>
-                <a:solidFill>
-                  <a:srgbClr val="ffffff"/>
+            <a:endParaRPr lang="en-CA" sz="1800" b="0" strike="noStrike" spc="-1">
+              <a:solidFill>
+                <a:srgbClr val="FFFFFF"/>
+              </a:solidFill>
+              <a:uFill>
+                <a:solidFill>
+                  <a:srgbClr val="FFFFFF"/>
                 </a:solidFill>
               </a:uFill>
               <a:latin typeface="Arial"/>
@@ -3979,30 +4074,39 @@
           </a:ln>
         </p:spPr>
         <p:style>
-          <a:lnRef idx="0"/>
-          <a:fillRef idx="0"/>
-          <a:effectRef idx="0"/>
+          <a:lnRef idx="0">
+            <a:scrgbClr r="0" g="0" b="0"/>
+          </a:lnRef>
+          <a:fillRef idx="0">
+            <a:scrgbClr r="0" g="0" b="0"/>
+          </a:fillRef>
+          <a:effectRef idx="0">
+            <a:scrgbClr r="0" g="0" b="0"/>
+          </a:effectRef>
           <a:fontRef idx="minor"/>
         </p:style>
       </p:sp>
     </p:spTree>
   </p:cSld>
+  <p:clrMapOvr>
+    <a:masterClrMapping/>
+  </p:clrMapOvr>
   <p:timing>
     <p:tnLst>
       <p:par>
-        <p:cTn id="19" dur="indefinite" restart="never" nodeType="tmRoot">
+        <p:cTn xmlns:p14="http://schemas.microsoft.com/office/powerpoint/2010/main" id="1" dur="indefinite" restart="never" nodeType="tmRoot">
           <p:childTnLst>
             <p:seq>
-              <p:cTn id="20" nodeType="mainSeq"/>
+              <p:cTn id="2" nodeType="mainSeq"/>
               <p:prevCondLst>
-                <p:cond delay="0" evt="onPrev">
+                <p:cond evt="onPrev" delay="0">
                   <p:tgtEl>
                     <p:sldTgt/>
                   </p:tgtEl>
                 </p:cond>
               </p:prevCondLst>
               <p:nextCondLst>
-                <p:cond delay="0" evt="onNext">
+                <p:cond evt="onNext" delay="0">
                   <p:tgtEl>
                     <p:sldTgt/>
                   </p:tgtEl>
@@ -4018,7 +4122,7 @@
 </file>
 
 <file path=ppt/slides/slide11.xml><?xml version="1.0" encoding="utf-8"?>
-<p:sld xmlns:a="http://schemas.openxmlformats.org/drawingml/2006/main" xmlns:p="http://schemas.openxmlformats.org/presentationml/2006/main" xmlns:r="http://schemas.openxmlformats.org/officeDocument/2006/relationships" xmlns:p14="http://schemas.microsoft.com/office/powerpoint/2010/main" xmlns:p15="http://schemas.microsoft.com/office/powerpoint/2012/main" xmlns:mc="http://schemas.openxmlformats.org/markup-compatibility/2006">
+<p:sld xmlns:a="http://schemas.openxmlformats.org/drawingml/2006/main" xmlns:r="http://schemas.openxmlformats.org/officeDocument/2006/relationships" xmlns:p="http://schemas.openxmlformats.org/presentationml/2006/main">
   <p:cSld>
     <p:spTree>
       <p:nvGrpSpPr>
@@ -4054,9 +4158,15 @@
           </a:ln>
         </p:spPr>
         <p:style>
-          <a:lnRef idx="0"/>
-          <a:fillRef idx="0"/>
-          <a:effectRef idx="0"/>
+          <a:lnRef idx="0">
+            <a:scrgbClr r="0" g="0" b="0"/>
+          </a:lnRef>
+          <a:fillRef idx="0">
+            <a:scrgbClr r="0" g="0" b="0"/>
+          </a:fillRef>
+          <a:effectRef idx="0">
+            <a:scrgbClr r="0" g="0" b="0"/>
+          </a:effectRef>
           <a:fontRef idx="minor"/>
         </p:style>
       </p:sp>
@@ -4080,30 +4190,39 @@
           </a:ln>
         </p:spPr>
         <p:style>
-          <a:lnRef idx="0"/>
-          <a:fillRef idx="0"/>
-          <a:effectRef idx="0"/>
+          <a:lnRef idx="0">
+            <a:scrgbClr r="0" g="0" b="0"/>
+          </a:lnRef>
+          <a:fillRef idx="0">
+            <a:scrgbClr r="0" g="0" b="0"/>
+          </a:fillRef>
+          <a:effectRef idx="0">
+            <a:scrgbClr r="0" g="0" b="0"/>
+          </a:effectRef>
           <a:fontRef idx="minor"/>
         </p:style>
       </p:sp>
     </p:spTree>
   </p:cSld>
+  <p:clrMapOvr>
+    <a:masterClrMapping/>
+  </p:clrMapOvr>
   <p:timing>
     <p:tnLst>
       <p:par>
-        <p:cTn id="21" dur="indefinite" restart="never" nodeType="tmRoot">
+        <p:cTn xmlns:p14="http://schemas.microsoft.com/office/powerpoint/2010/main" id="1" dur="indefinite" restart="never" nodeType="tmRoot">
           <p:childTnLst>
             <p:seq>
-              <p:cTn id="22" nodeType="mainSeq"/>
+              <p:cTn id="2" nodeType="mainSeq"/>
               <p:prevCondLst>
-                <p:cond delay="0" evt="onPrev">
+                <p:cond evt="onPrev" delay="0">
                   <p:tgtEl>
                     <p:sldTgt/>
                   </p:tgtEl>
                 </p:cond>
               </p:prevCondLst>
               <p:nextCondLst>
-                <p:cond delay="0" evt="onNext">
+                <p:cond evt="onNext" delay="0">
                   <p:tgtEl>
                     <p:sldTgt/>
                   </p:tgtEl>
@@ -4119,7 +4238,7 @@
 </file>
 
 <file path=ppt/slides/slide12.xml><?xml version="1.0" encoding="utf-8"?>
-<p:sld xmlns:a="http://schemas.openxmlformats.org/drawingml/2006/main" xmlns:p="http://schemas.openxmlformats.org/presentationml/2006/main" xmlns:r="http://schemas.openxmlformats.org/officeDocument/2006/relationships" xmlns:p14="http://schemas.microsoft.com/office/powerpoint/2010/main" xmlns:p15="http://schemas.microsoft.com/office/powerpoint/2012/main" xmlns:mc="http://schemas.openxmlformats.org/markup-compatibility/2006">
+<p:sld xmlns:a="http://schemas.openxmlformats.org/drawingml/2006/main" xmlns:r="http://schemas.openxmlformats.org/officeDocument/2006/relationships" xmlns:p="http://schemas.openxmlformats.org/presentationml/2006/main">
   <p:cSld>
     <p:spTree>
       <p:nvGrpSpPr>
@@ -4155,9 +4274,15 @@
           </a:ln>
         </p:spPr>
         <p:style>
-          <a:lnRef idx="0"/>
-          <a:fillRef idx="0"/>
-          <a:effectRef idx="0"/>
+          <a:lnRef idx="0">
+            <a:scrgbClr r="0" g="0" b="0"/>
+          </a:lnRef>
+          <a:fillRef idx="0">
+            <a:scrgbClr r="0" g="0" b="0"/>
+          </a:fillRef>
+          <a:effectRef idx="0">
+            <a:scrgbClr r="0" g="0" b="0"/>
+          </a:effectRef>
           <a:fontRef idx="minor"/>
         </p:style>
       </p:sp>
@@ -4181,30 +4306,39 @@
           </a:ln>
         </p:spPr>
         <p:style>
-          <a:lnRef idx="0"/>
-          <a:fillRef idx="0"/>
-          <a:effectRef idx="0"/>
+          <a:lnRef idx="0">
+            <a:scrgbClr r="0" g="0" b="0"/>
+          </a:lnRef>
+          <a:fillRef idx="0">
+            <a:scrgbClr r="0" g="0" b="0"/>
+          </a:fillRef>
+          <a:effectRef idx="0">
+            <a:scrgbClr r="0" g="0" b="0"/>
+          </a:effectRef>
           <a:fontRef idx="minor"/>
         </p:style>
       </p:sp>
     </p:spTree>
   </p:cSld>
+  <p:clrMapOvr>
+    <a:masterClrMapping/>
+  </p:clrMapOvr>
   <p:timing>
     <p:tnLst>
       <p:par>
-        <p:cTn id="23" dur="indefinite" restart="never" nodeType="tmRoot">
+        <p:cTn xmlns:p14="http://schemas.microsoft.com/office/powerpoint/2010/main" id="1" dur="indefinite" restart="never" nodeType="tmRoot">
           <p:childTnLst>
             <p:seq>
-              <p:cTn id="24" nodeType="mainSeq"/>
+              <p:cTn id="2" nodeType="mainSeq"/>
               <p:prevCondLst>
-                <p:cond delay="0" evt="onPrev">
+                <p:cond evt="onPrev" delay="0">
                   <p:tgtEl>
                     <p:sldTgt/>
                   </p:tgtEl>
                 </p:cond>
               </p:prevCondLst>
               <p:nextCondLst>
-                <p:cond delay="0" evt="onNext">
+                <p:cond evt="onNext" delay="0">
                   <p:tgtEl>
                     <p:sldTgt/>
                   </p:tgtEl>
@@ -4220,7 +4354,7 @@
 </file>
 
 <file path=ppt/slides/slide13.xml><?xml version="1.0" encoding="utf-8"?>
-<p:sld xmlns:a="http://schemas.openxmlformats.org/drawingml/2006/main" xmlns:p="http://schemas.openxmlformats.org/presentationml/2006/main" xmlns:r="http://schemas.openxmlformats.org/officeDocument/2006/relationships" xmlns:p14="http://schemas.microsoft.com/office/powerpoint/2010/main" xmlns:p15="http://schemas.microsoft.com/office/powerpoint/2012/main" xmlns:mc="http://schemas.openxmlformats.org/markup-compatibility/2006">
+<p:sld xmlns:a="http://schemas.openxmlformats.org/drawingml/2006/main" xmlns:r="http://schemas.openxmlformats.org/officeDocument/2006/relationships" xmlns:p="http://schemas.openxmlformats.org/presentationml/2006/main">
   <p:cSld>
     <p:spTree>
       <p:nvGrpSpPr>
@@ -4256,9 +4390,15 @@
           </a:ln>
         </p:spPr>
         <p:style>
-          <a:lnRef idx="0"/>
-          <a:fillRef idx="0"/>
-          <a:effectRef idx="0"/>
+          <a:lnRef idx="0">
+            <a:scrgbClr r="0" g="0" b="0"/>
+          </a:lnRef>
+          <a:fillRef idx="0">
+            <a:scrgbClr r="0" g="0" b="0"/>
+          </a:fillRef>
+          <a:effectRef idx="0">
+            <a:scrgbClr r="0" g="0" b="0"/>
+          </a:effectRef>
           <a:fontRef idx="minor"/>
         </p:style>
       </p:sp>
@@ -4282,30 +4422,39 @@
           </a:ln>
         </p:spPr>
         <p:style>
-          <a:lnRef idx="0"/>
-          <a:fillRef idx="0"/>
-          <a:effectRef idx="0"/>
+          <a:lnRef idx="0">
+            <a:scrgbClr r="0" g="0" b="0"/>
+          </a:lnRef>
+          <a:fillRef idx="0">
+            <a:scrgbClr r="0" g="0" b="0"/>
+          </a:fillRef>
+          <a:effectRef idx="0">
+            <a:scrgbClr r="0" g="0" b="0"/>
+          </a:effectRef>
           <a:fontRef idx="minor"/>
         </p:style>
       </p:sp>
     </p:spTree>
   </p:cSld>
+  <p:clrMapOvr>
+    <a:masterClrMapping/>
+  </p:clrMapOvr>
   <p:timing>
     <p:tnLst>
       <p:par>
-        <p:cTn id="25" dur="indefinite" restart="never" nodeType="tmRoot">
+        <p:cTn xmlns:p14="http://schemas.microsoft.com/office/powerpoint/2010/main" id="1" dur="indefinite" restart="never" nodeType="tmRoot">
           <p:childTnLst>
             <p:seq>
-              <p:cTn id="26" nodeType="mainSeq"/>
+              <p:cTn id="2" nodeType="mainSeq"/>
               <p:prevCondLst>
-                <p:cond delay="0" evt="onPrev">
+                <p:cond evt="onPrev" delay="0">
                   <p:tgtEl>
                     <p:sldTgt/>
                   </p:tgtEl>
                 </p:cond>
               </p:prevCondLst>
               <p:nextCondLst>
-                <p:cond delay="0" evt="onNext">
+                <p:cond evt="onNext" delay="0">
                   <p:tgtEl>
                     <p:sldTgt/>
                   </p:tgtEl>
@@ -4321,7 +4470,7 @@
 </file>
 
 <file path=ppt/slides/slide14.xml><?xml version="1.0" encoding="utf-8"?>
-<p:sld xmlns:a="http://schemas.openxmlformats.org/drawingml/2006/main" xmlns:p="http://schemas.openxmlformats.org/presentationml/2006/main" xmlns:r="http://schemas.openxmlformats.org/officeDocument/2006/relationships" xmlns:p14="http://schemas.microsoft.com/office/powerpoint/2010/main" xmlns:p15="http://schemas.microsoft.com/office/powerpoint/2012/main" xmlns:mc="http://schemas.openxmlformats.org/markup-compatibility/2006">
+<p:sld xmlns:a="http://schemas.openxmlformats.org/drawingml/2006/main" xmlns:r="http://schemas.openxmlformats.org/officeDocument/2006/relationships" xmlns:p="http://schemas.openxmlformats.org/presentationml/2006/main">
   <p:cSld>
     <p:spTree>
       <p:nvGrpSpPr>
@@ -4339,7 +4488,7 @@
       </p:grpSpPr>
       <p:sp>
         <p:nvSpPr>
-          <p:cNvPr id="98" name="CustomShape 1"/>
+          <p:cNvPr id="90" name="CustomShape 1"/>
           <p:cNvSpPr/>
           <p:nvPr/>
         </p:nvSpPr>
@@ -4357,13 +4506,20 @@
           </a:ln>
         </p:spPr>
         <p:style>
-          <a:lnRef idx="0"/>
-          <a:fillRef idx="0"/>
-          <a:effectRef idx="0"/>
+          <a:lnRef idx="0">
+            <a:scrgbClr r="0" g="0" b="0"/>
+          </a:lnRef>
+          <a:fillRef idx="0">
+            <a:scrgbClr r="0" g="0" b="0"/>
+          </a:fillRef>
+          <a:effectRef idx="0">
+            <a:scrgbClr r="0" g="0" b="0"/>
+          </a:effectRef>
           <a:fontRef idx="minor"/>
         </p:style>
         <p:txBody>
-          <a:bodyPr lIns="90000" rIns="90000" tIns="45000" bIns="45000" anchor="ctr"/>
+          <a:bodyPr lIns="90000" tIns="45000" rIns="90000" bIns="45000" anchor="ctr"/>
+          <a:lstStyle/>
           <a:p>
             <a:pPr algn="ctr">
               <a:lnSpc>
@@ -4371,13 +4527,13 @@
               </a:lnSpc>
             </a:pPr>
             <a:r>
-              <a:rPr b="0" lang="en-CA" sz="4400" spc="-1" strike="noStrike">
-                <a:solidFill>
-                  <a:srgbClr val="ffffff"/>
+              <a:rPr lang="en-CA" sz="4400" b="0" strike="noStrike" spc="-1" dirty="0" smtClean="0">
+                <a:solidFill>
+                  <a:srgbClr val="FFFFFF"/>
                 </a:solidFill>
                 <a:uFill>
                   <a:solidFill>
-                    <a:srgbClr val="ffffff"/>
+                    <a:srgbClr val="FFFFFF"/>
                   </a:solidFill>
                 </a:uFill>
                 <a:latin typeface="Calibri"/>
@@ -4385,23 +4541,23 @@
               </a:rPr>
               <a:t>Keefer’s Section</a:t>
             </a:r>
-            <a:endParaRPr b="0" lang="en-CA" sz="1800" spc="-1" strike="noStrike">
-              <a:solidFill>
-                <a:srgbClr val="ffffff"/>
-              </a:solidFill>
-              <a:uFill>
-                <a:solidFill>
-                  <a:srgbClr val="ffffff"/>
-                </a:solidFill>
-              </a:uFill>
-              <a:latin typeface="Arial"/>
-            </a:endParaRPr>
-          </a:p>
-        </p:txBody>
-      </p:sp>
-      <p:sp>
-        <p:nvSpPr>
-          <p:cNvPr id="99" name="CustomShape 2"/>
+            <a:endParaRPr lang="en-CA" sz="1800" b="0" strike="noStrike" spc="-1" dirty="0">
+              <a:solidFill>
+                <a:srgbClr val="FFFFFF"/>
+              </a:solidFill>
+              <a:uFill>
+                <a:solidFill>
+                  <a:srgbClr val="FFFFFF"/>
+                </a:solidFill>
+              </a:uFill>
+              <a:latin typeface="Arial"/>
+            </a:endParaRPr>
+          </a:p>
+        </p:txBody>
+      </p:sp>
+      <p:sp>
+        <p:nvSpPr>
+          <p:cNvPr id="91" name="CustomShape 2"/>
           <p:cNvSpPr/>
           <p:nvPr/>
         </p:nvSpPr>
@@ -4419,30 +4575,44 @@
           </a:ln>
         </p:spPr>
         <p:style>
-          <a:lnRef idx="0"/>
-          <a:fillRef idx="0"/>
-          <a:effectRef idx="0"/>
+          <a:lnRef idx="0">
+            <a:scrgbClr r="0" g="0" b="0"/>
+          </a:lnRef>
+          <a:fillRef idx="0">
+            <a:scrgbClr r="0" g="0" b="0"/>
+          </a:fillRef>
+          <a:effectRef idx="0">
+            <a:scrgbClr r="0" g="0" b="0"/>
+          </a:effectRef>
           <a:fontRef idx="minor"/>
         </p:style>
       </p:sp>
     </p:spTree>
+    <p:extLst>
+      <p:ext uri="{BB962C8B-B14F-4D97-AF65-F5344CB8AC3E}">
+        <p14:creationId xmlns:p14="http://schemas.microsoft.com/office/powerpoint/2010/main" val="125277877"/>
+      </p:ext>
+    </p:extLst>
   </p:cSld>
+  <p:clrMapOvr>
+    <a:masterClrMapping/>
+  </p:clrMapOvr>
   <p:timing>
     <p:tnLst>
       <p:par>
-        <p:cTn id="27" dur="indefinite" restart="never" nodeType="tmRoot">
+        <p:cTn xmlns:p14="http://schemas.microsoft.com/office/powerpoint/2010/main" id="1" dur="indefinite" restart="never" nodeType="tmRoot">
           <p:childTnLst>
             <p:seq>
-              <p:cTn id="28" nodeType="mainSeq"/>
+              <p:cTn id="2" nodeType="mainSeq"/>
               <p:prevCondLst>
-                <p:cond delay="0" evt="onPrev">
+                <p:cond evt="onPrev" delay="0">
                   <p:tgtEl>
                     <p:sldTgt/>
                   </p:tgtEl>
                 </p:cond>
               </p:prevCondLst>
               <p:nextCondLst>
-                <p:cond delay="0" evt="onNext">
+                <p:cond evt="onNext" delay="0">
                   <p:tgtEl>
                     <p:sldTgt/>
                   </p:tgtEl>
@@ -4458,7 +4628,7 @@
 </file>
 
 <file path=ppt/slides/slide15.xml><?xml version="1.0" encoding="utf-8"?>
-<p:sld xmlns:a="http://schemas.openxmlformats.org/drawingml/2006/main" xmlns:p="http://schemas.openxmlformats.org/presentationml/2006/main" xmlns:r="http://schemas.openxmlformats.org/officeDocument/2006/relationships" xmlns:p14="http://schemas.microsoft.com/office/powerpoint/2010/main" xmlns:p15="http://schemas.microsoft.com/office/powerpoint/2012/main" xmlns:mc="http://schemas.openxmlformats.org/markup-compatibility/2006">
+<p:sld xmlns:a="http://schemas.openxmlformats.org/drawingml/2006/main" xmlns:r="http://schemas.openxmlformats.org/officeDocument/2006/relationships" xmlns:p="http://schemas.openxmlformats.org/presentationml/2006/main">
   <p:cSld>
     <p:spTree>
       <p:nvGrpSpPr>
@@ -4476,7 +4646,7 @@
       </p:grpSpPr>
       <p:sp>
         <p:nvSpPr>
-          <p:cNvPr id="100" name="CustomShape 1"/>
+          <p:cNvPr id="92" name="CustomShape 1"/>
           <p:cNvSpPr/>
           <p:nvPr/>
         </p:nvSpPr>
@@ -4494,15 +4664,21 @@
           </a:ln>
         </p:spPr>
         <p:style>
-          <a:lnRef idx="0"/>
-          <a:fillRef idx="0"/>
-          <a:effectRef idx="0"/>
+          <a:lnRef idx="0">
+            <a:scrgbClr r="0" g="0" b="0"/>
+          </a:lnRef>
+          <a:fillRef idx="0">
+            <a:scrgbClr r="0" g="0" b="0"/>
+          </a:fillRef>
+          <a:effectRef idx="0">
+            <a:scrgbClr r="0" g="0" b="0"/>
+          </a:effectRef>
           <a:fontRef idx="minor"/>
         </p:style>
       </p:sp>
       <p:sp>
         <p:nvSpPr>
-          <p:cNvPr id="101" name="CustomShape 2"/>
+          <p:cNvPr id="93" name="CustomShape 2"/>
           <p:cNvSpPr/>
           <p:nvPr/>
         </p:nvSpPr>
@@ -4520,30 +4696,44 @@
           </a:ln>
         </p:spPr>
         <p:style>
-          <a:lnRef idx="0"/>
-          <a:fillRef idx="0"/>
-          <a:effectRef idx="0"/>
+          <a:lnRef idx="0">
+            <a:scrgbClr r="0" g="0" b="0"/>
+          </a:lnRef>
+          <a:fillRef idx="0">
+            <a:scrgbClr r="0" g="0" b="0"/>
+          </a:fillRef>
+          <a:effectRef idx="0">
+            <a:scrgbClr r="0" g="0" b="0"/>
+          </a:effectRef>
           <a:fontRef idx="minor"/>
         </p:style>
       </p:sp>
     </p:spTree>
+    <p:extLst>
+      <p:ext uri="{BB962C8B-B14F-4D97-AF65-F5344CB8AC3E}">
+        <p14:creationId xmlns:p14="http://schemas.microsoft.com/office/powerpoint/2010/main" val="4167942399"/>
+      </p:ext>
+    </p:extLst>
   </p:cSld>
+  <p:clrMapOvr>
+    <a:masterClrMapping/>
+  </p:clrMapOvr>
   <p:timing>
     <p:tnLst>
       <p:par>
-        <p:cTn id="29" dur="indefinite" restart="never" nodeType="tmRoot">
+        <p:cTn xmlns:p14="http://schemas.microsoft.com/office/powerpoint/2010/main" id="1" dur="indefinite" restart="never" nodeType="tmRoot">
           <p:childTnLst>
             <p:seq>
-              <p:cTn id="30" nodeType="mainSeq"/>
+              <p:cTn id="2" nodeType="mainSeq"/>
               <p:prevCondLst>
-                <p:cond delay="0" evt="onPrev">
+                <p:cond evt="onPrev" delay="0">
                   <p:tgtEl>
                     <p:sldTgt/>
                   </p:tgtEl>
                 </p:cond>
               </p:prevCondLst>
               <p:nextCondLst>
-                <p:cond delay="0" evt="onNext">
+                <p:cond evt="onNext" delay="0">
                   <p:tgtEl>
                     <p:sldTgt/>
                   </p:tgtEl>
@@ -4559,7 +4749,7 @@
 </file>
 
 <file path=ppt/slides/slide16.xml><?xml version="1.0" encoding="utf-8"?>
-<p:sld xmlns:a="http://schemas.openxmlformats.org/drawingml/2006/main" xmlns:p="http://schemas.openxmlformats.org/presentationml/2006/main" xmlns:r="http://schemas.openxmlformats.org/officeDocument/2006/relationships" xmlns:p14="http://schemas.microsoft.com/office/powerpoint/2010/main" xmlns:p15="http://schemas.microsoft.com/office/powerpoint/2012/main" xmlns:mc="http://schemas.openxmlformats.org/markup-compatibility/2006">
+<p:sld xmlns:a="http://schemas.openxmlformats.org/drawingml/2006/main" xmlns:r="http://schemas.openxmlformats.org/officeDocument/2006/relationships" xmlns:p="http://schemas.openxmlformats.org/presentationml/2006/main">
   <p:cSld>
     <p:spTree>
       <p:nvGrpSpPr>
@@ -4577,7 +4767,7 @@
       </p:grpSpPr>
       <p:sp>
         <p:nvSpPr>
-          <p:cNvPr id="102" name="CustomShape 1"/>
+          <p:cNvPr id="94" name="CustomShape 1"/>
           <p:cNvSpPr/>
           <p:nvPr/>
         </p:nvSpPr>
@@ -4595,15 +4785,21 @@
           </a:ln>
         </p:spPr>
         <p:style>
-          <a:lnRef idx="0"/>
-          <a:fillRef idx="0"/>
-          <a:effectRef idx="0"/>
+          <a:lnRef idx="0">
+            <a:scrgbClr r="0" g="0" b="0"/>
+          </a:lnRef>
+          <a:fillRef idx="0">
+            <a:scrgbClr r="0" g="0" b="0"/>
+          </a:fillRef>
+          <a:effectRef idx="0">
+            <a:scrgbClr r="0" g="0" b="0"/>
+          </a:effectRef>
           <a:fontRef idx="minor"/>
         </p:style>
       </p:sp>
       <p:sp>
         <p:nvSpPr>
-          <p:cNvPr id="103" name="CustomShape 2"/>
+          <p:cNvPr id="95" name="CustomShape 2"/>
           <p:cNvSpPr/>
           <p:nvPr/>
         </p:nvSpPr>
@@ -4621,30 +4817,44 @@
           </a:ln>
         </p:spPr>
         <p:style>
-          <a:lnRef idx="0"/>
-          <a:fillRef idx="0"/>
-          <a:effectRef idx="0"/>
+          <a:lnRef idx="0">
+            <a:scrgbClr r="0" g="0" b="0"/>
+          </a:lnRef>
+          <a:fillRef idx="0">
+            <a:scrgbClr r="0" g="0" b="0"/>
+          </a:fillRef>
+          <a:effectRef idx="0">
+            <a:scrgbClr r="0" g="0" b="0"/>
+          </a:effectRef>
           <a:fontRef idx="minor"/>
         </p:style>
       </p:sp>
     </p:spTree>
+    <p:extLst>
+      <p:ext uri="{BB962C8B-B14F-4D97-AF65-F5344CB8AC3E}">
+        <p14:creationId xmlns:p14="http://schemas.microsoft.com/office/powerpoint/2010/main" val="2595609631"/>
+      </p:ext>
+    </p:extLst>
   </p:cSld>
+  <p:clrMapOvr>
+    <a:masterClrMapping/>
+  </p:clrMapOvr>
   <p:timing>
     <p:tnLst>
       <p:par>
-        <p:cTn id="31" dur="indefinite" restart="never" nodeType="tmRoot">
+        <p:cTn xmlns:p14="http://schemas.microsoft.com/office/powerpoint/2010/main" id="1" dur="indefinite" restart="never" nodeType="tmRoot">
           <p:childTnLst>
             <p:seq>
-              <p:cTn id="32" nodeType="mainSeq"/>
+              <p:cTn id="2" nodeType="mainSeq"/>
               <p:prevCondLst>
-                <p:cond delay="0" evt="onPrev">
+                <p:cond evt="onPrev" delay="0">
                   <p:tgtEl>
                     <p:sldTgt/>
                   </p:tgtEl>
                 </p:cond>
               </p:prevCondLst>
               <p:nextCondLst>
-                <p:cond delay="0" evt="onNext">
+                <p:cond evt="onNext" delay="0">
                   <p:tgtEl>
                     <p:sldTgt/>
                   </p:tgtEl>
@@ -4660,7 +4870,7 @@
 </file>
 
 <file path=ppt/slides/slide17.xml><?xml version="1.0" encoding="utf-8"?>
-<p:sld xmlns:a="http://schemas.openxmlformats.org/drawingml/2006/main" xmlns:p="http://schemas.openxmlformats.org/presentationml/2006/main" xmlns:r="http://schemas.openxmlformats.org/officeDocument/2006/relationships" xmlns:p14="http://schemas.microsoft.com/office/powerpoint/2010/main" xmlns:p15="http://schemas.microsoft.com/office/powerpoint/2012/main" xmlns:mc="http://schemas.openxmlformats.org/markup-compatibility/2006">
+<p:sld xmlns:a="http://schemas.openxmlformats.org/drawingml/2006/main" xmlns:r="http://schemas.openxmlformats.org/officeDocument/2006/relationships" xmlns:p="http://schemas.openxmlformats.org/presentationml/2006/main">
   <p:cSld>
     <p:spTree>
       <p:nvGrpSpPr>
@@ -4678,7 +4888,7 @@
       </p:grpSpPr>
       <p:sp>
         <p:nvSpPr>
-          <p:cNvPr id="104" name="CustomShape 1"/>
+          <p:cNvPr id="96" name="CustomShape 1"/>
           <p:cNvSpPr/>
           <p:nvPr/>
         </p:nvSpPr>
@@ -4696,15 +4906,21 @@
           </a:ln>
         </p:spPr>
         <p:style>
-          <a:lnRef idx="0"/>
-          <a:fillRef idx="0"/>
-          <a:effectRef idx="0"/>
+          <a:lnRef idx="0">
+            <a:scrgbClr r="0" g="0" b="0"/>
+          </a:lnRef>
+          <a:fillRef idx="0">
+            <a:scrgbClr r="0" g="0" b="0"/>
+          </a:fillRef>
+          <a:effectRef idx="0">
+            <a:scrgbClr r="0" g="0" b="0"/>
+          </a:effectRef>
           <a:fontRef idx="minor"/>
         </p:style>
       </p:sp>
       <p:sp>
         <p:nvSpPr>
-          <p:cNvPr id="105" name="CustomShape 2"/>
+          <p:cNvPr id="97" name="CustomShape 2"/>
           <p:cNvSpPr/>
           <p:nvPr/>
         </p:nvSpPr>
@@ -4722,30 +4938,44 @@
           </a:ln>
         </p:spPr>
         <p:style>
-          <a:lnRef idx="0"/>
-          <a:fillRef idx="0"/>
-          <a:effectRef idx="0"/>
+          <a:lnRef idx="0">
+            <a:scrgbClr r="0" g="0" b="0"/>
+          </a:lnRef>
+          <a:fillRef idx="0">
+            <a:scrgbClr r="0" g="0" b="0"/>
+          </a:fillRef>
+          <a:effectRef idx="0">
+            <a:scrgbClr r="0" g="0" b="0"/>
+          </a:effectRef>
           <a:fontRef idx="minor"/>
         </p:style>
       </p:sp>
     </p:spTree>
+    <p:extLst>
+      <p:ext uri="{BB962C8B-B14F-4D97-AF65-F5344CB8AC3E}">
+        <p14:creationId xmlns:p14="http://schemas.microsoft.com/office/powerpoint/2010/main" val="850417817"/>
+      </p:ext>
+    </p:extLst>
   </p:cSld>
+  <p:clrMapOvr>
+    <a:masterClrMapping/>
+  </p:clrMapOvr>
   <p:timing>
     <p:tnLst>
       <p:par>
-        <p:cTn id="33" dur="indefinite" restart="never" nodeType="tmRoot">
+        <p:cTn xmlns:p14="http://schemas.microsoft.com/office/powerpoint/2010/main" id="1" dur="indefinite" restart="never" nodeType="tmRoot">
           <p:childTnLst>
             <p:seq>
-              <p:cTn id="34" nodeType="mainSeq"/>
+              <p:cTn id="2" nodeType="mainSeq"/>
               <p:prevCondLst>
-                <p:cond delay="0" evt="onPrev">
+                <p:cond evt="onPrev" delay="0">
                   <p:tgtEl>
                     <p:sldTgt/>
                   </p:tgtEl>
                 </p:cond>
               </p:prevCondLst>
               <p:nextCondLst>
-                <p:cond delay="0" evt="onNext">
+                <p:cond evt="onNext" delay="0">
                   <p:tgtEl>
                     <p:sldTgt/>
                   </p:tgtEl>
@@ -4761,7 +4991,7 @@
 </file>
 
 <file path=ppt/slides/slide18.xml><?xml version="1.0" encoding="utf-8"?>
-<p:sld xmlns:a="http://schemas.openxmlformats.org/drawingml/2006/main" xmlns:p="http://schemas.openxmlformats.org/presentationml/2006/main" xmlns:r="http://schemas.openxmlformats.org/officeDocument/2006/relationships" xmlns:p14="http://schemas.microsoft.com/office/powerpoint/2010/main" xmlns:p15="http://schemas.microsoft.com/office/powerpoint/2012/main" xmlns:mc="http://schemas.openxmlformats.org/markup-compatibility/2006">
+<p:sld xmlns:a="http://schemas.openxmlformats.org/drawingml/2006/main" xmlns:r="http://schemas.openxmlformats.org/officeDocument/2006/relationships" xmlns:p="http://schemas.openxmlformats.org/presentationml/2006/main">
   <p:cSld>
     <p:spTree>
       <p:nvGrpSpPr>
@@ -4785,8 +5015,8 @@
         </p:nvSpPr>
         <p:spPr>
           <a:xfrm>
-            <a:off x="457200" y="274680"/>
-            <a:ext cx="8226360" cy="1139760"/>
+            <a:off x="457200" y="95534"/>
+            <a:ext cx="8226360" cy="1146412"/>
           </a:xfrm>
           <a:prstGeom prst="rect">
             <a:avLst/>
@@ -4797,13 +5027,20 @@
           </a:ln>
         </p:spPr>
         <p:style>
-          <a:lnRef idx="0"/>
-          <a:fillRef idx="0"/>
-          <a:effectRef idx="0"/>
+          <a:lnRef idx="0">
+            <a:scrgbClr r="0" g="0" b="0"/>
+          </a:lnRef>
+          <a:fillRef idx="0">
+            <a:scrgbClr r="0" g="0" b="0"/>
+          </a:fillRef>
+          <a:effectRef idx="0">
+            <a:scrgbClr r="0" g="0" b="0"/>
+          </a:effectRef>
           <a:fontRef idx="minor"/>
         </p:style>
         <p:txBody>
-          <a:bodyPr lIns="90000" rIns="90000" tIns="45000" bIns="45000" anchor="ctr"/>
+          <a:bodyPr lIns="90000" tIns="45000" rIns="90000" bIns="45000" anchor="ctr"/>
+          <a:lstStyle/>
           <a:p>
             <a:pPr algn="ctr">
               <a:lnSpc>
@@ -4811,78 +5048,401 @@
               </a:lnSpc>
             </a:pPr>
             <a:r>
-              <a:rPr b="0" lang="en-CA" sz="4400" spc="-1" strike="noStrike">
-                <a:solidFill>
-                  <a:srgbClr val="ffffff"/>
+              <a:rPr lang="en-CA" sz="4400" spc="-1" dirty="0" smtClean="0">
+                <a:solidFill>
+                  <a:srgbClr val="FFFFFF"/>
                 </a:solidFill>
                 <a:uFill>
                   <a:solidFill>
-                    <a:srgbClr val="ffffff"/>
+                    <a:srgbClr val="FFFFFF"/>
                   </a:solidFill>
                 </a:uFill>
                 <a:latin typeface="Calibri"/>
                 <a:ea typeface="DejaVu Sans"/>
               </a:rPr>
-              <a:t>Meagon’s Section</a:t>
+              <a:t>SOUND</a:t>
             </a:r>
-            <a:endParaRPr b="0" lang="en-CA" sz="1800" spc="-1" strike="noStrike">
-              <a:solidFill>
-                <a:srgbClr val="ffffff"/>
-              </a:solidFill>
-              <a:uFill>
-                <a:solidFill>
-                  <a:srgbClr val="ffffff"/>
-                </a:solidFill>
-              </a:uFill>
-              <a:latin typeface="Arial"/>
-            </a:endParaRPr>
-          </a:p>
-        </p:txBody>
-      </p:sp>
-      <p:sp>
-        <p:nvSpPr>
-          <p:cNvPr id="107" name="CustomShape 2"/>
+            <a:endParaRPr lang="en-CA" sz="1800" b="0" strike="noStrike" spc="-1" dirty="0">
+              <a:solidFill>
+                <a:srgbClr val="FFFFFF"/>
+              </a:solidFill>
+              <a:uFill>
+                <a:solidFill>
+                  <a:srgbClr val="FFFFFF"/>
+                </a:solidFill>
+              </a:uFill>
+              <a:latin typeface="Arial"/>
+            </a:endParaRPr>
+          </a:p>
+        </p:txBody>
+      </p:sp>
+      <p:sp>
+        <p:nvSpPr>
+          <p:cNvPr id="3" name="Rectangle 2"/>
           <p:cNvSpPr/>
           <p:nvPr/>
         </p:nvSpPr>
         <p:spPr>
           <a:xfrm>
-            <a:off x="457200" y="1600200"/>
-            <a:ext cx="8226360" cy="4522680"/>
-          </a:xfrm>
-          <a:prstGeom prst="rect">
-            <a:avLst/>
-          </a:prstGeom>
-          <a:noFill/>
-          <a:ln>
-            <a:noFill/>
-          </a:ln>
-        </p:spPr>
-        <p:style>
-          <a:lnRef idx="0"/>
-          <a:fillRef idx="0"/>
-          <a:effectRef idx="0"/>
-          <a:fontRef idx="minor"/>
-        </p:style>
-      </p:sp>
+            <a:off x="457200" y="1136177"/>
+            <a:ext cx="8226360" cy="5509200"/>
+          </a:xfrm>
+          <a:prstGeom prst="rect">
+            <a:avLst/>
+          </a:prstGeom>
+        </p:spPr>
+        <p:txBody>
+          <a:bodyPr wrap="square">
+            <a:spAutoFit/>
+          </a:bodyPr>
+          <a:lstStyle/>
+          <a:p>
+            <a:pPr marL="432000" indent="-321120">
+              <a:lnSpc>
+                <a:spcPct val="100000"/>
+              </a:lnSpc>
+              <a:buClr>
+                <a:srgbClr val="FFFFFF"/>
+              </a:buClr>
+              <a:buSzPct val="45000"/>
+              <a:buFont typeface="Wingdings" charset="2"/>
+              <a:buChar char=""/>
+            </a:pPr>
+            <a:r>
+              <a:rPr lang="en-CA" sz="3200" b="0" strike="noStrike" spc="-1" dirty="0" smtClean="0">
+                <a:solidFill>
+                  <a:srgbClr val="FFFFFF"/>
+                </a:solidFill>
+                <a:uFill>
+                  <a:solidFill>
+                    <a:srgbClr val="FFFFFF"/>
+                  </a:solidFill>
+                </a:uFill>
+                <a:latin typeface="Calibri" charset="0"/>
+                <a:ea typeface="Calibri" charset="0"/>
+                <a:cs typeface="Calibri" charset="0"/>
+              </a:rPr>
+              <a:t>Our sound is loaded in through the </a:t>
+            </a:r>
+            <a:r>
+              <a:rPr lang="en-CA" sz="3200" b="0" strike="noStrike" spc="-1" dirty="0" err="1" smtClean="0">
+                <a:solidFill>
+                  <a:srgbClr val="FFFFFF"/>
+                </a:solidFill>
+                <a:uFill>
+                  <a:solidFill>
+                    <a:srgbClr val="FFFFFF"/>
+                  </a:solidFill>
+                </a:uFill>
+                <a:latin typeface="Calibri" charset="0"/>
+                <a:ea typeface="Calibri" charset="0"/>
+                <a:cs typeface="Calibri" charset="0"/>
+              </a:rPr>
+              <a:t>pygame.mixer</a:t>
+            </a:r>
+            <a:r>
+              <a:rPr lang="en-CA" sz="3200" b="0" strike="noStrike" spc="-1" dirty="0" smtClean="0">
+                <a:solidFill>
+                  <a:srgbClr val="FFFFFF"/>
+                </a:solidFill>
+                <a:uFill>
+                  <a:solidFill>
+                    <a:srgbClr val="FFFFFF"/>
+                  </a:solidFill>
+                </a:uFill>
+                <a:latin typeface="Calibri" charset="0"/>
+                <a:ea typeface="Calibri" charset="0"/>
+                <a:cs typeface="Calibri" charset="0"/>
+              </a:rPr>
+              <a:t> module.</a:t>
+            </a:r>
+          </a:p>
+          <a:p>
+            <a:pPr marL="432000" indent="-321120">
+              <a:lnSpc>
+                <a:spcPct val="100000"/>
+              </a:lnSpc>
+              <a:buClr>
+                <a:srgbClr val="FFFFFF"/>
+              </a:buClr>
+              <a:buSzPct val="45000"/>
+              <a:buFont typeface="Wingdings" charset="2"/>
+              <a:buChar char=""/>
+            </a:pPr>
+            <a:r>
+              <a:rPr lang="en-CA" sz="3200" b="0" strike="noStrike" spc="-1" dirty="0" smtClean="0">
+                <a:solidFill>
+                  <a:srgbClr val="FFFFFF"/>
+                </a:solidFill>
+                <a:uFill>
+                  <a:solidFill>
+                    <a:srgbClr val="FFFFFF"/>
+                  </a:solidFill>
+                </a:uFill>
+                <a:latin typeface="Calibri" charset="0"/>
+                <a:ea typeface="Calibri" charset="0"/>
+                <a:cs typeface="Calibri" charset="0"/>
+              </a:rPr>
+              <a:t>The sounds are only played after being referenced through calling the </a:t>
+            </a:r>
+            <a:r>
+              <a:rPr lang="en-CA" sz="3200" b="0" strike="noStrike" spc="-1" dirty="0" err="1" smtClean="0">
+                <a:solidFill>
+                  <a:srgbClr val="FFFFFF"/>
+                </a:solidFill>
+                <a:uFill>
+                  <a:solidFill>
+                    <a:srgbClr val="FFFFFF"/>
+                  </a:solidFill>
+                </a:uFill>
+                <a:latin typeface="Calibri" charset="0"/>
+                <a:ea typeface="Calibri" charset="0"/>
+                <a:cs typeface="Calibri" charset="0"/>
+              </a:rPr>
+              <a:t>PlaySound</a:t>
+            </a:r>
+            <a:r>
+              <a:rPr lang="en-CA" sz="3200" b="0" strike="noStrike" spc="-1" dirty="0" smtClean="0">
+                <a:solidFill>
+                  <a:srgbClr val="FFFFFF"/>
+                </a:solidFill>
+                <a:uFill>
+                  <a:solidFill>
+                    <a:srgbClr val="FFFFFF"/>
+                  </a:solidFill>
+                </a:uFill>
+                <a:latin typeface="Calibri" charset="0"/>
+                <a:ea typeface="Calibri" charset="0"/>
+                <a:cs typeface="Calibri" charset="0"/>
+              </a:rPr>
+              <a:t> function located in the Player() class.</a:t>
+            </a:r>
+          </a:p>
+          <a:p>
+            <a:pPr marL="432000" indent="-321120">
+              <a:lnSpc>
+                <a:spcPct val="100000"/>
+              </a:lnSpc>
+              <a:buClr>
+                <a:srgbClr val="FFFFFF"/>
+              </a:buClr>
+              <a:buSzPct val="45000"/>
+              <a:buFont typeface="Wingdings" charset="2"/>
+              <a:buChar char=""/>
+            </a:pPr>
+            <a:endParaRPr lang="en-CA" sz="3200" spc="-1" dirty="0" smtClean="0">
+              <a:solidFill>
+                <a:srgbClr val="FFFFFF"/>
+              </a:solidFill>
+              <a:uFill>
+                <a:solidFill>
+                  <a:srgbClr val="FFFFFF"/>
+                </a:solidFill>
+              </a:uFill>
+              <a:latin typeface="Calibri" charset="0"/>
+              <a:ea typeface="Calibri" charset="0"/>
+              <a:cs typeface="Calibri" charset="0"/>
+            </a:endParaRPr>
+          </a:p>
+          <a:p>
+            <a:pPr marL="432000" indent="-321120">
+              <a:lnSpc>
+                <a:spcPct val="100000"/>
+              </a:lnSpc>
+              <a:buClr>
+                <a:srgbClr val="FFFFFF"/>
+              </a:buClr>
+              <a:buSzPct val="45000"/>
+              <a:buFont typeface="Wingdings" charset="2"/>
+              <a:buChar char=""/>
+            </a:pPr>
+            <a:endParaRPr lang="en-CA" sz="3200" spc="-1" dirty="0">
+              <a:solidFill>
+                <a:srgbClr val="FFFFFF"/>
+              </a:solidFill>
+              <a:uFill>
+                <a:solidFill>
+                  <a:srgbClr val="FFFFFF"/>
+                </a:solidFill>
+              </a:uFill>
+              <a:latin typeface="Calibri" charset="0"/>
+              <a:ea typeface="Calibri" charset="0"/>
+              <a:cs typeface="Calibri" charset="0"/>
+            </a:endParaRPr>
+          </a:p>
+          <a:p>
+            <a:pPr marL="432000" indent="-321120">
+              <a:lnSpc>
+                <a:spcPct val="100000"/>
+              </a:lnSpc>
+              <a:buClr>
+                <a:srgbClr val="FFFFFF"/>
+              </a:buClr>
+              <a:buSzPct val="45000"/>
+              <a:buFont typeface="Wingdings" charset="2"/>
+              <a:buChar char=""/>
+            </a:pPr>
+            <a:endParaRPr lang="en-CA" sz="3200" b="0" strike="noStrike" spc="-1" dirty="0" smtClean="0">
+              <a:solidFill>
+                <a:srgbClr val="FFFFFF"/>
+              </a:solidFill>
+              <a:uFill>
+                <a:solidFill>
+                  <a:srgbClr val="FFFFFF"/>
+                </a:solidFill>
+              </a:uFill>
+              <a:latin typeface="Calibri" charset="0"/>
+              <a:ea typeface="Calibri" charset="0"/>
+              <a:cs typeface="Calibri" charset="0"/>
+            </a:endParaRPr>
+          </a:p>
+          <a:p>
+            <a:pPr marL="432000" indent="-321120">
+              <a:lnSpc>
+                <a:spcPct val="100000"/>
+              </a:lnSpc>
+              <a:buClr>
+                <a:srgbClr val="FFFFFF"/>
+              </a:buClr>
+              <a:buSzPct val="45000"/>
+              <a:buFont typeface="Wingdings" charset="2"/>
+              <a:buChar char=""/>
+            </a:pPr>
+            <a:r>
+              <a:rPr lang="en-CA" sz="3200" spc="-1" dirty="0" smtClean="0">
+                <a:solidFill>
+                  <a:srgbClr val="FFFFFF"/>
+                </a:solidFill>
+                <a:uFill>
+                  <a:solidFill>
+                    <a:srgbClr val="FFFFFF"/>
+                  </a:solidFill>
+                </a:uFill>
+                <a:latin typeface="Calibri" charset="0"/>
+                <a:ea typeface="Calibri" charset="0"/>
+                <a:cs typeface="Calibri" charset="0"/>
+              </a:rPr>
+              <a:t>After some research it became apparent that the .wav files tend to work best within </a:t>
+            </a:r>
+            <a:r>
+              <a:rPr lang="en-CA" sz="3200" spc="-1" dirty="0" err="1" smtClean="0">
+                <a:solidFill>
+                  <a:srgbClr val="FFFFFF"/>
+                </a:solidFill>
+                <a:uFill>
+                  <a:solidFill>
+                    <a:srgbClr val="FFFFFF"/>
+                  </a:solidFill>
+                </a:uFill>
+                <a:latin typeface="Calibri" charset="0"/>
+                <a:ea typeface="Calibri" charset="0"/>
+                <a:cs typeface="Calibri" charset="0"/>
+              </a:rPr>
+              <a:t>pygame</a:t>
+            </a:r>
+            <a:r>
+              <a:rPr lang="en-CA" sz="3200" spc="-1" dirty="0" smtClean="0">
+                <a:solidFill>
+                  <a:srgbClr val="FFFFFF"/>
+                </a:solidFill>
+                <a:uFill>
+                  <a:solidFill>
+                    <a:srgbClr val="FFFFFF"/>
+                  </a:solidFill>
+                </a:uFill>
+                <a:latin typeface="Calibri" charset="0"/>
+                <a:ea typeface="Calibri" charset="0"/>
+                <a:cs typeface="Calibri" charset="0"/>
+              </a:rPr>
+              <a:t> programs</a:t>
+            </a:r>
+            <a:r>
+              <a:rPr lang="en-CA" sz="3200" b="0" strike="noStrike" spc="-1" dirty="0" smtClean="0">
+                <a:solidFill>
+                  <a:srgbClr val="FFFFFF"/>
+                </a:solidFill>
+                <a:uFill>
+                  <a:solidFill>
+                    <a:srgbClr val="FFFFFF"/>
+                  </a:solidFill>
+                </a:uFill>
+                <a:latin typeface="Calibri" charset="0"/>
+                <a:ea typeface="Calibri" charset="0"/>
+                <a:cs typeface="Calibri" charset="0"/>
+              </a:rPr>
+              <a:t>.</a:t>
+            </a:r>
+            <a:endParaRPr lang="en-CA" sz="3200" b="0" strike="noStrike" spc="-1" dirty="0">
+              <a:solidFill>
+                <a:srgbClr val="FFFFFF"/>
+              </a:solidFill>
+              <a:uFill>
+                <a:solidFill>
+                  <a:srgbClr val="FFFFFF"/>
+                </a:solidFill>
+              </a:uFill>
+              <a:latin typeface="Calibri" charset="0"/>
+              <a:ea typeface="Calibri" charset="0"/>
+              <a:cs typeface="Calibri" charset="0"/>
+            </a:endParaRPr>
+          </a:p>
+        </p:txBody>
+      </p:sp>
+      <p:pic>
+        <p:nvPicPr>
+          <p:cNvPr id="4" name="Picture 3"/>
+          <p:cNvPicPr>
+            <a:picLocks noChangeAspect="1"/>
+          </p:cNvPicPr>
+          <p:nvPr/>
+        </p:nvPicPr>
+        <p:blipFill rotWithShape="1">
+          <a:blip r:embed="rId2">
+            <a:extLst>
+              <a:ext uri="{28A0092B-C50C-407E-A947-70E740481C1C}">
+                <a14:useLocalDpi xmlns:a14="http://schemas.microsoft.com/office/drawing/2010/main" val="0"/>
+              </a:ext>
+            </a:extLst>
+          </a:blip>
+          <a:srcRect l="3161" t="28259" r="2613" b="53632"/>
+          <a:stretch/>
+        </p:blipFill>
+        <p:spPr>
+          <a:xfrm>
+            <a:off x="1409700" y="3712193"/>
+            <a:ext cx="5946443" cy="1241945"/>
+          </a:xfrm>
+          <a:prstGeom prst="rect">
+            <a:avLst/>
+          </a:prstGeom>
+        </p:spPr>
+      </p:pic>
     </p:spTree>
+    <p:extLst>
+      <p:ext uri="{BB962C8B-B14F-4D97-AF65-F5344CB8AC3E}">
+        <p14:creationId xmlns:p14="http://schemas.microsoft.com/office/powerpoint/2010/main" val="420471713"/>
+      </p:ext>
+    </p:extLst>
   </p:cSld>
+  <p:clrMapOvr>
+    <a:masterClrMapping/>
+  </p:clrMapOvr>
   <p:timing>
     <p:tnLst>
       <p:par>
-        <p:cTn id="35" dur="indefinite" restart="never" nodeType="tmRoot">
+        <p:cTn xmlns:p14="http://schemas.microsoft.com/office/powerpoint/2010/main" id="1" dur="indefinite" restart="never" nodeType="tmRoot">
           <p:childTnLst>
             <p:seq>
-              <p:cTn id="36" nodeType="mainSeq"/>
+              <p:cTn id="2" nodeType="mainSeq"/>
               <p:prevCondLst>
-                <p:cond delay="0" evt="onPrev">
+                <p:cond evt="onPrev" delay="0">
                   <p:tgtEl>
                     <p:sldTgt/>
                   </p:tgtEl>
                 </p:cond>
               </p:prevCondLst>
               <p:nextCondLst>
-                <p:cond delay="0" evt="onNext">
+                <p:cond evt="onNext" delay="0">
                   <p:tgtEl>
                     <p:sldTgt/>
                   </p:tgtEl>
@@ -4898,7 +5458,7 @@
 </file>
 
 <file path=ppt/slides/slide19.xml><?xml version="1.0" encoding="utf-8"?>
-<p:sld xmlns:a="http://schemas.openxmlformats.org/drawingml/2006/main" xmlns:p="http://schemas.openxmlformats.org/presentationml/2006/main" xmlns:r="http://schemas.openxmlformats.org/officeDocument/2006/relationships" xmlns:p14="http://schemas.microsoft.com/office/powerpoint/2010/main" xmlns:p15="http://schemas.microsoft.com/office/powerpoint/2012/main" xmlns:mc="http://schemas.openxmlformats.org/markup-compatibility/2006">
+<p:sld xmlns:a="http://schemas.openxmlformats.org/drawingml/2006/main" xmlns:r="http://schemas.openxmlformats.org/officeDocument/2006/relationships" xmlns:p="http://schemas.openxmlformats.org/presentationml/2006/main">
   <p:cSld>
     <p:spTree>
       <p:nvGrpSpPr>
@@ -4916,90 +5476,242 @@
       </p:grpSpPr>
       <p:sp>
         <p:nvSpPr>
-          <p:cNvPr id="108" name="CustomShape 1"/>
-          <p:cNvSpPr/>
+          <p:cNvPr id="2" name="Title 1"/>
+          <p:cNvSpPr>
+            <a:spLocks noGrp="1"/>
+          </p:cNvSpPr>
+          <p:nvPr>
+            <p:ph type="title"/>
+          </p:nvPr>
+        </p:nvSpPr>
+        <p:spPr>
+          <a:xfrm>
+            <a:off x="2975211" y="232110"/>
+            <a:ext cx="5861031" cy="1293028"/>
+          </a:xfrm>
+        </p:spPr>
+        <p:txBody>
+          <a:bodyPr/>
+          <a:lstStyle/>
+          <a:p>
+            <a:pPr algn="l"/>
+            <a:r>
+              <a:rPr lang="en-US" sz="4400" dirty="0" smtClean="0">
+                <a:solidFill>
+                  <a:srgbClr val="FFFFFF"/>
+                </a:solidFill>
+                <a:latin typeface="Calibri" charset="0"/>
+                <a:ea typeface="Calibri" charset="0"/>
+                <a:cs typeface="Calibri" charset="0"/>
+              </a:rPr>
+              <a:t>PYGAME</a:t>
+            </a:r>
+            <a:endParaRPr lang="en-US" sz="4400" dirty="0">
+              <a:solidFill>
+                <a:srgbClr val="FFFFFF"/>
+              </a:solidFill>
+              <a:latin typeface="Calibri" charset="0"/>
+              <a:ea typeface="Calibri" charset="0"/>
+              <a:cs typeface="Calibri" charset="0"/>
+            </a:endParaRPr>
+          </a:p>
+        </p:txBody>
+      </p:sp>
+      <p:sp>
+        <p:nvSpPr>
+          <p:cNvPr id="3" name="Content Placeholder 2"/>
+          <p:cNvSpPr>
+            <a:spLocks noGrp="1"/>
+          </p:cNvSpPr>
+          <p:nvPr>
+            <p:ph idx="4294967295"/>
+          </p:nvPr>
+        </p:nvSpPr>
+        <p:spPr>
+          <a:xfrm>
+            <a:off x="512473" y="1225569"/>
+            <a:ext cx="7955280" cy="5325356"/>
+          </a:xfrm>
+          <a:prstGeom prst="rect">
+            <a:avLst/>
+          </a:prstGeom>
+        </p:spPr>
+        <p:txBody>
+          <a:bodyPr>
+            <a:noAutofit/>
+          </a:bodyPr>
+          <a:lstStyle/>
+          <a:p>
+            <a:r>
+              <a:rPr lang="en-US" sz="3200" dirty="0" smtClean="0">
+                <a:solidFill>
+                  <a:schemeClr val="bg1"/>
+                </a:solidFill>
+                <a:latin typeface="Calibri" charset="0"/>
+                <a:ea typeface="Calibri" charset="0"/>
+                <a:cs typeface="Calibri" charset="0"/>
+              </a:rPr>
+              <a:t>Since we chose to program our game using Python, our team decided to use the cross-platform know as </a:t>
+            </a:r>
+            <a:r>
+              <a:rPr lang="en-US" sz="3200" dirty="0" err="1" smtClean="0">
+                <a:solidFill>
+                  <a:schemeClr val="bg1"/>
+                </a:solidFill>
+                <a:latin typeface="Calibri" charset="0"/>
+                <a:ea typeface="Calibri" charset="0"/>
+                <a:cs typeface="Calibri" charset="0"/>
+              </a:rPr>
+              <a:t>Pygame</a:t>
+            </a:r>
+            <a:r>
+              <a:rPr lang="en-US" sz="3200" dirty="0" smtClean="0">
+                <a:solidFill>
+                  <a:schemeClr val="bg1"/>
+                </a:solidFill>
+                <a:latin typeface="Calibri" charset="0"/>
+                <a:ea typeface="Calibri" charset="0"/>
+                <a:cs typeface="Calibri" charset="0"/>
+              </a:rPr>
+              <a:t>.</a:t>
+            </a:r>
+          </a:p>
+          <a:p>
+            <a:r>
+              <a:rPr lang="en-US" sz="3200" dirty="0" err="1" smtClean="0">
+                <a:solidFill>
+                  <a:schemeClr val="bg1"/>
+                </a:solidFill>
+                <a:latin typeface="Calibri" charset="0"/>
+                <a:ea typeface="Calibri" charset="0"/>
+                <a:cs typeface="Calibri" charset="0"/>
+              </a:rPr>
+              <a:t>Pygame</a:t>
+            </a:r>
+            <a:r>
+              <a:rPr lang="en-US" sz="3200" dirty="0" smtClean="0">
+                <a:solidFill>
+                  <a:schemeClr val="bg1"/>
+                </a:solidFill>
+                <a:latin typeface="Calibri" charset="0"/>
+                <a:ea typeface="Calibri" charset="0"/>
+                <a:cs typeface="Calibri" charset="0"/>
+              </a:rPr>
+              <a:t> is a open source library which uses the Python programming language. </a:t>
+            </a:r>
+          </a:p>
+          <a:p>
+            <a:r>
+              <a:rPr lang="en-US" sz="3200" dirty="0" smtClean="0">
+                <a:solidFill>
+                  <a:schemeClr val="bg1"/>
+                </a:solidFill>
+                <a:latin typeface="Calibri" charset="0"/>
+                <a:ea typeface="Calibri" charset="0"/>
+                <a:cs typeface="Calibri" charset="0"/>
+              </a:rPr>
+              <a:t>The </a:t>
+            </a:r>
+            <a:r>
+              <a:rPr lang="en-US" sz="3200" dirty="0" err="1" smtClean="0">
+                <a:solidFill>
+                  <a:schemeClr val="bg1"/>
+                </a:solidFill>
+                <a:latin typeface="Calibri" charset="0"/>
+                <a:ea typeface="Calibri" charset="0"/>
+                <a:cs typeface="Calibri" charset="0"/>
+              </a:rPr>
+              <a:t>Pygame</a:t>
+            </a:r>
+            <a:r>
+              <a:rPr lang="en-US" sz="3200" dirty="0" smtClean="0">
+                <a:solidFill>
+                  <a:schemeClr val="bg1"/>
+                </a:solidFill>
+                <a:latin typeface="Calibri" charset="0"/>
+                <a:ea typeface="Calibri" charset="0"/>
+                <a:cs typeface="Calibri" charset="0"/>
+              </a:rPr>
+              <a:t> library has all sorts of built in modules available for users such as the sound module and the draw module which we used in order to draw images to our scenes, as well as load and play sound files.</a:t>
+            </a:r>
+            <a:endParaRPr lang="en-US" sz="3200" dirty="0">
+              <a:solidFill>
+                <a:schemeClr val="bg1"/>
+              </a:solidFill>
+              <a:latin typeface="Calibri" charset="0"/>
+              <a:ea typeface="Calibri" charset="0"/>
+              <a:cs typeface="Calibri" charset="0"/>
+            </a:endParaRPr>
+          </a:p>
+        </p:txBody>
+      </p:sp>
+      <p:sp>
+        <p:nvSpPr>
+          <p:cNvPr id="4" name="TextBox 3"/>
+          <p:cNvSpPr txBox="1"/>
           <p:nvPr/>
         </p:nvSpPr>
         <p:spPr>
           <a:xfrm>
-            <a:off x="457200" y="274680"/>
-            <a:ext cx="8226360" cy="1139760"/>
+            <a:off x="4765736" y="505219"/>
+            <a:ext cx="184666" cy="369332"/>
           </a:xfrm>
           <a:prstGeom prst="rect">
             <a:avLst/>
           </a:prstGeom>
           <a:noFill/>
-          <a:ln>
-            <a:noFill/>
-          </a:ln>
-        </p:spPr>
-        <p:style>
-          <a:lnRef idx="0"/>
-          <a:fillRef idx="0"/>
-          <a:effectRef idx="0"/>
-          <a:fontRef idx="minor"/>
-        </p:style>
-      </p:sp>
-      <p:sp>
-        <p:nvSpPr>
-          <p:cNvPr id="109" name="CustomShape 2"/>
-          <p:cNvSpPr/>
+        </p:spPr>
+        <p:txBody>
+          <a:bodyPr wrap="none" rtlCol="0">
+            <a:spAutoFit/>
+          </a:bodyPr>
+          <a:lstStyle/>
+          <a:p>
+            <a:endParaRPr lang="en-US" dirty="0"/>
+          </a:p>
+        </p:txBody>
+      </p:sp>
+      <p:sp>
+        <p:nvSpPr>
+          <p:cNvPr id="5" name="TextBox 4"/>
+          <p:cNvSpPr txBox="1"/>
           <p:nvPr/>
         </p:nvSpPr>
         <p:spPr>
           <a:xfrm>
-            <a:off x="457200" y="1600200"/>
-            <a:ext cx="8226360" cy="4522680"/>
+            <a:off x="5448506" y="491564"/>
+            <a:ext cx="184666" cy="369332"/>
           </a:xfrm>
           <a:prstGeom prst="rect">
             <a:avLst/>
           </a:prstGeom>
           <a:noFill/>
-          <a:ln>
-            <a:noFill/>
-          </a:ln>
-        </p:spPr>
-        <p:style>
-          <a:lnRef idx="0"/>
-          <a:fillRef idx="0"/>
-          <a:effectRef idx="0"/>
-          <a:fontRef idx="minor"/>
-        </p:style>
+        </p:spPr>
+        <p:txBody>
+          <a:bodyPr wrap="none" rtlCol="0">
+            <a:spAutoFit/>
+          </a:bodyPr>
+          <a:lstStyle/>
+          <a:p>
+            <a:endParaRPr lang="en-US" dirty="0"/>
+          </a:p>
+        </p:txBody>
       </p:sp>
     </p:spTree>
+    <p:extLst>
+      <p:ext uri="{BB962C8B-B14F-4D97-AF65-F5344CB8AC3E}">
+        <p14:creationId xmlns:p14="http://schemas.microsoft.com/office/powerpoint/2010/main" val="2734934277"/>
+      </p:ext>
+    </p:extLst>
   </p:cSld>
-  <p:timing>
-    <p:tnLst>
-      <p:par>
-        <p:cTn id="37" dur="indefinite" restart="never" nodeType="tmRoot">
-          <p:childTnLst>
-            <p:seq>
-              <p:cTn id="38" nodeType="mainSeq"/>
-              <p:prevCondLst>
-                <p:cond delay="0" evt="onPrev">
-                  <p:tgtEl>
-                    <p:sldTgt/>
-                  </p:tgtEl>
-                </p:cond>
-              </p:prevCondLst>
-              <p:nextCondLst>
-                <p:cond delay="0" evt="onNext">
-                  <p:tgtEl>
-                    <p:sldTgt/>
-                  </p:tgtEl>
-                </p:cond>
-              </p:nextCondLst>
-            </p:seq>
-          </p:childTnLst>
-        </p:cTn>
-      </p:par>
-    </p:tnLst>
-  </p:timing>
+  <p:clrMapOvr>
+    <a:masterClrMapping/>
+  </p:clrMapOvr>
 </p:sld>
 </file>
 
 <file path=ppt/slides/slide2.xml><?xml version="1.0" encoding="utf-8"?>
-<p:sld xmlns:a="http://schemas.openxmlformats.org/drawingml/2006/main" xmlns:p="http://schemas.openxmlformats.org/presentationml/2006/main" xmlns:r="http://schemas.openxmlformats.org/officeDocument/2006/relationships" xmlns:p14="http://schemas.microsoft.com/office/powerpoint/2010/main" xmlns:p15="http://schemas.microsoft.com/office/powerpoint/2012/main" xmlns:mc="http://schemas.openxmlformats.org/markup-compatibility/2006">
+<p:sld xmlns:a="http://schemas.openxmlformats.org/drawingml/2006/main" xmlns:r="http://schemas.openxmlformats.org/officeDocument/2006/relationships" xmlns:p="http://schemas.openxmlformats.org/presentationml/2006/main">
   <p:cSld>
     <p:spTree>
       <p:nvGrpSpPr>
@@ -5035,13 +5747,20 @@
           </a:ln>
         </p:spPr>
         <p:style>
-          <a:lnRef idx="0"/>
-          <a:fillRef idx="0"/>
-          <a:effectRef idx="0"/>
+          <a:lnRef idx="0">
+            <a:scrgbClr r="0" g="0" b="0"/>
+          </a:lnRef>
+          <a:fillRef idx="0">
+            <a:scrgbClr r="0" g="0" b="0"/>
+          </a:fillRef>
+          <a:effectRef idx="0">
+            <a:scrgbClr r="0" g="0" b="0"/>
+          </a:effectRef>
           <a:fontRef idx="minor"/>
         </p:style>
         <p:txBody>
-          <a:bodyPr lIns="90000" rIns="90000" tIns="45000" bIns="45000" anchor="ctr"/>
+          <a:bodyPr lIns="90000" tIns="45000" rIns="90000" bIns="45000" anchor="ctr"/>
+          <a:lstStyle/>
           <a:p>
             <a:pPr algn="ctr">
               <a:lnSpc>
@@ -5049,13 +5768,13 @@
               </a:lnSpc>
             </a:pPr>
             <a:r>
-              <a:rPr b="0" lang="en-CA" sz="4400" spc="-1" strike="noStrike">
-                <a:solidFill>
-                  <a:srgbClr val="ffffff"/>
+              <a:rPr lang="en-CA" sz="4400" b="0" strike="noStrike" spc="-1">
+                <a:solidFill>
+                  <a:srgbClr val="FFFFFF"/>
                 </a:solidFill>
                 <a:uFill>
                   <a:solidFill>
-                    <a:srgbClr val="ffffff"/>
+                    <a:srgbClr val="FFFFFF"/>
                   </a:solidFill>
                 </a:uFill>
                 <a:latin typeface="Calibri"/>
@@ -5063,13 +5782,13 @@
               </a:rPr>
               <a:t>Project Structure</a:t>
             </a:r>
-            <a:endParaRPr b="0" lang="en-CA" sz="1800" spc="-1" strike="noStrike">
-              <a:solidFill>
-                <a:srgbClr val="ffffff"/>
-              </a:solidFill>
-              <a:uFill>
-                <a:solidFill>
-                  <a:srgbClr val="ffffff"/>
+            <a:endParaRPr lang="en-CA" sz="1800" b="0" strike="noStrike" spc="-1">
+              <a:solidFill>
+                <a:srgbClr val="FFFFFF"/>
+              </a:solidFill>
+              <a:uFill>
+                <a:solidFill>
+                  <a:srgbClr val="FFFFFF"/>
                 </a:solidFill>
               </a:uFill>
               <a:latin typeface="Arial"/>
@@ -5097,32 +5816,39 @@
           </a:ln>
         </p:spPr>
         <p:style>
-          <a:lnRef idx="0"/>
-          <a:fillRef idx="0"/>
-          <a:effectRef idx="0"/>
+          <a:lnRef idx="0">
+            <a:scrgbClr r="0" g="0" b="0"/>
+          </a:lnRef>
+          <a:fillRef idx="0">
+            <a:scrgbClr r="0" g="0" b="0"/>
+          </a:fillRef>
+          <a:effectRef idx="0">
+            <a:scrgbClr r="0" g="0" b="0"/>
+          </a:effectRef>
           <a:fontRef idx="minor"/>
         </p:style>
         <p:txBody>
-          <a:bodyPr lIns="90000" rIns="90000" tIns="45000" bIns="45000"/>
+          <a:bodyPr lIns="90000" tIns="45000" rIns="90000" bIns="45000"/>
+          <a:lstStyle/>
           <a:p>
             <a:pPr marL="343080" indent="-339840">
               <a:lnSpc>
                 <a:spcPct val="100000"/>
               </a:lnSpc>
               <a:buClr>
-                <a:srgbClr val="ffffff"/>
+                <a:srgbClr val="FFFFFF"/>
               </a:buClr>
               <a:buFont typeface="Arial"/>
               <a:buChar char="•"/>
             </a:pPr>
             <a:r>
-              <a:rPr b="0" lang="en-CA" sz="3200" spc="-1" strike="noStrike">
-                <a:solidFill>
-                  <a:srgbClr val="ffffff"/>
+              <a:rPr lang="en-CA" sz="3200" b="0" strike="noStrike" spc="-1">
+                <a:solidFill>
+                  <a:srgbClr val="FFFFFF"/>
                 </a:solidFill>
                 <a:uFill>
                   <a:solidFill>
-                    <a:srgbClr val="ffffff"/>
+                    <a:srgbClr val="FFFFFF"/>
                   </a:solidFill>
                 </a:uFill>
                 <a:latin typeface="Calibri"/>
@@ -5130,13 +5856,13 @@
               </a:rPr>
               <a:t>Lazer Blast uses the Python setuptools module, to make installation and development easier.</a:t>
             </a:r>
-            <a:endParaRPr b="0" lang="en-CA" sz="1800" spc="-1" strike="noStrike">
-              <a:solidFill>
-                <a:srgbClr val="ffffff"/>
-              </a:solidFill>
-              <a:uFill>
-                <a:solidFill>
-                  <a:srgbClr val="ffffff"/>
+            <a:endParaRPr lang="en-CA" sz="1800" b="0" strike="noStrike" spc="-1">
+              <a:solidFill>
+                <a:srgbClr val="FFFFFF"/>
+              </a:solidFill>
+              <a:uFill>
+                <a:solidFill>
+                  <a:srgbClr val="FFFFFF"/>
                 </a:solidFill>
               </a:uFill>
               <a:latin typeface="Arial"/>
@@ -5148,19 +5874,19 @@
                 <a:spcPct val="100000"/>
               </a:lnSpc>
               <a:buClr>
-                <a:srgbClr val="ffffff"/>
+                <a:srgbClr val="FFFFFF"/>
               </a:buClr>
               <a:buFont typeface="Arial"/>
               <a:buChar char="•"/>
             </a:pPr>
             <a:r>
-              <a:rPr b="0" lang="en-CA" sz="3200" spc="-1" strike="noStrike">
-                <a:solidFill>
-                  <a:srgbClr val="ffffff"/>
+              <a:rPr lang="en-CA" sz="3200" b="0" strike="noStrike" spc="-1">
+                <a:solidFill>
+                  <a:srgbClr val="FFFFFF"/>
                 </a:solidFill>
                 <a:uFill>
                   <a:solidFill>
-                    <a:srgbClr val="ffffff"/>
+                    <a:srgbClr val="FFFFFF"/>
                   </a:solidFill>
                 </a:uFill>
                 <a:latin typeface="Calibri"/>
@@ -5168,13 +5894,13 @@
               </a:rPr>
               <a:t>It could easily be hosted on PypI, and users could install it just by typing `pip3 install lazer_blast`</a:t>
             </a:r>
-            <a:endParaRPr b="0" lang="en-CA" sz="1800" spc="-1" strike="noStrike">
-              <a:solidFill>
-                <a:srgbClr val="ffffff"/>
-              </a:solidFill>
-              <a:uFill>
-                <a:solidFill>
-                  <a:srgbClr val="ffffff"/>
+            <a:endParaRPr lang="en-CA" sz="1800" b="0" strike="noStrike" spc="-1">
+              <a:solidFill>
+                <a:srgbClr val="FFFFFF"/>
+              </a:solidFill>
+              <a:uFill>
+                <a:solidFill>
+                  <a:srgbClr val="FFFFFF"/>
                 </a:solidFill>
               </a:uFill>
               <a:latin typeface="Arial"/>
@@ -5186,19 +5912,19 @@
                 <a:spcPct val="100000"/>
               </a:lnSpc>
               <a:buClr>
-                <a:srgbClr val="ffffff"/>
+                <a:srgbClr val="FFFFFF"/>
               </a:buClr>
               <a:buFont typeface="Arial"/>
               <a:buChar char="•"/>
             </a:pPr>
             <a:r>
-              <a:rPr b="0" lang="en-CA" sz="3200" spc="-1" strike="noStrike">
-                <a:solidFill>
-                  <a:srgbClr val="ffffff"/>
+              <a:rPr lang="en-CA" sz="3200" b="0" strike="noStrike" spc="-1">
+                <a:solidFill>
+                  <a:srgbClr val="FFFFFF"/>
                 </a:solidFill>
                 <a:uFill>
                   <a:solidFill>
-                    <a:srgbClr val="ffffff"/>
+                    <a:srgbClr val="FFFFFF"/>
                   </a:solidFill>
                 </a:uFill>
                 <a:latin typeface="Calibri"/>
@@ -5206,13 +5932,13 @@
               </a:rPr>
               <a:t>It also gives a common entry point for tests and requirements installation.</a:t>
             </a:r>
-            <a:endParaRPr b="0" lang="en-CA" sz="1800" spc="-1" strike="noStrike">
-              <a:solidFill>
-                <a:srgbClr val="ffffff"/>
-              </a:solidFill>
-              <a:uFill>
-                <a:solidFill>
-                  <a:srgbClr val="ffffff"/>
+            <a:endParaRPr lang="en-CA" sz="1800" b="0" strike="noStrike" spc="-1">
+              <a:solidFill>
+                <a:srgbClr val="FFFFFF"/>
+              </a:solidFill>
+              <a:uFill>
+                <a:solidFill>
+                  <a:srgbClr val="FFFFFF"/>
                 </a:solidFill>
               </a:uFill>
               <a:latin typeface="Arial"/>
@@ -5222,22 +5948,25 @@
       </p:sp>
     </p:spTree>
   </p:cSld>
+  <p:clrMapOvr>
+    <a:masterClrMapping/>
+  </p:clrMapOvr>
   <p:timing>
     <p:tnLst>
       <p:par>
-        <p:cTn id="3" dur="indefinite" restart="never" nodeType="tmRoot">
+        <p:cTn xmlns:p14="http://schemas.microsoft.com/office/powerpoint/2010/main" id="1" dur="indefinite" restart="never" nodeType="tmRoot">
           <p:childTnLst>
             <p:seq>
-              <p:cTn id="4" nodeType="mainSeq"/>
+              <p:cTn id="2" nodeType="mainSeq"/>
               <p:prevCondLst>
-                <p:cond delay="0" evt="onPrev">
+                <p:cond evt="onPrev" delay="0">
                   <p:tgtEl>
                     <p:sldTgt/>
                   </p:tgtEl>
                 </p:cond>
               </p:prevCondLst>
               <p:nextCondLst>
-                <p:cond delay="0" evt="onNext">
+                <p:cond evt="onNext" delay="0">
                   <p:tgtEl>
                     <p:sldTgt/>
                   </p:tgtEl>
@@ -5253,7 +5982,7 @@
 </file>
 
 <file path=ppt/slides/slide20.xml><?xml version="1.0" encoding="utf-8"?>
-<p:sld xmlns:a="http://schemas.openxmlformats.org/drawingml/2006/main" xmlns:p="http://schemas.openxmlformats.org/presentationml/2006/main" xmlns:r="http://schemas.openxmlformats.org/officeDocument/2006/relationships" xmlns:p14="http://schemas.microsoft.com/office/powerpoint/2010/main" xmlns:p15="http://schemas.microsoft.com/office/powerpoint/2012/main" xmlns:mc="http://schemas.openxmlformats.org/markup-compatibility/2006">
+<p:sld xmlns:a="http://schemas.openxmlformats.org/drawingml/2006/main" xmlns:r="http://schemas.openxmlformats.org/officeDocument/2006/relationships" xmlns:p="http://schemas.openxmlformats.org/presentationml/2006/main">
   <p:cSld>
     <p:spTree>
       <p:nvGrpSpPr>
@@ -5271,90 +6000,134 @@
       </p:grpSpPr>
       <p:sp>
         <p:nvSpPr>
-          <p:cNvPr id="110" name="CustomShape 1"/>
-          <p:cNvSpPr/>
-          <p:nvPr/>
-        </p:nvSpPr>
-        <p:spPr>
-          <a:xfrm>
-            <a:off x="457200" y="274680"/>
-            <a:ext cx="8226360" cy="1139760"/>
-          </a:xfrm>
-          <a:prstGeom prst="rect">
-            <a:avLst/>
-          </a:prstGeom>
-          <a:noFill/>
-          <a:ln>
-            <a:noFill/>
-          </a:ln>
-        </p:spPr>
-        <p:style>
-          <a:lnRef idx="0"/>
-          <a:fillRef idx="0"/>
-          <a:effectRef idx="0"/>
-          <a:fontRef idx="minor"/>
-        </p:style>
-      </p:sp>
-      <p:sp>
-        <p:nvSpPr>
-          <p:cNvPr id="111" name="CustomShape 2"/>
-          <p:cNvSpPr/>
-          <p:nvPr/>
-        </p:nvSpPr>
-        <p:spPr>
-          <a:xfrm>
-            <a:off x="457200" y="1600200"/>
-            <a:ext cx="8226360" cy="4522680"/>
-          </a:xfrm>
-          <a:prstGeom prst="rect">
-            <a:avLst/>
-          </a:prstGeom>
-          <a:noFill/>
-          <a:ln>
-            <a:noFill/>
-          </a:ln>
-        </p:spPr>
-        <p:style>
-          <a:lnRef idx="0"/>
-          <a:fillRef idx="0"/>
-          <a:effectRef idx="0"/>
-          <a:fontRef idx="minor"/>
-        </p:style>
+          <p:cNvPr id="2" name="Title 1"/>
+          <p:cNvSpPr>
+            <a:spLocks noGrp="1"/>
+          </p:cNvSpPr>
+          <p:nvPr>
+            <p:ph type="title"/>
+          </p:nvPr>
+        </p:nvSpPr>
+        <p:spPr>
+          <a:xfrm>
+            <a:off x="2171700" y="423179"/>
+            <a:ext cx="6377940" cy="1293028"/>
+          </a:xfrm>
+        </p:spPr>
+        <p:txBody>
+          <a:bodyPr>
+            <a:normAutofit/>
+          </a:bodyPr>
+          <a:lstStyle/>
+          <a:p>
+            <a:pPr algn="l"/>
+            <a:r>
+              <a:rPr lang="en-US" sz="4400" dirty="0" smtClean="0">
+                <a:solidFill>
+                  <a:srgbClr val="FFFFFF"/>
+                </a:solidFill>
+                <a:latin typeface="Calibri" charset="0"/>
+                <a:ea typeface="Calibri" charset="0"/>
+                <a:cs typeface="Calibri" charset="0"/>
+              </a:rPr>
+              <a:t>Color matching</a:t>
+            </a:r>
+            <a:endParaRPr lang="en-US" sz="4400" dirty="0">
+              <a:solidFill>
+                <a:srgbClr val="FFFFFF"/>
+              </a:solidFill>
+              <a:latin typeface="Calibri" charset="0"/>
+              <a:ea typeface="Calibri" charset="0"/>
+              <a:cs typeface="Calibri" charset="0"/>
+            </a:endParaRPr>
+          </a:p>
+        </p:txBody>
+      </p:sp>
+      <p:sp>
+        <p:nvSpPr>
+          <p:cNvPr id="3" name="Content Placeholder 2"/>
+          <p:cNvSpPr>
+            <a:spLocks noGrp="1"/>
+          </p:cNvSpPr>
+          <p:nvPr>
+            <p:ph idx="4294967295"/>
+          </p:nvPr>
+        </p:nvSpPr>
+        <p:spPr>
+          <a:xfrm>
+            <a:off x="594360" y="1910687"/>
+            <a:ext cx="7955280" cy="4352953"/>
+          </a:xfrm>
+          <a:prstGeom prst="rect">
+            <a:avLst/>
+          </a:prstGeom>
+        </p:spPr>
+        <p:txBody>
+          <a:bodyPr/>
+          <a:lstStyle/>
+          <a:p>
+            <a:r>
+              <a:rPr lang="en-US" sz="3200" dirty="0" smtClean="0">
+                <a:solidFill>
+                  <a:srgbClr val="FFFFFF"/>
+                </a:solidFill>
+                <a:latin typeface="Calibri" charset="0"/>
+                <a:ea typeface="Calibri" charset="0"/>
+                <a:cs typeface="Calibri" charset="0"/>
+              </a:rPr>
+              <a:t>Color matching within video games helps to improve cognitive skills.</a:t>
+            </a:r>
+          </a:p>
+          <a:p>
+            <a:r>
+              <a:rPr lang="en-US" sz="3200" dirty="0" smtClean="0">
+                <a:solidFill>
+                  <a:srgbClr val="FFFFFF"/>
+                </a:solidFill>
+                <a:latin typeface="Calibri" charset="0"/>
+                <a:ea typeface="Calibri" charset="0"/>
+                <a:cs typeface="Calibri" charset="0"/>
+              </a:rPr>
+              <a:t>The added requirement to match colors in order to take out enemy targets makes our game more challenging. </a:t>
+            </a:r>
+          </a:p>
+          <a:p>
+            <a:r>
+              <a:rPr lang="en-US" sz="3200" dirty="0" smtClean="0">
+                <a:solidFill>
+                  <a:srgbClr val="FFFFFF"/>
+                </a:solidFill>
+                <a:latin typeface="Calibri" charset="0"/>
+                <a:ea typeface="Calibri" charset="0"/>
+                <a:cs typeface="Calibri" charset="0"/>
+              </a:rPr>
+              <a:t>The addition of color matching to our game may also help to improve one’s decision making skills as well as their reaction times . </a:t>
+            </a:r>
+          </a:p>
+          <a:p>
+            <a:endParaRPr lang="en-US" dirty="0">
+              <a:solidFill>
+                <a:srgbClr val="FFFFFF"/>
+              </a:solidFill>
+            </a:endParaRPr>
+          </a:p>
+        </p:txBody>
       </p:sp>
     </p:spTree>
+    <p:extLst>
+      <p:ext uri="{BB962C8B-B14F-4D97-AF65-F5344CB8AC3E}">
+        <p14:creationId xmlns:p14="http://schemas.microsoft.com/office/powerpoint/2010/main" val="2915208530"/>
+      </p:ext>
+    </p:extLst>
   </p:cSld>
-  <p:timing>
-    <p:tnLst>
-      <p:par>
-        <p:cTn id="39" dur="indefinite" restart="never" nodeType="tmRoot">
-          <p:childTnLst>
-            <p:seq>
-              <p:cTn id="40" nodeType="mainSeq"/>
-              <p:prevCondLst>
-                <p:cond delay="0" evt="onPrev">
-                  <p:tgtEl>
-                    <p:sldTgt/>
-                  </p:tgtEl>
-                </p:cond>
-              </p:prevCondLst>
-              <p:nextCondLst>
-                <p:cond delay="0" evt="onNext">
-                  <p:tgtEl>
-                    <p:sldTgt/>
-                  </p:tgtEl>
-                </p:cond>
-              </p:nextCondLst>
-            </p:seq>
-          </p:childTnLst>
-        </p:cTn>
-      </p:par>
-    </p:tnLst>
-  </p:timing>
+  <p:clrMapOvr>
+    <a:masterClrMapping/>
+  </p:clrMapOvr>
 </p:sld>
 </file>
 
 <file path=ppt/slides/slide21.xml><?xml version="1.0" encoding="utf-8"?>
-<p:sld xmlns:a="http://schemas.openxmlformats.org/drawingml/2006/main" xmlns:p="http://schemas.openxmlformats.org/presentationml/2006/main" xmlns:r="http://schemas.openxmlformats.org/officeDocument/2006/relationships" xmlns:p14="http://schemas.microsoft.com/office/powerpoint/2010/main" xmlns:p15="http://schemas.microsoft.com/office/powerpoint/2012/main" xmlns:mc="http://schemas.openxmlformats.org/markup-compatibility/2006">
+<p:sld xmlns:a="http://schemas.openxmlformats.org/drawingml/2006/main" xmlns:r="http://schemas.openxmlformats.org/officeDocument/2006/relationships" xmlns:p="http://schemas.openxmlformats.org/presentationml/2006/main">
   <p:cSld>
     <p:spTree>
       <p:nvGrpSpPr>
@@ -5372,90 +6145,177 @@
       </p:grpSpPr>
       <p:sp>
         <p:nvSpPr>
-          <p:cNvPr id="112" name="CustomShape 1"/>
-          <p:cNvSpPr/>
-          <p:nvPr/>
-        </p:nvSpPr>
-        <p:spPr>
-          <a:xfrm>
-            <a:off x="457200" y="274680"/>
-            <a:ext cx="8226360" cy="1139760"/>
-          </a:xfrm>
-          <a:prstGeom prst="rect">
-            <a:avLst/>
-          </a:prstGeom>
-          <a:noFill/>
-          <a:ln>
-            <a:noFill/>
-          </a:ln>
-        </p:spPr>
-        <p:style>
-          <a:lnRef idx="0"/>
-          <a:fillRef idx="0"/>
-          <a:effectRef idx="0"/>
-          <a:fontRef idx="minor"/>
-        </p:style>
-      </p:sp>
-      <p:sp>
-        <p:nvSpPr>
-          <p:cNvPr id="113" name="CustomShape 2"/>
-          <p:cNvSpPr/>
-          <p:nvPr/>
-        </p:nvSpPr>
-        <p:spPr>
-          <a:xfrm>
-            <a:off x="457200" y="1600200"/>
-            <a:ext cx="8226360" cy="4522680"/>
-          </a:xfrm>
-          <a:prstGeom prst="rect">
-            <a:avLst/>
-          </a:prstGeom>
-          <a:noFill/>
-          <a:ln>
-            <a:noFill/>
-          </a:ln>
-        </p:spPr>
-        <p:style>
-          <a:lnRef idx="0"/>
-          <a:fillRef idx="0"/>
-          <a:effectRef idx="0"/>
-          <a:fontRef idx="minor"/>
-        </p:style>
+          <p:cNvPr id="2" name="Title 1"/>
+          <p:cNvSpPr>
+            <a:spLocks noGrp="1"/>
+          </p:cNvSpPr>
+          <p:nvPr>
+            <p:ph type="title"/>
+          </p:nvPr>
+        </p:nvSpPr>
+        <p:spPr>
+          <a:xfrm>
+            <a:off x="2784143" y="136478"/>
+            <a:ext cx="6359857" cy="1282889"/>
+          </a:xfrm>
+        </p:spPr>
+        <p:txBody>
+          <a:bodyPr>
+            <a:noAutofit/>
+          </a:bodyPr>
+          <a:lstStyle/>
+          <a:p>
+            <a:pPr algn="ctr"/>
+            <a:r>
+              <a:rPr lang="en-US" sz="4400" dirty="0" smtClean="0">
+                <a:solidFill>
+                  <a:srgbClr val="FFFFFF"/>
+                </a:solidFill>
+                <a:latin typeface="Calibri" charset="0"/>
+                <a:ea typeface="Calibri" charset="0"/>
+                <a:cs typeface="Calibri" charset="0"/>
+              </a:rPr>
+              <a:t>What makes our version better?</a:t>
+            </a:r>
+            <a:endParaRPr lang="en-US" sz="4400" dirty="0">
+              <a:solidFill>
+                <a:srgbClr val="FFFFFF"/>
+              </a:solidFill>
+              <a:latin typeface="Calibri" charset="0"/>
+              <a:ea typeface="Calibri" charset="0"/>
+              <a:cs typeface="Calibri" charset="0"/>
+            </a:endParaRPr>
+          </a:p>
+        </p:txBody>
+      </p:sp>
+      <p:sp>
+        <p:nvSpPr>
+          <p:cNvPr id="3" name="Content Placeholder 2"/>
+          <p:cNvSpPr>
+            <a:spLocks noGrp="1"/>
+          </p:cNvSpPr>
+          <p:nvPr>
+            <p:ph idx="4294967295"/>
+          </p:nvPr>
+        </p:nvSpPr>
+        <p:spPr>
+          <a:xfrm>
+            <a:off x="662598" y="1419367"/>
+            <a:ext cx="7955280" cy="5240740"/>
+          </a:xfrm>
+          <a:prstGeom prst="rect">
+            <a:avLst/>
+          </a:prstGeom>
+        </p:spPr>
+        <p:txBody>
+          <a:bodyPr>
+            <a:noAutofit/>
+          </a:bodyPr>
+          <a:lstStyle/>
+          <a:p>
+            <a:r>
+              <a:rPr lang="en-US" sz="3200" dirty="0" smtClean="0">
+                <a:solidFill>
+                  <a:srgbClr val="FFFFFF"/>
+                </a:solidFill>
+                <a:latin typeface="Calibri" charset="0"/>
+                <a:ea typeface="Calibri" charset="0"/>
+                <a:cs typeface="Calibri" charset="0"/>
+              </a:rPr>
+              <a:t>We’ve included color matching</a:t>
+            </a:r>
+          </a:p>
+          <a:p>
+            <a:pPr lvl="1"/>
+            <a:r>
+              <a:rPr lang="en-US" sz="3200" dirty="0" smtClean="0">
+                <a:solidFill>
+                  <a:srgbClr val="FFFFFF"/>
+                </a:solidFill>
+                <a:latin typeface="Calibri" charset="0"/>
+                <a:ea typeface="Calibri" charset="0"/>
+                <a:cs typeface="Calibri" charset="0"/>
+              </a:rPr>
+              <a:t>This requires the player to think and react quickly which makes our game more of a challenge and therefore more likely to be played.</a:t>
+            </a:r>
+          </a:p>
+          <a:p>
+            <a:r>
+              <a:rPr lang="en-US" sz="3200" dirty="0">
+                <a:solidFill>
+                  <a:srgbClr val="FFFFFF"/>
+                </a:solidFill>
+                <a:latin typeface="Calibri" charset="0"/>
+                <a:ea typeface="Calibri" charset="0"/>
+                <a:cs typeface="Calibri" charset="0"/>
+              </a:rPr>
+              <a:t>We chose a language that is popular and easy </a:t>
+            </a:r>
+          </a:p>
+          <a:p>
+            <a:pPr lvl="1"/>
+            <a:r>
+              <a:rPr lang="en-US" sz="3200" dirty="0">
+                <a:solidFill>
+                  <a:srgbClr val="FFFFFF"/>
+                </a:solidFill>
+                <a:latin typeface="Calibri" charset="0"/>
+                <a:ea typeface="Calibri" charset="0"/>
+                <a:cs typeface="Calibri" charset="0"/>
+              </a:rPr>
+              <a:t>The original </a:t>
+            </a:r>
+            <a:r>
+              <a:rPr lang="en-US" sz="3200" dirty="0" err="1">
+                <a:solidFill>
+                  <a:srgbClr val="FFFFFF"/>
+                </a:solidFill>
+                <a:latin typeface="Calibri" charset="0"/>
+                <a:ea typeface="Calibri" charset="0"/>
+                <a:cs typeface="Calibri" charset="0"/>
+              </a:rPr>
+              <a:t>Galaga</a:t>
+            </a:r>
+            <a:r>
+              <a:rPr lang="en-US" sz="3200" dirty="0">
+                <a:solidFill>
+                  <a:srgbClr val="FFFFFF"/>
+                </a:solidFill>
+                <a:latin typeface="Calibri" charset="0"/>
+                <a:ea typeface="Calibri" charset="0"/>
+                <a:cs typeface="Calibri" charset="0"/>
+              </a:rPr>
+              <a:t> game was created in Assembly which is a language that not as many developers work with and therefore makes it more difficult to keep the game updated.</a:t>
+            </a:r>
+          </a:p>
+          <a:p>
+            <a:pPr lvl="1"/>
+            <a:endParaRPr lang="en-US" sz="3200" dirty="0" smtClean="0">
+              <a:solidFill>
+                <a:srgbClr val="FFFFFF"/>
+              </a:solidFill>
+              <a:latin typeface="Calibri" charset="0"/>
+              <a:ea typeface="Calibri" charset="0"/>
+              <a:cs typeface="Calibri" charset="0"/>
+            </a:endParaRPr>
+          </a:p>
+        </p:txBody>
       </p:sp>
     </p:spTree>
+    <p:extLst>
+      <p:ext uri="{BB962C8B-B14F-4D97-AF65-F5344CB8AC3E}">
+        <p14:creationId xmlns:p14="http://schemas.microsoft.com/office/powerpoint/2010/main" val="4205703400"/>
+      </p:ext>
+    </p:extLst>
   </p:cSld>
-  <p:timing>
-    <p:tnLst>
-      <p:par>
-        <p:cTn id="41" dur="indefinite" restart="never" nodeType="tmRoot">
-          <p:childTnLst>
-            <p:seq>
-              <p:cTn id="42" nodeType="mainSeq"/>
-              <p:prevCondLst>
-                <p:cond delay="0" evt="onPrev">
-                  <p:tgtEl>
-                    <p:sldTgt/>
-                  </p:tgtEl>
-                </p:cond>
-              </p:prevCondLst>
-              <p:nextCondLst>
-                <p:cond delay="0" evt="onNext">
-                  <p:tgtEl>
-                    <p:sldTgt/>
-                  </p:tgtEl>
-                </p:cond>
-              </p:nextCondLst>
-            </p:seq>
-          </p:childTnLst>
-        </p:cTn>
-      </p:par>
-    </p:tnLst>
-  </p:timing>
+  <p:clrMapOvr>
+    <a:masterClrMapping/>
+  </p:clrMapOvr>
 </p:sld>
 </file>
 
 <file path=ppt/slides/slide3.xml><?xml version="1.0" encoding="utf-8"?>
-<p:sld xmlns:a="http://schemas.openxmlformats.org/drawingml/2006/main" xmlns:p="http://schemas.openxmlformats.org/presentationml/2006/main" xmlns:r="http://schemas.openxmlformats.org/officeDocument/2006/relationships" xmlns:p14="http://schemas.microsoft.com/office/powerpoint/2010/main" xmlns:p15="http://schemas.microsoft.com/office/powerpoint/2012/main" xmlns:mc="http://schemas.openxmlformats.org/markup-compatibility/2006">
+<p:sld xmlns:a="http://schemas.openxmlformats.org/drawingml/2006/main" xmlns:r="http://schemas.openxmlformats.org/officeDocument/2006/relationships" xmlns:p="http://schemas.openxmlformats.org/presentationml/2006/main">
   <p:cSld>
     <p:spTree>
       <p:nvGrpSpPr>
@@ -5491,13 +6351,20 @@
           </a:ln>
         </p:spPr>
         <p:style>
-          <a:lnRef idx="0"/>
-          <a:fillRef idx="0"/>
-          <a:effectRef idx="0"/>
+          <a:lnRef idx="0">
+            <a:scrgbClr r="0" g="0" b="0"/>
+          </a:lnRef>
+          <a:fillRef idx="0">
+            <a:scrgbClr r="0" g="0" b="0"/>
+          </a:fillRef>
+          <a:effectRef idx="0">
+            <a:scrgbClr r="0" g="0" b="0"/>
+          </a:effectRef>
           <a:fontRef idx="minor"/>
         </p:style>
         <p:txBody>
-          <a:bodyPr lIns="90000" rIns="90000" tIns="45000" bIns="45000" anchor="ctr"/>
+          <a:bodyPr lIns="90000" tIns="45000" rIns="90000" bIns="45000" anchor="ctr"/>
+          <a:lstStyle/>
           <a:p>
             <a:pPr algn="ctr">
               <a:lnSpc>
@@ -5505,13 +6372,13 @@
               </a:lnSpc>
             </a:pPr>
             <a:r>
-              <a:rPr b="0" lang="en-CA" sz="4400" spc="-1" strike="noStrike">
-                <a:solidFill>
-                  <a:srgbClr val="ffffff"/>
+              <a:rPr lang="en-CA" sz="4400" b="0" strike="noStrike" spc="-1">
+                <a:solidFill>
+                  <a:srgbClr val="FFFFFF"/>
                 </a:solidFill>
                 <a:uFill>
                   <a:solidFill>
-                    <a:srgbClr val="ffffff"/>
+                    <a:srgbClr val="FFFFFF"/>
                   </a:solidFill>
                 </a:uFill>
                 <a:latin typeface="Calibri"/>
@@ -5519,13 +6386,13 @@
               </a:rPr>
               <a:t>Base Classes</a:t>
             </a:r>
-            <a:endParaRPr b="0" lang="en-CA" sz="1800" spc="-1" strike="noStrike">
-              <a:solidFill>
-                <a:srgbClr val="ffffff"/>
-              </a:solidFill>
-              <a:uFill>
-                <a:solidFill>
-                  <a:srgbClr val="ffffff"/>
+            <a:endParaRPr lang="en-CA" sz="1800" b="0" strike="noStrike" spc="-1">
+              <a:solidFill>
+                <a:srgbClr val="FFFFFF"/>
+              </a:solidFill>
+              <a:uFill>
+                <a:solidFill>
+                  <a:srgbClr val="FFFFFF"/>
                 </a:solidFill>
               </a:uFill>
               <a:latin typeface="Arial"/>
@@ -5553,32 +6420,39 @@
           </a:ln>
         </p:spPr>
         <p:style>
-          <a:lnRef idx="0"/>
-          <a:fillRef idx="0"/>
-          <a:effectRef idx="0"/>
+          <a:lnRef idx="0">
+            <a:scrgbClr r="0" g="0" b="0"/>
+          </a:lnRef>
+          <a:fillRef idx="0">
+            <a:scrgbClr r="0" g="0" b="0"/>
+          </a:fillRef>
+          <a:effectRef idx="0">
+            <a:scrgbClr r="0" g="0" b="0"/>
+          </a:effectRef>
           <a:fontRef idx="minor"/>
         </p:style>
         <p:txBody>
-          <a:bodyPr lIns="90000" rIns="90000" tIns="45000" bIns="45000"/>
+          <a:bodyPr lIns="90000" tIns="45000" rIns="90000" bIns="45000"/>
+          <a:lstStyle/>
           <a:p>
             <a:pPr marL="343080" indent="-339840">
               <a:lnSpc>
                 <a:spcPct val="100000"/>
               </a:lnSpc>
               <a:buClr>
-                <a:srgbClr val="ffffff"/>
+                <a:srgbClr val="FFFFFF"/>
               </a:buClr>
               <a:buFont typeface="Arial"/>
               <a:buChar char="•"/>
             </a:pPr>
             <a:r>
-              <a:rPr b="0" lang="en-CA" sz="3200" spc="-1" strike="noStrike">
-                <a:solidFill>
-                  <a:srgbClr val="ffffff"/>
+              <a:rPr lang="en-CA" sz="3200" b="0" strike="noStrike" spc="-1">
+                <a:solidFill>
+                  <a:srgbClr val="FFFFFF"/>
                 </a:solidFill>
                 <a:uFill>
                   <a:solidFill>
-                    <a:srgbClr val="ffffff"/>
+                    <a:srgbClr val="FFFFFF"/>
                   </a:solidFill>
                 </a:uFill>
                 <a:latin typeface="Calibri"/>
@@ -5586,13 +6460,13 @@
               </a:rPr>
               <a:t>To help reduce duplication, we made two base classes: RenderedBase and ActorBase.</a:t>
             </a:r>
-            <a:endParaRPr b="0" lang="en-CA" sz="1800" spc="-1" strike="noStrike">
-              <a:solidFill>
-                <a:srgbClr val="ffffff"/>
-              </a:solidFill>
-              <a:uFill>
-                <a:solidFill>
-                  <a:srgbClr val="ffffff"/>
+            <a:endParaRPr lang="en-CA" sz="1800" b="0" strike="noStrike" spc="-1">
+              <a:solidFill>
+                <a:srgbClr val="FFFFFF"/>
+              </a:solidFill>
+              <a:uFill>
+                <a:solidFill>
+                  <a:srgbClr val="FFFFFF"/>
                 </a:solidFill>
               </a:uFill>
               <a:latin typeface="Arial"/>
@@ -5604,19 +6478,19 @@
                 <a:spcPct val="100000"/>
               </a:lnSpc>
               <a:buClr>
-                <a:srgbClr val="ffffff"/>
+                <a:srgbClr val="FFFFFF"/>
               </a:buClr>
               <a:buFont typeface="Arial"/>
               <a:buChar char="•"/>
             </a:pPr>
             <a:r>
-              <a:rPr b="0" lang="en-CA" sz="3200" spc="-1" strike="noStrike">
-                <a:solidFill>
-                  <a:srgbClr val="ffffff"/>
+              <a:rPr lang="en-CA" sz="3200" b="0" strike="noStrike" spc="-1">
+                <a:solidFill>
+                  <a:srgbClr val="FFFFFF"/>
                 </a:solidFill>
                 <a:uFill>
                   <a:solidFill>
-                    <a:srgbClr val="ffffff"/>
+                    <a:srgbClr val="FFFFFF"/>
                   </a:solidFill>
                 </a:uFill>
                 <a:latin typeface="Calibri"/>
@@ -5624,13 +6498,13 @@
               </a:rPr>
               <a:t>Anything  which is rendered will inherit from RenderedBase, and anything which has agency inherits from ActorBase.</a:t>
             </a:r>
-            <a:endParaRPr b="0" lang="en-CA" sz="1800" spc="-1" strike="noStrike">
-              <a:solidFill>
-                <a:srgbClr val="ffffff"/>
-              </a:solidFill>
-              <a:uFill>
-                <a:solidFill>
-                  <a:srgbClr val="ffffff"/>
+            <a:endParaRPr lang="en-CA" sz="1800" b="0" strike="noStrike" spc="-1">
+              <a:solidFill>
+                <a:srgbClr val="FFFFFF"/>
+              </a:solidFill>
+              <a:uFill>
+                <a:solidFill>
+                  <a:srgbClr val="FFFFFF"/>
                 </a:solidFill>
               </a:uFill>
               <a:latin typeface="Arial"/>
@@ -5642,19 +6516,19 @@
                 <a:spcPct val="100000"/>
               </a:lnSpc>
               <a:buClr>
-                <a:srgbClr val="ffffff"/>
+                <a:srgbClr val="FFFFFF"/>
               </a:buClr>
               <a:buFont typeface="Arial"/>
               <a:buChar char="•"/>
             </a:pPr>
             <a:r>
-              <a:rPr b="0" lang="en-CA" sz="3200" spc="-1" strike="noStrike">
-                <a:solidFill>
-                  <a:srgbClr val="ffffff"/>
+              <a:rPr lang="en-CA" sz="3200" b="0" strike="noStrike" spc="-1">
+                <a:solidFill>
+                  <a:srgbClr val="FFFFFF"/>
                 </a:solidFill>
                 <a:uFill>
                   <a:solidFill>
-                    <a:srgbClr val="ffffff"/>
+                    <a:srgbClr val="FFFFFF"/>
                   </a:solidFill>
                 </a:uFill>
                 <a:latin typeface="Calibri"/>
@@ -5662,13 +6536,13 @@
               </a:rPr>
               <a:t>This also hides complexity from the API, and allows for easier use by later developers.</a:t>
             </a:r>
-            <a:endParaRPr b="0" lang="en-CA" sz="1800" spc="-1" strike="noStrike">
-              <a:solidFill>
-                <a:srgbClr val="ffffff"/>
-              </a:solidFill>
-              <a:uFill>
-                <a:solidFill>
-                  <a:srgbClr val="ffffff"/>
+            <a:endParaRPr lang="en-CA" sz="1800" b="0" strike="noStrike" spc="-1">
+              <a:solidFill>
+                <a:srgbClr val="FFFFFF"/>
+              </a:solidFill>
+              <a:uFill>
+                <a:solidFill>
+                  <a:srgbClr val="FFFFFF"/>
                 </a:solidFill>
               </a:uFill>
               <a:latin typeface="Arial"/>
@@ -5678,22 +6552,25 @@
       </p:sp>
     </p:spTree>
   </p:cSld>
+  <p:clrMapOvr>
+    <a:masterClrMapping/>
+  </p:clrMapOvr>
   <p:timing>
     <p:tnLst>
       <p:par>
-        <p:cTn id="5" dur="indefinite" restart="never" nodeType="tmRoot">
+        <p:cTn xmlns:p14="http://schemas.microsoft.com/office/powerpoint/2010/main" id="1" dur="indefinite" restart="never" nodeType="tmRoot">
           <p:childTnLst>
             <p:seq>
-              <p:cTn id="6" nodeType="mainSeq"/>
+              <p:cTn id="2" nodeType="mainSeq"/>
               <p:prevCondLst>
-                <p:cond delay="0" evt="onPrev">
+                <p:cond evt="onPrev" delay="0">
                   <p:tgtEl>
                     <p:sldTgt/>
                   </p:tgtEl>
                 </p:cond>
               </p:prevCondLst>
               <p:nextCondLst>
-                <p:cond delay="0" evt="onNext">
+                <p:cond evt="onNext" delay="0">
                   <p:tgtEl>
                     <p:sldTgt/>
                   </p:tgtEl>
@@ -5709,7 +6586,7 @@
 </file>
 
 <file path=ppt/slides/slide4.xml><?xml version="1.0" encoding="utf-8"?>
-<p:sld xmlns:a="http://schemas.openxmlformats.org/drawingml/2006/main" xmlns:p="http://schemas.openxmlformats.org/presentationml/2006/main" xmlns:r="http://schemas.openxmlformats.org/officeDocument/2006/relationships" xmlns:p14="http://schemas.microsoft.com/office/powerpoint/2010/main" xmlns:p15="http://schemas.microsoft.com/office/powerpoint/2012/main" xmlns:mc="http://schemas.openxmlformats.org/markup-compatibility/2006">
+<p:sld xmlns:a="http://schemas.openxmlformats.org/drawingml/2006/main" xmlns:r="http://schemas.openxmlformats.org/officeDocument/2006/relationships" xmlns:p="http://schemas.openxmlformats.org/presentationml/2006/main">
   <p:cSld>
     <p:spTree>
       <p:nvGrpSpPr>
@@ -5745,13 +6622,20 @@
           </a:ln>
         </p:spPr>
         <p:style>
-          <a:lnRef idx="0"/>
-          <a:fillRef idx="0"/>
-          <a:effectRef idx="0"/>
+          <a:lnRef idx="0">
+            <a:scrgbClr r="0" g="0" b="0"/>
+          </a:lnRef>
+          <a:fillRef idx="0">
+            <a:scrgbClr r="0" g="0" b="0"/>
+          </a:fillRef>
+          <a:effectRef idx="0">
+            <a:scrgbClr r="0" g="0" b="0"/>
+          </a:effectRef>
           <a:fontRef idx="minor"/>
         </p:style>
         <p:txBody>
-          <a:bodyPr lIns="90000" rIns="90000" tIns="45000" bIns="45000" anchor="ctr"/>
+          <a:bodyPr lIns="90000" tIns="45000" rIns="90000" bIns="45000" anchor="ctr"/>
+          <a:lstStyle/>
           <a:p>
             <a:pPr algn="ctr">
               <a:lnSpc>
@@ -5759,13 +6643,13 @@
               </a:lnSpc>
             </a:pPr>
             <a:r>
-              <a:rPr b="0" lang="en-CA" sz="4400" spc="-1" strike="noStrike">
-                <a:solidFill>
-                  <a:srgbClr val="ffffff"/>
+              <a:rPr lang="en-CA" sz="4400" b="0" strike="noStrike" spc="-1">
+                <a:solidFill>
+                  <a:srgbClr val="FFFFFF"/>
                 </a:solidFill>
                 <a:uFill>
                   <a:solidFill>
-                    <a:srgbClr val="ffffff"/>
+                    <a:srgbClr val="FFFFFF"/>
                   </a:solidFill>
                 </a:uFill>
                 <a:latin typeface="Calibri"/>
@@ -5773,13 +6657,13 @@
               </a:rPr>
               <a:t>Unit Tests</a:t>
             </a:r>
-            <a:endParaRPr b="0" lang="en-CA" sz="1800" spc="-1" strike="noStrike">
-              <a:solidFill>
-                <a:srgbClr val="ffffff"/>
-              </a:solidFill>
-              <a:uFill>
-                <a:solidFill>
-                  <a:srgbClr val="ffffff"/>
+            <a:endParaRPr lang="en-CA" sz="1800" b="0" strike="noStrike" spc="-1">
+              <a:solidFill>
+                <a:srgbClr val="FFFFFF"/>
+              </a:solidFill>
+              <a:uFill>
+                <a:solidFill>
+                  <a:srgbClr val="FFFFFF"/>
                 </a:solidFill>
               </a:uFill>
               <a:latin typeface="Arial"/>
@@ -5807,32 +6691,39 @@
           </a:ln>
         </p:spPr>
         <p:style>
-          <a:lnRef idx="0"/>
-          <a:fillRef idx="0"/>
-          <a:effectRef idx="0"/>
+          <a:lnRef idx="0">
+            <a:scrgbClr r="0" g="0" b="0"/>
+          </a:lnRef>
+          <a:fillRef idx="0">
+            <a:scrgbClr r="0" g="0" b="0"/>
+          </a:fillRef>
+          <a:effectRef idx="0">
+            <a:scrgbClr r="0" g="0" b="0"/>
+          </a:effectRef>
           <a:fontRef idx="minor"/>
         </p:style>
         <p:txBody>
-          <a:bodyPr lIns="90000" rIns="90000" tIns="45000" bIns="45000"/>
+          <a:bodyPr lIns="90000" tIns="45000" rIns="90000" bIns="45000"/>
+          <a:lstStyle/>
           <a:p>
             <a:pPr marL="343080" indent="-339840">
               <a:lnSpc>
                 <a:spcPct val="100000"/>
               </a:lnSpc>
               <a:buClr>
-                <a:srgbClr val="ffffff"/>
+                <a:srgbClr val="FFFFFF"/>
               </a:buClr>
               <a:buFont typeface="Arial"/>
               <a:buChar char="•"/>
             </a:pPr>
             <a:r>
-              <a:rPr b="0" lang="en-CA" sz="3200" spc="-1" strike="noStrike">
-                <a:solidFill>
-                  <a:srgbClr val="ffffff"/>
+              <a:rPr lang="en-CA" sz="3200" b="0" strike="noStrike" spc="-1">
+                <a:solidFill>
+                  <a:srgbClr val="FFFFFF"/>
                 </a:solidFill>
                 <a:uFill>
                   <a:solidFill>
-                    <a:srgbClr val="ffffff"/>
+                    <a:srgbClr val="FFFFFF"/>
                   </a:solidFill>
                 </a:uFill>
                 <a:latin typeface="Calibri"/>
@@ -5840,13 +6731,13 @@
               </a:rPr>
               <a:t>Our base classes, Player class and Enemy class all have unit tests for their main methods.</a:t>
             </a:r>
-            <a:endParaRPr b="0" lang="en-CA" sz="1800" spc="-1" strike="noStrike">
-              <a:solidFill>
-                <a:srgbClr val="ffffff"/>
-              </a:solidFill>
-              <a:uFill>
-                <a:solidFill>
-                  <a:srgbClr val="ffffff"/>
+            <a:endParaRPr lang="en-CA" sz="1800" b="0" strike="noStrike" spc="-1">
+              <a:solidFill>
+                <a:srgbClr val="FFFFFF"/>
+              </a:solidFill>
+              <a:uFill>
+                <a:solidFill>
+                  <a:srgbClr val="FFFFFF"/>
                 </a:solidFill>
               </a:uFill>
               <a:latin typeface="Arial"/>
@@ -5858,19 +6749,19 @@
                 <a:spcPct val="100000"/>
               </a:lnSpc>
               <a:buClr>
-                <a:srgbClr val="ffffff"/>
+                <a:srgbClr val="FFFFFF"/>
               </a:buClr>
               <a:buFont typeface="Arial"/>
               <a:buChar char="•"/>
             </a:pPr>
             <a:r>
-              <a:rPr b="0" lang="en-CA" sz="3200" spc="-1" strike="noStrike">
-                <a:solidFill>
-                  <a:srgbClr val="ffffff"/>
+              <a:rPr lang="en-CA" sz="3200" b="0" strike="noStrike" spc="-1">
+                <a:solidFill>
+                  <a:srgbClr val="FFFFFF"/>
                 </a:solidFill>
                 <a:uFill>
                   <a:solidFill>
-                    <a:srgbClr val="ffffff"/>
+                    <a:srgbClr val="FFFFFF"/>
                   </a:solidFill>
                 </a:uFill>
                 <a:latin typeface="Calibri"/>
@@ -5878,13 +6769,13 @@
               </a:rPr>
               <a:t>This helped to reduce regression.</a:t>
             </a:r>
-            <a:endParaRPr b="0" lang="en-CA" sz="1800" spc="-1" strike="noStrike">
-              <a:solidFill>
-                <a:srgbClr val="ffffff"/>
-              </a:solidFill>
-              <a:uFill>
-                <a:solidFill>
-                  <a:srgbClr val="ffffff"/>
+            <a:endParaRPr lang="en-CA" sz="1800" b="0" strike="noStrike" spc="-1">
+              <a:solidFill>
+                <a:srgbClr val="FFFFFF"/>
+              </a:solidFill>
+              <a:uFill>
+                <a:solidFill>
+                  <a:srgbClr val="FFFFFF"/>
                 </a:solidFill>
               </a:uFill>
               <a:latin typeface="Arial"/>
@@ -5896,19 +6787,19 @@
                 <a:spcPct val="100000"/>
               </a:lnSpc>
               <a:buClr>
-                <a:srgbClr val="ffffff"/>
+                <a:srgbClr val="FFFFFF"/>
               </a:buClr>
               <a:buFont typeface="Arial"/>
               <a:buChar char="•"/>
             </a:pPr>
             <a:r>
-              <a:rPr b="0" lang="en-CA" sz="3200" spc="-1" strike="noStrike">
-                <a:solidFill>
-                  <a:srgbClr val="ffffff"/>
+              <a:rPr lang="en-CA" sz="3200" b="0" strike="noStrike" spc="-1">
+                <a:solidFill>
+                  <a:srgbClr val="FFFFFF"/>
                 </a:solidFill>
                 <a:uFill>
                   <a:solidFill>
-                    <a:srgbClr val="ffffff"/>
+                    <a:srgbClr val="FFFFFF"/>
                   </a:solidFill>
                 </a:uFill>
                 <a:latin typeface="Calibri"/>
@@ -5916,13 +6807,13 @@
               </a:rPr>
               <a:t>It also provided an example of the expected use, and so helped when working as a team.</a:t>
             </a:r>
-            <a:endParaRPr b="0" lang="en-CA" sz="1800" spc="-1" strike="noStrike">
-              <a:solidFill>
-                <a:srgbClr val="ffffff"/>
-              </a:solidFill>
-              <a:uFill>
-                <a:solidFill>
-                  <a:srgbClr val="ffffff"/>
+            <a:endParaRPr lang="en-CA" sz="1800" b="0" strike="noStrike" spc="-1">
+              <a:solidFill>
+                <a:srgbClr val="FFFFFF"/>
+              </a:solidFill>
+              <a:uFill>
+                <a:solidFill>
+                  <a:srgbClr val="FFFFFF"/>
                 </a:solidFill>
               </a:uFill>
               <a:latin typeface="Arial"/>
@@ -5932,22 +6823,25 @@
       </p:sp>
     </p:spTree>
   </p:cSld>
+  <p:clrMapOvr>
+    <a:masterClrMapping/>
+  </p:clrMapOvr>
   <p:timing>
     <p:tnLst>
       <p:par>
-        <p:cTn id="7" dur="indefinite" restart="never" nodeType="tmRoot">
+        <p:cTn xmlns:p14="http://schemas.microsoft.com/office/powerpoint/2010/main" id="1" dur="indefinite" restart="never" nodeType="tmRoot">
           <p:childTnLst>
             <p:seq>
-              <p:cTn id="8" nodeType="mainSeq"/>
+              <p:cTn id="2" nodeType="mainSeq"/>
               <p:prevCondLst>
-                <p:cond delay="0" evt="onPrev">
+                <p:cond evt="onPrev" delay="0">
                   <p:tgtEl>
                     <p:sldTgt/>
                   </p:tgtEl>
                 </p:cond>
               </p:prevCondLst>
               <p:nextCondLst>
-                <p:cond delay="0" evt="onNext">
+                <p:cond evt="onNext" delay="0">
                   <p:tgtEl>
                     <p:sldTgt/>
                   </p:tgtEl>
@@ -5963,7 +6857,7 @@
 </file>
 
 <file path=ppt/slides/slide5.xml><?xml version="1.0" encoding="utf-8"?>
-<p:sld xmlns:a="http://schemas.openxmlformats.org/drawingml/2006/main" xmlns:p="http://schemas.openxmlformats.org/presentationml/2006/main" xmlns:r="http://schemas.openxmlformats.org/officeDocument/2006/relationships" xmlns:p14="http://schemas.microsoft.com/office/powerpoint/2010/main" xmlns:p15="http://schemas.microsoft.com/office/powerpoint/2012/main" xmlns:mc="http://schemas.openxmlformats.org/markup-compatibility/2006">
+<p:sld xmlns:a="http://schemas.openxmlformats.org/drawingml/2006/main" xmlns:r="http://schemas.openxmlformats.org/officeDocument/2006/relationships" xmlns:p="http://schemas.openxmlformats.org/presentationml/2006/main">
   <p:cSld>
     <p:spTree>
       <p:nvGrpSpPr>
@@ -5999,13 +6893,20 @@
           </a:ln>
         </p:spPr>
         <p:style>
-          <a:lnRef idx="0"/>
-          <a:fillRef idx="0"/>
-          <a:effectRef idx="0"/>
+          <a:lnRef idx="0">
+            <a:scrgbClr r="0" g="0" b="0"/>
+          </a:lnRef>
+          <a:fillRef idx="0">
+            <a:scrgbClr r="0" g="0" b="0"/>
+          </a:fillRef>
+          <a:effectRef idx="0">
+            <a:scrgbClr r="0" g="0" b="0"/>
+          </a:effectRef>
           <a:fontRef idx="minor"/>
         </p:style>
         <p:txBody>
-          <a:bodyPr lIns="90000" rIns="90000" tIns="45000" bIns="45000" anchor="ctr"/>
+          <a:bodyPr lIns="90000" tIns="45000" rIns="90000" bIns="45000" anchor="ctr"/>
+          <a:lstStyle/>
           <a:p>
             <a:pPr algn="ctr">
               <a:lnSpc>
@@ -6013,13 +6914,13 @@
               </a:lnSpc>
             </a:pPr>
             <a:r>
-              <a:rPr b="0" lang="en-CA" sz="4400" spc="-1" strike="noStrike">
-                <a:solidFill>
-                  <a:srgbClr val="ffffff"/>
+              <a:rPr lang="en-CA" sz="4400" b="0" strike="noStrike" spc="-1">
+                <a:solidFill>
+                  <a:srgbClr val="FFFFFF"/>
                 </a:solidFill>
                 <a:uFill>
                   <a:solidFill>
-                    <a:srgbClr val="ffffff"/>
+                    <a:srgbClr val="FFFFFF"/>
                   </a:solidFill>
                 </a:uFill>
                 <a:latin typeface="Calibri"/>
@@ -6027,13 +6928,13 @@
               </a:rPr>
               <a:t>Settings File</a:t>
             </a:r>
-            <a:endParaRPr b="0" lang="en-CA" sz="1800" spc="-1" strike="noStrike">
-              <a:solidFill>
-                <a:srgbClr val="ffffff"/>
-              </a:solidFill>
-              <a:uFill>
-                <a:solidFill>
-                  <a:srgbClr val="ffffff"/>
+            <a:endParaRPr lang="en-CA" sz="1800" b="0" strike="noStrike" spc="-1">
+              <a:solidFill>
+                <a:srgbClr val="FFFFFF"/>
+              </a:solidFill>
+              <a:uFill>
+                <a:solidFill>
+                  <a:srgbClr val="FFFFFF"/>
                 </a:solidFill>
               </a:uFill>
               <a:latin typeface="Arial"/>
@@ -6061,32 +6962,39 @@
           </a:ln>
         </p:spPr>
         <p:style>
-          <a:lnRef idx="0"/>
-          <a:fillRef idx="0"/>
-          <a:effectRef idx="0"/>
+          <a:lnRef idx="0">
+            <a:scrgbClr r="0" g="0" b="0"/>
+          </a:lnRef>
+          <a:fillRef idx="0">
+            <a:scrgbClr r="0" g="0" b="0"/>
+          </a:fillRef>
+          <a:effectRef idx="0">
+            <a:scrgbClr r="0" g="0" b="0"/>
+          </a:effectRef>
           <a:fontRef idx="minor"/>
         </p:style>
         <p:txBody>
-          <a:bodyPr lIns="90000" rIns="90000" tIns="45000" bIns="45000"/>
+          <a:bodyPr lIns="90000" tIns="45000" rIns="90000" bIns="45000"/>
+          <a:lstStyle/>
           <a:p>
             <a:pPr marL="343080" indent="-339840">
               <a:lnSpc>
                 <a:spcPct val="100000"/>
               </a:lnSpc>
               <a:buClr>
-                <a:srgbClr val="ffffff"/>
+                <a:srgbClr val="FFFFFF"/>
               </a:buClr>
               <a:buFont typeface="Arial"/>
               <a:buChar char="•"/>
             </a:pPr>
             <a:r>
-              <a:rPr b="0" lang="en-CA" sz="3200" spc="-1" strike="noStrike">
-                <a:solidFill>
-                  <a:srgbClr val="ffffff"/>
+              <a:rPr lang="en-CA" sz="3200" b="0" strike="noStrike" spc="-1">
+                <a:solidFill>
+                  <a:srgbClr val="FFFFFF"/>
                 </a:solidFill>
                 <a:uFill>
                   <a:solidFill>
-                    <a:srgbClr val="ffffff"/>
+                    <a:srgbClr val="FFFFFF"/>
                   </a:solidFill>
                 </a:uFill>
                 <a:latin typeface="Calibri"/>
@@ -6094,13 +7002,13 @@
               </a:rPr>
               <a:t>An additional improvement over Pylaga was the use of a settings file.</a:t>
             </a:r>
-            <a:endParaRPr b="0" lang="en-CA" sz="1800" spc="-1" strike="noStrike">
-              <a:solidFill>
-                <a:srgbClr val="ffffff"/>
-              </a:solidFill>
-              <a:uFill>
-                <a:solidFill>
-                  <a:srgbClr val="ffffff"/>
+            <a:endParaRPr lang="en-CA" sz="1800" b="0" strike="noStrike" spc="-1">
+              <a:solidFill>
+                <a:srgbClr val="FFFFFF"/>
+              </a:solidFill>
+              <a:uFill>
+                <a:solidFill>
+                  <a:srgbClr val="FFFFFF"/>
                 </a:solidFill>
               </a:uFill>
               <a:latin typeface="Arial"/>
@@ -6112,19 +7020,19 @@
                 <a:spcPct val="100000"/>
               </a:lnSpc>
               <a:buClr>
-                <a:srgbClr val="ffffff"/>
+                <a:srgbClr val="FFFFFF"/>
               </a:buClr>
               <a:buFont typeface="Arial"/>
               <a:buChar char="•"/>
             </a:pPr>
             <a:r>
-              <a:rPr b="0" lang="en-CA" sz="3200" spc="-1" strike="noStrike">
-                <a:solidFill>
-                  <a:srgbClr val="ffffff"/>
+              <a:rPr lang="en-CA" sz="3200" b="0" strike="noStrike" spc="-1">
+                <a:solidFill>
+                  <a:srgbClr val="FFFFFF"/>
                 </a:solidFill>
                 <a:uFill>
                   <a:solidFill>
-                    <a:srgbClr val="ffffff"/>
+                    <a:srgbClr val="FFFFFF"/>
                   </a:solidFill>
                 </a:uFill>
                 <a:latin typeface="Calibri"/>
@@ -6132,13 +7040,13 @@
               </a:rPr>
               <a:t>Things such as key-bindings, spawn rates, speed and strength can easily be changed.</a:t>
             </a:r>
-            <a:endParaRPr b="0" lang="en-CA" sz="1800" spc="-1" strike="noStrike">
-              <a:solidFill>
-                <a:srgbClr val="ffffff"/>
-              </a:solidFill>
-              <a:uFill>
-                <a:solidFill>
-                  <a:srgbClr val="ffffff"/>
+            <a:endParaRPr lang="en-CA" sz="1800" b="0" strike="noStrike" spc="-1">
+              <a:solidFill>
+                <a:srgbClr val="FFFFFF"/>
+              </a:solidFill>
+              <a:uFill>
+                <a:solidFill>
+                  <a:srgbClr val="FFFFFF"/>
                 </a:solidFill>
               </a:uFill>
               <a:latin typeface="Arial"/>
@@ -6150,19 +7058,19 @@
                 <a:spcPct val="100000"/>
               </a:lnSpc>
               <a:buClr>
-                <a:srgbClr val="ffffff"/>
+                <a:srgbClr val="FFFFFF"/>
               </a:buClr>
               <a:buFont typeface="Arial"/>
               <a:buChar char="•"/>
             </a:pPr>
             <a:r>
-              <a:rPr b="0" lang="en-CA" sz="3200" spc="-1" strike="noStrike">
-                <a:solidFill>
-                  <a:srgbClr val="ffffff"/>
+              <a:rPr lang="en-CA" sz="3200" b="0" strike="noStrike" spc="-1">
+                <a:solidFill>
+                  <a:srgbClr val="FFFFFF"/>
                 </a:solidFill>
                 <a:uFill>
                   <a:solidFill>
-                    <a:srgbClr val="ffffff"/>
+                    <a:srgbClr val="FFFFFF"/>
                   </a:solidFill>
                 </a:uFill>
                 <a:latin typeface="Calibri"/>
@@ -6170,13 +7078,13 @@
               </a:rPr>
               <a:t>This helped when performing usability testing, as updates could be made in real time.</a:t>
             </a:r>
-            <a:endParaRPr b="0" lang="en-CA" sz="1800" spc="-1" strike="noStrike">
-              <a:solidFill>
-                <a:srgbClr val="ffffff"/>
-              </a:solidFill>
-              <a:uFill>
-                <a:solidFill>
-                  <a:srgbClr val="ffffff"/>
+            <a:endParaRPr lang="en-CA" sz="1800" b="0" strike="noStrike" spc="-1">
+              <a:solidFill>
+                <a:srgbClr val="FFFFFF"/>
+              </a:solidFill>
+              <a:uFill>
+                <a:solidFill>
+                  <a:srgbClr val="FFFFFF"/>
                 </a:solidFill>
               </a:uFill>
               <a:latin typeface="Arial"/>
@@ -6188,19 +7096,19 @@
                 <a:spcPct val="100000"/>
               </a:lnSpc>
               <a:buClr>
-                <a:srgbClr val="ffffff"/>
+                <a:srgbClr val="FFFFFF"/>
               </a:buClr>
               <a:buFont typeface="Arial"/>
               <a:buChar char="•"/>
             </a:pPr>
             <a:r>
-              <a:rPr b="0" lang="en-CA" sz="3200" spc="-1" strike="noStrike">
-                <a:solidFill>
-                  <a:srgbClr val="ffffff"/>
+              <a:rPr lang="en-CA" sz="3200" b="0" strike="noStrike" spc="-1">
+                <a:solidFill>
+                  <a:srgbClr val="FFFFFF"/>
                 </a:solidFill>
                 <a:uFill>
                   <a:solidFill>
-                    <a:srgbClr val="ffffff"/>
+                    <a:srgbClr val="FFFFFF"/>
                   </a:solidFill>
                 </a:uFill>
                 <a:latin typeface="Calibri"/>
@@ -6208,13 +7116,13 @@
               </a:rPr>
               <a:t>In the future we would move it to another format (like YAML or JSON) and allow all settings to be edited/saved through the GUI.</a:t>
             </a:r>
-            <a:endParaRPr b="0" lang="en-CA" sz="1800" spc="-1" strike="noStrike">
-              <a:solidFill>
-                <a:srgbClr val="ffffff"/>
-              </a:solidFill>
-              <a:uFill>
-                <a:solidFill>
-                  <a:srgbClr val="ffffff"/>
+            <a:endParaRPr lang="en-CA" sz="1800" b="0" strike="noStrike" spc="-1">
+              <a:solidFill>
+                <a:srgbClr val="FFFFFF"/>
+              </a:solidFill>
+              <a:uFill>
+                <a:solidFill>
+                  <a:srgbClr val="FFFFFF"/>
                 </a:solidFill>
               </a:uFill>
               <a:latin typeface="Arial"/>
@@ -6224,22 +7132,25 @@
       </p:sp>
     </p:spTree>
   </p:cSld>
+  <p:clrMapOvr>
+    <a:masterClrMapping/>
+  </p:clrMapOvr>
   <p:timing>
     <p:tnLst>
       <p:par>
-        <p:cTn id="9" dur="indefinite" restart="never" nodeType="tmRoot">
+        <p:cTn xmlns:p14="http://schemas.microsoft.com/office/powerpoint/2010/main" id="1" dur="indefinite" restart="never" nodeType="tmRoot">
           <p:childTnLst>
             <p:seq>
-              <p:cTn id="10" nodeType="mainSeq"/>
+              <p:cTn id="2" nodeType="mainSeq"/>
               <p:prevCondLst>
-                <p:cond delay="0" evt="onPrev">
+                <p:cond evt="onPrev" delay="0">
                   <p:tgtEl>
                     <p:sldTgt/>
                   </p:tgtEl>
                 </p:cond>
               </p:prevCondLst>
               <p:nextCondLst>
-                <p:cond delay="0" evt="onNext">
+                <p:cond evt="onNext" delay="0">
                   <p:tgtEl>
                     <p:sldTgt/>
                   </p:tgtEl>
@@ -6255,7 +7166,7 @@
 </file>
 
 <file path=ppt/slides/slide6.xml><?xml version="1.0" encoding="utf-8"?>
-<p:sld xmlns:a="http://schemas.openxmlformats.org/drawingml/2006/main" xmlns:p="http://schemas.openxmlformats.org/presentationml/2006/main" xmlns:r="http://schemas.openxmlformats.org/officeDocument/2006/relationships" xmlns:p14="http://schemas.microsoft.com/office/powerpoint/2010/main" xmlns:p15="http://schemas.microsoft.com/office/powerpoint/2012/main" xmlns:mc="http://schemas.openxmlformats.org/markup-compatibility/2006">
+<p:sld xmlns:a="http://schemas.openxmlformats.org/drawingml/2006/main" xmlns:r="http://schemas.openxmlformats.org/officeDocument/2006/relationships" xmlns:p="http://schemas.openxmlformats.org/presentationml/2006/main">
   <p:cSld>
     <p:spTree>
       <p:nvGrpSpPr>
@@ -6291,13 +7202,20 @@
           </a:ln>
         </p:spPr>
         <p:style>
-          <a:lnRef idx="0"/>
-          <a:fillRef idx="0"/>
-          <a:effectRef idx="0"/>
+          <a:lnRef idx="0">
+            <a:scrgbClr r="0" g="0" b="0"/>
+          </a:lnRef>
+          <a:fillRef idx="0">
+            <a:scrgbClr r="0" g="0" b="0"/>
+          </a:fillRef>
+          <a:effectRef idx="0">
+            <a:scrgbClr r="0" g="0" b="0"/>
+          </a:effectRef>
           <a:fontRef idx="minor"/>
         </p:style>
         <p:txBody>
-          <a:bodyPr lIns="90000" rIns="90000" tIns="45000" bIns="45000" anchor="ctr"/>
+          <a:bodyPr lIns="90000" tIns="45000" rIns="90000" bIns="45000" anchor="ctr"/>
+          <a:lstStyle/>
           <a:p>
             <a:pPr algn="ctr">
               <a:lnSpc>
@@ -6305,13 +7223,13 @@
               </a:lnSpc>
             </a:pPr>
             <a:r>
-              <a:rPr b="0" lang="en-CA" sz="4400" spc="-1" strike="noStrike">
-                <a:solidFill>
-                  <a:srgbClr val="ffffff"/>
+              <a:rPr lang="en-CA" sz="4400" b="0" strike="noStrike" spc="-1">
+                <a:solidFill>
+                  <a:srgbClr val="FFFFFF"/>
                 </a:solidFill>
                 <a:uFill>
                   <a:solidFill>
-                    <a:srgbClr val="ffffff"/>
+                    <a:srgbClr val="FFFFFF"/>
                   </a:solidFill>
                 </a:uFill>
                 <a:latin typeface="Calibri"/>
@@ -6319,13 +7237,13 @@
               </a:rPr>
               <a:t>Scenes </a:t>
             </a:r>
-            <a:endParaRPr b="0" lang="en-CA" sz="1800" spc="-1" strike="noStrike">
-              <a:solidFill>
-                <a:srgbClr val="ffffff"/>
-              </a:solidFill>
-              <a:uFill>
-                <a:solidFill>
-                  <a:srgbClr val="ffffff"/>
+            <a:endParaRPr lang="en-CA" sz="1800" b="0" strike="noStrike" spc="-1">
+              <a:solidFill>
+                <a:srgbClr val="FFFFFF"/>
+              </a:solidFill>
+              <a:uFill>
+                <a:solidFill>
+                  <a:srgbClr val="FFFFFF"/>
                 </a:solidFill>
               </a:uFill>
               <a:latin typeface="Arial"/>
@@ -6353,33 +7271,40 @@
           </a:ln>
         </p:spPr>
         <p:style>
-          <a:lnRef idx="0"/>
-          <a:fillRef idx="0"/>
-          <a:effectRef idx="0"/>
+          <a:lnRef idx="0">
+            <a:scrgbClr r="0" g="0" b="0"/>
+          </a:lnRef>
+          <a:fillRef idx="0">
+            <a:scrgbClr r="0" g="0" b="0"/>
+          </a:fillRef>
+          <a:effectRef idx="0">
+            <a:scrgbClr r="0" g="0" b="0"/>
+          </a:effectRef>
           <a:fontRef idx="minor"/>
         </p:style>
         <p:txBody>
-          <a:bodyPr lIns="90000" rIns="90000" tIns="45000" bIns="45000"/>
+          <a:bodyPr lIns="90000" tIns="45000" rIns="90000" bIns="45000"/>
+          <a:lstStyle/>
           <a:p>
             <a:pPr marL="432000" indent="-321120">
               <a:lnSpc>
                 <a:spcPct val="100000"/>
               </a:lnSpc>
               <a:buClr>
-                <a:srgbClr val="ffffff"/>
+                <a:srgbClr val="FFFFFF"/>
               </a:buClr>
               <a:buSzPct val="45000"/>
               <a:buFont typeface="Wingdings" charset="2"/>
               <a:buChar char=""/>
             </a:pPr>
             <a:r>
-              <a:rPr b="0" lang="en-CA" sz="3200" spc="-1" strike="noStrike">
-                <a:solidFill>
-                  <a:srgbClr val="ffffff"/>
+              <a:rPr lang="en-CA" sz="3200" b="0" strike="noStrike" spc="-1">
+                <a:solidFill>
+                  <a:srgbClr val="FFFFFF"/>
                 </a:solidFill>
                 <a:uFill>
                   <a:solidFill>
-                    <a:srgbClr val="ffffff"/>
+                    <a:srgbClr val="FFFFFF"/>
                   </a:solidFill>
                 </a:uFill>
                 <a:latin typeface="Calibri"/>
@@ -6387,13 +7312,13 @@
               </a:rPr>
               <a:t>To modularize the main game loop, we used scenes.</a:t>
             </a:r>
-            <a:endParaRPr b="0" lang="en-CA" sz="1800" spc="-1" strike="noStrike">
-              <a:solidFill>
-                <a:srgbClr val="ffffff"/>
-              </a:solidFill>
-              <a:uFill>
-                <a:solidFill>
-                  <a:srgbClr val="ffffff"/>
+            <a:endParaRPr lang="en-CA" sz="1800" b="0" strike="noStrike" spc="-1">
+              <a:solidFill>
+                <a:srgbClr val="FFFFFF"/>
+              </a:solidFill>
+              <a:uFill>
+                <a:solidFill>
+                  <a:srgbClr val="FFFFFF"/>
                 </a:solidFill>
               </a:uFill>
               <a:latin typeface="Arial"/>
@@ -6405,20 +7330,20 @@
                 <a:spcPct val="100000"/>
               </a:lnSpc>
               <a:buClr>
-                <a:srgbClr val="ffffff"/>
+                <a:srgbClr val="FFFFFF"/>
               </a:buClr>
               <a:buSzPct val="45000"/>
               <a:buFont typeface="Wingdings" charset="2"/>
               <a:buChar char=""/>
             </a:pPr>
             <a:r>
-              <a:rPr b="0" lang="en-CA" sz="3200" spc="-1" strike="noStrike">
-                <a:solidFill>
-                  <a:srgbClr val="ffffff"/>
+              <a:rPr lang="en-CA" sz="3200" b="0" strike="noStrike" spc="-1">
+                <a:solidFill>
+                  <a:srgbClr val="FFFFFF"/>
                 </a:solidFill>
                 <a:uFill>
                   <a:solidFill>
-                    <a:srgbClr val="ffffff"/>
+                    <a:srgbClr val="FFFFFF"/>
                   </a:solidFill>
                 </a:uFill>
                 <a:latin typeface="Calibri"/>
@@ -6426,13 +7351,13 @@
               </a:rPr>
               <a:t>Each scene implements input handling and graphical rendering separately.</a:t>
             </a:r>
-            <a:endParaRPr b="0" lang="en-CA" sz="1800" spc="-1" strike="noStrike">
-              <a:solidFill>
-                <a:srgbClr val="ffffff"/>
-              </a:solidFill>
-              <a:uFill>
-                <a:solidFill>
-                  <a:srgbClr val="ffffff"/>
+            <a:endParaRPr lang="en-CA" sz="1800" b="0" strike="noStrike" spc="-1">
+              <a:solidFill>
+                <a:srgbClr val="FFFFFF"/>
+              </a:solidFill>
+              <a:uFill>
+                <a:solidFill>
+                  <a:srgbClr val="FFFFFF"/>
                 </a:solidFill>
               </a:uFill>
               <a:latin typeface="Arial"/>
@@ -6444,20 +7369,20 @@
                 <a:spcPct val="100000"/>
               </a:lnSpc>
               <a:buClr>
-                <a:srgbClr val="ffffff"/>
+                <a:srgbClr val="FFFFFF"/>
               </a:buClr>
               <a:buSzPct val="45000"/>
               <a:buFont typeface="Wingdings" charset="2"/>
               <a:buChar char=""/>
             </a:pPr>
             <a:r>
-              <a:rPr b="0" lang="en-CA" sz="3200" spc="-1" strike="noStrike">
-                <a:solidFill>
-                  <a:srgbClr val="ffffff"/>
+              <a:rPr lang="en-CA" sz="3200" b="0" strike="noStrike" spc="-1">
+                <a:solidFill>
+                  <a:srgbClr val="FFFFFF"/>
                 </a:solidFill>
                 <a:uFill>
                   <a:solidFill>
-                    <a:srgbClr val="ffffff"/>
+                    <a:srgbClr val="FFFFFF"/>
                   </a:solidFill>
                 </a:uFill>
                 <a:latin typeface="Calibri"/>
@@ -6465,13 +7390,13 @@
               </a:rPr>
               <a:t>This modular design makes adding or modifying scenes easy for later developers.</a:t>
             </a:r>
-            <a:endParaRPr b="0" lang="en-CA" sz="1800" spc="-1" strike="noStrike">
-              <a:solidFill>
-                <a:srgbClr val="ffffff"/>
-              </a:solidFill>
-              <a:uFill>
-                <a:solidFill>
-                  <a:srgbClr val="ffffff"/>
+            <a:endParaRPr lang="en-CA" sz="1800" b="0" strike="noStrike" spc="-1">
+              <a:solidFill>
+                <a:srgbClr val="FFFFFF"/>
+              </a:solidFill>
+              <a:uFill>
+                <a:solidFill>
+                  <a:srgbClr val="FFFFFF"/>
                 </a:solidFill>
               </a:uFill>
               <a:latin typeface="Arial"/>
@@ -6481,22 +7406,25 @@
       </p:sp>
     </p:spTree>
   </p:cSld>
+  <p:clrMapOvr>
+    <a:masterClrMapping/>
+  </p:clrMapOvr>
   <p:timing>
     <p:tnLst>
       <p:par>
-        <p:cTn id="11" dur="indefinite" restart="never" nodeType="tmRoot">
+        <p:cTn xmlns:p14="http://schemas.microsoft.com/office/powerpoint/2010/main" id="1" dur="indefinite" restart="never" nodeType="tmRoot">
           <p:childTnLst>
             <p:seq>
-              <p:cTn id="12" nodeType="mainSeq"/>
+              <p:cTn id="2" nodeType="mainSeq"/>
               <p:prevCondLst>
-                <p:cond delay="0" evt="onPrev">
+                <p:cond evt="onPrev" delay="0">
                   <p:tgtEl>
                     <p:sldTgt/>
                   </p:tgtEl>
                 </p:cond>
               </p:prevCondLst>
               <p:nextCondLst>
-                <p:cond delay="0" evt="onNext">
+                <p:cond evt="onNext" delay="0">
                   <p:tgtEl>
                     <p:sldTgt/>
                   </p:tgtEl>
@@ -6512,7 +7440,7 @@
 </file>
 
 <file path=ppt/slides/slide7.xml><?xml version="1.0" encoding="utf-8"?>
-<p:sld xmlns:a="http://schemas.openxmlformats.org/drawingml/2006/main" xmlns:p="http://schemas.openxmlformats.org/presentationml/2006/main" xmlns:r="http://schemas.openxmlformats.org/officeDocument/2006/relationships" xmlns:p14="http://schemas.microsoft.com/office/powerpoint/2010/main" xmlns:p15="http://schemas.microsoft.com/office/powerpoint/2012/main" xmlns:mc="http://schemas.openxmlformats.org/markup-compatibility/2006">
+<p:sld xmlns:a="http://schemas.openxmlformats.org/drawingml/2006/main" xmlns:r="http://schemas.openxmlformats.org/officeDocument/2006/relationships" xmlns:p="http://schemas.openxmlformats.org/presentationml/2006/main">
   <p:cSld>
     <p:spTree>
       <p:nvGrpSpPr>
@@ -6548,13 +7476,20 @@
           </a:ln>
         </p:spPr>
         <p:style>
-          <a:lnRef idx="0"/>
-          <a:fillRef idx="0"/>
-          <a:effectRef idx="0"/>
+          <a:lnRef idx="0">
+            <a:scrgbClr r="0" g="0" b="0"/>
+          </a:lnRef>
+          <a:fillRef idx="0">
+            <a:scrgbClr r="0" g="0" b="0"/>
+          </a:fillRef>
+          <a:effectRef idx="0">
+            <a:scrgbClr r="0" g="0" b="0"/>
+          </a:effectRef>
           <a:fontRef idx="minor"/>
         </p:style>
         <p:txBody>
-          <a:bodyPr lIns="90000" rIns="90000" tIns="45000" bIns="45000" anchor="ctr"/>
+          <a:bodyPr lIns="90000" tIns="45000" rIns="90000" bIns="45000" anchor="ctr"/>
+          <a:lstStyle/>
           <a:p>
             <a:pPr algn="ctr">
               <a:lnSpc>
@@ -6562,13 +7497,13 @@
               </a:lnSpc>
             </a:pPr>
             <a:r>
-              <a:rPr b="0" lang="en-CA" sz="4400" spc="-1" strike="noStrike">
-                <a:solidFill>
-                  <a:srgbClr val="ffffff"/>
+              <a:rPr lang="en-CA" sz="4400" b="0" strike="noStrike" spc="-1">
+                <a:solidFill>
+                  <a:srgbClr val="FFFFFF"/>
                 </a:solidFill>
                 <a:uFill>
                   <a:solidFill>
-                    <a:srgbClr val="ffffff"/>
+                    <a:srgbClr val="FFFFFF"/>
                   </a:solidFill>
                 </a:uFill>
                 <a:latin typeface="Calibri"/>
@@ -6576,13 +7511,13 @@
               </a:rPr>
               <a:t>Laser</a:t>
             </a:r>
-            <a:endParaRPr b="0" lang="en-CA" sz="1800" spc="-1" strike="noStrike">
-              <a:solidFill>
-                <a:srgbClr val="ffffff"/>
-              </a:solidFill>
-              <a:uFill>
-                <a:solidFill>
-                  <a:srgbClr val="ffffff"/>
+            <a:endParaRPr lang="en-CA" sz="1800" b="0" strike="noStrike" spc="-1">
+              <a:solidFill>
+                <a:srgbClr val="FFFFFF"/>
+              </a:solidFill>
+              <a:uFill>
+                <a:solidFill>
+                  <a:srgbClr val="FFFFFF"/>
                 </a:solidFill>
               </a:uFill>
               <a:latin typeface="Arial"/>
@@ -6610,33 +7545,40 @@
           </a:ln>
         </p:spPr>
         <p:style>
-          <a:lnRef idx="0"/>
-          <a:fillRef idx="0"/>
-          <a:effectRef idx="0"/>
+          <a:lnRef idx="0">
+            <a:scrgbClr r="0" g="0" b="0"/>
+          </a:lnRef>
+          <a:fillRef idx="0">
+            <a:scrgbClr r="0" g="0" b="0"/>
+          </a:fillRef>
+          <a:effectRef idx="0">
+            <a:scrgbClr r="0" g="0" b="0"/>
+          </a:effectRef>
           <a:fontRef idx="minor"/>
         </p:style>
         <p:txBody>
-          <a:bodyPr lIns="90000" rIns="90000" tIns="45000" bIns="45000"/>
+          <a:bodyPr lIns="90000" tIns="45000" rIns="90000" bIns="45000"/>
+          <a:lstStyle/>
           <a:p>
             <a:pPr marL="432000" indent="-321120">
               <a:lnSpc>
                 <a:spcPct val="100000"/>
               </a:lnSpc>
               <a:buClr>
-                <a:srgbClr val="ffffff"/>
+                <a:srgbClr val="FFFFFF"/>
               </a:buClr>
               <a:buSzPct val="45000"/>
               <a:buFont typeface="Wingdings" charset="2"/>
               <a:buChar char=""/>
             </a:pPr>
             <a:r>
-              <a:rPr b="0" lang="en-CA" sz="3200" spc="-1" strike="noStrike">
-                <a:solidFill>
-                  <a:srgbClr val="ffffff"/>
+              <a:rPr lang="en-CA" sz="3200" b="0" strike="noStrike" spc="-1">
+                <a:solidFill>
+                  <a:srgbClr val="FFFFFF"/>
                 </a:solidFill>
                 <a:uFill>
                   <a:solidFill>
-                    <a:srgbClr val="ffffff"/>
+                    <a:srgbClr val="FFFFFF"/>
                   </a:solidFill>
                 </a:uFill>
                 <a:latin typeface="Calibri"/>
@@ -6644,13 +7586,13 @@
               </a:rPr>
               <a:t>Ships in Pylaga fire slow-moving projectiles which require precise timing and estimation of trajectory.</a:t>
             </a:r>
-            <a:endParaRPr b="0" lang="en-CA" sz="1800" spc="-1" strike="noStrike">
-              <a:solidFill>
-                <a:srgbClr val="ffffff"/>
-              </a:solidFill>
-              <a:uFill>
-                <a:solidFill>
-                  <a:srgbClr val="ffffff"/>
+            <a:endParaRPr lang="en-CA" sz="1800" b="0" strike="noStrike" spc="-1">
+              <a:solidFill>
+                <a:srgbClr val="FFFFFF"/>
+              </a:solidFill>
+              <a:uFill>
+                <a:solidFill>
+                  <a:srgbClr val="FFFFFF"/>
                 </a:solidFill>
               </a:uFill>
               <a:latin typeface="Arial"/>
@@ -6662,20 +7604,20 @@
                 <a:spcPct val="100000"/>
               </a:lnSpc>
               <a:buClr>
-                <a:srgbClr val="ffffff"/>
+                <a:srgbClr val="FFFFFF"/>
               </a:buClr>
               <a:buSzPct val="45000"/>
               <a:buFont typeface="Wingdings" charset="2"/>
               <a:buChar char=""/>
             </a:pPr>
             <a:r>
-              <a:rPr b="0" lang="en-CA" sz="3200" spc="-1" strike="noStrike">
-                <a:solidFill>
-                  <a:srgbClr val="ffffff"/>
+              <a:rPr lang="en-CA" sz="3200" b="0" strike="noStrike" spc="-1">
+                <a:solidFill>
+                  <a:srgbClr val="FFFFFF"/>
                 </a:solidFill>
                 <a:uFill>
                   <a:solidFill>
-                    <a:srgbClr val="ffffff"/>
+                    <a:srgbClr val="FFFFFF"/>
                   </a:solidFill>
                 </a:uFill>
                 <a:latin typeface="Calibri"/>
@@ -6683,13 +7625,13 @@
               </a:rPr>
               <a:t>In Lazer Blast ships fire laser beams that instantly hit their targets, which  requires no trajectory estimation.</a:t>
             </a:r>
-            <a:endParaRPr b="0" lang="en-CA" sz="1800" spc="-1" strike="noStrike">
-              <a:solidFill>
-                <a:srgbClr val="ffffff"/>
-              </a:solidFill>
-              <a:uFill>
-                <a:solidFill>
-                  <a:srgbClr val="ffffff"/>
+            <a:endParaRPr lang="en-CA" sz="1800" b="0" strike="noStrike" spc="-1">
+              <a:solidFill>
+                <a:srgbClr val="FFFFFF"/>
+              </a:solidFill>
+              <a:uFill>
+                <a:solidFill>
+                  <a:srgbClr val="FFFFFF"/>
                 </a:solidFill>
               </a:uFill>
               <a:latin typeface="Arial"/>
@@ -6701,20 +7643,20 @@
                 <a:spcPct val="100000"/>
               </a:lnSpc>
               <a:buClr>
-                <a:srgbClr val="ffffff"/>
+                <a:srgbClr val="FFFFFF"/>
               </a:buClr>
               <a:buSzPct val="45000"/>
               <a:buFont typeface="Wingdings" charset="2"/>
               <a:buChar char=""/>
             </a:pPr>
             <a:r>
-              <a:rPr b="0" lang="en-CA" sz="3200" spc="-1" strike="noStrike">
-                <a:solidFill>
-                  <a:srgbClr val="ffffff"/>
+              <a:rPr lang="en-CA" sz="3200" b="0" strike="noStrike" spc="-1">
+                <a:solidFill>
+                  <a:srgbClr val="FFFFFF"/>
                 </a:solidFill>
                 <a:uFill>
                   <a:solidFill>
-                    <a:srgbClr val="ffffff"/>
+                    <a:srgbClr val="FFFFFF"/>
                   </a:solidFill>
                 </a:uFill>
                 <a:latin typeface="Calibri"/>
@@ -6722,13 +7664,13 @@
               </a:rPr>
               <a:t>The user’s focus is instead directed toward the color changing mechanic.</a:t>
             </a:r>
-            <a:endParaRPr b="0" lang="en-CA" sz="1800" spc="-1" strike="noStrike">
-              <a:solidFill>
-                <a:srgbClr val="ffffff"/>
-              </a:solidFill>
-              <a:uFill>
-                <a:solidFill>
-                  <a:srgbClr val="ffffff"/>
+            <a:endParaRPr lang="en-CA" sz="1800" b="0" strike="noStrike" spc="-1">
+              <a:solidFill>
+                <a:srgbClr val="FFFFFF"/>
+              </a:solidFill>
+              <a:uFill>
+                <a:solidFill>
+                  <a:srgbClr val="FFFFFF"/>
                 </a:solidFill>
               </a:uFill>
               <a:latin typeface="Arial"/>
@@ -6738,22 +7680,25 @@
       </p:sp>
     </p:spTree>
   </p:cSld>
+  <p:clrMapOvr>
+    <a:masterClrMapping/>
+  </p:clrMapOvr>
   <p:timing>
     <p:tnLst>
       <p:par>
-        <p:cTn id="13" dur="indefinite" restart="never" nodeType="tmRoot">
+        <p:cTn xmlns:p14="http://schemas.microsoft.com/office/powerpoint/2010/main" id="1" dur="indefinite" restart="never" nodeType="tmRoot">
           <p:childTnLst>
             <p:seq>
-              <p:cTn id="14" nodeType="mainSeq"/>
+              <p:cTn id="2" nodeType="mainSeq"/>
               <p:prevCondLst>
-                <p:cond delay="0" evt="onPrev">
+                <p:cond evt="onPrev" delay="0">
                   <p:tgtEl>
                     <p:sldTgt/>
                   </p:tgtEl>
                 </p:cond>
               </p:prevCondLst>
               <p:nextCondLst>
-                <p:cond delay="0" evt="onNext">
+                <p:cond evt="onNext" delay="0">
                   <p:tgtEl>
                     <p:sldTgt/>
                   </p:tgtEl>
@@ -6769,7 +7714,7 @@
 </file>
 
 <file path=ppt/slides/slide8.xml><?xml version="1.0" encoding="utf-8"?>
-<p:sld xmlns:a="http://schemas.openxmlformats.org/drawingml/2006/main" xmlns:p="http://schemas.openxmlformats.org/presentationml/2006/main" xmlns:r="http://schemas.openxmlformats.org/officeDocument/2006/relationships" xmlns:p14="http://schemas.microsoft.com/office/powerpoint/2010/main" xmlns:p15="http://schemas.microsoft.com/office/powerpoint/2012/main" xmlns:mc="http://schemas.openxmlformats.org/markup-compatibility/2006">
+<p:sld xmlns:a="http://schemas.openxmlformats.org/drawingml/2006/main" xmlns:r="http://schemas.openxmlformats.org/officeDocument/2006/relationships" xmlns:p="http://schemas.openxmlformats.org/presentationml/2006/main">
   <p:cSld>
     <p:spTree>
       <p:nvGrpSpPr>
@@ -6805,13 +7750,20 @@
           </a:ln>
         </p:spPr>
         <p:style>
-          <a:lnRef idx="0"/>
-          <a:fillRef idx="0"/>
-          <a:effectRef idx="0"/>
+          <a:lnRef idx="0">
+            <a:scrgbClr r="0" g="0" b="0"/>
+          </a:lnRef>
+          <a:fillRef idx="0">
+            <a:scrgbClr r="0" g="0" b="0"/>
+          </a:fillRef>
+          <a:effectRef idx="0">
+            <a:scrgbClr r="0" g="0" b="0"/>
+          </a:effectRef>
           <a:fontRef idx="minor"/>
         </p:style>
         <p:txBody>
-          <a:bodyPr lIns="90000" rIns="90000" tIns="45000" bIns="45000" anchor="ctr"/>
+          <a:bodyPr lIns="90000" tIns="45000" rIns="90000" bIns="45000" anchor="ctr"/>
+          <a:lstStyle/>
           <a:p>
             <a:pPr algn="ctr">
               <a:lnSpc>
@@ -6819,13 +7771,13 @@
               </a:lnSpc>
             </a:pPr>
             <a:r>
-              <a:rPr b="0" lang="en-CA" sz="4400" spc="-1" strike="noStrike">
-                <a:solidFill>
-                  <a:srgbClr val="ffffff"/>
+              <a:rPr lang="en-CA" sz="4400" b="0" strike="noStrike" spc="-1">
+                <a:solidFill>
+                  <a:srgbClr val="FFFFFF"/>
                 </a:solidFill>
                 <a:uFill>
                   <a:solidFill>
-                    <a:srgbClr val="ffffff"/>
+                    <a:srgbClr val="FFFFFF"/>
                   </a:solidFill>
                 </a:uFill>
                 <a:latin typeface="Calibri"/>
@@ -6833,13 +7785,13 @@
               </a:rPr>
               <a:t>Laser (Continued) </a:t>
             </a:r>
-            <a:endParaRPr b="0" lang="en-CA" sz="1800" spc="-1" strike="noStrike">
-              <a:solidFill>
-                <a:srgbClr val="ffffff"/>
-              </a:solidFill>
-              <a:uFill>
-                <a:solidFill>
-                  <a:srgbClr val="ffffff"/>
+            <a:endParaRPr lang="en-CA" sz="1800" b="0" strike="noStrike" spc="-1">
+              <a:solidFill>
+                <a:srgbClr val="FFFFFF"/>
+              </a:solidFill>
+              <a:uFill>
+                <a:solidFill>
+                  <a:srgbClr val="FFFFFF"/>
                 </a:solidFill>
               </a:uFill>
               <a:latin typeface="Arial"/>
@@ -6867,33 +7819,40 @@
           </a:ln>
         </p:spPr>
         <p:style>
-          <a:lnRef idx="0"/>
-          <a:fillRef idx="0"/>
-          <a:effectRef idx="0"/>
+          <a:lnRef idx="0">
+            <a:scrgbClr r="0" g="0" b="0"/>
+          </a:lnRef>
+          <a:fillRef idx="0">
+            <a:scrgbClr r="0" g="0" b="0"/>
+          </a:fillRef>
+          <a:effectRef idx="0">
+            <a:scrgbClr r="0" g="0" b="0"/>
+          </a:effectRef>
           <a:fontRef idx="minor"/>
         </p:style>
         <p:txBody>
-          <a:bodyPr lIns="90000" rIns="90000" tIns="45000" bIns="45000"/>
+          <a:bodyPr lIns="90000" tIns="45000" rIns="90000" bIns="45000"/>
+          <a:lstStyle/>
           <a:p>
             <a:pPr marL="432000" indent="-321120">
               <a:lnSpc>
                 <a:spcPct val="100000"/>
               </a:lnSpc>
               <a:buClr>
-                <a:srgbClr val="ffffff"/>
+                <a:srgbClr val="FFFFFF"/>
               </a:buClr>
               <a:buSzPct val="45000"/>
               <a:buFont typeface="Wingdings" charset="2"/>
               <a:buChar char=""/>
             </a:pPr>
             <a:r>
-              <a:rPr b="0" lang="en-CA" sz="3200" spc="-1" strike="noStrike">
-                <a:solidFill>
-                  <a:srgbClr val="ffffff"/>
+              <a:rPr lang="en-CA" sz="3200" b="0" strike="noStrike" spc="-1">
+                <a:solidFill>
+                  <a:srgbClr val="FFFFFF"/>
                 </a:solidFill>
                 <a:uFill>
                   <a:solidFill>
-                    <a:srgbClr val="ffffff"/>
+                    <a:srgbClr val="FFFFFF"/>
                   </a:solidFill>
                 </a:uFill>
                 <a:latin typeface="Calibri"/>
@@ -6901,13 +7860,13 @@
               </a:rPr>
               <a:t>The user switches the color of their laser to enemies to damage them.</a:t>
             </a:r>
-            <a:endParaRPr b="0" lang="en-CA" sz="1800" spc="-1" strike="noStrike">
-              <a:solidFill>
-                <a:srgbClr val="ffffff"/>
-              </a:solidFill>
-              <a:uFill>
-                <a:solidFill>
-                  <a:srgbClr val="ffffff"/>
+            <a:endParaRPr lang="en-CA" sz="1800" b="0" strike="noStrike" spc="-1">
+              <a:solidFill>
+                <a:srgbClr val="FFFFFF"/>
+              </a:solidFill>
+              <a:uFill>
+                <a:solidFill>
+                  <a:srgbClr val="FFFFFF"/>
                 </a:solidFill>
               </a:uFill>
               <a:latin typeface="Arial"/>
@@ -6919,20 +7878,20 @@
                 <a:spcPct val="100000"/>
               </a:lnSpc>
               <a:buClr>
-                <a:srgbClr val="ffffff"/>
+                <a:srgbClr val="FFFFFF"/>
               </a:buClr>
               <a:buSzPct val="45000"/>
               <a:buFont typeface="Wingdings" charset="2"/>
               <a:buChar char=""/>
             </a:pPr>
             <a:r>
-              <a:rPr b="0" lang="en-CA" sz="3200" spc="-1" strike="noStrike">
-                <a:solidFill>
-                  <a:srgbClr val="ffffff"/>
+              <a:rPr lang="en-CA" sz="3200" b="0" strike="noStrike" spc="-1">
+                <a:solidFill>
+                  <a:srgbClr val="FFFFFF"/>
                 </a:solidFill>
                 <a:uFill>
                   <a:solidFill>
-                    <a:srgbClr val="ffffff"/>
+                    <a:srgbClr val="FFFFFF"/>
                   </a:solidFill>
                 </a:uFill>
                 <a:latin typeface="Calibri"/>
@@ -6940,13 +7899,13 @@
               </a:rPr>
               <a:t>This introduces challenge that was provided by the slow projectiles in Pylaga.</a:t>
             </a:r>
-            <a:endParaRPr b="0" lang="en-CA" sz="1800" spc="-1" strike="noStrike">
-              <a:solidFill>
-                <a:srgbClr val="ffffff"/>
-              </a:solidFill>
-              <a:uFill>
-                <a:solidFill>
-                  <a:srgbClr val="ffffff"/>
+            <a:endParaRPr lang="en-CA" sz="1800" b="0" strike="noStrike" spc="-1">
+              <a:solidFill>
+                <a:srgbClr val="FFFFFF"/>
+              </a:solidFill>
+              <a:uFill>
+                <a:solidFill>
+                  <a:srgbClr val="FFFFFF"/>
                 </a:solidFill>
               </a:uFill>
               <a:latin typeface="Arial"/>
@@ -6958,20 +7917,20 @@
                 <a:spcPct val="100000"/>
               </a:lnSpc>
               <a:buClr>
-                <a:srgbClr val="ffffff"/>
+                <a:srgbClr val="FFFFFF"/>
               </a:buClr>
               <a:buSzPct val="45000"/>
               <a:buFont typeface="Wingdings" charset="2"/>
               <a:buChar char=""/>
             </a:pPr>
             <a:r>
-              <a:rPr b="0" lang="en-CA" sz="3200" spc="-1" strike="noStrike">
-                <a:solidFill>
-                  <a:srgbClr val="ffffff"/>
+              <a:rPr lang="en-CA" sz="3200" b="0" strike="noStrike" spc="-1">
+                <a:solidFill>
+                  <a:srgbClr val="FFFFFF"/>
                 </a:solidFill>
                 <a:uFill>
                   <a:solidFill>
-                    <a:srgbClr val="ffffff"/>
+                    <a:srgbClr val="FFFFFF"/>
                   </a:solidFill>
                 </a:uFill>
                 <a:latin typeface="Calibri"/>
@@ -6979,13 +7938,13 @@
               </a:rPr>
               <a:t>The selection of colors can be edited in the settings file to adjust aesthetics and difficulty.</a:t>
             </a:r>
-            <a:endParaRPr b="0" lang="en-CA" sz="1800" spc="-1" strike="noStrike">
-              <a:solidFill>
-                <a:srgbClr val="ffffff"/>
-              </a:solidFill>
-              <a:uFill>
-                <a:solidFill>
-                  <a:srgbClr val="ffffff"/>
+            <a:endParaRPr lang="en-CA" sz="1800" b="0" strike="noStrike" spc="-1">
+              <a:solidFill>
+                <a:srgbClr val="FFFFFF"/>
+              </a:solidFill>
+              <a:uFill>
+                <a:solidFill>
+                  <a:srgbClr val="FFFFFF"/>
                 </a:solidFill>
               </a:uFill>
               <a:latin typeface="Arial"/>
@@ -6995,22 +7954,25 @@
       </p:sp>
     </p:spTree>
   </p:cSld>
+  <p:clrMapOvr>
+    <a:masterClrMapping/>
+  </p:clrMapOvr>
   <p:timing>
     <p:tnLst>
       <p:par>
-        <p:cTn id="15" dur="indefinite" restart="never" nodeType="tmRoot">
+        <p:cTn xmlns:p14="http://schemas.microsoft.com/office/powerpoint/2010/main" id="1" dur="indefinite" restart="never" nodeType="tmRoot">
           <p:childTnLst>
             <p:seq>
-              <p:cTn id="16" nodeType="mainSeq"/>
+              <p:cTn id="2" nodeType="mainSeq"/>
               <p:prevCondLst>
-                <p:cond delay="0" evt="onPrev">
+                <p:cond evt="onPrev" delay="0">
                   <p:tgtEl>
                     <p:sldTgt/>
                   </p:tgtEl>
                 </p:cond>
               </p:prevCondLst>
               <p:nextCondLst>
-                <p:cond delay="0" evt="onNext">
+                <p:cond evt="onNext" delay="0">
                   <p:tgtEl>
                     <p:sldTgt/>
                   </p:tgtEl>
@@ -7026,7 +7988,7 @@
 </file>
 
 <file path=ppt/slides/slide9.xml><?xml version="1.0" encoding="utf-8"?>
-<p:sld xmlns:a="http://schemas.openxmlformats.org/drawingml/2006/main" xmlns:p="http://schemas.openxmlformats.org/presentationml/2006/main" xmlns:r="http://schemas.openxmlformats.org/officeDocument/2006/relationships" xmlns:p14="http://schemas.microsoft.com/office/powerpoint/2010/main" xmlns:p15="http://schemas.microsoft.com/office/powerpoint/2012/main" xmlns:mc="http://schemas.openxmlformats.org/markup-compatibility/2006">
+<p:sld xmlns:a="http://schemas.openxmlformats.org/drawingml/2006/main" xmlns:r="http://schemas.openxmlformats.org/officeDocument/2006/relationships" xmlns:p="http://schemas.openxmlformats.org/presentationml/2006/main">
   <p:cSld>
     <p:spTree>
       <p:nvGrpSpPr>
@@ -7062,13 +8024,20 @@
           </a:ln>
         </p:spPr>
         <p:style>
-          <a:lnRef idx="0"/>
-          <a:fillRef idx="0"/>
-          <a:effectRef idx="0"/>
+          <a:lnRef idx="0">
+            <a:scrgbClr r="0" g="0" b="0"/>
+          </a:lnRef>
+          <a:fillRef idx="0">
+            <a:scrgbClr r="0" g="0" b="0"/>
+          </a:fillRef>
+          <a:effectRef idx="0">
+            <a:scrgbClr r="0" g="0" b="0"/>
+          </a:effectRef>
           <a:fontRef idx="minor"/>
         </p:style>
         <p:txBody>
-          <a:bodyPr lIns="90000" rIns="90000" tIns="45000" bIns="45000" anchor="ctr"/>
+          <a:bodyPr lIns="90000" tIns="45000" rIns="90000" bIns="45000" anchor="ctr"/>
+          <a:lstStyle/>
           <a:p>
             <a:pPr algn="ctr">
               <a:lnSpc>
@@ -7076,13 +8045,13 @@
               </a:lnSpc>
             </a:pPr>
             <a:r>
-              <a:rPr b="0" lang="en-CA" sz="4400" spc="-1" strike="noStrike">
-                <a:solidFill>
-                  <a:srgbClr val="ffffff"/>
+              <a:rPr lang="en-CA" sz="4400" b="0" strike="noStrike" spc="-1">
+                <a:solidFill>
+                  <a:srgbClr val="FFFFFF"/>
                 </a:solidFill>
                 <a:uFill>
                   <a:solidFill>
-                    <a:srgbClr val="ffffff"/>
+                    <a:srgbClr val="FFFFFF"/>
                   </a:solidFill>
                 </a:uFill>
                 <a:latin typeface="Calibri"/>
@@ -7090,13 +8059,13 @@
               </a:rPr>
               <a:t>User Input </a:t>
             </a:r>
-            <a:endParaRPr b="0" lang="en-CA" sz="1800" spc="-1" strike="noStrike">
-              <a:solidFill>
-                <a:srgbClr val="ffffff"/>
-              </a:solidFill>
-              <a:uFill>
-                <a:solidFill>
-                  <a:srgbClr val="ffffff"/>
+            <a:endParaRPr lang="en-CA" sz="1800" b="0" strike="noStrike" spc="-1">
+              <a:solidFill>
+                <a:srgbClr val="FFFFFF"/>
+              </a:solidFill>
+              <a:uFill>
+                <a:solidFill>
+                  <a:srgbClr val="FFFFFF"/>
                 </a:solidFill>
               </a:uFill>
               <a:latin typeface="Arial"/>
@@ -7124,33 +8093,40 @@
           </a:ln>
         </p:spPr>
         <p:style>
-          <a:lnRef idx="0"/>
-          <a:fillRef idx="0"/>
-          <a:effectRef idx="0"/>
+          <a:lnRef idx="0">
+            <a:scrgbClr r="0" g="0" b="0"/>
+          </a:lnRef>
+          <a:fillRef idx="0">
+            <a:scrgbClr r="0" g="0" b="0"/>
+          </a:fillRef>
+          <a:effectRef idx="0">
+            <a:scrgbClr r="0" g="0" b="0"/>
+          </a:effectRef>
           <a:fontRef idx="minor"/>
         </p:style>
         <p:txBody>
-          <a:bodyPr lIns="90000" rIns="90000" tIns="45000" bIns="45000"/>
+          <a:bodyPr lIns="90000" tIns="45000" rIns="90000" bIns="45000"/>
+          <a:lstStyle/>
           <a:p>
             <a:pPr marL="432000" indent="-321120">
               <a:lnSpc>
                 <a:spcPct val="100000"/>
               </a:lnSpc>
               <a:buClr>
-                <a:srgbClr val="ffffff"/>
+                <a:srgbClr val="FFFFFF"/>
               </a:buClr>
               <a:buSzPct val="45000"/>
               <a:buFont typeface="Wingdings" charset="2"/>
               <a:buChar char=""/>
             </a:pPr>
             <a:r>
-              <a:rPr b="0" lang="en-CA" sz="3200" spc="-1" strike="noStrike">
-                <a:solidFill>
-                  <a:srgbClr val="ffffff"/>
+              <a:rPr lang="en-CA" sz="3200" b="0" strike="noStrike" spc="-1">
+                <a:solidFill>
+                  <a:srgbClr val="FFFFFF"/>
                 </a:solidFill>
                 <a:uFill>
                   <a:solidFill>
-                    <a:srgbClr val="ffffff"/>
+                    <a:srgbClr val="FFFFFF"/>
                   </a:solidFill>
                 </a:uFill>
                 <a:latin typeface="Calibri"/>
@@ -7158,13 +8134,13 @@
               </a:rPr>
               <a:t>By default Lazer Blast uses WASD for movement and the spacebar for firing.</a:t>
             </a:r>
-            <a:endParaRPr b="0" lang="en-CA" sz="1800" spc="-1" strike="noStrike">
-              <a:solidFill>
-                <a:srgbClr val="ffffff"/>
-              </a:solidFill>
-              <a:uFill>
-                <a:solidFill>
-                  <a:srgbClr val="ffffff"/>
+            <a:endParaRPr lang="en-CA" sz="1800" b="0" strike="noStrike" spc="-1">
+              <a:solidFill>
+                <a:srgbClr val="FFFFFF"/>
+              </a:solidFill>
+              <a:uFill>
+                <a:solidFill>
+                  <a:srgbClr val="FFFFFF"/>
                 </a:solidFill>
               </a:uFill>
               <a:latin typeface="Arial"/>
@@ -7176,20 +8152,20 @@
                 <a:spcPct val="100000"/>
               </a:lnSpc>
               <a:buClr>
-                <a:srgbClr val="ffffff"/>
+                <a:srgbClr val="FFFFFF"/>
               </a:buClr>
               <a:buSzPct val="45000"/>
               <a:buFont typeface="Wingdings" charset="2"/>
               <a:buChar char=""/>
             </a:pPr>
             <a:r>
-              <a:rPr b="0" lang="en-CA" sz="3200" spc="-1" strike="noStrike">
-                <a:solidFill>
-                  <a:srgbClr val="ffffff"/>
+              <a:rPr lang="en-CA" sz="3200" b="0" strike="noStrike" spc="-1">
+                <a:solidFill>
+                  <a:srgbClr val="FFFFFF"/>
                 </a:solidFill>
                 <a:uFill>
                   <a:solidFill>
-                    <a:srgbClr val="ffffff"/>
+                    <a:srgbClr val="FFFFFF"/>
                   </a:solidFill>
                 </a:uFill>
                 <a:latin typeface="Calibri"/>
@@ -7197,13 +8173,13 @@
               </a:rPr>
               <a:t>These movement keys are a conventional configuration for many modern computer games.</a:t>
             </a:r>
-            <a:endParaRPr b="0" lang="en-CA" sz="1800" spc="-1" strike="noStrike">
-              <a:solidFill>
-                <a:srgbClr val="ffffff"/>
-              </a:solidFill>
-              <a:uFill>
-                <a:solidFill>
-                  <a:srgbClr val="ffffff"/>
+            <a:endParaRPr lang="en-CA" sz="1800" b="0" strike="noStrike" spc="-1">
+              <a:solidFill>
+                <a:srgbClr val="FFFFFF"/>
+              </a:solidFill>
+              <a:uFill>
+                <a:solidFill>
+                  <a:srgbClr val="FFFFFF"/>
                 </a:solidFill>
               </a:uFill>
               <a:latin typeface="Arial"/>
@@ -7215,20 +8191,20 @@
                 <a:spcPct val="100000"/>
               </a:lnSpc>
               <a:buClr>
-                <a:srgbClr val="ffffff"/>
+                <a:srgbClr val="FFFFFF"/>
               </a:buClr>
               <a:buSzPct val="45000"/>
               <a:buFont typeface="Wingdings" charset="2"/>
               <a:buChar char=""/>
             </a:pPr>
             <a:r>
-              <a:rPr b="0" lang="en-CA" sz="3200" spc="-1" strike="noStrike">
-                <a:solidFill>
-                  <a:srgbClr val="ffffff"/>
+              <a:rPr lang="en-CA" sz="3200" b="0" strike="noStrike" spc="-1">
+                <a:solidFill>
+                  <a:srgbClr val="FFFFFF"/>
                 </a:solidFill>
                 <a:uFill>
                   <a:solidFill>
-                    <a:srgbClr val="ffffff"/>
+                    <a:srgbClr val="FFFFFF"/>
                   </a:solidFill>
                 </a:uFill>
                 <a:latin typeface="Calibri"/>
@@ -7236,13 +8212,13 @@
               </a:rPr>
               <a:t>The settings file allows custom key bindings as well as separate bindings for a Dvorak keyboard.</a:t>
             </a:r>
-            <a:endParaRPr b="0" lang="en-CA" sz="1800" spc="-1" strike="noStrike">
-              <a:solidFill>
-                <a:srgbClr val="ffffff"/>
-              </a:solidFill>
-              <a:uFill>
-                <a:solidFill>
-                  <a:srgbClr val="ffffff"/>
+            <a:endParaRPr lang="en-CA" sz="1800" b="0" strike="noStrike" spc="-1">
+              <a:solidFill>
+                <a:srgbClr val="FFFFFF"/>
+              </a:solidFill>
+              <a:uFill>
+                <a:solidFill>
+                  <a:srgbClr val="FFFFFF"/>
                 </a:solidFill>
               </a:uFill>
               <a:latin typeface="Arial"/>
@@ -7252,22 +8228,25 @@
       </p:sp>
     </p:spTree>
   </p:cSld>
+  <p:clrMapOvr>
+    <a:masterClrMapping/>
+  </p:clrMapOvr>
   <p:timing>
     <p:tnLst>
       <p:par>
-        <p:cTn id="17" dur="indefinite" restart="never" nodeType="tmRoot">
+        <p:cTn xmlns:p14="http://schemas.microsoft.com/office/powerpoint/2010/main" id="1" dur="indefinite" restart="never" nodeType="tmRoot">
           <p:childTnLst>
             <p:seq>
-              <p:cTn id="18" nodeType="mainSeq"/>
+              <p:cTn id="2" nodeType="mainSeq"/>
               <p:prevCondLst>
-                <p:cond delay="0" evt="onPrev">
+                <p:cond evt="onPrev" delay="0">
                   <p:tgtEl>
                     <p:sldTgt/>
                   </p:tgtEl>
                 </p:cond>
               </p:prevCondLst>
               <p:nextCondLst>
-                <p:cond delay="0" evt="onNext">
+                <p:cond evt="onNext" delay="0">
                   <p:tgtEl>
                     <p:sldTgt/>
                   </p:tgtEl>
@@ -7502,6 +8481,8 @@
       </a:bgFillStyleLst>
     </a:fmtScheme>
   </a:themeElements>
+  <a:objectDefaults/>
+  <a:extraClrSchemeLst/>
 </a:theme>
 </file>
 
@@ -7725,5 +8706,7 @@
       </a:bgFillStyleLst>
     </a:fmtScheme>
   </a:themeElements>
+  <a:objectDefaults/>
+  <a:extraClrSchemeLst/>
 </a:theme>
 </file>
--- a/final_presentation/Presentation.pptx
+++ b/final_presentation/Presentation.pptx
@@ -6,7 +6,7 @@
     <p:sldMasterId id="2147483912" r:id="rId2"/>
   </p:sldMasterIdLst>
   <p:notesMasterIdLst>
-    <p:notesMasterId r:id="rId23"/>
+    <p:notesMasterId r:id="rId20"/>
   </p:notesMasterIdLst>
   <p:sldIdLst>
     <p:sldId id="256" r:id="rId3"/>
@@ -19,16 +19,13 @@
     <p:sldId id="263" r:id="rId10"/>
     <p:sldId id="264" r:id="rId11"/>
     <p:sldId id="265" r:id="rId12"/>
-    <p:sldId id="266" r:id="rId13"/>
-    <p:sldId id="267" r:id="rId14"/>
-    <p:sldId id="268" r:id="rId15"/>
-    <p:sldId id="269" r:id="rId16"/>
-    <p:sldId id="270" r:id="rId17"/>
-    <p:sldId id="271" r:id="rId18"/>
-    <p:sldId id="273" r:id="rId19"/>
-    <p:sldId id="275" r:id="rId20"/>
-    <p:sldId id="274" r:id="rId21"/>
-    <p:sldId id="276" r:id="rId22"/>
+    <p:sldId id="269" r:id="rId13"/>
+    <p:sldId id="270" r:id="rId14"/>
+    <p:sldId id="271" r:id="rId15"/>
+    <p:sldId id="273" r:id="rId16"/>
+    <p:sldId id="275" r:id="rId17"/>
+    <p:sldId id="274" r:id="rId18"/>
+    <p:sldId id="276" r:id="rId19"/>
   </p:sldIdLst>
   <p:sldSz cx="9144000" cy="6858000" type="screen4x3"/>
   <p:notesSz cx="7772400" cy="10058400"/>
@@ -8408,7 +8405,7 @@
               </a:lnSpc>
             </a:pPr>
             <a:r>
-              <a:rPr lang="en-CA" sz="4400" b="0" strike="noStrike" spc="-1">
+              <a:rPr lang="en-CA" sz="4400" spc="-1" dirty="0">
                 <a:solidFill>
                   <a:srgbClr val="FFFFFF"/>
                 </a:solidFill>
@@ -8418,11 +8415,10 @@
                   </a:solidFill>
                 </a:uFill>
                 <a:latin typeface="Calibri"/>
-                <a:ea typeface="DejaVu Sans"/>
               </a:rPr>
-              <a:t>Brad’s Section</a:t>
-            </a:r>
-            <a:endParaRPr lang="en-CA" sz="1800" b="0" strike="noStrike" spc="-1">
+              <a:t>Sprites</a:t>
+            </a:r>
+            <a:endParaRPr lang="en-CA" sz="1800" b="0" strike="noStrike" spc="-1" dirty="0">
               <a:solidFill>
                 <a:srgbClr val="FFFFFF"/>
               </a:solidFill>
@@ -8467,6 +8463,157 @@
           </a:effectRef>
           <a:fontRef idx="minor"/>
         </p:style>
+      </p:sp>
+      <p:sp>
+        <p:nvSpPr>
+          <p:cNvPr id="4" name="CustomShape 2"/>
+          <p:cNvSpPr/>
+          <p:nvPr/>
+        </p:nvSpPr>
+        <p:spPr>
+          <a:xfrm>
+            <a:off x="609600" y="1752600"/>
+            <a:ext cx="8226360" cy="4522680"/>
+          </a:xfrm>
+          <a:prstGeom prst="rect">
+            <a:avLst/>
+          </a:prstGeom>
+          <a:noFill/>
+          <a:ln>
+            <a:noFill/>
+          </a:ln>
+        </p:spPr>
+        <p:style>
+          <a:lnRef idx="0">
+            <a:scrgbClr r="0" g="0" b="0"/>
+          </a:lnRef>
+          <a:fillRef idx="0">
+            <a:scrgbClr r="0" g="0" b="0"/>
+          </a:fillRef>
+          <a:effectRef idx="0">
+            <a:scrgbClr r="0" g="0" b="0"/>
+          </a:effectRef>
+          <a:fontRef idx="minor"/>
+        </p:style>
+        <p:txBody>
+          <a:bodyPr lIns="90000" tIns="45000" rIns="90000" bIns="45000"/>
+          <a:lstStyle/>
+          <a:p>
+            <a:pPr marL="432000" indent="-321120">
+              <a:lnSpc>
+                <a:spcPct val="100000"/>
+              </a:lnSpc>
+              <a:buClr>
+                <a:srgbClr val="FFFFFF"/>
+              </a:buClr>
+              <a:buSzPct val="45000"/>
+              <a:buFont typeface="Wingdings" charset="2"/>
+              <a:buChar char=""/>
+            </a:pPr>
+            <a:r>
+              <a:rPr lang="en-CA" sz="3200" spc="-1" dirty="0">
+                <a:solidFill>
+                  <a:srgbClr val="FFFFFF"/>
+                </a:solidFill>
+                <a:uFill>
+                  <a:solidFill>
+                    <a:srgbClr val="FFFFFF"/>
+                  </a:solidFill>
+                </a:uFill>
+                <a:latin typeface="Calibri"/>
+              </a:rPr>
+              <a:t>Player and enemy sprites designed to be easily distinguishable</a:t>
+            </a:r>
+            <a:endParaRPr lang="en-CA" sz="1800" b="0" strike="noStrike" spc="-1" dirty="0">
+              <a:solidFill>
+                <a:srgbClr val="FFFFFF"/>
+              </a:solidFill>
+              <a:uFill>
+                <a:solidFill>
+                  <a:srgbClr val="FFFFFF"/>
+                </a:solidFill>
+              </a:uFill>
+              <a:latin typeface="Arial"/>
+            </a:endParaRPr>
+          </a:p>
+          <a:p>
+            <a:pPr marL="432000" indent="-321120">
+              <a:lnSpc>
+                <a:spcPct val="100000"/>
+              </a:lnSpc>
+              <a:buClr>
+                <a:srgbClr val="FFFFFF"/>
+              </a:buClr>
+              <a:buSzPct val="45000"/>
+              <a:buFont typeface="Wingdings" charset="2"/>
+              <a:buChar char=""/>
+            </a:pPr>
+            <a:r>
+              <a:rPr lang="en-CA" sz="3200" b="0" strike="noStrike" spc="-1" dirty="0">
+                <a:solidFill>
+                  <a:srgbClr val="FFFFFF"/>
+                </a:solidFill>
+                <a:uFill>
+                  <a:solidFill>
+                    <a:srgbClr val="FFFFFF"/>
+                  </a:solidFill>
+                </a:uFill>
+                <a:latin typeface="Calibri"/>
+                <a:ea typeface="DejaVu Sans"/>
+              </a:rPr>
+              <a:t>Enemy sprites in 3 different colors</a:t>
+            </a:r>
+            <a:endParaRPr lang="en-CA" sz="1800" b="0" strike="noStrike" spc="-1" dirty="0">
+              <a:solidFill>
+                <a:srgbClr val="FFFFFF"/>
+              </a:solidFill>
+              <a:uFill>
+                <a:solidFill>
+                  <a:srgbClr val="FFFFFF"/>
+                </a:solidFill>
+              </a:uFill>
+              <a:latin typeface="Arial"/>
+            </a:endParaRPr>
+          </a:p>
+          <a:p>
+            <a:pPr marL="432000" indent="-321120">
+              <a:lnSpc>
+                <a:spcPct val="100000"/>
+              </a:lnSpc>
+              <a:buClr>
+                <a:srgbClr val="FFFFFF"/>
+              </a:buClr>
+              <a:buSzPct val="45000"/>
+              <a:buFont typeface="Wingdings" charset="2"/>
+              <a:buChar char=""/>
+            </a:pPr>
+            <a:r>
+              <a:rPr lang="en-CA" sz="3200" spc="-1" dirty="0">
+                <a:solidFill>
+                  <a:srgbClr val="FFFFFF"/>
+                </a:solidFill>
+                <a:uFill>
+                  <a:solidFill>
+                    <a:srgbClr val="FFFFFF"/>
+                  </a:solidFill>
+                </a:uFill>
+                <a:latin typeface="Calibri"/>
+              </a:rPr>
+              <a:t>Multiple types for future development of enemy types.</a:t>
+            </a:r>
+            <a:endParaRPr lang="en-CA" sz="1800" b="0" strike="noStrike" spc="-1" dirty="0">
+              <a:solidFill>
+                <a:srgbClr val="FFFFFF"/>
+              </a:solidFill>
+              <a:uFill>
+                <a:solidFill>
+                  <a:srgbClr val="FFFFFF"/>
+                </a:solidFill>
+              </a:uFill>
+              <a:latin typeface="Arial"/>
+            </a:endParaRPr>
+          </a:p>
+        </p:txBody>
       </p:sp>
     </p:spTree>
   </p:cSld>
@@ -8522,7 +8669,7 @@
       </p:grpSpPr>
       <p:sp>
         <p:nvSpPr>
-          <p:cNvPr id="92" name="CustomShape 1"/>
+          <p:cNvPr id="98" name="CustomShape 1"/>
           <p:cNvSpPr/>
           <p:nvPr/>
         </p:nvSpPr>
@@ -8551,10 +8698,47 @@
           </a:effectRef>
           <a:fontRef idx="minor"/>
         </p:style>
-      </p:sp>
-      <p:sp>
-        <p:nvSpPr>
-          <p:cNvPr id="93" name="CustomShape 2"/>
+        <p:txBody>
+          <a:bodyPr lIns="90000" tIns="45000" rIns="90000" bIns="45000" anchor="ctr"/>
+          <a:lstStyle/>
+          <a:p>
+            <a:pPr algn="ctr">
+              <a:lnSpc>
+                <a:spcPct val="100000"/>
+              </a:lnSpc>
+            </a:pPr>
+            <a:r>
+              <a:rPr lang="en-CA" sz="4400" b="0" strike="noStrike" spc="-1" dirty="0">
+                <a:solidFill>
+                  <a:srgbClr val="FFFFFF"/>
+                </a:solidFill>
+                <a:uFill>
+                  <a:solidFill>
+                    <a:srgbClr val="FFFFFF"/>
+                  </a:solidFill>
+                </a:uFill>
+                <a:latin typeface="Calibri"/>
+                <a:ea typeface="DejaVu Sans"/>
+              </a:rPr>
+              <a:t>Menu</a:t>
+            </a:r>
+            <a:endParaRPr lang="en-CA" sz="1800" b="0" strike="noStrike" spc="-1" dirty="0">
+              <a:solidFill>
+                <a:srgbClr val="FFFFFF"/>
+              </a:solidFill>
+              <a:uFill>
+                <a:solidFill>
+                  <a:srgbClr val="FFFFFF"/>
+                </a:solidFill>
+              </a:uFill>
+              <a:latin typeface="Arial"/>
+            </a:endParaRPr>
+          </a:p>
+        </p:txBody>
+      </p:sp>
+      <p:sp>
+        <p:nvSpPr>
+          <p:cNvPr id="99" name="CustomShape 2"/>
           <p:cNvSpPr/>
           <p:nvPr/>
         </p:nvSpPr>
@@ -8583,6 +8767,158 @@
           </a:effectRef>
           <a:fontRef idx="minor"/>
         </p:style>
+      </p:sp>
+      <p:sp>
+        <p:nvSpPr>
+          <p:cNvPr id="4" name="CustomShape 2"/>
+          <p:cNvSpPr/>
+          <p:nvPr/>
+        </p:nvSpPr>
+        <p:spPr>
+          <a:xfrm>
+            <a:off x="609600" y="1752600"/>
+            <a:ext cx="8226360" cy="4522680"/>
+          </a:xfrm>
+          <a:prstGeom prst="rect">
+            <a:avLst/>
+          </a:prstGeom>
+          <a:noFill/>
+          <a:ln>
+            <a:noFill/>
+          </a:ln>
+        </p:spPr>
+        <p:style>
+          <a:lnRef idx="0">
+            <a:scrgbClr r="0" g="0" b="0"/>
+          </a:lnRef>
+          <a:fillRef idx="0">
+            <a:scrgbClr r="0" g="0" b="0"/>
+          </a:fillRef>
+          <a:effectRef idx="0">
+            <a:scrgbClr r="0" g="0" b="0"/>
+          </a:effectRef>
+          <a:fontRef idx="minor"/>
+        </p:style>
+        <p:txBody>
+          <a:bodyPr lIns="90000" tIns="45000" rIns="90000" bIns="45000"/>
+          <a:lstStyle/>
+          <a:p>
+            <a:pPr marL="432000" indent="-321120">
+              <a:lnSpc>
+                <a:spcPct val="100000"/>
+              </a:lnSpc>
+              <a:buClr>
+                <a:srgbClr val="FFFFFF"/>
+              </a:buClr>
+              <a:buSzPct val="45000"/>
+              <a:buFont typeface="Wingdings" charset="2"/>
+              <a:buChar char=""/>
+            </a:pPr>
+            <a:r>
+              <a:rPr lang="en-CA" sz="3200" spc="-1" dirty="0">
+                <a:solidFill>
+                  <a:srgbClr val="FFFFFF"/>
+                </a:solidFill>
+                <a:uFill>
+                  <a:solidFill>
+                    <a:srgbClr val="FFFFFF"/>
+                  </a:solidFill>
+                </a:uFill>
+                <a:latin typeface="Calibri"/>
+              </a:rPr>
+              <a:t>The menu was implemented as part of the scenes subsections.</a:t>
+            </a:r>
+            <a:endParaRPr lang="en-CA" spc="-1" dirty="0">
+              <a:solidFill>
+                <a:srgbClr val="FFFFFF"/>
+              </a:solidFill>
+              <a:uFill>
+                <a:solidFill>
+                  <a:srgbClr val="FFFFFF"/>
+                </a:solidFill>
+              </a:uFill>
+              <a:latin typeface="Arial"/>
+            </a:endParaRPr>
+          </a:p>
+          <a:p>
+            <a:pPr marL="432000" indent="-321120">
+              <a:lnSpc>
+                <a:spcPct val="100000"/>
+              </a:lnSpc>
+              <a:buClr>
+                <a:srgbClr val="FFFFFF"/>
+              </a:buClr>
+              <a:buSzPct val="45000"/>
+              <a:buFont typeface="Wingdings" charset="2"/>
+              <a:buChar char=""/>
+            </a:pPr>
+            <a:r>
+              <a:rPr lang="en-CA" sz="3200" spc="-1" dirty="0">
+                <a:solidFill>
+                  <a:srgbClr val="FFFFFF"/>
+                </a:solidFill>
+                <a:uFill>
+                  <a:solidFill>
+                    <a:srgbClr val="FFFFFF"/>
+                  </a:solidFill>
+                </a:uFill>
+                <a:latin typeface="Calibri" panose="020F0502020204030204" pitchFamily="34" charset="0"/>
+              </a:rPr>
+              <a:t>Two menus were implemented for the sake of the game: the main menu to start the game as well as a high score menu.</a:t>
+            </a:r>
+          </a:p>
+          <a:p>
+            <a:pPr marL="432000" indent="-321120">
+              <a:lnSpc>
+                <a:spcPct val="100000"/>
+              </a:lnSpc>
+              <a:buClr>
+                <a:srgbClr val="FFFFFF"/>
+              </a:buClr>
+              <a:buSzPct val="45000"/>
+              <a:buFont typeface="Wingdings" charset="2"/>
+              <a:buChar char=""/>
+            </a:pPr>
+            <a:r>
+              <a:rPr lang="en-CA" sz="3200" spc="-1" dirty="0">
+                <a:solidFill>
+                  <a:srgbClr val="FFFFFF"/>
+                </a:solidFill>
+                <a:uFill>
+                  <a:solidFill>
+                    <a:srgbClr val="FFFFFF"/>
+                  </a:solidFill>
+                </a:uFill>
+                <a:latin typeface="Calibri" panose="020F0502020204030204" pitchFamily="34" charset="0"/>
+              </a:rPr>
+              <a:t>When a game ends, it returns the player to the main menu with altered options to start the game again should they choose to do so.</a:t>
+            </a:r>
+          </a:p>
+          <a:p>
+            <a:pPr marL="432000" indent="-321120">
+              <a:lnSpc>
+                <a:spcPct val="100000"/>
+              </a:lnSpc>
+              <a:buClr>
+                <a:srgbClr val="FFFFFF"/>
+              </a:buClr>
+              <a:buSzPct val="45000"/>
+              <a:buFont typeface="Wingdings" charset="2"/>
+              <a:buChar char=""/>
+            </a:pPr>
+            <a:endParaRPr lang="en-CA" sz="3200" spc="-1" dirty="0">
+              <a:solidFill>
+                <a:srgbClr val="FFFFFF"/>
+              </a:solidFill>
+              <a:uFill>
+                <a:solidFill>
+                  <a:srgbClr val="FFFFFF"/>
+                </a:solidFill>
+              </a:uFill>
+              <a:latin typeface="Calibri" panose="020F0502020204030204" pitchFamily="34" charset="0"/>
+            </a:endParaRPr>
+          </a:p>
+        </p:txBody>
       </p:sp>
     </p:spTree>
   </p:cSld>
@@ -8638,7 +8974,7 @@
       </p:grpSpPr>
       <p:sp>
         <p:nvSpPr>
-          <p:cNvPr id="94" name="CustomShape 1"/>
+          <p:cNvPr id="100" name="CustomShape 1"/>
           <p:cNvSpPr/>
           <p:nvPr/>
         </p:nvSpPr>
@@ -8670,7 +9006,7 @@
       </p:sp>
       <p:sp>
         <p:nvSpPr>
-          <p:cNvPr id="95" name="CustomShape 2"/>
+          <p:cNvPr id="101" name="CustomShape 2"/>
           <p:cNvSpPr/>
           <p:nvPr/>
         </p:nvSpPr>
@@ -8699,6 +9035,211 @@
           </a:effectRef>
           <a:fontRef idx="minor"/>
         </p:style>
+      </p:sp>
+      <p:sp>
+        <p:nvSpPr>
+          <p:cNvPr id="4" name="CustomShape 1"/>
+          <p:cNvSpPr/>
+          <p:nvPr/>
+        </p:nvSpPr>
+        <p:spPr>
+          <a:xfrm>
+            <a:off x="457200" y="274680"/>
+            <a:ext cx="8226360" cy="1139760"/>
+          </a:xfrm>
+          <a:prstGeom prst="rect">
+            <a:avLst/>
+          </a:prstGeom>
+          <a:noFill/>
+          <a:ln>
+            <a:noFill/>
+          </a:ln>
+        </p:spPr>
+        <p:style>
+          <a:lnRef idx="0">
+            <a:scrgbClr r="0" g="0" b="0"/>
+          </a:lnRef>
+          <a:fillRef idx="0">
+            <a:scrgbClr r="0" g="0" b="0"/>
+          </a:fillRef>
+          <a:effectRef idx="0">
+            <a:scrgbClr r="0" g="0" b="0"/>
+          </a:effectRef>
+          <a:fontRef idx="minor"/>
+        </p:style>
+        <p:txBody>
+          <a:bodyPr lIns="90000" tIns="45000" rIns="90000" bIns="45000" anchor="ctr"/>
+          <a:lstStyle/>
+          <a:p>
+            <a:pPr algn="ctr">
+              <a:lnSpc>
+                <a:spcPct val="100000"/>
+              </a:lnSpc>
+            </a:pPr>
+            <a:r>
+              <a:rPr lang="en-CA" sz="4400" b="0" strike="noStrike" spc="-1" dirty="0">
+                <a:solidFill>
+                  <a:srgbClr val="FFFFFF"/>
+                </a:solidFill>
+                <a:uFill>
+                  <a:solidFill>
+                    <a:srgbClr val="FFFFFF"/>
+                  </a:solidFill>
+                </a:uFill>
+                <a:latin typeface="Calibri"/>
+                <a:ea typeface="DejaVu Sans"/>
+              </a:rPr>
+              <a:t>Menu (Continued)</a:t>
+            </a:r>
+            <a:endParaRPr lang="en-CA" sz="1800" b="0" strike="noStrike" spc="-1" dirty="0">
+              <a:solidFill>
+                <a:srgbClr val="FFFFFF"/>
+              </a:solidFill>
+              <a:uFill>
+                <a:solidFill>
+                  <a:srgbClr val="FFFFFF"/>
+                </a:solidFill>
+              </a:uFill>
+              <a:latin typeface="Arial"/>
+            </a:endParaRPr>
+          </a:p>
+        </p:txBody>
+      </p:sp>
+      <p:sp>
+        <p:nvSpPr>
+          <p:cNvPr id="5" name="CustomShape 2"/>
+          <p:cNvSpPr/>
+          <p:nvPr/>
+        </p:nvSpPr>
+        <p:spPr>
+          <a:xfrm>
+            <a:off x="609600" y="1592180"/>
+            <a:ext cx="8226360" cy="4522680"/>
+          </a:xfrm>
+          <a:prstGeom prst="rect">
+            <a:avLst/>
+          </a:prstGeom>
+          <a:noFill/>
+          <a:ln>
+            <a:noFill/>
+          </a:ln>
+        </p:spPr>
+        <p:style>
+          <a:lnRef idx="0">
+            <a:scrgbClr r="0" g="0" b="0"/>
+          </a:lnRef>
+          <a:fillRef idx="0">
+            <a:scrgbClr r="0" g="0" b="0"/>
+          </a:fillRef>
+          <a:effectRef idx="0">
+            <a:scrgbClr r="0" g="0" b="0"/>
+          </a:effectRef>
+          <a:fontRef idx="minor"/>
+        </p:style>
+        <p:txBody>
+          <a:bodyPr lIns="90000" tIns="45000" rIns="90000" bIns="45000"/>
+          <a:lstStyle/>
+          <a:p>
+            <a:pPr marL="432000" indent="-321120">
+              <a:buClr>
+                <a:srgbClr val="FFFFFF"/>
+              </a:buClr>
+              <a:buSzPct val="45000"/>
+              <a:buFont typeface="Wingdings" charset="2"/>
+              <a:buChar char=""/>
+            </a:pPr>
+            <a:r>
+              <a:rPr lang="en-CA" sz="3200" spc="-1" dirty="0">
+                <a:solidFill>
+                  <a:srgbClr val="FFFFFF"/>
+                </a:solidFill>
+                <a:uFill>
+                  <a:solidFill>
+                    <a:srgbClr val="FFFFFF"/>
+                  </a:solidFill>
+                </a:uFill>
+                <a:latin typeface="Calibri" panose="020F0502020204030204" pitchFamily="34" charset="0"/>
+              </a:rPr>
+              <a:t>Though it is not a very complicated scene, multiple menus can be created fairly easily through use of the settings file.</a:t>
+            </a:r>
+            <a:endParaRPr lang="en-CA" sz="3200" spc="-1" dirty="0">
+              <a:solidFill>
+                <a:srgbClr val="FFFFFF"/>
+              </a:solidFill>
+              <a:uFill>
+                <a:solidFill>
+                  <a:srgbClr val="FFFFFF"/>
+                </a:solidFill>
+              </a:uFill>
+              <a:latin typeface="Calibri"/>
+            </a:endParaRPr>
+          </a:p>
+          <a:p>
+            <a:pPr marL="432000" indent="-321120">
+              <a:lnSpc>
+                <a:spcPct val="100000"/>
+              </a:lnSpc>
+              <a:buClr>
+                <a:srgbClr val="FFFFFF"/>
+              </a:buClr>
+              <a:buSzPct val="45000"/>
+              <a:buFont typeface="Wingdings" charset="2"/>
+              <a:buChar char=""/>
+            </a:pPr>
+            <a:r>
+              <a:rPr lang="en-CA" sz="3200" spc="-1" dirty="0">
+                <a:solidFill>
+                  <a:srgbClr val="FFFFFF"/>
+                </a:solidFill>
+                <a:uFill>
+                  <a:solidFill>
+                    <a:srgbClr val="FFFFFF"/>
+                  </a:solidFill>
+                </a:uFill>
+                <a:latin typeface="Calibri"/>
+              </a:rPr>
+              <a:t>To create a new menu list, all that needs to be done is to input a list of options into the settings file.</a:t>
+            </a:r>
+          </a:p>
+          <a:p>
+            <a:pPr marL="432000" indent="-321120">
+              <a:lnSpc>
+                <a:spcPct val="100000"/>
+              </a:lnSpc>
+              <a:buClr>
+                <a:srgbClr val="FFFFFF"/>
+              </a:buClr>
+              <a:buSzPct val="45000"/>
+              <a:buFont typeface="Wingdings" charset="2"/>
+              <a:buChar char=""/>
+            </a:pPr>
+            <a:r>
+              <a:rPr lang="en-CA" sz="3200" spc="-1" dirty="0">
+                <a:solidFill>
+                  <a:srgbClr val="FFFFFF"/>
+                </a:solidFill>
+                <a:uFill>
+                  <a:solidFill>
+                    <a:srgbClr val="FFFFFF"/>
+                  </a:solidFill>
+                </a:uFill>
+                <a:latin typeface="Calibri"/>
+              </a:rPr>
+              <a:t>Locations of items on the menu within the list are determined through a calculation to determine center screen and then stacked on top of one another.</a:t>
+            </a:r>
+            <a:endParaRPr lang="en-CA" sz="3200" spc="-1" dirty="0">
+              <a:solidFill>
+                <a:srgbClr val="FFFFFF"/>
+              </a:solidFill>
+              <a:uFill>
+                <a:solidFill>
+                  <a:srgbClr val="FFFFFF"/>
+                </a:solidFill>
+              </a:uFill>
+              <a:latin typeface="Calibri" panose="020F0502020204030204" pitchFamily="34" charset="0"/>
+            </a:endParaRPr>
+          </a:p>
+        </p:txBody>
       </p:sp>
     </p:spTree>
   </p:cSld>
@@ -8754,7 +9295,7 @@
       </p:grpSpPr>
       <p:sp>
         <p:nvSpPr>
-          <p:cNvPr id="96" name="CustomShape 1"/>
+          <p:cNvPr id="102" name="CustomShape 1"/>
           <p:cNvSpPr/>
           <p:nvPr/>
         </p:nvSpPr>
@@ -8786,7 +9327,7 @@
       </p:sp>
       <p:sp>
         <p:nvSpPr>
-          <p:cNvPr id="97" name="CustomShape 2"/>
+          <p:cNvPr id="103" name="CustomShape 2"/>
           <p:cNvSpPr/>
           <p:nvPr/>
         </p:nvSpPr>
@@ -8815,6 +9356,304 @@
           </a:effectRef>
           <a:fontRef idx="minor"/>
         </p:style>
+      </p:sp>
+      <p:sp>
+        <p:nvSpPr>
+          <p:cNvPr id="4" name="CustomShape 1"/>
+          <p:cNvSpPr/>
+          <p:nvPr/>
+        </p:nvSpPr>
+        <p:spPr>
+          <a:xfrm>
+            <a:off x="457200" y="274680"/>
+            <a:ext cx="8226360" cy="1139760"/>
+          </a:xfrm>
+          <a:prstGeom prst="rect">
+            <a:avLst/>
+          </a:prstGeom>
+          <a:noFill/>
+          <a:ln>
+            <a:noFill/>
+          </a:ln>
+        </p:spPr>
+        <p:style>
+          <a:lnRef idx="0">
+            <a:scrgbClr r="0" g="0" b="0"/>
+          </a:lnRef>
+          <a:fillRef idx="0">
+            <a:scrgbClr r="0" g="0" b="0"/>
+          </a:fillRef>
+          <a:effectRef idx="0">
+            <a:scrgbClr r="0" g="0" b="0"/>
+          </a:effectRef>
+          <a:fontRef idx="minor"/>
+        </p:style>
+        <p:txBody>
+          <a:bodyPr lIns="90000" tIns="45000" rIns="90000" bIns="45000" anchor="ctr"/>
+          <a:lstStyle/>
+          <a:p>
+            <a:pPr algn="ctr">
+              <a:lnSpc>
+                <a:spcPct val="100000"/>
+              </a:lnSpc>
+            </a:pPr>
+            <a:r>
+              <a:rPr lang="en-CA" sz="4400" b="0" strike="noStrike" spc="-1" dirty="0">
+                <a:solidFill>
+                  <a:srgbClr val="FFFFFF"/>
+                </a:solidFill>
+                <a:uFill>
+                  <a:solidFill>
+                    <a:srgbClr val="FFFFFF"/>
+                  </a:solidFill>
+                </a:uFill>
+                <a:latin typeface="Calibri"/>
+                <a:ea typeface="DejaVu Sans"/>
+              </a:rPr>
+              <a:t>Rendering</a:t>
+            </a:r>
+            <a:endParaRPr lang="en-CA" sz="1800" b="0" strike="noStrike" spc="-1" dirty="0">
+              <a:solidFill>
+                <a:srgbClr val="FFFFFF"/>
+              </a:solidFill>
+              <a:uFill>
+                <a:solidFill>
+                  <a:srgbClr val="FFFFFF"/>
+                </a:solidFill>
+              </a:uFill>
+              <a:latin typeface="Arial"/>
+            </a:endParaRPr>
+          </a:p>
+        </p:txBody>
+      </p:sp>
+      <p:sp>
+        <p:nvSpPr>
+          <p:cNvPr id="6" name="CustomShape 2"/>
+          <p:cNvSpPr/>
+          <p:nvPr/>
+        </p:nvSpPr>
+        <p:spPr>
+          <a:xfrm>
+            <a:off x="609600" y="1752600"/>
+            <a:ext cx="8226360" cy="4522680"/>
+          </a:xfrm>
+          <a:prstGeom prst="rect">
+            <a:avLst/>
+          </a:prstGeom>
+          <a:noFill/>
+          <a:ln>
+            <a:noFill/>
+          </a:ln>
+        </p:spPr>
+        <p:style>
+          <a:lnRef idx="0">
+            <a:scrgbClr r="0" g="0" b="0"/>
+          </a:lnRef>
+          <a:fillRef idx="0">
+            <a:scrgbClr r="0" g="0" b="0"/>
+          </a:fillRef>
+          <a:effectRef idx="0">
+            <a:scrgbClr r="0" g="0" b="0"/>
+          </a:effectRef>
+          <a:fontRef idx="minor"/>
+        </p:style>
+        <p:txBody>
+          <a:bodyPr lIns="90000" tIns="45000" rIns="90000" bIns="45000"/>
+          <a:lstStyle/>
+          <a:p>
+            <a:pPr marL="432000" indent="-321120">
+              <a:lnSpc>
+                <a:spcPct val="100000"/>
+              </a:lnSpc>
+              <a:buClr>
+                <a:srgbClr val="FFFFFF"/>
+              </a:buClr>
+              <a:buSzPct val="45000"/>
+              <a:buFont typeface="Wingdings" charset="2"/>
+              <a:buChar char=""/>
+            </a:pPr>
+            <a:r>
+              <a:rPr lang="en-CA" sz="3200" spc="-1" dirty="0">
+                <a:solidFill>
+                  <a:srgbClr val="FFFFFF"/>
+                </a:solidFill>
+                <a:uFill>
+                  <a:solidFill>
+                    <a:srgbClr val="FFFFFF"/>
+                  </a:solidFill>
+                </a:uFill>
+                <a:latin typeface="Calibri" panose="020F0502020204030204" pitchFamily="34" charset="0"/>
+              </a:rPr>
+              <a:t>Rendering is done in </a:t>
+            </a:r>
+            <a:r>
+              <a:rPr lang="en-CA" sz="3200" spc="-1" dirty="0" err="1">
+                <a:solidFill>
+                  <a:srgbClr val="FFFFFF"/>
+                </a:solidFill>
+                <a:uFill>
+                  <a:solidFill>
+                    <a:srgbClr val="FFFFFF"/>
+                  </a:solidFill>
+                </a:uFill>
+                <a:latin typeface="Calibri" panose="020F0502020204030204" pitchFamily="34" charset="0"/>
+              </a:rPr>
+              <a:t>Lazer</a:t>
+            </a:r>
+            <a:r>
+              <a:rPr lang="en-CA" sz="3200" spc="-1" dirty="0">
+                <a:solidFill>
+                  <a:srgbClr val="FFFFFF"/>
+                </a:solidFill>
+                <a:uFill>
+                  <a:solidFill>
+                    <a:srgbClr val="FFFFFF"/>
+                  </a:solidFill>
+                </a:uFill>
+                <a:latin typeface="Calibri" panose="020F0502020204030204" pitchFamily="34" charset="0"/>
+              </a:rPr>
+              <a:t> Blast by making use of the </a:t>
+            </a:r>
+            <a:r>
+              <a:rPr lang="en-CA" sz="3200" spc="-1" dirty="0" err="1">
+                <a:solidFill>
+                  <a:srgbClr val="FFFFFF"/>
+                </a:solidFill>
+                <a:uFill>
+                  <a:solidFill>
+                    <a:srgbClr val="FFFFFF"/>
+                  </a:solidFill>
+                </a:uFill>
+                <a:latin typeface="Calibri" panose="020F0502020204030204" pitchFamily="34" charset="0"/>
+              </a:rPr>
+              <a:t>Blit</a:t>
+            </a:r>
+            <a:r>
+              <a:rPr lang="en-CA" sz="3200" spc="-1" dirty="0">
+                <a:solidFill>
+                  <a:srgbClr val="FFFFFF"/>
+                </a:solidFill>
+                <a:uFill>
+                  <a:solidFill>
+                    <a:srgbClr val="FFFFFF"/>
+                  </a:solidFill>
+                </a:uFill>
+                <a:latin typeface="Calibri" panose="020F0502020204030204" pitchFamily="34" charset="0"/>
+              </a:rPr>
+              <a:t> and Draw functions in </a:t>
+            </a:r>
+            <a:r>
+              <a:rPr lang="en-CA" sz="3200" spc="-1" dirty="0" err="1">
+                <a:solidFill>
+                  <a:srgbClr val="FFFFFF"/>
+                </a:solidFill>
+                <a:uFill>
+                  <a:solidFill>
+                    <a:srgbClr val="FFFFFF"/>
+                  </a:solidFill>
+                </a:uFill>
+                <a:latin typeface="Calibri" panose="020F0502020204030204" pitchFamily="34" charset="0"/>
+              </a:rPr>
+              <a:t>Pygame</a:t>
+            </a:r>
+            <a:r>
+              <a:rPr lang="en-CA" sz="3200" spc="-1" dirty="0">
+                <a:solidFill>
+                  <a:srgbClr val="FFFFFF"/>
+                </a:solidFill>
+                <a:uFill>
+                  <a:solidFill>
+                    <a:srgbClr val="FFFFFF"/>
+                  </a:solidFill>
+                </a:uFill>
+                <a:latin typeface="Calibri" panose="020F0502020204030204" pitchFamily="34" charset="0"/>
+              </a:rPr>
+              <a:t>.</a:t>
+            </a:r>
+          </a:p>
+          <a:p>
+            <a:pPr marL="432000" indent="-321120">
+              <a:lnSpc>
+                <a:spcPct val="100000"/>
+              </a:lnSpc>
+              <a:buClr>
+                <a:srgbClr val="FFFFFF"/>
+              </a:buClr>
+              <a:buSzPct val="45000"/>
+              <a:buFont typeface="Wingdings" charset="2"/>
+              <a:buChar char=""/>
+            </a:pPr>
+            <a:r>
+              <a:rPr lang="en-CA" sz="3200" spc="-1" dirty="0">
+                <a:solidFill>
+                  <a:srgbClr val="FFFFFF"/>
+                </a:solidFill>
+                <a:uFill>
+                  <a:solidFill>
+                    <a:srgbClr val="FFFFFF"/>
+                  </a:solidFill>
+                </a:uFill>
+                <a:latin typeface="Calibri" panose="020F0502020204030204" pitchFamily="34" charset="0"/>
+              </a:rPr>
+              <a:t>Though similar, Draw is mainly basic shapes whereas </a:t>
+            </a:r>
+            <a:r>
+              <a:rPr lang="en-CA" sz="3200" spc="-1" dirty="0" err="1">
+                <a:solidFill>
+                  <a:srgbClr val="FFFFFF"/>
+                </a:solidFill>
+                <a:uFill>
+                  <a:solidFill>
+                    <a:srgbClr val="FFFFFF"/>
+                  </a:solidFill>
+                </a:uFill>
+                <a:latin typeface="Calibri" panose="020F0502020204030204" pitchFamily="34" charset="0"/>
+              </a:rPr>
+              <a:t>Blit</a:t>
+            </a:r>
+            <a:r>
+              <a:rPr lang="en-CA" sz="3200" spc="-1" dirty="0">
+                <a:solidFill>
+                  <a:srgbClr val="FFFFFF"/>
+                </a:solidFill>
+                <a:uFill>
+                  <a:solidFill>
+                    <a:srgbClr val="FFFFFF"/>
+                  </a:solidFill>
+                </a:uFill>
+                <a:latin typeface="Calibri" panose="020F0502020204030204" pitchFamily="34" charset="0"/>
+              </a:rPr>
+              <a:t> can be used for text and sprites.</a:t>
+            </a:r>
+          </a:p>
+          <a:p>
+            <a:pPr marL="432000" indent="-321120">
+              <a:lnSpc>
+                <a:spcPct val="100000"/>
+              </a:lnSpc>
+              <a:buClr>
+                <a:srgbClr val="FFFFFF"/>
+              </a:buClr>
+              <a:buSzPct val="45000"/>
+              <a:buFont typeface="Wingdings" charset="2"/>
+              <a:buChar char=""/>
+            </a:pPr>
+            <a:r>
+              <a:rPr lang="en-CA" sz="3200" spc="-1" dirty="0">
+                <a:solidFill>
+                  <a:srgbClr val="FFFFFF"/>
+                </a:solidFill>
+                <a:uFill>
+                  <a:solidFill>
+                    <a:srgbClr val="FFFFFF"/>
+                  </a:solidFill>
+                </a:uFill>
+                <a:latin typeface="Calibri" panose="020F0502020204030204" pitchFamily="34" charset="0"/>
+              </a:rPr>
+              <a:t>Draw was used throughout the testing process as sprites were not yet made up, and it was an easy way to visualize the different actors within the game.</a:t>
+            </a:r>
+          </a:p>
+        </p:txBody>
       </p:sp>
     </p:spTree>
   </p:cSld>
@@ -8870,14 +9709,14 @@
       </p:grpSpPr>
       <p:sp>
         <p:nvSpPr>
-          <p:cNvPr id="98" name="CustomShape 1"/>
+          <p:cNvPr id="106" name="CustomShape 1"/>
           <p:cNvSpPr/>
           <p:nvPr/>
         </p:nvSpPr>
         <p:spPr>
           <a:xfrm>
-            <a:off x="457200" y="274680"/>
-            <a:ext cx="8226360" cy="1139760"/>
+            <a:off x="457200" y="95534"/>
+            <a:ext cx="8226360" cy="1146412"/>
           </a:xfrm>
           <a:prstGeom prst="rect">
             <a:avLst/>
@@ -8909,7 +9748,7 @@
               </a:lnSpc>
             </a:pPr>
             <a:r>
-              <a:rPr lang="en-CA" sz="4400" b="0" strike="noStrike" spc="-1" dirty="0">
+              <a:rPr lang="en-CA" sz="4400" spc="-1" dirty="0">
                 <a:solidFill>
                   <a:srgbClr val="FFFFFF"/>
                 </a:solidFill>
@@ -8921,7 +9760,7 @@
                 <a:latin typeface="Calibri"/>
                 <a:ea typeface="DejaVu Sans"/>
               </a:rPr>
-              <a:t>Menu</a:t>
+              <a:t>Sound</a:t>
             </a:r>
             <a:endParaRPr lang="en-CA" sz="1800" b="0" strike="noStrike" spc="-1" dirty="0">
               <a:solidFill>
@@ -8939,69 +9778,23 @@
       </p:sp>
       <p:sp>
         <p:nvSpPr>
-          <p:cNvPr id="99" name="CustomShape 2"/>
+          <p:cNvPr id="3" name="Rectangle 2"/>
           <p:cNvSpPr/>
           <p:nvPr/>
         </p:nvSpPr>
         <p:spPr>
           <a:xfrm>
-            <a:off x="457200" y="1600200"/>
-            <a:ext cx="8226360" cy="4522680"/>
+            <a:off x="457200" y="1136177"/>
+            <a:ext cx="8226360" cy="5509200"/>
           </a:xfrm>
           <a:prstGeom prst="rect">
             <a:avLst/>
           </a:prstGeom>
-          <a:noFill/>
-          <a:ln>
-            <a:noFill/>
-          </a:ln>
-        </p:spPr>
-        <p:style>
-          <a:lnRef idx="0">
-            <a:scrgbClr r="0" g="0" b="0"/>
-          </a:lnRef>
-          <a:fillRef idx="0">
-            <a:scrgbClr r="0" g="0" b="0"/>
-          </a:fillRef>
-          <a:effectRef idx="0">
-            <a:scrgbClr r="0" g="0" b="0"/>
-          </a:effectRef>
-          <a:fontRef idx="minor"/>
-        </p:style>
-      </p:sp>
-      <p:sp>
-        <p:nvSpPr>
-          <p:cNvPr id="4" name="CustomShape 2"/>
-          <p:cNvSpPr/>
-          <p:nvPr/>
-        </p:nvSpPr>
-        <p:spPr>
-          <a:xfrm>
-            <a:off x="609600" y="1752600"/>
-            <a:ext cx="8226360" cy="4522680"/>
-          </a:xfrm>
-          <a:prstGeom prst="rect">
-            <a:avLst/>
-          </a:prstGeom>
-          <a:noFill/>
-          <a:ln>
-            <a:noFill/>
-          </a:ln>
-        </p:spPr>
-        <p:style>
-          <a:lnRef idx="0">
-            <a:scrgbClr r="0" g="0" b="0"/>
-          </a:lnRef>
-          <a:fillRef idx="0">
-            <a:scrgbClr r="0" g="0" b="0"/>
-          </a:fillRef>
-          <a:effectRef idx="0">
-            <a:scrgbClr r="0" g="0" b="0"/>
-          </a:effectRef>
-          <a:fontRef idx="minor"/>
-        </p:style>
-        <p:txBody>
-          <a:bodyPr lIns="90000" tIns="45000" rIns="90000" bIns="45000"/>
+        </p:spPr>
+        <p:txBody>
+          <a:bodyPr wrap="square">
+            <a:spAutoFit/>
+          </a:bodyPr>
           <a:lstStyle/>
           <a:p>
             <a:pPr marL="432000" indent="-321120">
@@ -9016,7 +9809,7 @@
               <a:buChar char=""/>
             </a:pPr>
             <a:r>
-              <a:rPr lang="en-CA" sz="3200" spc="-1" dirty="0">
+              <a:rPr lang="en-CA" sz="3200" b="0" strike="noStrike" spc="-1" dirty="0">
                 <a:solidFill>
                   <a:srgbClr val="FFFFFF"/>
                 </a:solidFill>
@@ -9025,21 +9818,44 @@
                     <a:srgbClr val="FFFFFF"/>
                   </a:solidFill>
                 </a:uFill>
-                <a:latin typeface="Calibri"/>
+                <a:latin typeface="Calibri" charset="0"/>
+                <a:ea typeface="Calibri" charset="0"/>
+                <a:cs typeface="Calibri" charset="0"/>
               </a:rPr>
-              <a:t>The menu was implemented as part of the scenes subsections.</a:t>
-            </a:r>
-            <a:endParaRPr lang="en-CA" spc="-1" dirty="0">
-              <a:solidFill>
-                <a:srgbClr val="FFFFFF"/>
-              </a:solidFill>
-              <a:uFill>
-                <a:solidFill>
-                  <a:srgbClr val="FFFFFF"/>
-                </a:solidFill>
-              </a:uFill>
-              <a:latin typeface="Arial"/>
-            </a:endParaRPr>
+              <a:t>Our sound is loaded in through the </a:t>
+            </a:r>
+            <a:r>
+              <a:rPr lang="en-CA" sz="3200" b="0" strike="noStrike" spc="-1" dirty="0" err="1">
+                <a:solidFill>
+                  <a:srgbClr val="FFFFFF"/>
+                </a:solidFill>
+                <a:uFill>
+                  <a:solidFill>
+                    <a:srgbClr val="FFFFFF"/>
+                  </a:solidFill>
+                </a:uFill>
+                <a:latin typeface="Calibri" charset="0"/>
+                <a:ea typeface="Calibri" charset="0"/>
+                <a:cs typeface="Calibri" charset="0"/>
+              </a:rPr>
+              <a:t>pygame.mixer</a:t>
+            </a:r>
+            <a:r>
+              <a:rPr lang="en-CA" sz="3200" b="0" strike="noStrike" spc="-1" dirty="0">
+                <a:solidFill>
+                  <a:srgbClr val="FFFFFF"/>
+                </a:solidFill>
+                <a:uFill>
+                  <a:solidFill>
+                    <a:srgbClr val="FFFFFF"/>
+                  </a:solidFill>
+                </a:uFill>
+                <a:latin typeface="Calibri" charset="0"/>
+                <a:ea typeface="Calibri" charset="0"/>
+                <a:cs typeface="Calibri" charset="0"/>
+              </a:rPr>
+              <a:t> module.</a:t>
+            </a:r>
           </a:p>
           <a:p>
             <a:pPr marL="432000" indent="-321120">
@@ -9054,7 +9870,7 @@
               <a:buChar char=""/>
             </a:pPr>
             <a:r>
-              <a:rPr lang="en-CA" sz="3200" spc="-1" dirty="0">
+              <a:rPr lang="en-CA" sz="3200" b="0" strike="noStrike" spc="-1" dirty="0">
                 <a:solidFill>
                   <a:srgbClr val="FFFFFF"/>
                 </a:solidFill>
@@ -9063,25 +9879,14 @@
                     <a:srgbClr val="FFFFFF"/>
                   </a:solidFill>
                 </a:uFill>
-                <a:latin typeface="Calibri" panose="020F0502020204030204" pitchFamily="34" charset="0"/>
+                <a:latin typeface="Calibri" charset="0"/>
+                <a:ea typeface="Calibri" charset="0"/>
+                <a:cs typeface="Calibri" charset="0"/>
               </a:rPr>
-              <a:t>Two menus were implemented for the sake of the game: the main menu to start the game as well as a high score menu.</a:t>
-            </a:r>
-          </a:p>
-          <a:p>
-            <a:pPr marL="432000" indent="-321120">
-              <a:lnSpc>
-                <a:spcPct val="100000"/>
-              </a:lnSpc>
-              <a:buClr>
-                <a:srgbClr val="FFFFFF"/>
-              </a:buClr>
-              <a:buSzPct val="45000"/>
-              <a:buFont typeface="Wingdings" charset="2"/>
-              <a:buChar char=""/>
-            </a:pPr>
-            <a:r>
-              <a:rPr lang="en-CA" sz="3200" spc="-1" dirty="0">
+              <a:t>The sounds are only played after being referenced through calling the </a:t>
+            </a:r>
+            <a:r>
+              <a:rPr lang="en-CA" sz="3200" b="0" strike="noStrike" spc="-1" dirty="0" err="1">
                 <a:solidFill>
                   <a:srgbClr val="FFFFFF"/>
                 </a:solidFill>
@@ -9090,9 +9895,27 @@
                     <a:srgbClr val="FFFFFF"/>
                   </a:solidFill>
                 </a:uFill>
-                <a:latin typeface="Calibri" panose="020F0502020204030204" pitchFamily="34" charset="0"/>
+                <a:latin typeface="Calibri" charset="0"/>
+                <a:ea typeface="Calibri" charset="0"/>
+                <a:cs typeface="Calibri" charset="0"/>
               </a:rPr>
-              <a:t>When a game ends, it returns the player to the main menu with altered options to start the game again should they choose to do so.</a:t>
+              <a:t>PlaySound</a:t>
+            </a:r>
+            <a:r>
+              <a:rPr lang="en-CA" sz="3200" b="0" strike="noStrike" spc="-1" dirty="0">
+                <a:solidFill>
+                  <a:srgbClr val="FFFFFF"/>
+                </a:solidFill>
+                <a:uFill>
+                  <a:solidFill>
+                    <a:srgbClr val="FFFFFF"/>
+                  </a:solidFill>
+                </a:uFill>
+                <a:latin typeface="Calibri" charset="0"/>
+                <a:ea typeface="Calibri" charset="0"/>
+                <a:cs typeface="Calibri" charset="0"/>
+              </a:rPr>
+              <a:t> function located in the Player() class.</a:t>
             </a:r>
           </a:p>
           <a:p>
@@ -9116,11 +9939,171 @@
                   <a:srgbClr val="FFFFFF"/>
                 </a:solidFill>
               </a:uFill>
-              <a:latin typeface="Calibri" panose="020F0502020204030204" pitchFamily="34" charset="0"/>
+              <a:latin typeface="Calibri" charset="0"/>
+              <a:ea typeface="Calibri" charset="0"/>
+              <a:cs typeface="Calibri" charset="0"/>
             </a:endParaRPr>
           </a:p>
-        </p:txBody>
-      </p:sp>
+          <a:p>
+            <a:pPr marL="432000" indent="-321120">
+              <a:lnSpc>
+                <a:spcPct val="100000"/>
+              </a:lnSpc>
+              <a:buClr>
+                <a:srgbClr val="FFFFFF"/>
+              </a:buClr>
+              <a:buSzPct val="45000"/>
+              <a:buFont typeface="Wingdings" charset="2"/>
+              <a:buChar char=""/>
+            </a:pPr>
+            <a:endParaRPr lang="en-CA" sz="3200" spc="-1" dirty="0">
+              <a:solidFill>
+                <a:srgbClr val="FFFFFF"/>
+              </a:solidFill>
+              <a:uFill>
+                <a:solidFill>
+                  <a:srgbClr val="FFFFFF"/>
+                </a:solidFill>
+              </a:uFill>
+              <a:latin typeface="Calibri" charset="0"/>
+              <a:ea typeface="Calibri" charset="0"/>
+              <a:cs typeface="Calibri" charset="0"/>
+            </a:endParaRPr>
+          </a:p>
+          <a:p>
+            <a:pPr marL="432000" indent="-321120">
+              <a:lnSpc>
+                <a:spcPct val="100000"/>
+              </a:lnSpc>
+              <a:buClr>
+                <a:srgbClr val="FFFFFF"/>
+              </a:buClr>
+              <a:buSzPct val="45000"/>
+              <a:buFont typeface="Wingdings" charset="2"/>
+              <a:buChar char=""/>
+            </a:pPr>
+            <a:endParaRPr lang="en-CA" sz="3200" b="0" strike="noStrike" spc="-1" dirty="0">
+              <a:solidFill>
+                <a:srgbClr val="FFFFFF"/>
+              </a:solidFill>
+              <a:uFill>
+                <a:solidFill>
+                  <a:srgbClr val="FFFFFF"/>
+                </a:solidFill>
+              </a:uFill>
+              <a:latin typeface="Calibri" charset="0"/>
+              <a:ea typeface="Calibri" charset="0"/>
+              <a:cs typeface="Calibri" charset="0"/>
+            </a:endParaRPr>
+          </a:p>
+          <a:p>
+            <a:pPr marL="432000" indent="-321120">
+              <a:lnSpc>
+                <a:spcPct val="100000"/>
+              </a:lnSpc>
+              <a:buClr>
+                <a:srgbClr val="FFFFFF"/>
+              </a:buClr>
+              <a:buSzPct val="45000"/>
+              <a:buFont typeface="Wingdings" charset="2"/>
+              <a:buChar char=""/>
+            </a:pPr>
+            <a:r>
+              <a:rPr lang="en-CA" sz="3200" spc="-1" dirty="0">
+                <a:solidFill>
+                  <a:srgbClr val="FFFFFF"/>
+                </a:solidFill>
+                <a:uFill>
+                  <a:solidFill>
+                    <a:srgbClr val="FFFFFF"/>
+                  </a:solidFill>
+                </a:uFill>
+                <a:latin typeface="Calibri" charset="0"/>
+                <a:ea typeface="Calibri" charset="0"/>
+                <a:cs typeface="Calibri" charset="0"/>
+              </a:rPr>
+              <a:t>After some research it became apparent that the .wav files tend to work best within </a:t>
+            </a:r>
+            <a:r>
+              <a:rPr lang="en-CA" sz="3200" spc="-1" dirty="0" err="1">
+                <a:solidFill>
+                  <a:srgbClr val="FFFFFF"/>
+                </a:solidFill>
+                <a:uFill>
+                  <a:solidFill>
+                    <a:srgbClr val="FFFFFF"/>
+                  </a:solidFill>
+                </a:uFill>
+                <a:latin typeface="Calibri" charset="0"/>
+                <a:ea typeface="Calibri" charset="0"/>
+                <a:cs typeface="Calibri" charset="0"/>
+              </a:rPr>
+              <a:t>pygame</a:t>
+            </a:r>
+            <a:r>
+              <a:rPr lang="en-CA" sz="3200" spc="-1" dirty="0">
+                <a:solidFill>
+                  <a:srgbClr val="FFFFFF"/>
+                </a:solidFill>
+                <a:uFill>
+                  <a:solidFill>
+                    <a:srgbClr val="FFFFFF"/>
+                  </a:solidFill>
+                </a:uFill>
+                <a:latin typeface="Calibri" charset="0"/>
+                <a:ea typeface="Calibri" charset="0"/>
+                <a:cs typeface="Calibri" charset="0"/>
+              </a:rPr>
+              <a:t> programs</a:t>
+            </a:r>
+            <a:r>
+              <a:rPr lang="en-CA" sz="3200" b="0" strike="noStrike" spc="-1" dirty="0">
+                <a:solidFill>
+                  <a:srgbClr val="FFFFFF"/>
+                </a:solidFill>
+                <a:uFill>
+                  <a:solidFill>
+                    <a:srgbClr val="FFFFFF"/>
+                  </a:solidFill>
+                </a:uFill>
+                <a:latin typeface="Calibri" charset="0"/>
+                <a:ea typeface="Calibri" charset="0"/>
+                <a:cs typeface="Calibri" charset="0"/>
+              </a:rPr>
+              <a:t>.</a:t>
+            </a:r>
+          </a:p>
+        </p:txBody>
+      </p:sp>
+      <p:pic>
+        <p:nvPicPr>
+          <p:cNvPr id="4" name="Picture 3"/>
+          <p:cNvPicPr>
+            <a:picLocks noChangeAspect="1"/>
+          </p:cNvPicPr>
+          <p:nvPr/>
+        </p:nvPicPr>
+        <p:blipFill rotWithShape="1">
+          <a:blip r:embed="rId2">
+            <a:extLst>
+              <a:ext uri="{28A0092B-C50C-407E-A947-70E740481C1C}">
+                <a14:useLocalDpi xmlns:a14="http://schemas.microsoft.com/office/drawing/2010/main" val="0"/>
+              </a:ext>
+            </a:extLst>
+          </a:blip>
+          <a:srcRect l="3161" t="28259" r="2613" b="53632"/>
+          <a:stretch/>
+        </p:blipFill>
+        <p:spPr>
+          <a:xfrm>
+            <a:off x="1409700" y="3712193"/>
+            <a:ext cx="5946443" cy="1241945"/>
+          </a:xfrm>
+          <a:prstGeom prst="rect">
+            <a:avLst/>
+          </a:prstGeom>
+        </p:spPr>
+      </p:pic>
     </p:spTree>
   </p:cSld>
   <p:clrMapOvr>
@@ -9175,14 +10158,115 @@
       </p:grpSpPr>
       <p:sp>
         <p:nvSpPr>
-          <p:cNvPr id="100" name="CustomShape 1"/>
+          <p:cNvPr id="3" name="Content Placeholder 2"/>
+          <p:cNvSpPr>
+            <a:spLocks noGrp="1"/>
+          </p:cNvSpPr>
+          <p:nvPr>
+            <p:ph idx="1"/>
+          </p:nvPr>
+        </p:nvSpPr>
+        <p:spPr>
+          <a:xfrm>
+            <a:off x="512473" y="1225569"/>
+            <a:ext cx="7955280" cy="5325356"/>
+          </a:xfrm>
+        </p:spPr>
+        <p:txBody>
+          <a:bodyPr>
+            <a:noAutofit/>
+          </a:bodyPr>
+          <a:lstStyle/>
+          <a:p>
+            <a:r>
+              <a:rPr lang="en-US" sz="3200" dirty="0">
+                <a:latin typeface="Calibri" charset="0"/>
+                <a:ea typeface="Calibri" charset="0"/>
+                <a:cs typeface="Calibri" charset="0"/>
+              </a:rPr>
+              <a:t>Since we chose to program our game using Python, our team decided to use the cross-platform know as </a:t>
+            </a:r>
+            <a:r>
+              <a:rPr lang="en-US" sz="3200" dirty="0" err="1">
+                <a:latin typeface="Calibri" charset="0"/>
+                <a:ea typeface="Calibri" charset="0"/>
+                <a:cs typeface="Calibri" charset="0"/>
+              </a:rPr>
+              <a:t>Pygame</a:t>
+            </a:r>
+            <a:r>
+              <a:rPr lang="en-US" sz="3200" dirty="0">
+                <a:latin typeface="Calibri" charset="0"/>
+                <a:ea typeface="Calibri" charset="0"/>
+                <a:cs typeface="Calibri" charset="0"/>
+              </a:rPr>
+              <a:t>.</a:t>
+            </a:r>
+          </a:p>
+          <a:p>
+            <a:r>
+              <a:rPr lang="en-US" sz="3200" dirty="0" err="1">
+                <a:latin typeface="Calibri" charset="0"/>
+                <a:ea typeface="Calibri" charset="0"/>
+                <a:cs typeface="Calibri" charset="0"/>
+              </a:rPr>
+              <a:t>Pygame</a:t>
+            </a:r>
+            <a:r>
+              <a:rPr lang="en-US" sz="3200" dirty="0">
+                <a:latin typeface="Calibri" charset="0"/>
+                <a:ea typeface="Calibri" charset="0"/>
+                <a:cs typeface="Calibri" charset="0"/>
+              </a:rPr>
+              <a:t> is a open source library which uses the Python programming language. </a:t>
+            </a:r>
+          </a:p>
+          <a:p>
+            <a:r>
+              <a:rPr lang="en-US" sz="3200" dirty="0">
+                <a:latin typeface="Calibri" charset="0"/>
+                <a:ea typeface="Calibri" charset="0"/>
+                <a:cs typeface="Calibri" charset="0"/>
+              </a:rPr>
+              <a:t>The </a:t>
+            </a:r>
+            <a:r>
+              <a:rPr lang="en-US" sz="3200" dirty="0" err="1">
+                <a:latin typeface="Calibri" charset="0"/>
+                <a:ea typeface="Calibri" charset="0"/>
+                <a:cs typeface="Calibri" charset="0"/>
+              </a:rPr>
+              <a:t>Pygame</a:t>
+            </a:r>
+            <a:r>
+              <a:rPr lang="en-US" sz="3200">
+                <a:latin typeface="Calibri" charset="0"/>
+                <a:ea typeface="Calibri" charset="0"/>
+                <a:cs typeface="Calibri" charset="0"/>
+              </a:rPr>
+              <a:t> library has </a:t>
+            </a:r>
+            <a:r>
+              <a:rPr lang="en-US" sz="3200" dirty="0">
+                <a:latin typeface="Calibri" charset="0"/>
+                <a:ea typeface="Calibri" charset="0"/>
+                <a:cs typeface="Calibri" charset="0"/>
+              </a:rPr>
+              <a:t>all sorts of built in modules available for users such as the sound module and the draw module which we used in order to draw images to our scenes, as well as load and play sound files.</a:t>
+            </a:r>
+          </a:p>
+        </p:txBody>
+      </p:sp>
+      <p:sp>
+        <p:nvSpPr>
+          <p:cNvPr id="5" name="CustomShape 1"/>
           <p:cNvSpPr/>
           <p:nvPr/>
         </p:nvSpPr>
         <p:spPr>
           <a:xfrm>
-            <a:off x="457200" y="274680"/>
-            <a:ext cx="8226360" cy="1139760"/>
+            <a:off x="457200" y="95534"/>
+            <a:ext cx="8226360" cy="1146412"/>
           </a:xfrm>
           <a:prstGeom prst="rect">
             <a:avLst/>
@@ -9204,17 +10288,138 @@
           </a:effectRef>
           <a:fontRef idx="minor"/>
         </p:style>
-      </p:sp>
-      <p:sp>
-        <p:nvSpPr>
-          <p:cNvPr id="101" name="CustomShape 2"/>
+        <p:txBody>
+          <a:bodyPr lIns="90000" tIns="45000" rIns="90000" bIns="45000" anchor="ctr"/>
+          <a:lstStyle/>
+          <a:p>
+            <a:pPr algn="ctr">
+              <a:lnSpc>
+                <a:spcPct val="100000"/>
+              </a:lnSpc>
+            </a:pPr>
+            <a:r>
+              <a:rPr lang="en-CA" sz="4400" spc="-1" dirty="0" err="1">
+                <a:solidFill>
+                  <a:srgbClr val="FFFFFF"/>
+                </a:solidFill>
+                <a:uFill>
+                  <a:solidFill>
+                    <a:srgbClr val="FFFFFF"/>
+                  </a:solidFill>
+                </a:uFill>
+                <a:latin typeface="Calibri"/>
+                <a:ea typeface="DejaVu Sans"/>
+              </a:rPr>
+              <a:t>Pygame</a:t>
+            </a:r>
+            <a:endParaRPr lang="en-CA" sz="1800" b="0" strike="noStrike" spc="-1" dirty="0">
+              <a:solidFill>
+                <a:srgbClr val="FFFFFF"/>
+              </a:solidFill>
+              <a:uFill>
+                <a:solidFill>
+                  <a:srgbClr val="FFFFFF"/>
+                </a:solidFill>
+              </a:uFill>
+              <a:latin typeface="Arial"/>
+            </a:endParaRPr>
+          </a:p>
+        </p:txBody>
+      </p:sp>
+    </p:spTree>
+    <p:extLst>
+      <p:ext uri="{BB962C8B-B14F-4D97-AF65-F5344CB8AC3E}">
+        <p14:creationId xmlns:p14="http://schemas.microsoft.com/office/powerpoint/2010/main" val="91396009"/>
+      </p:ext>
+    </p:extLst>
+  </p:cSld>
+  <p:clrMapOvr>
+    <a:masterClrMapping/>
+  </p:clrMapOvr>
+</p:sld>
+</file>
+
+<file path=ppt/slides/slide16.xml><?xml version="1.0" encoding="utf-8"?>
+<p:sld xmlns:a="http://schemas.openxmlformats.org/drawingml/2006/main" xmlns:r="http://schemas.openxmlformats.org/officeDocument/2006/relationships" xmlns:p="http://schemas.openxmlformats.org/presentationml/2006/main">
+  <p:cSld>
+    <p:spTree>
+      <p:nvGrpSpPr>
+        <p:cNvPr id="1" name=""/>
+        <p:cNvGrpSpPr/>
+        <p:nvPr/>
+      </p:nvGrpSpPr>
+      <p:grpSpPr>
+        <a:xfrm>
+          <a:off x="0" y="0"/>
+          <a:ext cx="0" cy="0"/>
+          <a:chOff x="0" y="0"/>
+          <a:chExt cx="0" cy="0"/>
+        </a:xfrm>
+      </p:grpSpPr>
+      <p:sp>
+        <p:nvSpPr>
+          <p:cNvPr id="3" name="Content Placeholder 2"/>
+          <p:cNvSpPr>
+            <a:spLocks noGrp="1"/>
+          </p:cNvSpPr>
+          <p:nvPr>
+            <p:ph idx="1"/>
+          </p:nvPr>
+        </p:nvSpPr>
+        <p:spPr>
+          <a:xfrm>
+            <a:off x="594360" y="1910687"/>
+            <a:ext cx="7955280" cy="4352953"/>
+          </a:xfrm>
+        </p:spPr>
+        <p:txBody>
+          <a:bodyPr/>
+          <a:lstStyle/>
+          <a:p>
+            <a:r>
+              <a:rPr lang="en-US" sz="3200" dirty="0">
+                <a:latin typeface="Calibri" charset="0"/>
+                <a:ea typeface="Calibri" charset="0"/>
+                <a:cs typeface="Calibri" charset="0"/>
+              </a:rPr>
+              <a:t>Color matching within video games helps to improve cognitive skills.</a:t>
+            </a:r>
+          </a:p>
+          <a:p>
+            <a:r>
+              <a:rPr lang="en-US" sz="3200" dirty="0">
+                <a:latin typeface="Calibri" charset="0"/>
+                <a:ea typeface="Calibri" charset="0"/>
+                <a:cs typeface="Calibri" charset="0"/>
+              </a:rPr>
+              <a:t>The added requirement to match colors in order to take out enemy targets makes our game more challenging. </a:t>
+            </a:r>
+          </a:p>
+          <a:p>
+            <a:r>
+              <a:rPr lang="en-US" sz="3200" dirty="0">
+                <a:latin typeface="Calibri" charset="0"/>
+                <a:ea typeface="Calibri" charset="0"/>
+                <a:cs typeface="Calibri" charset="0"/>
+              </a:rPr>
+              <a:t>The addition of color matching to our game may also help to improve one’s decision making skills as well as their reaction times . </a:t>
+            </a:r>
+          </a:p>
+          <a:p>
+            <a:endParaRPr lang="en-US" dirty="0"/>
+          </a:p>
+        </p:txBody>
+      </p:sp>
+      <p:sp>
+        <p:nvSpPr>
+          <p:cNvPr id="5" name="CustomShape 1"/>
           <p:cNvSpPr/>
           <p:nvPr/>
         </p:nvSpPr>
         <p:spPr>
           <a:xfrm>
-            <a:off x="457200" y="1600200"/>
-            <a:ext cx="8226360" cy="4522680"/>
+            <a:off x="457200" y="336164"/>
+            <a:ext cx="8226360" cy="1146412"/>
           </a:xfrm>
           <a:prstGeom prst="rect">
             <a:avLst/>
@@ -9236,6 +10441,162 @@
           </a:effectRef>
           <a:fontRef idx="minor"/>
         </p:style>
+        <p:txBody>
+          <a:bodyPr lIns="90000" tIns="45000" rIns="90000" bIns="45000" anchor="ctr"/>
+          <a:lstStyle/>
+          <a:p>
+            <a:pPr algn="ctr">
+              <a:lnSpc>
+                <a:spcPct val="100000"/>
+              </a:lnSpc>
+            </a:pPr>
+            <a:r>
+              <a:rPr lang="en-CA" sz="4400" spc="-1" dirty="0">
+                <a:solidFill>
+                  <a:srgbClr val="FFFFFF"/>
+                </a:solidFill>
+                <a:uFill>
+                  <a:solidFill>
+                    <a:srgbClr val="FFFFFF"/>
+                  </a:solidFill>
+                </a:uFill>
+                <a:latin typeface="Calibri"/>
+                <a:ea typeface="DejaVu Sans"/>
+              </a:rPr>
+              <a:t>Color Matching</a:t>
+            </a:r>
+            <a:endParaRPr lang="en-CA" sz="1800" b="0" strike="noStrike" spc="-1" dirty="0">
+              <a:solidFill>
+                <a:srgbClr val="FFFFFF"/>
+              </a:solidFill>
+              <a:uFill>
+                <a:solidFill>
+                  <a:srgbClr val="FFFFFF"/>
+                </a:solidFill>
+              </a:uFill>
+              <a:latin typeface="Arial"/>
+            </a:endParaRPr>
+          </a:p>
+        </p:txBody>
+      </p:sp>
+    </p:spTree>
+    <p:extLst>
+      <p:ext uri="{BB962C8B-B14F-4D97-AF65-F5344CB8AC3E}">
+        <p14:creationId xmlns:p14="http://schemas.microsoft.com/office/powerpoint/2010/main" val="823839288"/>
+      </p:ext>
+    </p:extLst>
+  </p:cSld>
+  <p:clrMapOvr>
+    <a:masterClrMapping/>
+  </p:clrMapOvr>
+</p:sld>
+</file>
+
+<file path=ppt/slides/slide17.xml><?xml version="1.0" encoding="utf-8"?>
+<p:sld xmlns:a="http://schemas.openxmlformats.org/drawingml/2006/main" xmlns:r="http://schemas.openxmlformats.org/officeDocument/2006/relationships" xmlns:p="http://schemas.openxmlformats.org/presentationml/2006/main">
+  <p:cSld>
+    <p:spTree>
+      <p:nvGrpSpPr>
+        <p:cNvPr id="1" name=""/>
+        <p:cNvGrpSpPr/>
+        <p:nvPr/>
+      </p:nvGrpSpPr>
+      <p:grpSpPr>
+        <a:xfrm>
+          <a:off x="0" y="0"/>
+          <a:ext cx="0" cy="0"/>
+          <a:chOff x="0" y="0"/>
+          <a:chExt cx="0" cy="0"/>
+        </a:xfrm>
+      </p:grpSpPr>
+      <p:sp>
+        <p:nvSpPr>
+          <p:cNvPr id="3" name="Content Placeholder 2"/>
+          <p:cNvSpPr>
+            <a:spLocks noGrp="1"/>
+          </p:cNvSpPr>
+          <p:nvPr>
+            <p:ph idx="1"/>
+          </p:nvPr>
+        </p:nvSpPr>
+        <p:spPr>
+          <a:xfrm>
+            <a:off x="662598" y="1419367"/>
+            <a:ext cx="7955280" cy="5240740"/>
+          </a:xfrm>
+        </p:spPr>
+        <p:txBody>
+          <a:bodyPr>
+            <a:noAutofit/>
+          </a:bodyPr>
+          <a:lstStyle/>
+          <a:p>
+            <a:r>
+              <a:rPr lang="en-US" sz="3200" dirty="0">
+                <a:latin typeface="Calibri" charset="0"/>
+                <a:ea typeface="Calibri" charset="0"/>
+                <a:cs typeface="Calibri" charset="0"/>
+              </a:rPr>
+              <a:t>We’ve included color matching</a:t>
+            </a:r>
+          </a:p>
+          <a:p>
+            <a:pPr lvl="1"/>
+            <a:r>
+              <a:rPr lang="en-US" sz="3200" dirty="0">
+                <a:latin typeface="Calibri" charset="0"/>
+                <a:ea typeface="Calibri" charset="0"/>
+                <a:cs typeface="Calibri" charset="0"/>
+              </a:rPr>
+              <a:t>This requires the player to think and react quickly which makes our game more of a challenge and therefore more likely to be played.</a:t>
+            </a:r>
+          </a:p>
+          <a:p>
+            <a:r>
+              <a:rPr lang="en-US" sz="3200" dirty="0">
+                <a:latin typeface="Calibri" charset="0"/>
+                <a:ea typeface="Calibri" charset="0"/>
+                <a:cs typeface="Calibri" charset="0"/>
+              </a:rPr>
+              <a:t>We chose a language that is popular and easy </a:t>
+            </a:r>
+          </a:p>
+          <a:p>
+            <a:pPr lvl="1"/>
+            <a:r>
+              <a:rPr lang="en-US" sz="3200" dirty="0">
+                <a:latin typeface="Calibri" charset="0"/>
+                <a:ea typeface="Calibri" charset="0"/>
+                <a:cs typeface="Calibri" charset="0"/>
+              </a:rPr>
+              <a:t>The original </a:t>
+            </a:r>
+            <a:r>
+              <a:rPr lang="en-US" sz="3200" dirty="0" err="1">
+                <a:latin typeface="Calibri" charset="0"/>
+                <a:ea typeface="Calibri" charset="0"/>
+                <a:cs typeface="Calibri" charset="0"/>
+              </a:rPr>
+              <a:t>Galaga</a:t>
+            </a:r>
+            <a:r>
+              <a:rPr lang="en-US" sz="3200" dirty="0">
+                <a:latin typeface="Calibri" charset="0"/>
+                <a:ea typeface="Calibri" charset="0"/>
+                <a:cs typeface="Calibri" charset="0"/>
+              </a:rPr>
+              <a:t> game was created in Assembly which is a language that not as many developers work with and therefore makes it more difficult to keep the game updated.</a:t>
+            </a:r>
+          </a:p>
+          <a:p>
+            <a:pPr lvl="1"/>
+            <a:endParaRPr lang="en-US" sz="3200" dirty="0">
+              <a:latin typeface="Calibri" charset="0"/>
+              <a:ea typeface="Calibri" charset="0"/>
+              <a:cs typeface="Calibri" charset="0"/>
+            </a:endParaRPr>
+          </a:p>
+        </p:txBody>
       </p:sp>
       <p:sp>
         <p:nvSpPr>
@@ -9245,8 +10606,8 @@
         </p:nvSpPr>
         <p:spPr>
           <a:xfrm>
-            <a:off x="457200" y="274680"/>
-            <a:ext cx="8226360" cy="1139760"/>
+            <a:off x="2213810" y="247575"/>
+            <a:ext cx="8226360" cy="1146412"/>
           </a:xfrm>
           <a:prstGeom prst="rect">
             <a:avLst/>
@@ -9278,7 +10639,7 @@
               </a:lnSpc>
             </a:pPr>
             <a:r>
-              <a:rPr lang="en-CA" sz="4400" b="0" strike="noStrike" spc="-1" dirty="0">
+              <a:rPr lang="en-CA" sz="4400" spc="-1" dirty="0">
                 <a:solidFill>
                   <a:srgbClr val="FFFFFF"/>
                 </a:solidFill>
@@ -9290,7 +10651,29 @@
                 <a:latin typeface="Calibri"/>
                 <a:ea typeface="DejaVu Sans"/>
               </a:rPr>
-              <a:t>Menu (Continued)</a:t>
+              <a:t>What Makes Our</a:t>
+            </a:r>
+          </a:p>
+          <a:p>
+            <a:pPr algn="ctr">
+              <a:lnSpc>
+                <a:spcPct val="100000"/>
+              </a:lnSpc>
+            </a:pPr>
+            <a:r>
+              <a:rPr lang="en-CA" sz="4400" spc="-1" dirty="0">
+                <a:solidFill>
+                  <a:srgbClr val="FFFFFF"/>
+                </a:solidFill>
+                <a:uFill>
+                  <a:solidFill>
+                    <a:srgbClr val="FFFFFF"/>
+                  </a:solidFill>
+                </a:uFill>
+                <a:latin typeface="Calibri"/>
+                <a:ea typeface="DejaVu Sans"/>
+              </a:rPr>
+              <a:t>Version Better?</a:t>
             </a:r>
             <a:endParaRPr lang="en-CA" sz="1800" b="0" strike="noStrike" spc="-1" dirty="0">
               <a:solidFill>
@@ -9306,16 +10689,46 @@
           </a:p>
         </p:txBody>
       </p:sp>
-      <p:sp>
-        <p:nvSpPr>
-          <p:cNvPr id="5" name="CustomShape 2"/>
+    </p:spTree>
+    <p:extLst>
+      <p:ext uri="{BB962C8B-B14F-4D97-AF65-F5344CB8AC3E}">
+        <p14:creationId xmlns:p14="http://schemas.microsoft.com/office/powerpoint/2010/main" val="759521035"/>
+      </p:ext>
+    </p:extLst>
+  </p:cSld>
+  <p:clrMapOvr>
+    <a:masterClrMapping/>
+  </p:clrMapOvr>
+</p:sld>
+</file>
+
+<file path=ppt/slides/slide2.xml><?xml version="1.0" encoding="utf-8"?>
+<p:sld xmlns:a="http://schemas.openxmlformats.org/drawingml/2006/main" xmlns:r="http://schemas.openxmlformats.org/officeDocument/2006/relationships" xmlns:p="http://schemas.openxmlformats.org/presentationml/2006/main">
+  <p:cSld>
+    <p:spTree>
+      <p:nvGrpSpPr>
+        <p:cNvPr id="1" name=""/>
+        <p:cNvGrpSpPr/>
+        <p:nvPr/>
+      </p:nvGrpSpPr>
+      <p:grpSpPr>
+        <a:xfrm>
+          <a:off x="0" y="0"/>
+          <a:ext cx="0" cy="0"/>
+          <a:chOff x="0" y="0"/>
+          <a:chExt cx="0" cy="0"/>
+        </a:xfrm>
+      </p:grpSpPr>
+      <p:sp>
+        <p:nvSpPr>
+          <p:cNvPr id="74" name="CustomShape 1"/>
           <p:cNvSpPr/>
           <p:nvPr/>
         </p:nvSpPr>
         <p:spPr>
           <a:xfrm>
-            <a:off x="609600" y="1592180"/>
-            <a:ext cx="8226360" cy="4522680"/>
+            <a:off x="457200" y="274680"/>
+            <a:ext cx="8226360" cy="1139760"/>
           </a:xfrm>
           <a:prstGeom prst="rect">
             <a:avLst/>
@@ -9338,19 +10751,16 @@
           <a:fontRef idx="minor"/>
         </p:style>
         <p:txBody>
-          <a:bodyPr lIns="90000" tIns="45000" rIns="90000" bIns="45000"/>
+          <a:bodyPr lIns="90000" tIns="45000" rIns="90000" bIns="45000" anchor="ctr"/>
           <a:lstStyle/>
           <a:p>
-            <a:pPr marL="432000" indent="-321120">
-              <a:buClr>
-                <a:srgbClr val="FFFFFF"/>
-              </a:buClr>
-              <a:buSzPct val="45000"/>
-              <a:buFont typeface="Wingdings" charset="2"/>
-              <a:buChar char=""/>
+            <a:pPr algn="ctr">
+              <a:lnSpc>
+                <a:spcPct val="100000"/>
+              </a:lnSpc>
             </a:pPr>
             <a:r>
-              <a:rPr lang="en-CA" sz="3200" spc="-1" dirty="0">
+              <a:rPr lang="en-CA" sz="4400" b="0" strike="noStrike" spc="-1">
                 <a:solidFill>
                   <a:srgbClr val="FFFFFF"/>
                 </a:solidFill>
@@ -9359,11 +10769,12 @@
                     <a:srgbClr val="FFFFFF"/>
                   </a:solidFill>
                 </a:uFill>
-                <a:latin typeface="Calibri" panose="020F0502020204030204" pitchFamily="34" charset="0"/>
+                <a:latin typeface="Calibri"/>
+                <a:ea typeface="DejaVu Sans"/>
               </a:rPr>
-              <a:t>Though it is not a very complicated scene, multiple menus can be created fairly easily through use of the settings file.</a:t>
-            </a:r>
-            <a:endParaRPr lang="en-CA" sz="3200" spc="-1" dirty="0">
+              <a:t>Project Structure</a:t>
+            </a:r>
+            <a:endParaRPr lang="en-CA" sz="1800" b="0" strike="noStrike" spc="-1">
               <a:solidFill>
                 <a:srgbClr val="FFFFFF"/>
               </a:solidFill>
@@ -9372,23 +10783,58 @@
                   <a:srgbClr val="FFFFFF"/>
                 </a:solidFill>
               </a:uFill>
-              <a:latin typeface="Calibri"/>
+              <a:latin typeface="Arial"/>
             </a:endParaRPr>
           </a:p>
-          <a:p>
-            <a:pPr marL="432000" indent="-321120">
+        </p:txBody>
+      </p:sp>
+      <p:sp>
+        <p:nvSpPr>
+          <p:cNvPr id="75" name="CustomShape 2"/>
+          <p:cNvSpPr/>
+          <p:nvPr/>
+        </p:nvSpPr>
+        <p:spPr>
+          <a:xfrm>
+            <a:off x="457200" y="1600200"/>
+            <a:ext cx="8226360" cy="4522680"/>
+          </a:xfrm>
+          <a:prstGeom prst="rect">
+            <a:avLst/>
+          </a:prstGeom>
+          <a:noFill/>
+          <a:ln>
+            <a:noFill/>
+          </a:ln>
+        </p:spPr>
+        <p:style>
+          <a:lnRef idx="0">
+            <a:scrgbClr r="0" g="0" b="0"/>
+          </a:lnRef>
+          <a:fillRef idx="0">
+            <a:scrgbClr r="0" g="0" b="0"/>
+          </a:fillRef>
+          <a:effectRef idx="0">
+            <a:scrgbClr r="0" g="0" b="0"/>
+          </a:effectRef>
+          <a:fontRef idx="minor"/>
+        </p:style>
+        <p:txBody>
+          <a:bodyPr lIns="90000" tIns="45000" rIns="90000" bIns="45000"/>
+          <a:lstStyle/>
+          <a:p>
+            <a:pPr marL="343080" indent="-339840">
               <a:lnSpc>
                 <a:spcPct val="100000"/>
               </a:lnSpc>
               <a:buClr>
                 <a:srgbClr val="FFFFFF"/>
               </a:buClr>
-              <a:buSzPct val="45000"/>
-              <a:buFont typeface="Wingdings" charset="2"/>
-              <a:buChar char=""/>
+              <a:buFont typeface="Arial"/>
+              <a:buChar char="•"/>
             </a:pPr>
             <a:r>
-              <a:rPr lang="en-CA" sz="3200" spc="-1" dirty="0">
+              <a:rPr lang="en-CA" sz="3200" b="0" strike="noStrike" spc="-1">
                 <a:solidFill>
                   <a:srgbClr val="FFFFFF"/>
                 </a:solidFill>
@@ -9398,24 +10844,35 @@
                   </a:solidFill>
                 </a:uFill>
                 <a:latin typeface="Calibri"/>
+                <a:ea typeface="DejaVu Sans"/>
               </a:rPr>
-              <a:t>To create a new menu list, all that needs to be done is to input a list of options into the settings file.</a:t>
-            </a:r>
-          </a:p>
-          <a:p>
-            <a:pPr marL="432000" indent="-321120">
+              <a:t>Lazer Blast uses the Python setuptools module, to make installation and development easier.</a:t>
+            </a:r>
+            <a:endParaRPr lang="en-CA" sz="1800" b="0" strike="noStrike" spc="-1">
+              <a:solidFill>
+                <a:srgbClr val="FFFFFF"/>
+              </a:solidFill>
+              <a:uFill>
+                <a:solidFill>
+                  <a:srgbClr val="FFFFFF"/>
+                </a:solidFill>
+              </a:uFill>
+              <a:latin typeface="Arial"/>
+            </a:endParaRPr>
+          </a:p>
+          <a:p>
+            <a:pPr marL="343080" indent="-339840">
               <a:lnSpc>
                 <a:spcPct val="100000"/>
               </a:lnSpc>
               <a:buClr>
                 <a:srgbClr val="FFFFFF"/>
               </a:buClr>
-              <a:buSzPct val="45000"/>
-              <a:buFont typeface="Wingdings" charset="2"/>
-              <a:buChar char=""/>
+              <a:buFont typeface="Arial"/>
+              <a:buChar char="•"/>
             </a:pPr>
             <a:r>
-              <a:rPr lang="en-CA" sz="3200" spc="-1" dirty="0">
+              <a:rPr lang="en-CA" sz="3200" b="0" strike="noStrike" spc="-1">
                 <a:solidFill>
                   <a:srgbClr val="FFFFFF"/>
                 </a:solidFill>
@@ -9425,10 +10882,11 @@
                   </a:solidFill>
                 </a:uFill>
                 <a:latin typeface="Calibri"/>
+                <a:ea typeface="DejaVu Sans"/>
               </a:rPr>
-              <a:t>Locations of items on the menu within the list are determined through a calculation to determine center screen and then stacked on top of one another.</a:t>
-            </a:r>
-            <a:endParaRPr lang="en-CA" sz="3200" spc="-1" dirty="0">
+              <a:t>It could easily be hosted on PypI, and users could install it just by typing `pip3 install lazer_blast`</a:t>
+            </a:r>
+            <a:endParaRPr lang="en-CA" sz="1800" b="0" strike="noStrike" spc="-1">
               <a:solidFill>
                 <a:srgbClr val="FFFFFF"/>
               </a:solidFill>
@@ -9437,7 +10895,45 @@
                   <a:srgbClr val="FFFFFF"/>
                 </a:solidFill>
               </a:uFill>
-              <a:latin typeface="Calibri" panose="020F0502020204030204" pitchFamily="34" charset="0"/>
+              <a:latin typeface="Arial"/>
+            </a:endParaRPr>
+          </a:p>
+          <a:p>
+            <a:pPr marL="343080" indent="-339840">
+              <a:lnSpc>
+                <a:spcPct val="100000"/>
+              </a:lnSpc>
+              <a:buClr>
+                <a:srgbClr val="FFFFFF"/>
+              </a:buClr>
+              <a:buFont typeface="Arial"/>
+              <a:buChar char="•"/>
+            </a:pPr>
+            <a:r>
+              <a:rPr lang="en-CA" sz="3200" b="0" strike="noStrike" spc="-1">
+                <a:solidFill>
+                  <a:srgbClr val="FFFFFF"/>
+                </a:solidFill>
+                <a:uFill>
+                  <a:solidFill>
+                    <a:srgbClr val="FFFFFF"/>
+                  </a:solidFill>
+                </a:uFill>
+                <a:latin typeface="Calibri"/>
+                <a:ea typeface="DejaVu Sans"/>
+              </a:rPr>
+              <a:t>It also gives a common entry point for tests and requirements installation.</a:t>
+            </a:r>
+            <a:endParaRPr lang="en-CA" sz="1800" b="0" strike="noStrike" spc="-1">
+              <a:solidFill>
+                <a:srgbClr val="FFFFFF"/>
+              </a:solidFill>
+              <a:uFill>
+                <a:solidFill>
+                  <a:srgbClr val="FFFFFF"/>
+                </a:solidFill>
+              </a:uFill>
+              <a:latin typeface="Arial"/>
             </a:endParaRPr>
           </a:p>
         </p:txBody>
@@ -9474,1703 +10970,6 @@
       </p:par>
     </p:tnLst>
   </p:timing>
-</p:sld>
-</file>
-
-<file path=ppt/slides/slide16.xml><?xml version="1.0" encoding="utf-8"?>
-<p:sld xmlns:a="http://schemas.openxmlformats.org/drawingml/2006/main" xmlns:r="http://schemas.openxmlformats.org/officeDocument/2006/relationships" xmlns:p="http://schemas.openxmlformats.org/presentationml/2006/main">
-  <p:cSld>
-    <p:spTree>
-      <p:nvGrpSpPr>
-        <p:cNvPr id="1" name=""/>
-        <p:cNvGrpSpPr/>
-        <p:nvPr/>
-      </p:nvGrpSpPr>
-      <p:grpSpPr>
-        <a:xfrm>
-          <a:off x="0" y="0"/>
-          <a:ext cx="0" cy="0"/>
-          <a:chOff x="0" y="0"/>
-          <a:chExt cx="0" cy="0"/>
-        </a:xfrm>
-      </p:grpSpPr>
-      <p:sp>
-        <p:nvSpPr>
-          <p:cNvPr id="102" name="CustomShape 1"/>
-          <p:cNvSpPr/>
-          <p:nvPr/>
-        </p:nvSpPr>
-        <p:spPr>
-          <a:xfrm>
-            <a:off x="457200" y="274680"/>
-            <a:ext cx="8226360" cy="1139760"/>
-          </a:xfrm>
-          <a:prstGeom prst="rect">
-            <a:avLst/>
-          </a:prstGeom>
-          <a:noFill/>
-          <a:ln>
-            <a:noFill/>
-          </a:ln>
-        </p:spPr>
-        <p:style>
-          <a:lnRef idx="0">
-            <a:scrgbClr r="0" g="0" b="0"/>
-          </a:lnRef>
-          <a:fillRef idx="0">
-            <a:scrgbClr r="0" g="0" b="0"/>
-          </a:fillRef>
-          <a:effectRef idx="0">
-            <a:scrgbClr r="0" g="0" b="0"/>
-          </a:effectRef>
-          <a:fontRef idx="minor"/>
-        </p:style>
-      </p:sp>
-      <p:sp>
-        <p:nvSpPr>
-          <p:cNvPr id="103" name="CustomShape 2"/>
-          <p:cNvSpPr/>
-          <p:nvPr/>
-        </p:nvSpPr>
-        <p:spPr>
-          <a:xfrm>
-            <a:off x="457200" y="1600200"/>
-            <a:ext cx="8226360" cy="4522680"/>
-          </a:xfrm>
-          <a:prstGeom prst="rect">
-            <a:avLst/>
-          </a:prstGeom>
-          <a:noFill/>
-          <a:ln>
-            <a:noFill/>
-          </a:ln>
-        </p:spPr>
-        <p:style>
-          <a:lnRef idx="0">
-            <a:scrgbClr r="0" g="0" b="0"/>
-          </a:lnRef>
-          <a:fillRef idx="0">
-            <a:scrgbClr r="0" g="0" b="0"/>
-          </a:fillRef>
-          <a:effectRef idx="0">
-            <a:scrgbClr r="0" g="0" b="0"/>
-          </a:effectRef>
-          <a:fontRef idx="minor"/>
-        </p:style>
-      </p:sp>
-      <p:sp>
-        <p:nvSpPr>
-          <p:cNvPr id="4" name="CustomShape 1"/>
-          <p:cNvSpPr/>
-          <p:nvPr/>
-        </p:nvSpPr>
-        <p:spPr>
-          <a:xfrm>
-            <a:off x="457200" y="274680"/>
-            <a:ext cx="8226360" cy="1139760"/>
-          </a:xfrm>
-          <a:prstGeom prst="rect">
-            <a:avLst/>
-          </a:prstGeom>
-          <a:noFill/>
-          <a:ln>
-            <a:noFill/>
-          </a:ln>
-        </p:spPr>
-        <p:style>
-          <a:lnRef idx="0">
-            <a:scrgbClr r="0" g="0" b="0"/>
-          </a:lnRef>
-          <a:fillRef idx="0">
-            <a:scrgbClr r="0" g="0" b="0"/>
-          </a:fillRef>
-          <a:effectRef idx="0">
-            <a:scrgbClr r="0" g="0" b="0"/>
-          </a:effectRef>
-          <a:fontRef idx="minor"/>
-        </p:style>
-        <p:txBody>
-          <a:bodyPr lIns="90000" tIns="45000" rIns="90000" bIns="45000" anchor="ctr"/>
-          <a:lstStyle/>
-          <a:p>
-            <a:pPr algn="ctr">
-              <a:lnSpc>
-                <a:spcPct val="100000"/>
-              </a:lnSpc>
-            </a:pPr>
-            <a:r>
-              <a:rPr lang="en-CA" sz="4400" b="0" strike="noStrike" spc="-1" dirty="0">
-                <a:solidFill>
-                  <a:srgbClr val="FFFFFF"/>
-                </a:solidFill>
-                <a:uFill>
-                  <a:solidFill>
-                    <a:srgbClr val="FFFFFF"/>
-                  </a:solidFill>
-                </a:uFill>
-                <a:latin typeface="Calibri"/>
-                <a:ea typeface="DejaVu Sans"/>
-              </a:rPr>
-              <a:t>Rendering</a:t>
-            </a:r>
-            <a:endParaRPr lang="en-CA" sz="1800" b="0" strike="noStrike" spc="-1" dirty="0">
-              <a:solidFill>
-                <a:srgbClr val="FFFFFF"/>
-              </a:solidFill>
-              <a:uFill>
-                <a:solidFill>
-                  <a:srgbClr val="FFFFFF"/>
-                </a:solidFill>
-              </a:uFill>
-              <a:latin typeface="Arial"/>
-            </a:endParaRPr>
-          </a:p>
-        </p:txBody>
-      </p:sp>
-      <p:sp>
-        <p:nvSpPr>
-          <p:cNvPr id="6" name="CustomShape 2"/>
-          <p:cNvSpPr/>
-          <p:nvPr/>
-        </p:nvSpPr>
-        <p:spPr>
-          <a:xfrm>
-            <a:off x="609600" y="1752600"/>
-            <a:ext cx="8226360" cy="4522680"/>
-          </a:xfrm>
-          <a:prstGeom prst="rect">
-            <a:avLst/>
-          </a:prstGeom>
-          <a:noFill/>
-          <a:ln>
-            <a:noFill/>
-          </a:ln>
-        </p:spPr>
-        <p:style>
-          <a:lnRef idx="0">
-            <a:scrgbClr r="0" g="0" b="0"/>
-          </a:lnRef>
-          <a:fillRef idx="0">
-            <a:scrgbClr r="0" g="0" b="0"/>
-          </a:fillRef>
-          <a:effectRef idx="0">
-            <a:scrgbClr r="0" g="0" b="0"/>
-          </a:effectRef>
-          <a:fontRef idx="minor"/>
-        </p:style>
-        <p:txBody>
-          <a:bodyPr lIns="90000" tIns="45000" rIns="90000" bIns="45000"/>
-          <a:lstStyle/>
-          <a:p>
-            <a:pPr marL="432000" indent="-321120">
-              <a:lnSpc>
-                <a:spcPct val="100000"/>
-              </a:lnSpc>
-              <a:buClr>
-                <a:srgbClr val="FFFFFF"/>
-              </a:buClr>
-              <a:buSzPct val="45000"/>
-              <a:buFont typeface="Wingdings" charset="2"/>
-              <a:buChar char=""/>
-            </a:pPr>
-            <a:r>
-              <a:rPr lang="en-CA" sz="3200" spc="-1" dirty="0">
-                <a:solidFill>
-                  <a:srgbClr val="FFFFFF"/>
-                </a:solidFill>
-                <a:uFill>
-                  <a:solidFill>
-                    <a:srgbClr val="FFFFFF"/>
-                  </a:solidFill>
-                </a:uFill>
-                <a:latin typeface="Calibri" panose="020F0502020204030204" pitchFamily="34" charset="0"/>
-              </a:rPr>
-              <a:t>Rendering is done in </a:t>
-            </a:r>
-            <a:r>
-              <a:rPr lang="en-CA" sz="3200" spc="-1" dirty="0" err="1">
-                <a:solidFill>
-                  <a:srgbClr val="FFFFFF"/>
-                </a:solidFill>
-                <a:uFill>
-                  <a:solidFill>
-                    <a:srgbClr val="FFFFFF"/>
-                  </a:solidFill>
-                </a:uFill>
-                <a:latin typeface="Calibri" panose="020F0502020204030204" pitchFamily="34" charset="0"/>
-              </a:rPr>
-              <a:t>Lazer</a:t>
-            </a:r>
-            <a:r>
-              <a:rPr lang="en-CA" sz="3200" spc="-1" dirty="0">
-                <a:solidFill>
-                  <a:srgbClr val="FFFFFF"/>
-                </a:solidFill>
-                <a:uFill>
-                  <a:solidFill>
-                    <a:srgbClr val="FFFFFF"/>
-                  </a:solidFill>
-                </a:uFill>
-                <a:latin typeface="Calibri" panose="020F0502020204030204" pitchFamily="34" charset="0"/>
-              </a:rPr>
-              <a:t> Blast by making use of the </a:t>
-            </a:r>
-            <a:r>
-              <a:rPr lang="en-CA" sz="3200" spc="-1" dirty="0" err="1">
-                <a:solidFill>
-                  <a:srgbClr val="FFFFFF"/>
-                </a:solidFill>
-                <a:uFill>
-                  <a:solidFill>
-                    <a:srgbClr val="FFFFFF"/>
-                  </a:solidFill>
-                </a:uFill>
-                <a:latin typeface="Calibri" panose="020F0502020204030204" pitchFamily="34" charset="0"/>
-              </a:rPr>
-              <a:t>Blit</a:t>
-            </a:r>
-            <a:r>
-              <a:rPr lang="en-CA" sz="3200" spc="-1" dirty="0">
-                <a:solidFill>
-                  <a:srgbClr val="FFFFFF"/>
-                </a:solidFill>
-                <a:uFill>
-                  <a:solidFill>
-                    <a:srgbClr val="FFFFFF"/>
-                  </a:solidFill>
-                </a:uFill>
-                <a:latin typeface="Calibri" panose="020F0502020204030204" pitchFamily="34" charset="0"/>
-              </a:rPr>
-              <a:t> and Draw functions in </a:t>
-            </a:r>
-            <a:r>
-              <a:rPr lang="en-CA" sz="3200" spc="-1" dirty="0" err="1">
-                <a:solidFill>
-                  <a:srgbClr val="FFFFFF"/>
-                </a:solidFill>
-                <a:uFill>
-                  <a:solidFill>
-                    <a:srgbClr val="FFFFFF"/>
-                  </a:solidFill>
-                </a:uFill>
-                <a:latin typeface="Calibri" panose="020F0502020204030204" pitchFamily="34" charset="0"/>
-              </a:rPr>
-              <a:t>Pygame</a:t>
-            </a:r>
-            <a:r>
-              <a:rPr lang="en-CA" sz="3200" spc="-1" dirty="0">
-                <a:solidFill>
-                  <a:srgbClr val="FFFFFF"/>
-                </a:solidFill>
-                <a:uFill>
-                  <a:solidFill>
-                    <a:srgbClr val="FFFFFF"/>
-                  </a:solidFill>
-                </a:uFill>
-                <a:latin typeface="Calibri" panose="020F0502020204030204" pitchFamily="34" charset="0"/>
-              </a:rPr>
-              <a:t>.</a:t>
-            </a:r>
-          </a:p>
-          <a:p>
-            <a:pPr marL="432000" indent="-321120">
-              <a:lnSpc>
-                <a:spcPct val="100000"/>
-              </a:lnSpc>
-              <a:buClr>
-                <a:srgbClr val="FFFFFF"/>
-              </a:buClr>
-              <a:buSzPct val="45000"/>
-              <a:buFont typeface="Wingdings" charset="2"/>
-              <a:buChar char=""/>
-            </a:pPr>
-            <a:r>
-              <a:rPr lang="en-CA" sz="3200" spc="-1" dirty="0">
-                <a:solidFill>
-                  <a:srgbClr val="FFFFFF"/>
-                </a:solidFill>
-                <a:uFill>
-                  <a:solidFill>
-                    <a:srgbClr val="FFFFFF"/>
-                  </a:solidFill>
-                </a:uFill>
-                <a:latin typeface="Calibri" panose="020F0502020204030204" pitchFamily="34" charset="0"/>
-              </a:rPr>
-              <a:t>Though similar, Draw is mainly basic shapes whereas </a:t>
-            </a:r>
-            <a:r>
-              <a:rPr lang="en-CA" sz="3200" spc="-1" dirty="0" err="1">
-                <a:solidFill>
-                  <a:srgbClr val="FFFFFF"/>
-                </a:solidFill>
-                <a:uFill>
-                  <a:solidFill>
-                    <a:srgbClr val="FFFFFF"/>
-                  </a:solidFill>
-                </a:uFill>
-                <a:latin typeface="Calibri" panose="020F0502020204030204" pitchFamily="34" charset="0"/>
-              </a:rPr>
-              <a:t>Blit</a:t>
-            </a:r>
-            <a:r>
-              <a:rPr lang="en-CA" sz="3200" spc="-1" dirty="0">
-                <a:solidFill>
-                  <a:srgbClr val="FFFFFF"/>
-                </a:solidFill>
-                <a:uFill>
-                  <a:solidFill>
-                    <a:srgbClr val="FFFFFF"/>
-                  </a:solidFill>
-                </a:uFill>
-                <a:latin typeface="Calibri" panose="020F0502020204030204" pitchFamily="34" charset="0"/>
-              </a:rPr>
-              <a:t> can be used for text and sprites.</a:t>
-            </a:r>
-          </a:p>
-          <a:p>
-            <a:pPr marL="432000" indent="-321120">
-              <a:lnSpc>
-                <a:spcPct val="100000"/>
-              </a:lnSpc>
-              <a:buClr>
-                <a:srgbClr val="FFFFFF"/>
-              </a:buClr>
-              <a:buSzPct val="45000"/>
-              <a:buFont typeface="Wingdings" charset="2"/>
-              <a:buChar char=""/>
-            </a:pPr>
-            <a:r>
-              <a:rPr lang="en-CA" sz="3200" spc="-1" dirty="0">
-                <a:solidFill>
-                  <a:srgbClr val="FFFFFF"/>
-                </a:solidFill>
-                <a:uFill>
-                  <a:solidFill>
-                    <a:srgbClr val="FFFFFF"/>
-                  </a:solidFill>
-                </a:uFill>
-                <a:latin typeface="Calibri" panose="020F0502020204030204" pitchFamily="34" charset="0"/>
-              </a:rPr>
-              <a:t>Draw was used throughout the testing process as sprites were not yet made up, and it was an easy way to visualize the different actors within the game.</a:t>
-            </a:r>
-          </a:p>
-        </p:txBody>
-      </p:sp>
-    </p:spTree>
-  </p:cSld>
-  <p:clrMapOvr>
-    <a:masterClrMapping/>
-  </p:clrMapOvr>
-  <p:timing>
-    <p:tnLst>
-      <p:par>
-        <p:cTn id="1" dur="indefinite" restart="never" nodeType="tmRoot">
-          <p:childTnLst>
-            <p:seq>
-              <p:cTn id="2" nodeType="mainSeq"/>
-              <p:prevCondLst>
-                <p:cond evt="onPrev" delay="0">
-                  <p:tgtEl>
-                    <p:sldTgt/>
-                  </p:tgtEl>
-                </p:cond>
-              </p:prevCondLst>
-              <p:nextCondLst>
-                <p:cond evt="onNext" delay="0">
-                  <p:tgtEl>
-                    <p:sldTgt/>
-                  </p:tgtEl>
-                </p:cond>
-              </p:nextCondLst>
-            </p:seq>
-          </p:childTnLst>
-        </p:cTn>
-      </p:par>
-    </p:tnLst>
-  </p:timing>
-</p:sld>
-</file>
-
-<file path=ppt/slides/slide17.xml><?xml version="1.0" encoding="utf-8"?>
-<p:sld xmlns:a="http://schemas.openxmlformats.org/drawingml/2006/main" xmlns:r="http://schemas.openxmlformats.org/officeDocument/2006/relationships" xmlns:p="http://schemas.openxmlformats.org/presentationml/2006/main">
-  <p:cSld>
-    <p:spTree>
-      <p:nvGrpSpPr>
-        <p:cNvPr id="1" name=""/>
-        <p:cNvGrpSpPr/>
-        <p:nvPr/>
-      </p:nvGrpSpPr>
-      <p:grpSpPr>
-        <a:xfrm>
-          <a:off x="0" y="0"/>
-          <a:ext cx="0" cy="0"/>
-          <a:chOff x="0" y="0"/>
-          <a:chExt cx="0" cy="0"/>
-        </a:xfrm>
-      </p:grpSpPr>
-      <p:sp>
-        <p:nvSpPr>
-          <p:cNvPr id="106" name="CustomShape 1"/>
-          <p:cNvSpPr/>
-          <p:nvPr/>
-        </p:nvSpPr>
-        <p:spPr>
-          <a:xfrm>
-            <a:off x="457200" y="95534"/>
-            <a:ext cx="8226360" cy="1146412"/>
-          </a:xfrm>
-          <a:prstGeom prst="rect">
-            <a:avLst/>
-          </a:prstGeom>
-          <a:noFill/>
-          <a:ln>
-            <a:noFill/>
-          </a:ln>
-        </p:spPr>
-        <p:style>
-          <a:lnRef idx="0">
-            <a:scrgbClr r="0" g="0" b="0"/>
-          </a:lnRef>
-          <a:fillRef idx="0">
-            <a:scrgbClr r="0" g="0" b="0"/>
-          </a:fillRef>
-          <a:effectRef idx="0">
-            <a:scrgbClr r="0" g="0" b="0"/>
-          </a:effectRef>
-          <a:fontRef idx="minor"/>
-        </p:style>
-        <p:txBody>
-          <a:bodyPr lIns="90000" tIns="45000" rIns="90000" bIns="45000" anchor="ctr"/>
-          <a:lstStyle/>
-          <a:p>
-            <a:pPr algn="ctr">
-              <a:lnSpc>
-                <a:spcPct val="100000"/>
-              </a:lnSpc>
-            </a:pPr>
-            <a:r>
-              <a:rPr lang="en-CA" sz="4400" spc="-1" dirty="0">
-                <a:solidFill>
-                  <a:srgbClr val="FFFFFF"/>
-                </a:solidFill>
-                <a:uFill>
-                  <a:solidFill>
-                    <a:srgbClr val="FFFFFF"/>
-                  </a:solidFill>
-                </a:uFill>
-                <a:latin typeface="Calibri"/>
-                <a:ea typeface="DejaVu Sans"/>
-              </a:rPr>
-              <a:t>Sound</a:t>
-            </a:r>
-            <a:endParaRPr lang="en-CA" sz="1800" b="0" strike="noStrike" spc="-1" dirty="0">
-              <a:solidFill>
-                <a:srgbClr val="FFFFFF"/>
-              </a:solidFill>
-              <a:uFill>
-                <a:solidFill>
-                  <a:srgbClr val="FFFFFF"/>
-                </a:solidFill>
-              </a:uFill>
-              <a:latin typeface="Arial"/>
-            </a:endParaRPr>
-          </a:p>
-        </p:txBody>
-      </p:sp>
-      <p:sp>
-        <p:nvSpPr>
-          <p:cNvPr id="3" name="Rectangle 2"/>
-          <p:cNvSpPr/>
-          <p:nvPr/>
-        </p:nvSpPr>
-        <p:spPr>
-          <a:xfrm>
-            <a:off x="457200" y="1136177"/>
-            <a:ext cx="8226360" cy="5509200"/>
-          </a:xfrm>
-          <a:prstGeom prst="rect">
-            <a:avLst/>
-          </a:prstGeom>
-        </p:spPr>
-        <p:txBody>
-          <a:bodyPr wrap="square">
-            <a:spAutoFit/>
-          </a:bodyPr>
-          <a:lstStyle/>
-          <a:p>
-            <a:pPr marL="432000" indent="-321120">
-              <a:lnSpc>
-                <a:spcPct val="100000"/>
-              </a:lnSpc>
-              <a:buClr>
-                <a:srgbClr val="FFFFFF"/>
-              </a:buClr>
-              <a:buSzPct val="45000"/>
-              <a:buFont typeface="Wingdings" charset="2"/>
-              <a:buChar char=""/>
-            </a:pPr>
-            <a:r>
-              <a:rPr lang="en-CA" sz="3200" b="0" strike="noStrike" spc="-1" dirty="0">
-                <a:solidFill>
-                  <a:srgbClr val="FFFFFF"/>
-                </a:solidFill>
-                <a:uFill>
-                  <a:solidFill>
-                    <a:srgbClr val="FFFFFF"/>
-                  </a:solidFill>
-                </a:uFill>
-                <a:latin typeface="Calibri" charset="0"/>
-                <a:ea typeface="Calibri" charset="0"/>
-                <a:cs typeface="Calibri" charset="0"/>
-              </a:rPr>
-              <a:t>Our sound is loaded in through the </a:t>
-            </a:r>
-            <a:r>
-              <a:rPr lang="en-CA" sz="3200" b="0" strike="noStrike" spc="-1" dirty="0" err="1">
-                <a:solidFill>
-                  <a:srgbClr val="FFFFFF"/>
-                </a:solidFill>
-                <a:uFill>
-                  <a:solidFill>
-                    <a:srgbClr val="FFFFFF"/>
-                  </a:solidFill>
-                </a:uFill>
-                <a:latin typeface="Calibri" charset="0"/>
-                <a:ea typeface="Calibri" charset="0"/>
-                <a:cs typeface="Calibri" charset="0"/>
-              </a:rPr>
-              <a:t>pygame.mixer</a:t>
-            </a:r>
-            <a:r>
-              <a:rPr lang="en-CA" sz="3200" b="0" strike="noStrike" spc="-1" dirty="0">
-                <a:solidFill>
-                  <a:srgbClr val="FFFFFF"/>
-                </a:solidFill>
-                <a:uFill>
-                  <a:solidFill>
-                    <a:srgbClr val="FFFFFF"/>
-                  </a:solidFill>
-                </a:uFill>
-                <a:latin typeface="Calibri" charset="0"/>
-                <a:ea typeface="Calibri" charset="0"/>
-                <a:cs typeface="Calibri" charset="0"/>
-              </a:rPr>
-              <a:t> module.</a:t>
-            </a:r>
-          </a:p>
-          <a:p>
-            <a:pPr marL="432000" indent="-321120">
-              <a:lnSpc>
-                <a:spcPct val="100000"/>
-              </a:lnSpc>
-              <a:buClr>
-                <a:srgbClr val="FFFFFF"/>
-              </a:buClr>
-              <a:buSzPct val="45000"/>
-              <a:buFont typeface="Wingdings" charset="2"/>
-              <a:buChar char=""/>
-            </a:pPr>
-            <a:r>
-              <a:rPr lang="en-CA" sz="3200" b="0" strike="noStrike" spc="-1" dirty="0">
-                <a:solidFill>
-                  <a:srgbClr val="FFFFFF"/>
-                </a:solidFill>
-                <a:uFill>
-                  <a:solidFill>
-                    <a:srgbClr val="FFFFFF"/>
-                  </a:solidFill>
-                </a:uFill>
-                <a:latin typeface="Calibri" charset="0"/>
-                <a:ea typeface="Calibri" charset="0"/>
-                <a:cs typeface="Calibri" charset="0"/>
-              </a:rPr>
-              <a:t>The sounds are only played after being referenced through calling the </a:t>
-            </a:r>
-            <a:r>
-              <a:rPr lang="en-CA" sz="3200" b="0" strike="noStrike" spc="-1" dirty="0" err="1">
-                <a:solidFill>
-                  <a:srgbClr val="FFFFFF"/>
-                </a:solidFill>
-                <a:uFill>
-                  <a:solidFill>
-                    <a:srgbClr val="FFFFFF"/>
-                  </a:solidFill>
-                </a:uFill>
-                <a:latin typeface="Calibri" charset="0"/>
-                <a:ea typeface="Calibri" charset="0"/>
-                <a:cs typeface="Calibri" charset="0"/>
-              </a:rPr>
-              <a:t>PlaySound</a:t>
-            </a:r>
-            <a:r>
-              <a:rPr lang="en-CA" sz="3200" b="0" strike="noStrike" spc="-1" dirty="0">
-                <a:solidFill>
-                  <a:srgbClr val="FFFFFF"/>
-                </a:solidFill>
-                <a:uFill>
-                  <a:solidFill>
-                    <a:srgbClr val="FFFFFF"/>
-                  </a:solidFill>
-                </a:uFill>
-                <a:latin typeface="Calibri" charset="0"/>
-                <a:ea typeface="Calibri" charset="0"/>
-                <a:cs typeface="Calibri" charset="0"/>
-              </a:rPr>
-              <a:t> function located in the Player() class.</a:t>
-            </a:r>
-          </a:p>
-          <a:p>
-            <a:pPr marL="432000" indent="-321120">
-              <a:lnSpc>
-                <a:spcPct val="100000"/>
-              </a:lnSpc>
-              <a:buClr>
-                <a:srgbClr val="FFFFFF"/>
-              </a:buClr>
-              <a:buSzPct val="45000"/>
-              <a:buFont typeface="Wingdings" charset="2"/>
-              <a:buChar char=""/>
-            </a:pPr>
-            <a:endParaRPr lang="en-CA" sz="3200" spc="-1" dirty="0">
-              <a:solidFill>
-                <a:srgbClr val="FFFFFF"/>
-              </a:solidFill>
-              <a:uFill>
-                <a:solidFill>
-                  <a:srgbClr val="FFFFFF"/>
-                </a:solidFill>
-              </a:uFill>
-              <a:latin typeface="Calibri" charset="0"/>
-              <a:ea typeface="Calibri" charset="0"/>
-              <a:cs typeface="Calibri" charset="0"/>
-            </a:endParaRPr>
-          </a:p>
-          <a:p>
-            <a:pPr marL="432000" indent="-321120">
-              <a:lnSpc>
-                <a:spcPct val="100000"/>
-              </a:lnSpc>
-              <a:buClr>
-                <a:srgbClr val="FFFFFF"/>
-              </a:buClr>
-              <a:buSzPct val="45000"/>
-              <a:buFont typeface="Wingdings" charset="2"/>
-              <a:buChar char=""/>
-            </a:pPr>
-            <a:endParaRPr lang="en-CA" sz="3200" spc="-1" dirty="0">
-              <a:solidFill>
-                <a:srgbClr val="FFFFFF"/>
-              </a:solidFill>
-              <a:uFill>
-                <a:solidFill>
-                  <a:srgbClr val="FFFFFF"/>
-                </a:solidFill>
-              </a:uFill>
-              <a:latin typeface="Calibri" charset="0"/>
-              <a:ea typeface="Calibri" charset="0"/>
-              <a:cs typeface="Calibri" charset="0"/>
-            </a:endParaRPr>
-          </a:p>
-          <a:p>
-            <a:pPr marL="432000" indent="-321120">
-              <a:lnSpc>
-                <a:spcPct val="100000"/>
-              </a:lnSpc>
-              <a:buClr>
-                <a:srgbClr val="FFFFFF"/>
-              </a:buClr>
-              <a:buSzPct val="45000"/>
-              <a:buFont typeface="Wingdings" charset="2"/>
-              <a:buChar char=""/>
-            </a:pPr>
-            <a:endParaRPr lang="en-CA" sz="3200" b="0" strike="noStrike" spc="-1" dirty="0">
-              <a:solidFill>
-                <a:srgbClr val="FFFFFF"/>
-              </a:solidFill>
-              <a:uFill>
-                <a:solidFill>
-                  <a:srgbClr val="FFFFFF"/>
-                </a:solidFill>
-              </a:uFill>
-              <a:latin typeface="Calibri" charset="0"/>
-              <a:ea typeface="Calibri" charset="0"/>
-              <a:cs typeface="Calibri" charset="0"/>
-            </a:endParaRPr>
-          </a:p>
-          <a:p>
-            <a:pPr marL="432000" indent="-321120">
-              <a:lnSpc>
-                <a:spcPct val="100000"/>
-              </a:lnSpc>
-              <a:buClr>
-                <a:srgbClr val="FFFFFF"/>
-              </a:buClr>
-              <a:buSzPct val="45000"/>
-              <a:buFont typeface="Wingdings" charset="2"/>
-              <a:buChar char=""/>
-            </a:pPr>
-            <a:r>
-              <a:rPr lang="en-CA" sz="3200" spc="-1" dirty="0">
-                <a:solidFill>
-                  <a:srgbClr val="FFFFFF"/>
-                </a:solidFill>
-                <a:uFill>
-                  <a:solidFill>
-                    <a:srgbClr val="FFFFFF"/>
-                  </a:solidFill>
-                </a:uFill>
-                <a:latin typeface="Calibri" charset="0"/>
-                <a:ea typeface="Calibri" charset="0"/>
-                <a:cs typeface="Calibri" charset="0"/>
-              </a:rPr>
-              <a:t>After some research it became apparent that the .wav files tend to work best within </a:t>
-            </a:r>
-            <a:r>
-              <a:rPr lang="en-CA" sz="3200" spc="-1" dirty="0" err="1">
-                <a:solidFill>
-                  <a:srgbClr val="FFFFFF"/>
-                </a:solidFill>
-                <a:uFill>
-                  <a:solidFill>
-                    <a:srgbClr val="FFFFFF"/>
-                  </a:solidFill>
-                </a:uFill>
-                <a:latin typeface="Calibri" charset="0"/>
-                <a:ea typeface="Calibri" charset="0"/>
-                <a:cs typeface="Calibri" charset="0"/>
-              </a:rPr>
-              <a:t>pygame</a:t>
-            </a:r>
-            <a:r>
-              <a:rPr lang="en-CA" sz="3200" spc="-1" dirty="0">
-                <a:solidFill>
-                  <a:srgbClr val="FFFFFF"/>
-                </a:solidFill>
-                <a:uFill>
-                  <a:solidFill>
-                    <a:srgbClr val="FFFFFF"/>
-                  </a:solidFill>
-                </a:uFill>
-                <a:latin typeface="Calibri" charset="0"/>
-                <a:ea typeface="Calibri" charset="0"/>
-                <a:cs typeface="Calibri" charset="0"/>
-              </a:rPr>
-              <a:t> programs</a:t>
-            </a:r>
-            <a:r>
-              <a:rPr lang="en-CA" sz="3200" b="0" strike="noStrike" spc="-1" dirty="0">
-                <a:solidFill>
-                  <a:srgbClr val="FFFFFF"/>
-                </a:solidFill>
-                <a:uFill>
-                  <a:solidFill>
-                    <a:srgbClr val="FFFFFF"/>
-                  </a:solidFill>
-                </a:uFill>
-                <a:latin typeface="Calibri" charset="0"/>
-                <a:ea typeface="Calibri" charset="0"/>
-                <a:cs typeface="Calibri" charset="0"/>
-              </a:rPr>
-              <a:t>.</a:t>
-            </a:r>
-          </a:p>
-        </p:txBody>
-      </p:sp>
-      <p:pic>
-        <p:nvPicPr>
-          <p:cNvPr id="4" name="Picture 3"/>
-          <p:cNvPicPr>
-            <a:picLocks noChangeAspect="1"/>
-          </p:cNvPicPr>
-          <p:nvPr/>
-        </p:nvPicPr>
-        <p:blipFill rotWithShape="1">
-          <a:blip r:embed="rId2">
-            <a:extLst>
-              <a:ext uri="{28A0092B-C50C-407E-A947-70E740481C1C}">
-                <a14:useLocalDpi xmlns:a14="http://schemas.microsoft.com/office/drawing/2010/main" val="0"/>
-              </a:ext>
-            </a:extLst>
-          </a:blip>
-          <a:srcRect l="3161" t="28259" r="2613" b="53632"/>
-          <a:stretch/>
-        </p:blipFill>
-        <p:spPr>
-          <a:xfrm>
-            <a:off x="1409700" y="3712193"/>
-            <a:ext cx="5946443" cy="1241945"/>
-          </a:xfrm>
-          <a:prstGeom prst="rect">
-            <a:avLst/>
-          </a:prstGeom>
-        </p:spPr>
-      </p:pic>
-    </p:spTree>
-  </p:cSld>
-  <p:clrMapOvr>
-    <a:masterClrMapping/>
-  </p:clrMapOvr>
-  <p:timing>
-    <p:tnLst>
-      <p:par>
-        <p:cTn id="1" dur="indefinite" restart="never" nodeType="tmRoot">
-          <p:childTnLst>
-            <p:seq>
-              <p:cTn id="2" nodeType="mainSeq"/>
-              <p:prevCondLst>
-                <p:cond evt="onPrev" delay="0">
-                  <p:tgtEl>
-                    <p:sldTgt/>
-                  </p:tgtEl>
-                </p:cond>
-              </p:prevCondLst>
-              <p:nextCondLst>
-                <p:cond evt="onNext" delay="0">
-                  <p:tgtEl>
-                    <p:sldTgt/>
-                  </p:tgtEl>
-                </p:cond>
-              </p:nextCondLst>
-            </p:seq>
-          </p:childTnLst>
-        </p:cTn>
-      </p:par>
-    </p:tnLst>
-  </p:timing>
-</p:sld>
-</file>
-
-<file path=ppt/slides/slide18.xml><?xml version="1.0" encoding="utf-8"?>
-<p:sld xmlns:a="http://schemas.openxmlformats.org/drawingml/2006/main" xmlns:r="http://schemas.openxmlformats.org/officeDocument/2006/relationships" xmlns:p="http://schemas.openxmlformats.org/presentationml/2006/main">
-  <p:cSld>
-    <p:spTree>
-      <p:nvGrpSpPr>
-        <p:cNvPr id="1" name=""/>
-        <p:cNvGrpSpPr/>
-        <p:nvPr/>
-      </p:nvGrpSpPr>
-      <p:grpSpPr>
-        <a:xfrm>
-          <a:off x="0" y="0"/>
-          <a:ext cx="0" cy="0"/>
-          <a:chOff x="0" y="0"/>
-          <a:chExt cx="0" cy="0"/>
-        </a:xfrm>
-      </p:grpSpPr>
-      <p:sp>
-        <p:nvSpPr>
-          <p:cNvPr id="3" name="Content Placeholder 2"/>
-          <p:cNvSpPr>
-            <a:spLocks noGrp="1"/>
-          </p:cNvSpPr>
-          <p:nvPr>
-            <p:ph idx="1"/>
-          </p:nvPr>
-        </p:nvSpPr>
-        <p:spPr>
-          <a:xfrm>
-            <a:off x="512473" y="1225569"/>
-            <a:ext cx="7955280" cy="5325356"/>
-          </a:xfrm>
-        </p:spPr>
-        <p:txBody>
-          <a:bodyPr>
-            <a:noAutofit/>
-          </a:bodyPr>
-          <a:lstStyle/>
-          <a:p>
-            <a:r>
-              <a:rPr lang="en-US" sz="3200" dirty="0">
-                <a:latin typeface="Calibri" charset="0"/>
-                <a:ea typeface="Calibri" charset="0"/>
-                <a:cs typeface="Calibri" charset="0"/>
-              </a:rPr>
-              <a:t>Since we chose to program our game using Python, our team decided to use the cross-platform know as </a:t>
-            </a:r>
-            <a:r>
-              <a:rPr lang="en-US" sz="3200" dirty="0" err="1">
-                <a:latin typeface="Calibri" charset="0"/>
-                <a:ea typeface="Calibri" charset="0"/>
-                <a:cs typeface="Calibri" charset="0"/>
-              </a:rPr>
-              <a:t>Pygame</a:t>
-            </a:r>
-            <a:r>
-              <a:rPr lang="en-US" sz="3200" dirty="0">
-                <a:latin typeface="Calibri" charset="0"/>
-                <a:ea typeface="Calibri" charset="0"/>
-                <a:cs typeface="Calibri" charset="0"/>
-              </a:rPr>
-              <a:t>.</a:t>
-            </a:r>
-          </a:p>
-          <a:p>
-            <a:r>
-              <a:rPr lang="en-US" sz="3200" dirty="0" err="1">
-                <a:latin typeface="Calibri" charset="0"/>
-                <a:ea typeface="Calibri" charset="0"/>
-                <a:cs typeface="Calibri" charset="0"/>
-              </a:rPr>
-              <a:t>Pygame</a:t>
-            </a:r>
-            <a:r>
-              <a:rPr lang="en-US" sz="3200" dirty="0">
-                <a:latin typeface="Calibri" charset="0"/>
-                <a:ea typeface="Calibri" charset="0"/>
-                <a:cs typeface="Calibri" charset="0"/>
-              </a:rPr>
-              <a:t> is a open source library which uses the Python programming language. </a:t>
-            </a:r>
-          </a:p>
-          <a:p>
-            <a:r>
-              <a:rPr lang="en-US" sz="3200" dirty="0">
-                <a:latin typeface="Calibri" charset="0"/>
-                <a:ea typeface="Calibri" charset="0"/>
-                <a:cs typeface="Calibri" charset="0"/>
-              </a:rPr>
-              <a:t>The </a:t>
-            </a:r>
-            <a:r>
-              <a:rPr lang="en-US" sz="3200" dirty="0" err="1">
-                <a:latin typeface="Calibri" charset="0"/>
-                <a:ea typeface="Calibri" charset="0"/>
-                <a:cs typeface="Calibri" charset="0"/>
-              </a:rPr>
-              <a:t>Pygame</a:t>
-            </a:r>
-            <a:r>
-              <a:rPr lang="en-US" sz="3200">
-                <a:latin typeface="Calibri" charset="0"/>
-                <a:ea typeface="Calibri" charset="0"/>
-                <a:cs typeface="Calibri" charset="0"/>
-              </a:rPr>
-              <a:t> library has </a:t>
-            </a:r>
-            <a:r>
-              <a:rPr lang="en-US" sz="3200" dirty="0">
-                <a:latin typeface="Calibri" charset="0"/>
-                <a:ea typeface="Calibri" charset="0"/>
-                <a:cs typeface="Calibri" charset="0"/>
-              </a:rPr>
-              <a:t>all sorts of built in modules available for users such as the sound module and the draw module which we used in order to draw images to our scenes, as well as load and play sound files.</a:t>
-            </a:r>
-          </a:p>
-        </p:txBody>
-      </p:sp>
-      <p:sp>
-        <p:nvSpPr>
-          <p:cNvPr id="5" name="CustomShape 1"/>
-          <p:cNvSpPr/>
-          <p:nvPr/>
-        </p:nvSpPr>
-        <p:spPr>
-          <a:xfrm>
-            <a:off x="457200" y="95534"/>
-            <a:ext cx="8226360" cy="1146412"/>
-          </a:xfrm>
-          <a:prstGeom prst="rect">
-            <a:avLst/>
-          </a:prstGeom>
-          <a:noFill/>
-          <a:ln>
-            <a:noFill/>
-          </a:ln>
-        </p:spPr>
-        <p:style>
-          <a:lnRef idx="0">
-            <a:scrgbClr r="0" g="0" b="0"/>
-          </a:lnRef>
-          <a:fillRef idx="0">
-            <a:scrgbClr r="0" g="0" b="0"/>
-          </a:fillRef>
-          <a:effectRef idx="0">
-            <a:scrgbClr r="0" g="0" b="0"/>
-          </a:effectRef>
-          <a:fontRef idx="minor"/>
-        </p:style>
-        <p:txBody>
-          <a:bodyPr lIns="90000" tIns="45000" rIns="90000" bIns="45000" anchor="ctr"/>
-          <a:lstStyle/>
-          <a:p>
-            <a:pPr algn="ctr">
-              <a:lnSpc>
-                <a:spcPct val="100000"/>
-              </a:lnSpc>
-            </a:pPr>
-            <a:r>
-              <a:rPr lang="en-CA" sz="4400" spc="-1" dirty="0" err="1">
-                <a:solidFill>
-                  <a:srgbClr val="FFFFFF"/>
-                </a:solidFill>
-                <a:uFill>
-                  <a:solidFill>
-                    <a:srgbClr val="FFFFFF"/>
-                  </a:solidFill>
-                </a:uFill>
-                <a:latin typeface="Calibri"/>
-                <a:ea typeface="DejaVu Sans"/>
-              </a:rPr>
-              <a:t>Pygame</a:t>
-            </a:r>
-            <a:endParaRPr lang="en-CA" sz="1800" b="0" strike="noStrike" spc="-1" dirty="0">
-              <a:solidFill>
-                <a:srgbClr val="FFFFFF"/>
-              </a:solidFill>
-              <a:uFill>
-                <a:solidFill>
-                  <a:srgbClr val="FFFFFF"/>
-                </a:solidFill>
-              </a:uFill>
-              <a:latin typeface="Arial"/>
-            </a:endParaRPr>
-          </a:p>
-        </p:txBody>
-      </p:sp>
-    </p:spTree>
-    <p:extLst>
-      <p:ext uri="{BB962C8B-B14F-4D97-AF65-F5344CB8AC3E}">
-        <p14:creationId xmlns:p14="http://schemas.microsoft.com/office/powerpoint/2010/main" val="91396009"/>
-      </p:ext>
-    </p:extLst>
-  </p:cSld>
-  <p:clrMapOvr>
-    <a:masterClrMapping/>
-  </p:clrMapOvr>
-</p:sld>
-</file>
-
-<file path=ppt/slides/slide19.xml><?xml version="1.0" encoding="utf-8"?>
-<p:sld xmlns:a="http://schemas.openxmlformats.org/drawingml/2006/main" xmlns:r="http://schemas.openxmlformats.org/officeDocument/2006/relationships" xmlns:p="http://schemas.openxmlformats.org/presentationml/2006/main">
-  <p:cSld>
-    <p:spTree>
-      <p:nvGrpSpPr>
-        <p:cNvPr id="1" name=""/>
-        <p:cNvGrpSpPr/>
-        <p:nvPr/>
-      </p:nvGrpSpPr>
-      <p:grpSpPr>
-        <a:xfrm>
-          <a:off x="0" y="0"/>
-          <a:ext cx="0" cy="0"/>
-          <a:chOff x="0" y="0"/>
-          <a:chExt cx="0" cy="0"/>
-        </a:xfrm>
-      </p:grpSpPr>
-      <p:sp>
-        <p:nvSpPr>
-          <p:cNvPr id="3" name="Content Placeholder 2"/>
-          <p:cNvSpPr>
-            <a:spLocks noGrp="1"/>
-          </p:cNvSpPr>
-          <p:nvPr>
-            <p:ph idx="1"/>
-          </p:nvPr>
-        </p:nvSpPr>
-        <p:spPr>
-          <a:xfrm>
-            <a:off x="594360" y="1910687"/>
-            <a:ext cx="7955280" cy="4352953"/>
-          </a:xfrm>
-        </p:spPr>
-        <p:txBody>
-          <a:bodyPr/>
-          <a:lstStyle/>
-          <a:p>
-            <a:r>
-              <a:rPr lang="en-US" sz="3200" dirty="0">
-                <a:latin typeface="Calibri" charset="0"/>
-                <a:ea typeface="Calibri" charset="0"/>
-                <a:cs typeface="Calibri" charset="0"/>
-              </a:rPr>
-              <a:t>Color matching within video games helps to improve cognitive skills.</a:t>
-            </a:r>
-          </a:p>
-          <a:p>
-            <a:r>
-              <a:rPr lang="en-US" sz="3200" dirty="0">
-                <a:latin typeface="Calibri" charset="0"/>
-                <a:ea typeface="Calibri" charset="0"/>
-                <a:cs typeface="Calibri" charset="0"/>
-              </a:rPr>
-              <a:t>The added requirement to match colors in order to take out enemy targets makes our game more challenging. </a:t>
-            </a:r>
-          </a:p>
-          <a:p>
-            <a:r>
-              <a:rPr lang="en-US" sz="3200" dirty="0">
-                <a:latin typeface="Calibri" charset="0"/>
-                <a:ea typeface="Calibri" charset="0"/>
-                <a:cs typeface="Calibri" charset="0"/>
-              </a:rPr>
-              <a:t>The addition of color matching to our game may also help to improve one’s decision making skills as well as their reaction times . </a:t>
-            </a:r>
-          </a:p>
-          <a:p>
-            <a:endParaRPr lang="en-US" dirty="0"/>
-          </a:p>
-        </p:txBody>
-      </p:sp>
-      <p:sp>
-        <p:nvSpPr>
-          <p:cNvPr id="5" name="CustomShape 1"/>
-          <p:cNvSpPr/>
-          <p:nvPr/>
-        </p:nvSpPr>
-        <p:spPr>
-          <a:xfrm>
-            <a:off x="457200" y="336164"/>
-            <a:ext cx="8226360" cy="1146412"/>
-          </a:xfrm>
-          <a:prstGeom prst="rect">
-            <a:avLst/>
-          </a:prstGeom>
-          <a:noFill/>
-          <a:ln>
-            <a:noFill/>
-          </a:ln>
-        </p:spPr>
-        <p:style>
-          <a:lnRef idx="0">
-            <a:scrgbClr r="0" g="0" b="0"/>
-          </a:lnRef>
-          <a:fillRef idx="0">
-            <a:scrgbClr r="0" g="0" b="0"/>
-          </a:fillRef>
-          <a:effectRef idx="0">
-            <a:scrgbClr r="0" g="0" b="0"/>
-          </a:effectRef>
-          <a:fontRef idx="minor"/>
-        </p:style>
-        <p:txBody>
-          <a:bodyPr lIns="90000" tIns="45000" rIns="90000" bIns="45000" anchor="ctr"/>
-          <a:lstStyle/>
-          <a:p>
-            <a:pPr algn="ctr">
-              <a:lnSpc>
-                <a:spcPct val="100000"/>
-              </a:lnSpc>
-            </a:pPr>
-            <a:r>
-              <a:rPr lang="en-CA" sz="4400" spc="-1" dirty="0">
-                <a:solidFill>
-                  <a:srgbClr val="FFFFFF"/>
-                </a:solidFill>
-                <a:uFill>
-                  <a:solidFill>
-                    <a:srgbClr val="FFFFFF"/>
-                  </a:solidFill>
-                </a:uFill>
-                <a:latin typeface="Calibri"/>
-                <a:ea typeface="DejaVu Sans"/>
-              </a:rPr>
-              <a:t>Color Matching</a:t>
-            </a:r>
-            <a:endParaRPr lang="en-CA" sz="1800" b="0" strike="noStrike" spc="-1" dirty="0">
-              <a:solidFill>
-                <a:srgbClr val="FFFFFF"/>
-              </a:solidFill>
-              <a:uFill>
-                <a:solidFill>
-                  <a:srgbClr val="FFFFFF"/>
-                </a:solidFill>
-              </a:uFill>
-              <a:latin typeface="Arial"/>
-            </a:endParaRPr>
-          </a:p>
-        </p:txBody>
-      </p:sp>
-    </p:spTree>
-    <p:extLst>
-      <p:ext uri="{BB962C8B-B14F-4D97-AF65-F5344CB8AC3E}">
-        <p14:creationId xmlns:p14="http://schemas.microsoft.com/office/powerpoint/2010/main" val="823839288"/>
-      </p:ext>
-    </p:extLst>
-  </p:cSld>
-  <p:clrMapOvr>
-    <a:masterClrMapping/>
-  </p:clrMapOvr>
-</p:sld>
-</file>
-
-<file path=ppt/slides/slide2.xml><?xml version="1.0" encoding="utf-8"?>
-<p:sld xmlns:a="http://schemas.openxmlformats.org/drawingml/2006/main" xmlns:r="http://schemas.openxmlformats.org/officeDocument/2006/relationships" xmlns:p="http://schemas.openxmlformats.org/presentationml/2006/main">
-  <p:cSld>
-    <p:spTree>
-      <p:nvGrpSpPr>
-        <p:cNvPr id="1" name=""/>
-        <p:cNvGrpSpPr/>
-        <p:nvPr/>
-      </p:nvGrpSpPr>
-      <p:grpSpPr>
-        <a:xfrm>
-          <a:off x="0" y="0"/>
-          <a:ext cx="0" cy="0"/>
-          <a:chOff x="0" y="0"/>
-          <a:chExt cx="0" cy="0"/>
-        </a:xfrm>
-      </p:grpSpPr>
-      <p:sp>
-        <p:nvSpPr>
-          <p:cNvPr id="74" name="CustomShape 1"/>
-          <p:cNvSpPr/>
-          <p:nvPr/>
-        </p:nvSpPr>
-        <p:spPr>
-          <a:xfrm>
-            <a:off x="457200" y="274680"/>
-            <a:ext cx="8226360" cy="1139760"/>
-          </a:xfrm>
-          <a:prstGeom prst="rect">
-            <a:avLst/>
-          </a:prstGeom>
-          <a:noFill/>
-          <a:ln>
-            <a:noFill/>
-          </a:ln>
-        </p:spPr>
-        <p:style>
-          <a:lnRef idx="0">
-            <a:scrgbClr r="0" g="0" b="0"/>
-          </a:lnRef>
-          <a:fillRef idx="0">
-            <a:scrgbClr r="0" g="0" b="0"/>
-          </a:fillRef>
-          <a:effectRef idx="0">
-            <a:scrgbClr r="0" g="0" b="0"/>
-          </a:effectRef>
-          <a:fontRef idx="minor"/>
-        </p:style>
-        <p:txBody>
-          <a:bodyPr lIns="90000" tIns="45000" rIns="90000" bIns="45000" anchor="ctr"/>
-          <a:lstStyle/>
-          <a:p>
-            <a:pPr algn="ctr">
-              <a:lnSpc>
-                <a:spcPct val="100000"/>
-              </a:lnSpc>
-            </a:pPr>
-            <a:r>
-              <a:rPr lang="en-CA" sz="4400" b="0" strike="noStrike" spc="-1">
-                <a:solidFill>
-                  <a:srgbClr val="FFFFFF"/>
-                </a:solidFill>
-                <a:uFill>
-                  <a:solidFill>
-                    <a:srgbClr val="FFFFFF"/>
-                  </a:solidFill>
-                </a:uFill>
-                <a:latin typeface="Calibri"/>
-                <a:ea typeface="DejaVu Sans"/>
-              </a:rPr>
-              <a:t>Project Structure</a:t>
-            </a:r>
-            <a:endParaRPr lang="en-CA" sz="1800" b="0" strike="noStrike" spc="-1">
-              <a:solidFill>
-                <a:srgbClr val="FFFFFF"/>
-              </a:solidFill>
-              <a:uFill>
-                <a:solidFill>
-                  <a:srgbClr val="FFFFFF"/>
-                </a:solidFill>
-              </a:uFill>
-              <a:latin typeface="Arial"/>
-            </a:endParaRPr>
-          </a:p>
-        </p:txBody>
-      </p:sp>
-      <p:sp>
-        <p:nvSpPr>
-          <p:cNvPr id="75" name="CustomShape 2"/>
-          <p:cNvSpPr/>
-          <p:nvPr/>
-        </p:nvSpPr>
-        <p:spPr>
-          <a:xfrm>
-            <a:off x="457200" y="1600200"/>
-            <a:ext cx="8226360" cy="4522680"/>
-          </a:xfrm>
-          <a:prstGeom prst="rect">
-            <a:avLst/>
-          </a:prstGeom>
-          <a:noFill/>
-          <a:ln>
-            <a:noFill/>
-          </a:ln>
-        </p:spPr>
-        <p:style>
-          <a:lnRef idx="0">
-            <a:scrgbClr r="0" g="0" b="0"/>
-          </a:lnRef>
-          <a:fillRef idx="0">
-            <a:scrgbClr r="0" g="0" b="0"/>
-          </a:fillRef>
-          <a:effectRef idx="0">
-            <a:scrgbClr r="0" g="0" b="0"/>
-          </a:effectRef>
-          <a:fontRef idx="minor"/>
-        </p:style>
-        <p:txBody>
-          <a:bodyPr lIns="90000" tIns="45000" rIns="90000" bIns="45000"/>
-          <a:lstStyle/>
-          <a:p>
-            <a:pPr marL="343080" indent="-339840">
-              <a:lnSpc>
-                <a:spcPct val="100000"/>
-              </a:lnSpc>
-              <a:buClr>
-                <a:srgbClr val="FFFFFF"/>
-              </a:buClr>
-              <a:buFont typeface="Arial"/>
-              <a:buChar char="•"/>
-            </a:pPr>
-            <a:r>
-              <a:rPr lang="en-CA" sz="3200" b="0" strike="noStrike" spc="-1">
-                <a:solidFill>
-                  <a:srgbClr val="FFFFFF"/>
-                </a:solidFill>
-                <a:uFill>
-                  <a:solidFill>
-                    <a:srgbClr val="FFFFFF"/>
-                  </a:solidFill>
-                </a:uFill>
-                <a:latin typeface="Calibri"/>
-                <a:ea typeface="DejaVu Sans"/>
-              </a:rPr>
-              <a:t>Lazer Blast uses the Python setuptools module, to make installation and development easier.</a:t>
-            </a:r>
-            <a:endParaRPr lang="en-CA" sz="1800" b="0" strike="noStrike" spc="-1">
-              <a:solidFill>
-                <a:srgbClr val="FFFFFF"/>
-              </a:solidFill>
-              <a:uFill>
-                <a:solidFill>
-                  <a:srgbClr val="FFFFFF"/>
-                </a:solidFill>
-              </a:uFill>
-              <a:latin typeface="Arial"/>
-            </a:endParaRPr>
-          </a:p>
-          <a:p>
-            <a:pPr marL="343080" indent="-339840">
-              <a:lnSpc>
-                <a:spcPct val="100000"/>
-              </a:lnSpc>
-              <a:buClr>
-                <a:srgbClr val="FFFFFF"/>
-              </a:buClr>
-              <a:buFont typeface="Arial"/>
-              <a:buChar char="•"/>
-            </a:pPr>
-            <a:r>
-              <a:rPr lang="en-CA" sz="3200" b="0" strike="noStrike" spc="-1">
-                <a:solidFill>
-                  <a:srgbClr val="FFFFFF"/>
-                </a:solidFill>
-                <a:uFill>
-                  <a:solidFill>
-                    <a:srgbClr val="FFFFFF"/>
-                  </a:solidFill>
-                </a:uFill>
-                <a:latin typeface="Calibri"/>
-                <a:ea typeface="DejaVu Sans"/>
-              </a:rPr>
-              <a:t>It could easily be hosted on PypI, and users could install it just by typing `pip3 install lazer_blast`</a:t>
-            </a:r>
-            <a:endParaRPr lang="en-CA" sz="1800" b="0" strike="noStrike" spc="-1">
-              <a:solidFill>
-                <a:srgbClr val="FFFFFF"/>
-              </a:solidFill>
-              <a:uFill>
-                <a:solidFill>
-                  <a:srgbClr val="FFFFFF"/>
-                </a:solidFill>
-              </a:uFill>
-              <a:latin typeface="Arial"/>
-            </a:endParaRPr>
-          </a:p>
-          <a:p>
-            <a:pPr marL="343080" indent="-339840">
-              <a:lnSpc>
-                <a:spcPct val="100000"/>
-              </a:lnSpc>
-              <a:buClr>
-                <a:srgbClr val="FFFFFF"/>
-              </a:buClr>
-              <a:buFont typeface="Arial"/>
-              <a:buChar char="•"/>
-            </a:pPr>
-            <a:r>
-              <a:rPr lang="en-CA" sz="3200" b="0" strike="noStrike" spc="-1">
-                <a:solidFill>
-                  <a:srgbClr val="FFFFFF"/>
-                </a:solidFill>
-                <a:uFill>
-                  <a:solidFill>
-                    <a:srgbClr val="FFFFFF"/>
-                  </a:solidFill>
-                </a:uFill>
-                <a:latin typeface="Calibri"/>
-                <a:ea typeface="DejaVu Sans"/>
-              </a:rPr>
-              <a:t>It also gives a common entry point for tests and requirements installation.</a:t>
-            </a:r>
-            <a:endParaRPr lang="en-CA" sz="1800" b="0" strike="noStrike" spc="-1">
-              <a:solidFill>
-                <a:srgbClr val="FFFFFF"/>
-              </a:solidFill>
-              <a:uFill>
-                <a:solidFill>
-                  <a:srgbClr val="FFFFFF"/>
-                </a:solidFill>
-              </a:uFill>
-              <a:latin typeface="Arial"/>
-            </a:endParaRPr>
-          </a:p>
-        </p:txBody>
-      </p:sp>
-    </p:spTree>
-  </p:cSld>
-  <p:clrMapOvr>
-    <a:masterClrMapping/>
-  </p:clrMapOvr>
-  <p:timing>
-    <p:tnLst>
-      <p:par>
-        <p:cTn id="1" dur="indefinite" restart="never" nodeType="tmRoot">
-          <p:childTnLst>
-            <p:seq>
-              <p:cTn id="2" nodeType="mainSeq"/>
-              <p:prevCondLst>
-                <p:cond evt="onPrev" delay="0">
-                  <p:tgtEl>
-                    <p:sldTgt/>
-                  </p:tgtEl>
-                </p:cond>
-              </p:prevCondLst>
-              <p:nextCondLst>
-                <p:cond evt="onNext" delay="0">
-                  <p:tgtEl>
-                    <p:sldTgt/>
-                  </p:tgtEl>
-                </p:cond>
-              </p:nextCondLst>
-            </p:seq>
-          </p:childTnLst>
-        </p:cTn>
-      </p:par>
-    </p:tnLst>
-  </p:timing>
-</p:sld>
-</file>
-
-<file path=ppt/slides/slide20.xml><?xml version="1.0" encoding="utf-8"?>
-<p:sld xmlns:a="http://schemas.openxmlformats.org/drawingml/2006/main" xmlns:r="http://schemas.openxmlformats.org/officeDocument/2006/relationships" xmlns:p="http://schemas.openxmlformats.org/presentationml/2006/main">
-  <p:cSld>
-    <p:spTree>
-      <p:nvGrpSpPr>
-        <p:cNvPr id="1" name=""/>
-        <p:cNvGrpSpPr/>
-        <p:nvPr/>
-      </p:nvGrpSpPr>
-      <p:grpSpPr>
-        <a:xfrm>
-          <a:off x="0" y="0"/>
-          <a:ext cx="0" cy="0"/>
-          <a:chOff x="0" y="0"/>
-          <a:chExt cx="0" cy="0"/>
-        </a:xfrm>
-      </p:grpSpPr>
-      <p:sp>
-        <p:nvSpPr>
-          <p:cNvPr id="3" name="Content Placeholder 2"/>
-          <p:cNvSpPr>
-            <a:spLocks noGrp="1"/>
-          </p:cNvSpPr>
-          <p:nvPr>
-            <p:ph idx="1"/>
-          </p:nvPr>
-        </p:nvSpPr>
-        <p:spPr>
-          <a:xfrm>
-            <a:off x="662598" y="1419367"/>
-            <a:ext cx="7955280" cy="5240740"/>
-          </a:xfrm>
-        </p:spPr>
-        <p:txBody>
-          <a:bodyPr>
-            <a:noAutofit/>
-          </a:bodyPr>
-          <a:lstStyle/>
-          <a:p>
-            <a:r>
-              <a:rPr lang="en-US" sz="3200" dirty="0">
-                <a:latin typeface="Calibri" charset="0"/>
-                <a:ea typeface="Calibri" charset="0"/>
-                <a:cs typeface="Calibri" charset="0"/>
-              </a:rPr>
-              <a:t>We’ve included color matching</a:t>
-            </a:r>
-          </a:p>
-          <a:p>
-            <a:pPr lvl="1"/>
-            <a:r>
-              <a:rPr lang="en-US" sz="3200" dirty="0">
-                <a:latin typeface="Calibri" charset="0"/>
-                <a:ea typeface="Calibri" charset="0"/>
-                <a:cs typeface="Calibri" charset="0"/>
-              </a:rPr>
-              <a:t>This requires the player to think and react quickly which makes our game more of a challenge and therefore more likely to be played.</a:t>
-            </a:r>
-          </a:p>
-          <a:p>
-            <a:r>
-              <a:rPr lang="en-US" sz="3200" dirty="0">
-                <a:latin typeface="Calibri" charset="0"/>
-                <a:ea typeface="Calibri" charset="0"/>
-                <a:cs typeface="Calibri" charset="0"/>
-              </a:rPr>
-              <a:t>We chose a language that is popular and easy </a:t>
-            </a:r>
-          </a:p>
-          <a:p>
-            <a:pPr lvl="1"/>
-            <a:r>
-              <a:rPr lang="en-US" sz="3200" dirty="0">
-                <a:latin typeface="Calibri" charset="0"/>
-                <a:ea typeface="Calibri" charset="0"/>
-                <a:cs typeface="Calibri" charset="0"/>
-              </a:rPr>
-              <a:t>The original </a:t>
-            </a:r>
-            <a:r>
-              <a:rPr lang="en-US" sz="3200" dirty="0" err="1">
-                <a:latin typeface="Calibri" charset="0"/>
-                <a:ea typeface="Calibri" charset="0"/>
-                <a:cs typeface="Calibri" charset="0"/>
-              </a:rPr>
-              <a:t>Galaga</a:t>
-            </a:r>
-            <a:r>
-              <a:rPr lang="en-US" sz="3200" dirty="0">
-                <a:latin typeface="Calibri" charset="0"/>
-                <a:ea typeface="Calibri" charset="0"/>
-                <a:cs typeface="Calibri" charset="0"/>
-              </a:rPr>
-              <a:t> game was created in Assembly which is a language that not as many developers work with and therefore makes it more difficult to keep the game updated.</a:t>
-            </a:r>
-          </a:p>
-          <a:p>
-            <a:pPr lvl="1"/>
-            <a:endParaRPr lang="en-US" sz="3200" dirty="0">
-              <a:latin typeface="Calibri" charset="0"/>
-              <a:ea typeface="Calibri" charset="0"/>
-              <a:cs typeface="Calibri" charset="0"/>
-            </a:endParaRPr>
-          </a:p>
-        </p:txBody>
-      </p:sp>
-      <p:sp>
-        <p:nvSpPr>
-          <p:cNvPr id="4" name="CustomShape 1"/>
-          <p:cNvSpPr/>
-          <p:nvPr/>
-        </p:nvSpPr>
-        <p:spPr>
-          <a:xfrm>
-            <a:off x="2213810" y="247575"/>
-            <a:ext cx="8226360" cy="1146412"/>
-          </a:xfrm>
-          <a:prstGeom prst="rect">
-            <a:avLst/>
-          </a:prstGeom>
-          <a:noFill/>
-          <a:ln>
-            <a:noFill/>
-          </a:ln>
-        </p:spPr>
-        <p:style>
-          <a:lnRef idx="0">
-            <a:scrgbClr r="0" g="0" b="0"/>
-          </a:lnRef>
-          <a:fillRef idx="0">
-            <a:scrgbClr r="0" g="0" b="0"/>
-          </a:fillRef>
-          <a:effectRef idx="0">
-            <a:scrgbClr r="0" g="0" b="0"/>
-          </a:effectRef>
-          <a:fontRef idx="minor"/>
-        </p:style>
-        <p:txBody>
-          <a:bodyPr lIns="90000" tIns="45000" rIns="90000" bIns="45000" anchor="ctr"/>
-          <a:lstStyle/>
-          <a:p>
-            <a:pPr algn="ctr">
-              <a:lnSpc>
-                <a:spcPct val="100000"/>
-              </a:lnSpc>
-            </a:pPr>
-            <a:r>
-              <a:rPr lang="en-CA" sz="4400" spc="-1" dirty="0">
-                <a:solidFill>
-                  <a:srgbClr val="FFFFFF"/>
-                </a:solidFill>
-                <a:uFill>
-                  <a:solidFill>
-                    <a:srgbClr val="FFFFFF"/>
-                  </a:solidFill>
-                </a:uFill>
-                <a:latin typeface="Calibri"/>
-                <a:ea typeface="DejaVu Sans"/>
-              </a:rPr>
-              <a:t>What Makes Our</a:t>
-            </a:r>
-          </a:p>
-          <a:p>
-            <a:pPr algn="ctr">
-              <a:lnSpc>
-                <a:spcPct val="100000"/>
-              </a:lnSpc>
-            </a:pPr>
-            <a:r>
-              <a:rPr lang="en-CA" sz="4400" spc="-1" dirty="0">
-                <a:solidFill>
-                  <a:srgbClr val="FFFFFF"/>
-                </a:solidFill>
-                <a:uFill>
-                  <a:solidFill>
-                    <a:srgbClr val="FFFFFF"/>
-                  </a:solidFill>
-                </a:uFill>
-                <a:latin typeface="Calibri"/>
-                <a:ea typeface="DejaVu Sans"/>
-              </a:rPr>
-              <a:t>Version Better?</a:t>
-            </a:r>
-            <a:endParaRPr lang="en-CA" sz="1800" b="0" strike="noStrike" spc="-1" dirty="0">
-              <a:solidFill>
-                <a:srgbClr val="FFFFFF"/>
-              </a:solidFill>
-              <a:uFill>
-                <a:solidFill>
-                  <a:srgbClr val="FFFFFF"/>
-                </a:solidFill>
-              </a:uFill>
-              <a:latin typeface="Arial"/>
-            </a:endParaRPr>
-          </a:p>
-        </p:txBody>
-      </p:sp>
-    </p:spTree>
-    <p:extLst>
-      <p:ext uri="{BB962C8B-B14F-4D97-AF65-F5344CB8AC3E}">
-        <p14:creationId xmlns:p14="http://schemas.microsoft.com/office/powerpoint/2010/main" val="759521035"/>
-      </p:ext>
-    </p:extLst>
-  </p:cSld>
-  <p:clrMapOvr>
-    <a:masterClrMapping/>
-  </p:clrMapOvr>
 </p:sld>
 </file>
 

--- a/final_presentation/Presentation.pptx
+++ b/final_presentation/Presentation.pptx
@@ -6,26 +6,16 @@
     <p:sldMasterId id="2147483912" r:id="rId2"/>
   </p:sldMasterIdLst>
   <p:notesMasterIdLst>
-    <p:notesMasterId r:id="rId20"/>
+    <p:notesMasterId r:id="rId10"/>
   </p:notesMasterIdLst>
   <p:sldIdLst>
     <p:sldId id="256" r:id="rId3"/>
     <p:sldId id="257" r:id="rId4"/>
     <p:sldId id="258" r:id="rId5"/>
-    <p:sldId id="259" r:id="rId6"/>
-    <p:sldId id="260" r:id="rId7"/>
-    <p:sldId id="261" r:id="rId8"/>
-    <p:sldId id="262" r:id="rId9"/>
-    <p:sldId id="263" r:id="rId10"/>
-    <p:sldId id="264" r:id="rId11"/>
-    <p:sldId id="265" r:id="rId12"/>
-    <p:sldId id="269" r:id="rId13"/>
-    <p:sldId id="270" r:id="rId14"/>
-    <p:sldId id="271" r:id="rId15"/>
-    <p:sldId id="273" r:id="rId16"/>
-    <p:sldId id="275" r:id="rId17"/>
-    <p:sldId id="274" r:id="rId18"/>
-    <p:sldId id="276" r:id="rId19"/>
+    <p:sldId id="260" r:id="rId6"/>
+    <p:sldId id="261" r:id="rId7"/>
+    <p:sldId id="262" r:id="rId8"/>
+    <p:sldId id="259" r:id="rId9"/>
   </p:sldIdLst>
   <p:sldSz cx="9144000" cy="6858000" type="screen4x3"/>
   <p:notesSz cx="7772400" cy="10058400"/>
@@ -126,7 +116,7 @@
   </p:defaultTextStyle>
   <p:extLst>
     <p:ext uri="{EFAFB233-063F-42B5-8137-9DF3F51BA10A}">
-      <p15:sldGuideLst xmlns:p15="http://schemas.microsoft.com/office/powerpoint/2012/main"/>
+      <p15:sldGuideLst xmlns:p15="http://schemas.microsoft.com/office/powerpoint/2012/main" xmlns=""/>
     </p:ext>
   </p:extLst>
 </p:presentation>
@@ -214,7 +204,7 @@
           <a:p>
             <a:fld id="{EC39D051-DB48-D945-8FCA-B54E06EC6697}" type="datetimeFigureOut">
               <a:rPr lang="en-US" smtClean="0"/>
-              <a:t>4/10/2017</a:t>
+              <a:t>4/12/17</a:t>
             </a:fld>
             <a:endParaRPr lang="en-US"/>
           </a:p>
@@ -481,6 +471,90 @@
 </p:notesMaster>
 </file>
 
+<file path=ppt/notesSlides/notesSlide1.xml><?xml version="1.0" encoding="utf-8"?>
+<p:notes xmlns:a="http://schemas.openxmlformats.org/drawingml/2006/main" xmlns:r="http://schemas.openxmlformats.org/officeDocument/2006/relationships" xmlns:p="http://schemas.openxmlformats.org/presentationml/2006/main">
+  <p:cSld>
+    <p:spTree>
+      <p:nvGrpSpPr>
+        <p:cNvPr id="1" name=""/>
+        <p:cNvGrpSpPr/>
+        <p:nvPr/>
+      </p:nvGrpSpPr>
+      <p:grpSpPr>
+        <a:xfrm>
+          <a:off x="0" y="0"/>
+          <a:ext cx="0" cy="0"/>
+          <a:chOff x="0" y="0"/>
+          <a:chExt cx="0" cy="0"/>
+        </a:xfrm>
+      </p:grpSpPr>
+      <p:sp>
+        <p:nvSpPr>
+          <p:cNvPr id="2" name="Slide Image Placeholder 1"/>
+          <p:cNvSpPr>
+            <a:spLocks noGrp="1" noRot="1" noChangeAspect="1"/>
+          </p:cNvSpPr>
+          <p:nvPr>
+            <p:ph type="sldImg"/>
+          </p:nvPr>
+        </p:nvSpPr>
+        <p:spPr/>
+      </p:sp>
+      <p:sp>
+        <p:nvSpPr>
+          <p:cNvPr id="3" name="Notes Placeholder 2"/>
+          <p:cNvSpPr>
+            <a:spLocks noGrp="1"/>
+          </p:cNvSpPr>
+          <p:nvPr>
+            <p:ph type="body" idx="1"/>
+          </p:nvPr>
+        </p:nvSpPr>
+        <p:spPr/>
+        <p:txBody>
+          <a:bodyPr/>
+          <a:lstStyle/>
+          <a:p>
+            <a:endParaRPr lang="en-US" dirty="0"/>
+          </a:p>
+        </p:txBody>
+      </p:sp>
+      <p:sp>
+        <p:nvSpPr>
+          <p:cNvPr id="4" name="Slide Number Placeholder 3"/>
+          <p:cNvSpPr>
+            <a:spLocks noGrp="1"/>
+          </p:cNvSpPr>
+          <p:nvPr>
+            <p:ph type="sldNum" sz="quarter" idx="10"/>
+          </p:nvPr>
+        </p:nvSpPr>
+        <p:spPr/>
+        <p:txBody>
+          <a:bodyPr/>
+          <a:lstStyle/>
+          <a:p>
+            <a:fld id="{612091FE-DE4C-3A40-9521-6CF3F7020F88}" type="slidenum">
+              <a:rPr lang="en-US" smtClean="0"/>
+              <a:t>7</a:t>
+            </a:fld>
+            <a:endParaRPr lang="en-US"/>
+          </a:p>
+        </p:txBody>
+      </p:sp>
+    </p:spTree>
+    <p:extLst>
+      <p:ext uri="{BB962C8B-B14F-4D97-AF65-F5344CB8AC3E}">
+        <p14:creationId xmlns:p14="http://schemas.microsoft.com/office/powerpoint/2010/main" val="3718279160"/>
+      </p:ext>
+    </p:extLst>
+  </p:cSld>
+  <p:clrMapOvr>
+    <a:masterClrMapping/>
+  </p:clrMapOvr>
+</p:notes>
+</file>
+
 <file path=ppt/slideLayouts/slideLayout1.xml><?xml version="1.0" encoding="utf-8"?>
 <p:sldLayout xmlns:a="http://schemas.openxmlformats.org/drawingml/2006/main" xmlns:r="http://schemas.openxmlformats.org/officeDocument/2006/relationships" xmlns:p="http://schemas.openxmlformats.org/presentationml/2006/main" type="blank" preserve="1">
   <p:cSld name="Blank Slide">
@@ -1207,7 +1281,7 @@
           <a:p>
             <a:fld id="{48A87A34-81AB-432B-8DAE-1953F412C126}" type="datetimeFigureOut">
               <a:rPr lang="en-US" smtClean="0"/>
-              <a:t>4/10/2017</a:t>
+              <a:t>4/12/17</a:t>
             </a:fld>
             <a:endParaRPr lang="en-US" dirty="0"/>
           </a:p>
@@ -1272,7 +1346,7 @@
   </p:clrMapOvr>
   <p:extLst>
     <p:ext uri="{DCECCB84-F9BA-43D5-87BE-67443E8EF086}">
-      <p15:sldGuideLst xmlns:p15="http://schemas.microsoft.com/office/powerpoint/2012/main"/>
+      <p15:sldGuideLst xmlns:p15="http://schemas.microsoft.com/office/powerpoint/2012/main" xmlns=""/>
     </p:ext>
   </p:extLst>
 </p:sldLayout>
@@ -1387,7 +1461,7 @@
           <a:p>
             <a:fld id="{48A87A34-81AB-432B-8DAE-1953F412C126}" type="datetimeFigureOut">
               <a:rPr lang="en-US" smtClean="0"/>
-              <a:t>4/10/2017</a:t>
+              <a:t>4/12/17</a:t>
             </a:fld>
             <a:endParaRPr lang="en-US" dirty="0"/>
           </a:p>
@@ -1672,7 +1746,7 @@
             <a:fld id="{48A87A34-81AB-432B-8DAE-1953F412C126}" type="datetimeFigureOut">
               <a:rPr lang="en-US" smtClean="0"/>
               <a:pPr/>
-              <a:t>4/10/2017</a:t>
+              <a:t>4/12/17</a:t>
             </a:fld>
             <a:endParaRPr lang="en-US" dirty="0"/>
           </a:p>
@@ -1737,7 +1811,7 @@
   </p:clrMapOvr>
   <p:extLst>
     <p:ext uri="{DCECCB84-F9BA-43D5-87BE-67443E8EF086}">
-      <p15:sldGuideLst xmlns:p15="http://schemas.microsoft.com/office/powerpoint/2012/main"/>
+      <p15:sldGuideLst xmlns:p15="http://schemas.microsoft.com/office/powerpoint/2012/main" xmlns=""/>
     </p:ext>
   </p:extLst>
 </p:sldLayout>
@@ -1914,7 +1988,7 @@
           <a:p>
             <a:fld id="{48A87A34-81AB-432B-8DAE-1953F412C126}" type="datetimeFigureOut">
               <a:rPr lang="en-US" smtClean="0"/>
-              <a:t>4/10/2017</a:t>
+              <a:t>4/12/17</a:t>
             </a:fld>
             <a:endParaRPr lang="en-US" dirty="0"/>
           </a:p>
@@ -1969,7 +2043,7 @@
   </p:clrMapOvr>
   <p:extLst>
     <p:ext uri="{DCECCB84-F9BA-43D5-87BE-67443E8EF086}">
-      <p15:sldGuideLst xmlns:p15="http://schemas.microsoft.com/office/powerpoint/2012/main"/>
+      <p15:sldGuideLst xmlns:p15="http://schemas.microsoft.com/office/powerpoint/2012/main" xmlns=""/>
     </p:ext>
   </p:extLst>
 </p:sldLayout>
@@ -2293,7 +2367,7 @@
           <a:p>
             <a:fld id="{48A87A34-81AB-432B-8DAE-1953F412C126}" type="datetimeFigureOut">
               <a:rPr lang="en-US" smtClean="0"/>
-              <a:t>4/10/2017</a:t>
+              <a:t>4/12/17</a:t>
             </a:fld>
             <a:endParaRPr lang="en-US" dirty="0"/>
           </a:p>
@@ -2348,7 +2422,7 @@
   </p:clrMapOvr>
   <p:extLst>
     <p:ext uri="{DCECCB84-F9BA-43D5-87BE-67443E8EF086}">
-      <p15:sldGuideLst xmlns:p15="http://schemas.microsoft.com/office/powerpoint/2012/main"/>
+      <p15:sldGuideLst xmlns:p15="http://schemas.microsoft.com/office/powerpoint/2012/main" xmlns=""/>
     </p:ext>
   </p:extLst>
 </p:sldLayout>
@@ -2411,7 +2485,7 @@
           <a:p>
             <a:fld id="{48A87A34-81AB-432B-8DAE-1953F412C126}" type="datetimeFigureOut">
               <a:rPr lang="en-US" smtClean="0"/>
-              <a:t>4/10/2017</a:t>
+              <a:t>4/12/17</a:t>
             </a:fld>
             <a:endParaRPr lang="en-US" dirty="0"/>
           </a:p>
@@ -2501,7 +2575,7 @@
           <a:p>
             <a:fld id="{48A87A34-81AB-432B-8DAE-1953F412C126}" type="datetimeFigureOut">
               <a:rPr lang="en-US" smtClean="0"/>
-              <a:t>4/10/2017</a:t>
+              <a:t>4/12/17</a:t>
             </a:fld>
             <a:endParaRPr lang="en-US" dirty="0"/>
           </a:p>
@@ -2846,7 +2920,7 @@
           <a:p>
             <a:fld id="{48A87A34-81AB-432B-8DAE-1953F412C126}" type="datetimeFigureOut">
               <a:rPr lang="en-US" smtClean="0"/>
-              <a:t>4/10/2017</a:t>
+              <a:t>4/12/17</a:t>
             </a:fld>
             <a:endParaRPr lang="en-US" dirty="0"/>
           </a:p>
@@ -2901,7 +2975,7 @@
   </p:clrMapOvr>
   <p:extLst>
     <p:ext uri="{DCECCB84-F9BA-43D5-87BE-67443E8EF086}">
-      <p15:sldGuideLst xmlns:p15="http://schemas.microsoft.com/office/powerpoint/2012/main"/>
+      <p15:sldGuideLst xmlns:p15="http://schemas.microsoft.com/office/powerpoint/2012/main" xmlns=""/>
     </p:ext>
   </p:extLst>
 </p:sldLayout>
@@ -3103,7 +3177,7 @@
           <a:p>
             <a:fld id="{48A87A34-81AB-432B-8DAE-1953F412C126}" type="datetimeFigureOut">
               <a:rPr lang="en-US" smtClean="0"/>
-              <a:t>4/10/2017</a:t>
+              <a:t>4/12/17</a:t>
             </a:fld>
             <a:endParaRPr lang="en-US" dirty="0"/>
           </a:p>
@@ -3355,7 +3429,7 @@
           <a:p>
             <a:fld id="{4D9FFFB4-400D-1240-AB24-6F86C96D4DFB}" type="datetimeFigureOut">
               <a:rPr lang="en-US" smtClean="0"/>
-              <a:t>4/10/2017</a:t>
+              <a:t>4/12/17</a:t>
             </a:fld>
             <a:endParaRPr lang="en-US" dirty="0"/>
           </a:p>
@@ -3582,7 +3656,7 @@
           <a:p>
             <a:fld id="{E28077EF-3DB9-4852-A8C8-9AA18A70A9F8}" type="datetimeFigureOut">
               <a:rPr lang="en-US" smtClean="0"/>
-              <a:t>4/10/2017</a:t>
+              <a:t>4/12/17</a:t>
             </a:fld>
             <a:endParaRPr lang="en-US" dirty="0"/>
           </a:p>
@@ -3888,7 +3962,7 @@
           <a:p>
             <a:fld id="{E28077EF-3DB9-4852-A8C8-9AA18A70A9F8}" type="datetimeFigureOut">
               <a:rPr lang="en-US" smtClean="0"/>
-              <a:t>4/10/2017</a:t>
+              <a:t>4/12/17</a:t>
             </a:fld>
             <a:endParaRPr lang="en-US" dirty="0"/>
           </a:p>
@@ -4357,7 +4431,7 @@
           <a:p>
             <a:fld id="{E28077EF-3DB9-4852-A8C8-9AA18A70A9F8}" type="datetimeFigureOut">
               <a:rPr lang="en-US" smtClean="0"/>
-              <a:t>4/10/2017</a:t>
+              <a:t>4/12/17</a:t>
             </a:fld>
             <a:endParaRPr lang="en-US" dirty="0"/>
           </a:p>
@@ -4900,7 +4974,7 @@
           <a:p>
             <a:fld id="{4D9FFFB4-400D-1240-AB24-6F86C96D4DFB}" type="datetimeFigureOut">
               <a:rPr lang="en-US" smtClean="0"/>
-              <a:t>4/10/2017</a:t>
+              <a:t>4/12/17</a:t>
             </a:fld>
             <a:endParaRPr lang="en-US" dirty="0"/>
           </a:p>
@@ -5670,7 +5744,7 @@
           <a:p>
             <a:fld id="{4D9FFFB4-400D-1240-AB24-6F86C96D4DFB}" type="datetimeFigureOut">
               <a:rPr lang="en-US" smtClean="0"/>
-              <a:t>4/10/2017</a:t>
+              <a:t>4/12/17</a:t>
             </a:fld>
             <a:endParaRPr lang="en-US" dirty="0"/>
           </a:p>
@@ -5841,7 +5915,7 @@
           <a:p>
             <a:fld id="{48A87A34-81AB-432B-8DAE-1953F412C126}" type="datetimeFigureOut">
               <a:rPr lang="en-US" smtClean="0"/>
-              <a:t>4/10/2017</a:t>
+              <a:t>4/12/17</a:t>
             </a:fld>
             <a:endParaRPr lang="en-US" dirty="0"/>
           </a:p>
@@ -6060,7 +6134,7 @@
             <a:fld id="{48A87A34-81AB-432B-8DAE-1953F412C126}" type="datetimeFigureOut">
               <a:rPr lang="en-US" smtClean="0"/>
               <a:pPr/>
-              <a:t>4/10/2017</a:t>
+              <a:t>4/12/17</a:t>
             </a:fld>
             <a:endParaRPr lang="en-US" dirty="0"/>
           </a:p>
@@ -6125,7 +6199,7 @@
   </p:clrMapOvr>
   <p:extLst>
     <p:ext uri="{DCECCB84-F9BA-43D5-87BE-67443E8EF086}">
-      <p15:sldGuideLst xmlns:p15="http://schemas.microsoft.com/office/powerpoint/2012/main"/>
+      <p15:sldGuideLst xmlns:p15="http://schemas.microsoft.com/office/powerpoint/2012/main" xmlns=""/>
     </p:ext>
   </p:extLst>
 </p:sldLayout>
@@ -7757,7 +7831,7 @@
             <a:fld id="{48A87A34-81AB-432B-8DAE-1953F412C126}" type="datetimeFigureOut">
               <a:rPr lang="en-US" dirty="0"/>
               <a:pPr/>
-              <a:t>4/10/2017</a:t>
+              <a:t>4/12/17</a:t>
             </a:fld>
             <a:endParaRPr lang="en-US" dirty="0"/>
           </a:p>
@@ -8151,7 +8225,7 @@
   </p:txStyles>
   <p:extLst>
     <p:ext uri="{27BBF7A9-308A-43DC-89C8-2F10F3537804}">
-      <p15:sldGuideLst xmlns:p15="http://schemas.microsoft.com/office/powerpoint/2012/main"/>
+      <p15:sldGuideLst xmlns:p15="http://schemas.microsoft.com/office/powerpoint/2012/main" xmlns=""/>
     </p:ext>
   </p:extLst>
 </p:sldMaster>
@@ -8320,7 +8394,7 @@
   <p:timing>
     <p:tnLst>
       <p:par>
-        <p:cTn id="1" dur="indefinite" restart="never" nodeType="tmRoot">
+        <p:cTn xmlns:p14="http://schemas.microsoft.com/office/powerpoint/2010/main" id="1" dur="indefinite" restart="never" nodeType="tmRoot">
           <p:childTnLst>
             <p:seq>
               <p:cTn id="2" nodeType="mainSeq"/>
@@ -8347,2361 +8421,6 @@
 </p:sld>
 </file>
 
-<file path=ppt/slides/slide10.xml><?xml version="1.0" encoding="utf-8"?>
-<p:sld xmlns:a="http://schemas.openxmlformats.org/drawingml/2006/main" xmlns:r="http://schemas.openxmlformats.org/officeDocument/2006/relationships" xmlns:p="http://schemas.openxmlformats.org/presentationml/2006/main">
-  <p:cSld>
-    <p:spTree>
-      <p:nvGrpSpPr>
-        <p:cNvPr id="1" name=""/>
-        <p:cNvGrpSpPr/>
-        <p:nvPr/>
-      </p:nvGrpSpPr>
-      <p:grpSpPr>
-        <a:xfrm>
-          <a:off x="0" y="0"/>
-          <a:ext cx="0" cy="0"/>
-          <a:chOff x="0" y="0"/>
-          <a:chExt cx="0" cy="0"/>
-        </a:xfrm>
-      </p:grpSpPr>
-      <p:sp>
-        <p:nvSpPr>
-          <p:cNvPr id="90" name="CustomShape 1"/>
-          <p:cNvSpPr/>
-          <p:nvPr/>
-        </p:nvSpPr>
-        <p:spPr>
-          <a:xfrm>
-            <a:off x="457200" y="274680"/>
-            <a:ext cx="8226360" cy="1139760"/>
-          </a:xfrm>
-          <a:prstGeom prst="rect">
-            <a:avLst/>
-          </a:prstGeom>
-          <a:noFill/>
-          <a:ln>
-            <a:noFill/>
-          </a:ln>
-        </p:spPr>
-        <p:style>
-          <a:lnRef idx="0">
-            <a:scrgbClr r="0" g="0" b="0"/>
-          </a:lnRef>
-          <a:fillRef idx="0">
-            <a:scrgbClr r="0" g="0" b="0"/>
-          </a:fillRef>
-          <a:effectRef idx="0">
-            <a:scrgbClr r="0" g="0" b="0"/>
-          </a:effectRef>
-          <a:fontRef idx="minor"/>
-        </p:style>
-        <p:txBody>
-          <a:bodyPr lIns="90000" tIns="45000" rIns="90000" bIns="45000" anchor="ctr"/>
-          <a:lstStyle/>
-          <a:p>
-            <a:pPr algn="ctr">
-              <a:lnSpc>
-                <a:spcPct val="100000"/>
-              </a:lnSpc>
-            </a:pPr>
-            <a:r>
-              <a:rPr lang="en-CA" sz="4400" spc="-1" dirty="0">
-                <a:solidFill>
-                  <a:srgbClr val="FFFFFF"/>
-                </a:solidFill>
-                <a:uFill>
-                  <a:solidFill>
-                    <a:srgbClr val="FFFFFF"/>
-                  </a:solidFill>
-                </a:uFill>
-                <a:latin typeface="Calibri"/>
-              </a:rPr>
-              <a:t>Sprites</a:t>
-            </a:r>
-            <a:endParaRPr lang="en-CA" sz="1800" b="0" strike="noStrike" spc="-1" dirty="0">
-              <a:solidFill>
-                <a:srgbClr val="FFFFFF"/>
-              </a:solidFill>
-              <a:uFill>
-                <a:solidFill>
-                  <a:srgbClr val="FFFFFF"/>
-                </a:solidFill>
-              </a:uFill>
-              <a:latin typeface="Arial"/>
-            </a:endParaRPr>
-          </a:p>
-        </p:txBody>
-      </p:sp>
-      <p:sp>
-        <p:nvSpPr>
-          <p:cNvPr id="91" name="CustomShape 2"/>
-          <p:cNvSpPr/>
-          <p:nvPr/>
-        </p:nvSpPr>
-        <p:spPr>
-          <a:xfrm>
-            <a:off x="457200" y="1600200"/>
-            <a:ext cx="8226360" cy="4522680"/>
-          </a:xfrm>
-          <a:prstGeom prst="rect">
-            <a:avLst/>
-          </a:prstGeom>
-          <a:noFill/>
-          <a:ln>
-            <a:noFill/>
-          </a:ln>
-        </p:spPr>
-        <p:style>
-          <a:lnRef idx="0">
-            <a:scrgbClr r="0" g="0" b="0"/>
-          </a:lnRef>
-          <a:fillRef idx="0">
-            <a:scrgbClr r="0" g="0" b="0"/>
-          </a:fillRef>
-          <a:effectRef idx="0">
-            <a:scrgbClr r="0" g="0" b="0"/>
-          </a:effectRef>
-          <a:fontRef idx="minor"/>
-        </p:style>
-      </p:sp>
-      <p:sp>
-        <p:nvSpPr>
-          <p:cNvPr id="4" name="CustomShape 2"/>
-          <p:cNvSpPr/>
-          <p:nvPr/>
-        </p:nvSpPr>
-        <p:spPr>
-          <a:xfrm>
-            <a:off x="609600" y="1752600"/>
-            <a:ext cx="8226360" cy="4522680"/>
-          </a:xfrm>
-          <a:prstGeom prst="rect">
-            <a:avLst/>
-          </a:prstGeom>
-          <a:noFill/>
-          <a:ln>
-            <a:noFill/>
-          </a:ln>
-        </p:spPr>
-        <p:style>
-          <a:lnRef idx="0">
-            <a:scrgbClr r="0" g="0" b="0"/>
-          </a:lnRef>
-          <a:fillRef idx="0">
-            <a:scrgbClr r="0" g="0" b="0"/>
-          </a:fillRef>
-          <a:effectRef idx="0">
-            <a:scrgbClr r="0" g="0" b="0"/>
-          </a:effectRef>
-          <a:fontRef idx="minor"/>
-        </p:style>
-        <p:txBody>
-          <a:bodyPr lIns="90000" tIns="45000" rIns="90000" bIns="45000"/>
-          <a:lstStyle/>
-          <a:p>
-            <a:pPr marL="432000" indent="-321120">
-              <a:lnSpc>
-                <a:spcPct val="100000"/>
-              </a:lnSpc>
-              <a:buClr>
-                <a:srgbClr val="FFFFFF"/>
-              </a:buClr>
-              <a:buSzPct val="45000"/>
-              <a:buFont typeface="Wingdings" charset="2"/>
-              <a:buChar char=""/>
-            </a:pPr>
-            <a:r>
-              <a:rPr lang="en-CA" sz="3200" spc="-1" dirty="0">
-                <a:solidFill>
-                  <a:srgbClr val="FFFFFF"/>
-                </a:solidFill>
-                <a:uFill>
-                  <a:solidFill>
-                    <a:srgbClr val="FFFFFF"/>
-                  </a:solidFill>
-                </a:uFill>
-                <a:latin typeface="Calibri"/>
-              </a:rPr>
-              <a:t>Player and enemy sprites designed to be easily distinguishable</a:t>
-            </a:r>
-            <a:endParaRPr lang="en-CA" sz="1800" b="0" strike="noStrike" spc="-1" dirty="0">
-              <a:solidFill>
-                <a:srgbClr val="FFFFFF"/>
-              </a:solidFill>
-              <a:uFill>
-                <a:solidFill>
-                  <a:srgbClr val="FFFFFF"/>
-                </a:solidFill>
-              </a:uFill>
-              <a:latin typeface="Arial"/>
-            </a:endParaRPr>
-          </a:p>
-          <a:p>
-            <a:pPr marL="432000" indent="-321120">
-              <a:lnSpc>
-                <a:spcPct val="100000"/>
-              </a:lnSpc>
-              <a:buClr>
-                <a:srgbClr val="FFFFFF"/>
-              </a:buClr>
-              <a:buSzPct val="45000"/>
-              <a:buFont typeface="Wingdings" charset="2"/>
-              <a:buChar char=""/>
-            </a:pPr>
-            <a:r>
-              <a:rPr lang="en-CA" sz="3200" b="0" strike="noStrike" spc="-1" dirty="0">
-                <a:solidFill>
-                  <a:srgbClr val="FFFFFF"/>
-                </a:solidFill>
-                <a:uFill>
-                  <a:solidFill>
-                    <a:srgbClr val="FFFFFF"/>
-                  </a:solidFill>
-                </a:uFill>
-                <a:latin typeface="Calibri"/>
-                <a:ea typeface="DejaVu Sans"/>
-              </a:rPr>
-              <a:t>Enemy sprites in 3 different colors</a:t>
-            </a:r>
-            <a:endParaRPr lang="en-CA" sz="1800" b="0" strike="noStrike" spc="-1" dirty="0">
-              <a:solidFill>
-                <a:srgbClr val="FFFFFF"/>
-              </a:solidFill>
-              <a:uFill>
-                <a:solidFill>
-                  <a:srgbClr val="FFFFFF"/>
-                </a:solidFill>
-              </a:uFill>
-              <a:latin typeface="Arial"/>
-            </a:endParaRPr>
-          </a:p>
-          <a:p>
-            <a:pPr marL="432000" indent="-321120">
-              <a:lnSpc>
-                <a:spcPct val="100000"/>
-              </a:lnSpc>
-              <a:buClr>
-                <a:srgbClr val="FFFFFF"/>
-              </a:buClr>
-              <a:buSzPct val="45000"/>
-              <a:buFont typeface="Wingdings" charset="2"/>
-              <a:buChar char=""/>
-            </a:pPr>
-            <a:r>
-              <a:rPr lang="en-CA" sz="3200" spc="-1" dirty="0">
-                <a:solidFill>
-                  <a:srgbClr val="FFFFFF"/>
-                </a:solidFill>
-                <a:uFill>
-                  <a:solidFill>
-                    <a:srgbClr val="FFFFFF"/>
-                  </a:solidFill>
-                </a:uFill>
-                <a:latin typeface="Calibri"/>
-              </a:rPr>
-              <a:t>Multiple types for future development of enemy types.</a:t>
-            </a:r>
-            <a:endParaRPr lang="en-CA" sz="1800" b="0" strike="noStrike" spc="-1" dirty="0">
-              <a:solidFill>
-                <a:srgbClr val="FFFFFF"/>
-              </a:solidFill>
-              <a:uFill>
-                <a:solidFill>
-                  <a:srgbClr val="FFFFFF"/>
-                </a:solidFill>
-              </a:uFill>
-              <a:latin typeface="Arial"/>
-            </a:endParaRPr>
-          </a:p>
-        </p:txBody>
-      </p:sp>
-    </p:spTree>
-  </p:cSld>
-  <p:clrMapOvr>
-    <a:masterClrMapping/>
-  </p:clrMapOvr>
-  <p:timing>
-    <p:tnLst>
-      <p:par>
-        <p:cTn id="1" dur="indefinite" restart="never" nodeType="tmRoot">
-          <p:childTnLst>
-            <p:seq>
-              <p:cTn id="2" nodeType="mainSeq"/>
-              <p:prevCondLst>
-                <p:cond evt="onPrev" delay="0">
-                  <p:tgtEl>
-                    <p:sldTgt/>
-                  </p:tgtEl>
-                </p:cond>
-              </p:prevCondLst>
-              <p:nextCondLst>
-                <p:cond evt="onNext" delay="0">
-                  <p:tgtEl>
-                    <p:sldTgt/>
-                  </p:tgtEl>
-                </p:cond>
-              </p:nextCondLst>
-            </p:seq>
-          </p:childTnLst>
-        </p:cTn>
-      </p:par>
-    </p:tnLst>
-  </p:timing>
-</p:sld>
-</file>
-
-<file path=ppt/slides/slide11.xml><?xml version="1.0" encoding="utf-8"?>
-<p:sld xmlns:a="http://schemas.openxmlformats.org/drawingml/2006/main" xmlns:r="http://schemas.openxmlformats.org/officeDocument/2006/relationships" xmlns:p="http://schemas.openxmlformats.org/presentationml/2006/main">
-  <p:cSld>
-    <p:spTree>
-      <p:nvGrpSpPr>
-        <p:cNvPr id="1" name=""/>
-        <p:cNvGrpSpPr/>
-        <p:nvPr/>
-      </p:nvGrpSpPr>
-      <p:grpSpPr>
-        <a:xfrm>
-          <a:off x="0" y="0"/>
-          <a:ext cx="0" cy="0"/>
-          <a:chOff x="0" y="0"/>
-          <a:chExt cx="0" cy="0"/>
-        </a:xfrm>
-      </p:grpSpPr>
-      <p:sp>
-        <p:nvSpPr>
-          <p:cNvPr id="98" name="CustomShape 1"/>
-          <p:cNvSpPr/>
-          <p:nvPr/>
-        </p:nvSpPr>
-        <p:spPr>
-          <a:xfrm>
-            <a:off x="457200" y="274680"/>
-            <a:ext cx="8226360" cy="1139760"/>
-          </a:xfrm>
-          <a:prstGeom prst="rect">
-            <a:avLst/>
-          </a:prstGeom>
-          <a:noFill/>
-          <a:ln>
-            <a:noFill/>
-          </a:ln>
-        </p:spPr>
-        <p:style>
-          <a:lnRef idx="0">
-            <a:scrgbClr r="0" g="0" b="0"/>
-          </a:lnRef>
-          <a:fillRef idx="0">
-            <a:scrgbClr r="0" g="0" b="0"/>
-          </a:fillRef>
-          <a:effectRef idx="0">
-            <a:scrgbClr r="0" g="0" b="0"/>
-          </a:effectRef>
-          <a:fontRef idx="minor"/>
-        </p:style>
-        <p:txBody>
-          <a:bodyPr lIns="90000" tIns="45000" rIns="90000" bIns="45000" anchor="ctr"/>
-          <a:lstStyle/>
-          <a:p>
-            <a:pPr algn="ctr">
-              <a:lnSpc>
-                <a:spcPct val="100000"/>
-              </a:lnSpc>
-            </a:pPr>
-            <a:r>
-              <a:rPr lang="en-CA" sz="4400" b="0" strike="noStrike" spc="-1" dirty="0">
-                <a:solidFill>
-                  <a:srgbClr val="FFFFFF"/>
-                </a:solidFill>
-                <a:uFill>
-                  <a:solidFill>
-                    <a:srgbClr val="FFFFFF"/>
-                  </a:solidFill>
-                </a:uFill>
-                <a:latin typeface="Calibri"/>
-                <a:ea typeface="DejaVu Sans"/>
-              </a:rPr>
-              <a:t>Menu</a:t>
-            </a:r>
-            <a:endParaRPr lang="en-CA" sz="1800" b="0" strike="noStrike" spc="-1" dirty="0">
-              <a:solidFill>
-                <a:srgbClr val="FFFFFF"/>
-              </a:solidFill>
-              <a:uFill>
-                <a:solidFill>
-                  <a:srgbClr val="FFFFFF"/>
-                </a:solidFill>
-              </a:uFill>
-              <a:latin typeface="Arial"/>
-            </a:endParaRPr>
-          </a:p>
-        </p:txBody>
-      </p:sp>
-      <p:sp>
-        <p:nvSpPr>
-          <p:cNvPr id="99" name="CustomShape 2"/>
-          <p:cNvSpPr/>
-          <p:nvPr/>
-        </p:nvSpPr>
-        <p:spPr>
-          <a:xfrm>
-            <a:off x="457200" y="1600200"/>
-            <a:ext cx="8226360" cy="4522680"/>
-          </a:xfrm>
-          <a:prstGeom prst="rect">
-            <a:avLst/>
-          </a:prstGeom>
-          <a:noFill/>
-          <a:ln>
-            <a:noFill/>
-          </a:ln>
-        </p:spPr>
-        <p:style>
-          <a:lnRef idx="0">
-            <a:scrgbClr r="0" g="0" b="0"/>
-          </a:lnRef>
-          <a:fillRef idx="0">
-            <a:scrgbClr r="0" g="0" b="0"/>
-          </a:fillRef>
-          <a:effectRef idx="0">
-            <a:scrgbClr r="0" g="0" b="0"/>
-          </a:effectRef>
-          <a:fontRef idx="minor"/>
-        </p:style>
-      </p:sp>
-      <p:sp>
-        <p:nvSpPr>
-          <p:cNvPr id="4" name="CustomShape 2"/>
-          <p:cNvSpPr/>
-          <p:nvPr/>
-        </p:nvSpPr>
-        <p:spPr>
-          <a:xfrm>
-            <a:off x="609600" y="1752600"/>
-            <a:ext cx="8226360" cy="4522680"/>
-          </a:xfrm>
-          <a:prstGeom prst="rect">
-            <a:avLst/>
-          </a:prstGeom>
-          <a:noFill/>
-          <a:ln>
-            <a:noFill/>
-          </a:ln>
-        </p:spPr>
-        <p:style>
-          <a:lnRef idx="0">
-            <a:scrgbClr r="0" g="0" b="0"/>
-          </a:lnRef>
-          <a:fillRef idx="0">
-            <a:scrgbClr r="0" g="0" b="0"/>
-          </a:fillRef>
-          <a:effectRef idx="0">
-            <a:scrgbClr r="0" g="0" b="0"/>
-          </a:effectRef>
-          <a:fontRef idx="minor"/>
-        </p:style>
-        <p:txBody>
-          <a:bodyPr lIns="90000" tIns="45000" rIns="90000" bIns="45000"/>
-          <a:lstStyle/>
-          <a:p>
-            <a:pPr marL="432000" indent="-321120">
-              <a:lnSpc>
-                <a:spcPct val="100000"/>
-              </a:lnSpc>
-              <a:buClr>
-                <a:srgbClr val="FFFFFF"/>
-              </a:buClr>
-              <a:buSzPct val="45000"/>
-              <a:buFont typeface="Wingdings" charset="2"/>
-              <a:buChar char=""/>
-            </a:pPr>
-            <a:r>
-              <a:rPr lang="en-CA" sz="3200" spc="-1" dirty="0">
-                <a:solidFill>
-                  <a:srgbClr val="FFFFFF"/>
-                </a:solidFill>
-                <a:uFill>
-                  <a:solidFill>
-                    <a:srgbClr val="FFFFFF"/>
-                  </a:solidFill>
-                </a:uFill>
-                <a:latin typeface="Calibri"/>
-              </a:rPr>
-              <a:t>The menu was implemented as part of the scenes subsections.</a:t>
-            </a:r>
-            <a:endParaRPr lang="en-CA" spc="-1" dirty="0">
-              <a:solidFill>
-                <a:srgbClr val="FFFFFF"/>
-              </a:solidFill>
-              <a:uFill>
-                <a:solidFill>
-                  <a:srgbClr val="FFFFFF"/>
-                </a:solidFill>
-              </a:uFill>
-              <a:latin typeface="Arial"/>
-            </a:endParaRPr>
-          </a:p>
-          <a:p>
-            <a:pPr marL="432000" indent="-321120">
-              <a:lnSpc>
-                <a:spcPct val="100000"/>
-              </a:lnSpc>
-              <a:buClr>
-                <a:srgbClr val="FFFFFF"/>
-              </a:buClr>
-              <a:buSzPct val="45000"/>
-              <a:buFont typeface="Wingdings" charset="2"/>
-              <a:buChar char=""/>
-            </a:pPr>
-            <a:r>
-              <a:rPr lang="en-CA" sz="3200" spc="-1" dirty="0">
-                <a:solidFill>
-                  <a:srgbClr val="FFFFFF"/>
-                </a:solidFill>
-                <a:uFill>
-                  <a:solidFill>
-                    <a:srgbClr val="FFFFFF"/>
-                  </a:solidFill>
-                </a:uFill>
-                <a:latin typeface="Calibri" panose="020F0502020204030204" pitchFamily="34" charset="0"/>
-              </a:rPr>
-              <a:t>Two menus were implemented for the sake of the game: the main menu to start the game as well as a high score menu.</a:t>
-            </a:r>
-          </a:p>
-          <a:p>
-            <a:pPr marL="432000" indent="-321120">
-              <a:lnSpc>
-                <a:spcPct val="100000"/>
-              </a:lnSpc>
-              <a:buClr>
-                <a:srgbClr val="FFFFFF"/>
-              </a:buClr>
-              <a:buSzPct val="45000"/>
-              <a:buFont typeface="Wingdings" charset="2"/>
-              <a:buChar char=""/>
-            </a:pPr>
-            <a:r>
-              <a:rPr lang="en-CA" sz="3200" spc="-1" dirty="0">
-                <a:solidFill>
-                  <a:srgbClr val="FFFFFF"/>
-                </a:solidFill>
-                <a:uFill>
-                  <a:solidFill>
-                    <a:srgbClr val="FFFFFF"/>
-                  </a:solidFill>
-                </a:uFill>
-                <a:latin typeface="Calibri" panose="020F0502020204030204" pitchFamily="34" charset="0"/>
-              </a:rPr>
-              <a:t>When a game ends, it returns the player to the main menu with altered options to start the game again should they choose to do so.</a:t>
-            </a:r>
-          </a:p>
-          <a:p>
-            <a:pPr marL="432000" indent="-321120">
-              <a:lnSpc>
-                <a:spcPct val="100000"/>
-              </a:lnSpc>
-              <a:buClr>
-                <a:srgbClr val="FFFFFF"/>
-              </a:buClr>
-              <a:buSzPct val="45000"/>
-              <a:buFont typeface="Wingdings" charset="2"/>
-              <a:buChar char=""/>
-            </a:pPr>
-            <a:endParaRPr lang="en-CA" sz="3200" spc="-1" dirty="0">
-              <a:solidFill>
-                <a:srgbClr val="FFFFFF"/>
-              </a:solidFill>
-              <a:uFill>
-                <a:solidFill>
-                  <a:srgbClr val="FFFFFF"/>
-                </a:solidFill>
-              </a:uFill>
-              <a:latin typeface="Calibri" panose="020F0502020204030204" pitchFamily="34" charset="0"/>
-            </a:endParaRPr>
-          </a:p>
-        </p:txBody>
-      </p:sp>
-    </p:spTree>
-  </p:cSld>
-  <p:clrMapOvr>
-    <a:masterClrMapping/>
-  </p:clrMapOvr>
-  <p:timing>
-    <p:tnLst>
-      <p:par>
-        <p:cTn id="1" dur="indefinite" restart="never" nodeType="tmRoot">
-          <p:childTnLst>
-            <p:seq>
-              <p:cTn id="2" nodeType="mainSeq"/>
-              <p:prevCondLst>
-                <p:cond evt="onPrev" delay="0">
-                  <p:tgtEl>
-                    <p:sldTgt/>
-                  </p:tgtEl>
-                </p:cond>
-              </p:prevCondLst>
-              <p:nextCondLst>
-                <p:cond evt="onNext" delay="0">
-                  <p:tgtEl>
-                    <p:sldTgt/>
-                  </p:tgtEl>
-                </p:cond>
-              </p:nextCondLst>
-            </p:seq>
-          </p:childTnLst>
-        </p:cTn>
-      </p:par>
-    </p:tnLst>
-  </p:timing>
-</p:sld>
-</file>
-
-<file path=ppt/slides/slide12.xml><?xml version="1.0" encoding="utf-8"?>
-<p:sld xmlns:a="http://schemas.openxmlformats.org/drawingml/2006/main" xmlns:r="http://schemas.openxmlformats.org/officeDocument/2006/relationships" xmlns:p="http://schemas.openxmlformats.org/presentationml/2006/main">
-  <p:cSld>
-    <p:spTree>
-      <p:nvGrpSpPr>
-        <p:cNvPr id="1" name=""/>
-        <p:cNvGrpSpPr/>
-        <p:nvPr/>
-      </p:nvGrpSpPr>
-      <p:grpSpPr>
-        <a:xfrm>
-          <a:off x="0" y="0"/>
-          <a:ext cx="0" cy="0"/>
-          <a:chOff x="0" y="0"/>
-          <a:chExt cx="0" cy="0"/>
-        </a:xfrm>
-      </p:grpSpPr>
-      <p:sp>
-        <p:nvSpPr>
-          <p:cNvPr id="100" name="CustomShape 1"/>
-          <p:cNvSpPr/>
-          <p:nvPr/>
-        </p:nvSpPr>
-        <p:spPr>
-          <a:xfrm>
-            <a:off x="457200" y="274680"/>
-            <a:ext cx="8226360" cy="1139760"/>
-          </a:xfrm>
-          <a:prstGeom prst="rect">
-            <a:avLst/>
-          </a:prstGeom>
-          <a:noFill/>
-          <a:ln>
-            <a:noFill/>
-          </a:ln>
-        </p:spPr>
-        <p:style>
-          <a:lnRef idx="0">
-            <a:scrgbClr r="0" g="0" b="0"/>
-          </a:lnRef>
-          <a:fillRef idx="0">
-            <a:scrgbClr r="0" g="0" b="0"/>
-          </a:fillRef>
-          <a:effectRef idx="0">
-            <a:scrgbClr r="0" g="0" b="0"/>
-          </a:effectRef>
-          <a:fontRef idx="minor"/>
-        </p:style>
-      </p:sp>
-      <p:sp>
-        <p:nvSpPr>
-          <p:cNvPr id="101" name="CustomShape 2"/>
-          <p:cNvSpPr/>
-          <p:nvPr/>
-        </p:nvSpPr>
-        <p:spPr>
-          <a:xfrm>
-            <a:off x="457200" y="1600200"/>
-            <a:ext cx="8226360" cy="4522680"/>
-          </a:xfrm>
-          <a:prstGeom prst="rect">
-            <a:avLst/>
-          </a:prstGeom>
-          <a:noFill/>
-          <a:ln>
-            <a:noFill/>
-          </a:ln>
-        </p:spPr>
-        <p:style>
-          <a:lnRef idx="0">
-            <a:scrgbClr r="0" g="0" b="0"/>
-          </a:lnRef>
-          <a:fillRef idx="0">
-            <a:scrgbClr r="0" g="0" b="0"/>
-          </a:fillRef>
-          <a:effectRef idx="0">
-            <a:scrgbClr r="0" g="0" b="0"/>
-          </a:effectRef>
-          <a:fontRef idx="minor"/>
-        </p:style>
-      </p:sp>
-      <p:sp>
-        <p:nvSpPr>
-          <p:cNvPr id="4" name="CustomShape 1"/>
-          <p:cNvSpPr/>
-          <p:nvPr/>
-        </p:nvSpPr>
-        <p:spPr>
-          <a:xfrm>
-            <a:off x="457200" y="274680"/>
-            <a:ext cx="8226360" cy="1139760"/>
-          </a:xfrm>
-          <a:prstGeom prst="rect">
-            <a:avLst/>
-          </a:prstGeom>
-          <a:noFill/>
-          <a:ln>
-            <a:noFill/>
-          </a:ln>
-        </p:spPr>
-        <p:style>
-          <a:lnRef idx="0">
-            <a:scrgbClr r="0" g="0" b="0"/>
-          </a:lnRef>
-          <a:fillRef idx="0">
-            <a:scrgbClr r="0" g="0" b="0"/>
-          </a:fillRef>
-          <a:effectRef idx="0">
-            <a:scrgbClr r="0" g="0" b="0"/>
-          </a:effectRef>
-          <a:fontRef idx="minor"/>
-        </p:style>
-        <p:txBody>
-          <a:bodyPr lIns="90000" tIns="45000" rIns="90000" bIns="45000" anchor="ctr"/>
-          <a:lstStyle/>
-          <a:p>
-            <a:pPr algn="ctr">
-              <a:lnSpc>
-                <a:spcPct val="100000"/>
-              </a:lnSpc>
-            </a:pPr>
-            <a:r>
-              <a:rPr lang="en-CA" sz="4400" b="0" strike="noStrike" spc="-1" dirty="0">
-                <a:solidFill>
-                  <a:srgbClr val="FFFFFF"/>
-                </a:solidFill>
-                <a:uFill>
-                  <a:solidFill>
-                    <a:srgbClr val="FFFFFF"/>
-                  </a:solidFill>
-                </a:uFill>
-                <a:latin typeface="Calibri"/>
-                <a:ea typeface="DejaVu Sans"/>
-              </a:rPr>
-              <a:t>Menu (Continued)</a:t>
-            </a:r>
-            <a:endParaRPr lang="en-CA" sz="1800" b="0" strike="noStrike" spc="-1" dirty="0">
-              <a:solidFill>
-                <a:srgbClr val="FFFFFF"/>
-              </a:solidFill>
-              <a:uFill>
-                <a:solidFill>
-                  <a:srgbClr val="FFFFFF"/>
-                </a:solidFill>
-              </a:uFill>
-              <a:latin typeface="Arial"/>
-            </a:endParaRPr>
-          </a:p>
-        </p:txBody>
-      </p:sp>
-      <p:sp>
-        <p:nvSpPr>
-          <p:cNvPr id="5" name="CustomShape 2"/>
-          <p:cNvSpPr/>
-          <p:nvPr/>
-        </p:nvSpPr>
-        <p:spPr>
-          <a:xfrm>
-            <a:off x="609600" y="1592180"/>
-            <a:ext cx="8226360" cy="4522680"/>
-          </a:xfrm>
-          <a:prstGeom prst="rect">
-            <a:avLst/>
-          </a:prstGeom>
-          <a:noFill/>
-          <a:ln>
-            <a:noFill/>
-          </a:ln>
-        </p:spPr>
-        <p:style>
-          <a:lnRef idx="0">
-            <a:scrgbClr r="0" g="0" b="0"/>
-          </a:lnRef>
-          <a:fillRef idx="0">
-            <a:scrgbClr r="0" g="0" b="0"/>
-          </a:fillRef>
-          <a:effectRef idx="0">
-            <a:scrgbClr r="0" g="0" b="0"/>
-          </a:effectRef>
-          <a:fontRef idx="minor"/>
-        </p:style>
-        <p:txBody>
-          <a:bodyPr lIns="90000" tIns="45000" rIns="90000" bIns="45000"/>
-          <a:lstStyle/>
-          <a:p>
-            <a:pPr marL="432000" indent="-321120">
-              <a:buClr>
-                <a:srgbClr val="FFFFFF"/>
-              </a:buClr>
-              <a:buSzPct val="45000"/>
-              <a:buFont typeface="Wingdings" charset="2"/>
-              <a:buChar char=""/>
-            </a:pPr>
-            <a:r>
-              <a:rPr lang="en-CA" sz="3200" spc="-1" dirty="0">
-                <a:solidFill>
-                  <a:srgbClr val="FFFFFF"/>
-                </a:solidFill>
-                <a:uFill>
-                  <a:solidFill>
-                    <a:srgbClr val="FFFFFF"/>
-                  </a:solidFill>
-                </a:uFill>
-                <a:latin typeface="Calibri" panose="020F0502020204030204" pitchFamily="34" charset="0"/>
-              </a:rPr>
-              <a:t>Though it is not a very complicated scene, multiple menus can be created fairly easily through use of the settings file.</a:t>
-            </a:r>
-            <a:endParaRPr lang="en-CA" sz="3200" spc="-1" dirty="0">
-              <a:solidFill>
-                <a:srgbClr val="FFFFFF"/>
-              </a:solidFill>
-              <a:uFill>
-                <a:solidFill>
-                  <a:srgbClr val="FFFFFF"/>
-                </a:solidFill>
-              </a:uFill>
-              <a:latin typeface="Calibri"/>
-            </a:endParaRPr>
-          </a:p>
-          <a:p>
-            <a:pPr marL="432000" indent="-321120">
-              <a:lnSpc>
-                <a:spcPct val="100000"/>
-              </a:lnSpc>
-              <a:buClr>
-                <a:srgbClr val="FFFFFF"/>
-              </a:buClr>
-              <a:buSzPct val="45000"/>
-              <a:buFont typeface="Wingdings" charset="2"/>
-              <a:buChar char=""/>
-            </a:pPr>
-            <a:r>
-              <a:rPr lang="en-CA" sz="3200" spc="-1" dirty="0">
-                <a:solidFill>
-                  <a:srgbClr val="FFFFFF"/>
-                </a:solidFill>
-                <a:uFill>
-                  <a:solidFill>
-                    <a:srgbClr val="FFFFFF"/>
-                  </a:solidFill>
-                </a:uFill>
-                <a:latin typeface="Calibri"/>
-              </a:rPr>
-              <a:t>To create a new menu list, all that needs to be done is to input a list of options into the settings file.</a:t>
-            </a:r>
-          </a:p>
-          <a:p>
-            <a:pPr marL="432000" indent="-321120">
-              <a:lnSpc>
-                <a:spcPct val="100000"/>
-              </a:lnSpc>
-              <a:buClr>
-                <a:srgbClr val="FFFFFF"/>
-              </a:buClr>
-              <a:buSzPct val="45000"/>
-              <a:buFont typeface="Wingdings" charset="2"/>
-              <a:buChar char=""/>
-            </a:pPr>
-            <a:r>
-              <a:rPr lang="en-CA" sz="3200" spc="-1" dirty="0">
-                <a:solidFill>
-                  <a:srgbClr val="FFFFFF"/>
-                </a:solidFill>
-                <a:uFill>
-                  <a:solidFill>
-                    <a:srgbClr val="FFFFFF"/>
-                  </a:solidFill>
-                </a:uFill>
-                <a:latin typeface="Calibri"/>
-              </a:rPr>
-              <a:t>Locations of items on the menu within the list are determined through a calculation to determine center screen and then stacked on top of one another.</a:t>
-            </a:r>
-            <a:endParaRPr lang="en-CA" sz="3200" spc="-1" dirty="0">
-              <a:solidFill>
-                <a:srgbClr val="FFFFFF"/>
-              </a:solidFill>
-              <a:uFill>
-                <a:solidFill>
-                  <a:srgbClr val="FFFFFF"/>
-                </a:solidFill>
-              </a:uFill>
-              <a:latin typeface="Calibri" panose="020F0502020204030204" pitchFamily="34" charset="0"/>
-            </a:endParaRPr>
-          </a:p>
-        </p:txBody>
-      </p:sp>
-    </p:spTree>
-  </p:cSld>
-  <p:clrMapOvr>
-    <a:masterClrMapping/>
-  </p:clrMapOvr>
-  <p:timing>
-    <p:tnLst>
-      <p:par>
-        <p:cTn id="1" dur="indefinite" restart="never" nodeType="tmRoot">
-          <p:childTnLst>
-            <p:seq>
-              <p:cTn id="2" nodeType="mainSeq"/>
-              <p:prevCondLst>
-                <p:cond evt="onPrev" delay="0">
-                  <p:tgtEl>
-                    <p:sldTgt/>
-                  </p:tgtEl>
-                </p:cond>
-              </p:prevCondLst>
-              <p:nextCondLst>
-                <p:cond evt="onNext" delay="0">
-                  <p:tgtEl>
-                    <p:sldTgt/>
-                  </p:tgtEl>
-                </p:cond>
-              </p:nextCondLst>
-            </p:seq>
-          </p:childTnLst>
-        </p:cTn>
-      </p:par>
-    </p:tnLst>
-  </p:timing>
-</p:sld>
-</file>
-
-<file path=ppt/slides/slide13.xml><?xml version="1.0" encoding="utf-8"?>
-<p:sld xmlns:a="http://schemas.openxmlformats.org/drawingml/2006/main" xmlns:r="http://schemas.openxmlformats.org/officeDocument/2006/relationships" xmlns:p="http://schemas.openxmlformats.org/presentationml/2006/main">
-  <p:cSld>
-    <p:spTree>
-      <p:nvGrpSpPr>
-        <p:cNvPr id="1" name=""/>
-        <p:cNvGrpSpPr/>
-        <p:nvPr/>
-      </p:nvGrpSpPr>
-      <p:grpSpPr>
-        <a:xfrm>
-          <a:off x="0" y="0"/>
-          <a:ext cx="0" cy="0"/>
-          <a:chOff x="0" y="0"/>
-          <a:chExt cx="0" cy="0"/>
-        </a:xfrm>
-      </p:grpSpPr>
-      <p:sp>
-        <p:nvSpPr>
-          <p:cNvPr id="102" name="CustomShape 1"/>
-          <p:cNvSpPr/>
-          <p:nvPr/>
-        </p:nvSpPr>
-        <p:spPr>
-          <a:xfrm>
-            <a:off x="457200" y="274680"/>
-            <a:ext cx="8226360" cy="1139760"/>
-          </a:xfrm>
-          <a:prstGeom prst="rect">
-            <a:avLst/>
-          </a:prstGeom>
-          <a:noFill/>
-          <a:ln>
-            <a:noFill/>
-          </a:ln>
-        </p:spPr>
-        <p:style>
-          <a:lnRef idx="0">
-            <a:scrgbClr r="0" g="0" b="0"/>
-          </a:lnRef>
-          <a:fillRef idx="0">
-            <a:scrgbClr r="0" g="0" b="0"/>
-          </a:fillRef>
-          <a:effectRef idx="0">
-            <a:scrgbClr r="0" g="0" b="0"/>
-          </a:effectRef>
-          <a:fontRef idx="minor"/>
-        </p:style>
-      </p:sp>
-      <p:sp>
-        <p:nvSpPr>
-          <p:cNvPr id="103" name="CustomShape 2"/>
-          <p:cNvSpPr/>
-          <p:nvPr/>
-        </p:nvSpPr>
-        <p:spPr>
-          <a:xfrm>
-            <a:off x="457200" y="1600200"/>
-            <a:ext cx="8226360" cy="4522680"/>
-          </a:xfrm>
-          <a:prstGeom prst="rect">
-            <a:avLst/>
-          </a:prstGeom>
-          <a:noFill/>
-          <a:ln>
-            <a:noFill/>
-          </a:ln>
-        </p:spPr>
-        <p:style>
-          <a:lnRef idx="0">
-            <a:scrgbClr r="0" g="0" b="0"/>
-          </a:lnRef>
-          <a:fillRef idx="0">
-            <a:scrgbClr r="0" g="0" b="0"/>
-          </a:fillRef>
-          <a:effectRef idx="0">
-            <a:scrgbClr r="0" g="0" b="0"/>
-          </a:effectRef>
-          <a:fontRef idx="minor"/>
-        </p:style>
-      </p:sp>
-      <p:sp>
-        <p:nvSpPr>
-          <p:cNvPr id="4" name="CustomShape 1"/>
-          <p:cNvSpPr/>
-          <p:nvPr/>
-        </p:nvSpPr>
-        <p:spPr>
-          <a:xfrm>
-            <a:off x="457200" y="274680"/>
-            <a:ext cx="8226360" cy="1139760"/>
-          </a:xfrm>
-          <a:prstGeom prst="rect">
-            <a:avLst/>
-          </a:prstGeom>
-          <a:noFill/>
-          <a:ln>
-            <a:noFill/>
-          </a:ln>
-        </p:spPr>
-        <p:style>
-          <a:lnRef idx="0">
-            <a:scrgbClr r="0" g="0" b="0"/>
-          </a:lnRef>
-          <a:fillRef idx="0">
-            <a:scrgbClr r="0" g="0" b="0"/>
-          </a:fillRef>
-          <a:effectRef idx="0">
-            <a:scrgbClr r="0" g="0" b="0"/>
-          </a:effectRef>
-          <a:fontRef idx="minor"/>
-        </p:style>
-        <p:txBody>
-          <a:bodyPr lIns="90000" tIns="45000" rIns="90000" bIns="45000" anchor="ctr"/>
-          <a:lstStyle/>
-          <a:p>
-            <a:pPr algn="ctr">
-              <a:lnSpc>
-                <a:spcPct val="100000"/>
-              </a:lnSpc>
-            </a:pPr>
-            <a:r>
-              <a:rPr lang="en-CA" sz="4400" b="0" strike="noStrike" spc="-1" dirty="0">
-                <a:solidFill>
-                  <a:srgbClr val="FFFFFF"/>
-                </a:solidFill>
-                <a:uFill>
-                  <a:solidFill>
-                    <a:srgbClr val="FFFFFF"/>
-                  </a:solidFill>
-                </a:uFill>
-                <a:latin typeface="Calibri"/>
-                <a:ea typeface="DejaVu Sans"/>
-              </a:rPr>
-              <a:t>Rendering</a:t>
-            </a:r>
-            <a:endParaRPr lang="en-CA" sz="1800" b="0" strike="noStrike" spc="-1" dirty="0">
-              <a:solidFill>
-                <a:srgbClr val="FFFFFF"/>
-              </a:solidFill>
-              <a:uFill>
-                <a:solidFill>
-                  <a:srgbClr val="FFFFFF"/>
-                </a:solidFill>
-              </a:uFill>
-              <a:latin typeface="Arial"/>
-            </a:endParaRPr>
-          </a:p>
-        </p:txBody>
-      </p:sp>
-      <p:sp>
-        <p:nvSpPr>
-          <p:cNvPr id="6" name="CustomShape 2"/>
-          <p:cNvSpPr/>
-          <p:nvPr/>
-        </p:nvSpPr>
-        <p:spPr>
-          <a:xfrm>
-            <a:off x="609600" y="1752600"/>
-            <a:ext cx="8226360" cy="4522680"/>
-          </a:xfrm>
-          <a:prstGeom prst="rect">
-            <a:avLst/>
-          </a:prstGeom>
-          <a:noFill/>
-          <a:ln>
-            <a:noFill/>
-          </a:ln>
-        </p:spPr>
-        <p:style>
-          <a:lnRef idx="0">
-            <a:scrgbClr r="0" g="0" b="0"/>
-          </a:lnRef>
-          <a:fillRef idx="0">
-            <a:scrgbClr r="0" g="0" b="0"/>
-          </a:fillRef>
-          <a:effectRef idx="0">
-            <a:scrgbClr r="0" g="0" b="0"/>
-          </a:effectRef>
-          <a:fontRef idx="minor"/>
-        </p:style>
-        <p:txBody>
-          <a:bodyPr lIns="90000" tIns="45000" rIns="90000" bIns="45000"/>
-          <a:lstStyle/>
-          <a:p>
-            <a:pPr marL="432000" indent="-321120">
-              <a:lnSpc>
-                <a:spcPct val="100000"/>
-              </a:lnSpc>
-              <a:buClr>
-                <a:srgbClr val="FFFFFF"/>
-              </a:buClr>
-              <a:buSzPct val="45000"/>
-              <a:buFont typeface="Wingdings" charset="2"/>
-              <a:buChar char=""/>
-            </a:pPr>
-            <a:r>
-              <a:rPr lang="en-CA" sz="3200" spc="-1" dirty="0">
-                <a:solidFill>
-                  <a:srgbClr val="FFFFFF"/>
-                </a:solidFill>
-                <a:uFill>
-                  <a:solidFill>
-                    <a:srgbClr val="FFFFFF"/>
-                  </a:solidFill>
-                </a:uFill>
-                <a:latin typeface="Calibri" panose="020F0502020204030204" pitchFamily="34" charset="0"/>
-              </a:rPr>
-              <a:t>Rendering is done in </a:t>
-            </a:r>
-            <a:r>
-              <a:rPr lang="en-CA" sz="3200" spc="-1" dirty="0" err="1">
-                <a:solidFill>
-                  <a:srgbClr val="FFFFFF"/>
-                </a:solidFill>
-                <a:uFill>
-                  <a:solidFill>
-                    <a:srgbClr val="FFFFFF"/>
-                  </a:solidFill>
-                </a:uFill>
-                <a:latin typeface="Calibri" panose="020F0502020204030204" pitchFamily="34" charset="0"/>
-              </a:rPr>
-              <a:t>Lazer</a:t>
-            </a:r>
-            <a:r>
-              <a:rPr lang="en-CA" sz="3200" spc="-1" dirty="0">
-                <a:solidFill>
-                  <a:srgbClr val="FFFFFF"/>
-                </a:solidFill>
-                <a:uFill>
-                  <a:solidFill>
-                    <a:srgbClr val="FFFFFF"/>
-                  </a:solidFill>
-                </a:uFill>
-                <a:latin typeface="Calibri" panose="020F0502020204030204" pitchFamily="34" charset="0"/>
-              </a:rPr>
-              <a:t> Blast by making use of the </a:t>
-            </a:r>
-            <a:r>
-              <a:rPr lang="en-CA" sz="3200" spc="-1" dirty="0" err="1">
-                <a:solidFill>
-                  <a:srgbClr val="FFFFFF"/>
-                </a:solidFill>
-                <a:uFill>
-                  <a:solidFill>
-                    <a:srgbClr val="FFFFFF"/>
-                  </a:solidFill>
-                </a:uFill>
-                <a:latin typeface="Calibri" panose="020F0502020204030204" pitchFamily="34" charset="0"/>
-              </a:rPr>
-              <a:t>Blit</a:t>
-            </a:r>
-            <a:r>
-              <a:rPr lang="en-CA" sz="3200" spc="-1" dirty="0">
-                <a:solidFill>
-                  <a:srgbClr val="FFFFFF"/>
-                </a:solidFill>
-                <a:uFill>
-                  <a:solidFill>
-                    <a:srgbClr val="FFFFFF"/>
-                  </a:solidFill>
-                </a:uFill>
-                <a:latin typeface="Calibri" panose="020F0502020204030204" pitchFamily="34" charset="0"/>
-              </a:rPr>
-              <a:t> and Draw functions in </a:t>
-            </a:r>
-            <a:r>
-              <a:rPr lang="en-CA" sz="3200" spc="-1" dirty="0" err="1">
-                <a:solidFill>
-                  <a:srgbClr val="FFFFFF"/>
-                </a:solidFill>
-                <a:uFill>
-                  <a:solidFill>
-                    <a:srgbClr val="FFFFFF"/>
-                  </a:solidFill>
-                </a:uFill>
-                <a:latin typeface="Calibri" panose="020F0502020204030204" pitchFamily="34" charset="0"/>
-              </a:rPr>
-              <a:t>Pygame</a:t>
-            </a:r>
-            <a:r>
-              <a:rPr lang="en-CA" sz="3200" spc="-1" dirty="0">
-                <a:solidFill>
-                  <a:srgbClr val="FFFFFF"/>
-                </a:solidFill>
-                <a:uFill>
-                  <a:solidFill>
-                    <a:srgbClr val="FFFFFF"/>
-                  </a:solidFill>
-                </a:uFill>
-                <a:latin typeface="Calibri" panose="020F0502020204030204" pitchFamily="34" charset="0"/>
-              </a:rPr>
-              <a:t>.</a:t>
-            </a:r>
-          </a:p>
-          <a:p>
-            <a:pPr marL="432000" indent="-321120">
-              <a:lnSpc>
-                <a:spcPct val="100000"/>
-              </a:lnSpc>
-              <a:buClr>
-                <a:srgbClr val="FFFFFF"/>
-              </a:buClr>
-              <a:buSzPct val="45000"/>
-              <a:buFont typeface="Wingdings" charset="2"/>
-              <a:buChar char=""/>
-            </a:pPr>
-            <a:r>
-              <a:rPr lang="en-CA" sz="3200" spc="-1" dirty="0">
-                <a:solidFill>
-                  <a:srgbClr val="FFFFFF"/>
-                </a:solidFill>
-                <a:uFill>
-                  <a:solidFill>
-                    <a:srgbClr val="FFFFFF"/>
-                  </a:solidFill>
-                </a:uFill>
-                <a:latin typeface="Calibri" panose="020F0502020204030204" pitchFamily="34" charset="0"/>
-              </a:rPr>
-              <a:t>Though similar, Draw is mainly basic shapes whereas </a:t>
-            </a:r>
-            <a:r>
-              <a:rPr lang="en-CA" sz="3200" spc="-1" dirty="0" err="1">
-                <a:solidFill>
-                  <a:srgbClr val="FFFFFF"/>
-                </a:solidFill>
-                <a:uFill>
-                  <a:solidFill>
-                    <a:srgbClr val="FFFFFF"/>
-                  </a:solidFill>
-                </a:uFill>
-                <a:latin typeface="Calibri" panose="020F0502020204030204" pitchFamily="34" charset="0"/>
-              </a:rPr>
-              <a:t>Blit</a:t>
-            </a:r>
-            <a:r>
-              <a:rPr lang="en-CA" sz="3200" spc="-1" dirty="0">
-                <a:solidFill>
-                  <a:srgbClr val="FFFFFF"/>
-                </a:solidFill>
-                <a:uFill>
-                  <a:solidFill>
-                    <a:srgbClr val="FFFFFF"/>
-                  </a:solidFill>
-                </a:uFill>
-                <a:latin typeface="Calibri" panose="020F0502020204030204" pitchFamily="34" charset="0"/>
-              </a:rPr>
-              <a:t> can be used for text and sprites.</a:t>
-            </a:r>
-          </a:p>
-          <a:p>
-            <a:pPr marL="432000" indent="-321120">
-              <a:lnSpc>
-                <a:spcPct val="100000"/>
-              </a:lnSpc>
-              <a:buClr>
-                <a:srgbClr val="FFFFFF"/>
-              </a:buClr>
-              <a:buSzPct val="45000"/>
-              <a:buFont typeface="Wingdings" charset="2"/>
-              <a:buChar char=""/>
-            </a:pPr>
-            <a:r>
-              <a:rPr lang="en-CA" sz="3200" spc="-1" dirty="0">
-                <a:solidFill>
-                  <a:srgbClr val="FFFFFF"/>
-                </a:solidFill>
-                <a:uFill>
-                  <a:solidFill>
-                    <a:srgbClr val="FFFFFF"/>
-                  </a:solidFill>
-                </a:uFill>
-                <a:latin typeface="Calibri" panose="020F0502020204030204" pitchFamily="34" charset="0"/>
-              </a:rPr>
-              <a:t>Draw was used throughout the testing process as sprites were not yet made up, and it was an easy way to visualize the different actors within the game.</a:t>
-            </a:r>
-          </a:p>
-        </p:txBody>
-      </p:sp>
-    </p:spTree>
-  </p:cSld>
-  <p:clrMapOvr>
-    <a:masterClrMapping/>
-  </p:clrMapOvr>
-  <p:timing>
-    <p:tnLst>
-      <p:par>
-        <p:cTn id="1" dur="indefinite" restart="never" nodeType="tmRoot">
-          <p:childTnLst>
-            <p:seq>
-              <p:cTn id="2" nodeType="mainSeq"/>
-              <p:prevCondLst>
-                <p:cond evt="onPrev" delay="0">
-                  <p:tgtEl>
-                    <p:sldTgt/>
-                  </p:tgtEl>
-                </p:cond>
-              </p:prevCondLst>
-              <p:nextCondLst>
-                <p:cond evt="onNext" delay="0">
-                  <p:tgtEl>
-                    <p:sldTgt/>
-                  </p:tgtEl>
-                </p:cond>
-              </p:nextCondLst>
-            </p:seq>
-          </p:childTnLst>
-        </p:cTn>
-      </p:par>
-    </p:tnLst>
-  </p:timing>
-</p:sld>
-</file>
-
-<file path=ppt/slides/slide14.xml><?xml version="1.0" encoding="utf-8"?>
-<p:sld xmlns:a="http://schemas.openxmlformats.org/drawingml/2006/main" xmlns:r="http://schemas.openxmlformats.org/officeDocument/2006/relationships" xmlns:p="http://schemas.openxmlformats.org/presentationml/2006/main">
-  <p:cSld>
-    <p:spTree>
-      <p:nvGrpSpPr>
-        <p:cNvPr id="1" name=""/>
-        <p:cNvGrpSpPr/>
-        <p:nvPr/>
-      </p:nvGrpSpPr>
-      <p:grpSpPr>
-        <a:xfrm>
-          <a:off x="0" y="0"/>
-          <a:ext cx="0" cy="0"/>
-          <a:chOff x="0" y="0"/>
-          <a:chExt cx="0" cy="0"/>
-        </a:xfrm>
-      </p:grpSpPr>
-      <p:sp>
-        <p:nvSpPr>
-          <p:cNvPr id="106" name="CustomShape 1"/>
-          <p:cNvSpPr/>
-          <p:nvPr/>
-        </p:nvSpPr>
-        <p:spPr>
-          <a:xfrm>
-            <a:off x="457200" y="95534"/>
-            <a:ext cx="8226360" cy="1146412"/>
-          </a:xfrm>
-          <a:prstGeom prst="rect">
-            <a:avLst/>
-          </a:prstGeom>
-          <a:noFill/>
-          <a:ln>
-            <a:noFill/>
-          </a:ln>
-        </p:spPr>
-        <p:style>
-          <a:lnRef idx="0">
-            <a:scrgbClr r="0" g="0" b="0"/>
-          </a:lnRef>
-          <a:fillRef idx="0">
-            <a:scrgbClr r="0" g="0" b="0"/>
-          </a:fillRef>
-          <a:effectRef idx="0">
-            <a:scrgbClr r="0" g="0" b="0"/>
-          </a:effectRef>
-          <a:fontRef idx="minor"/>
-        </p:style>
-        <p:txBody>
-          <a:bodyPr lIns="90000" tIns="45000" rIns="90000" bIns="45000" anchor="ctr"/>
-          <a:lstStyle/>
-          <a:p>
-            <a:pPr algn="ctr">
-              <a:lnSpc>
-                <a:spcPct val="100000"/>
-              </a:lnSpc>
-            </a:pPr>
-            <a:r>
-              <a:rPr lang="en-CA" sz="4400" spc="-1" dirty="0">
-                <a:solidFill>
-                  <a:srgbClr val="FFFFFF"/>
-                </a:solidFill>
-                <a:uFill>
-                  <a:solidFill>
-                    <a:srgbClr val="FFFFFF"/>
-                  </a:solidFill>
-                </a:uFill>
-                <a:latin typeface="Calibri"/>
-                <a:ea typeface="DejaVu Sans"/>
-              </a:rPr>
-              <a:t>Sound</a:t>
-            </a:r>
-            <a:endParaRPr lang="en-CA" sz="1800" b="0" strike="noStrike" spc="-1" dirty="0">
-              <a:solidFill>
-                <a:srgbClr val="FFFFFF"/>
-              </a:solidFill>
-              <a:uFill>
-                <a:solidFill>
-                  <a:srgbClr val="FFFFFF"/>
-                </a:solidFill>
-              </a:uFill>
-              <a:latin typeface="Arial"/>
-            </a:endParaRPr>
-          </a:p>
-        </p:txBody>
-      </p:sp>
-      <p:sp>
-        <p:nvSpPr>
-          <p:cNvPr id="3" name="Rectangle 2"/>
-          <p:cNvSpPr/>
-          <p:nvPr/>
-        </p:nvSpPr>
-        <p:spPr>
-          <a:xfrm>
-            <a:off x="457200" y="1136177"/>
-            <a:ext cx="8226360" cy="5509200"/>
-          </a:xfrm>
-          <a:prstGeom prst="rect">
-            <a:avLst/>
-          </a:prstGeom>
-        </p:spPr>
-        <p:txBody>
-          <a:bodyPr wrap="square">
-            <a:spAutoFit/>
-          </a:bodyPr>
-          <a:lstStyle/>
-          <a:p>
-            <a:pPr marL="432000" indent="-321120">
-              <a:lnSpc>
-                <a:spcPct val="100000"/>
-              </a:lnSpc>
-              <a:buClr>
-                <a:srgbClr val="FFFFFF"/>
-              </a:buClr>
-              <a:buSzPct val="45000"/>
-              <a:buFont typeface="Wingdings" charset="2"/>
-              <a:buChar char=""/>
-            </a:pPr>
-            <a:r>
-              <a:rPr lang="en-CA" sz="3200" b="0" strike="noStrike" spc="-1" dirty="0">
-                <a:solidFill>
-                  <a:srgbClr val="FFFFFF"/>
-                </a:solidFill>
-                <a:uFill>
-                  <a:solidFill>
-                    <a:srgbClr val="FFFFFF"/>
-                  </a:solidFill>
-                </a:uFill>
-                <a:latin typeface="Calibri" charset="0"/>
-                <a:ea typeface="Calibri" charset="0"/>
-                <a:cs typeface="Calibri" charset="0"/>
-              </a:rPr>
-              <a:t>Our sound is loaded in through the </a:t>
-            </a:r>
-            <a:r>
-              <a:rPr lang="en-CA" sz="3200" b="0" strike="noStrike" spc="-1" dirty="0" err="1">
-                <a:solidFill>
-                  <a:srgbClr val="FFFFFF"/>
-                </a:solidFill>
-                <a:uFill>
-                  <a:solidFill>
-                    <a:srgbClr val="FFFFFF"/>
-                  </a:solidFill>
-                </a:uFill>
-                <a:latin typeface="Calibri" charset="0"/>
-                <a:ea typeface="Calibri" charset="0"/>
-                <a:cs typeface="Calibri" charset="0"/>
-              </a:rPr>
-              <a:t>pygame.mixer</a:t>
-            </a:r>
-            <a:r>
-              <a:rPr lang="en-CA" sz="3200" b="0" strike="noStrike" spc="-1" dirty="0">
-                <a:solidFill>
-                  <a:srgbClr val="FFFFFF"/>
-                </a:solidFill>
-                <a:uFill>
-                  <a:solidFill>
-                    <a:srgbClr val="FFFFFF"/>
-                  </a:solidFill>
-                </a:uFill>
-                <a:latin typeface="Calibri" charset="0"/>
-                <a:ea typeface="Calibri" charset="0"/>
-                <a:cs typeface="Calibri" charset="0"/>
-              </a:rPr>
-              <a:t> module.</a:t>
-            </a:r>
-          </a:p>
-          <a:p>
-            <a:pPr marL="432000" indent="-321120">
-              <a:lnSpc>
-                <a:spcPct val="100000"/>
-              </a:lnSpc>
-              <a:buClr>
-                <a:srgbClr val="FFFFFF"/>
-              </a:buClr>
-              <a:buSzPct val="45000"/>
-              <a:buFont typeface="Wingdings" charset="2"/>
-              <a:buChar char=""/>
-            </a:pPr>
-            <a:r>
-              <a:rPr lang="en-CA" sz="3200" b="0" strike="noStrike" spc="-1" dirty="0">
-                <a:solidFill>
-                  <a:srgbClr val="FFFFFF"/>
-                </a:solidFill>
-                <a:uFill>
-                  <a:solidFill>
-                    <a:srgbClr val="FFFFFF"/>
-                  </a:solidFill>
-                </a:uFill>
-                <a:latin typeface="Calibri" charset="0"/>
-                <a:ea typeface="Calibri" charset="0"/>
-                <a:cs typeface="Calibri" charset="0"/>
-              </a:rPr>
-              <a:t>The sounds are only played after being referenced through calling the </a:t>
-            </a:r>
-            <a:r>
-              <a:rPr lang="en-CA" sz="3200" b="0" strike="noStrike" spc="-1" dirty="0" err="1">
-                <a:solidFill>
-                  <a:srgbClr val="FFFFFF"/>
-                </a:solidFill>
-                <a:uFill>
-                  <a:solidFill>
-                    <a:srgbClr val="FFFFFF"/>
-                  </a:solidFill>
-                </a:uFill>
-                <a:latin typeface="Calibri" charset="0"/>
-                <a:ea typeface="Calibri" charset="0"/>
-                <a:cs typeface="Calibri" charset="0"/>
-              </a:rPr>
-              <a:t>PlaySound</a:t>
-            </a:r>
-            <a:r>
-              <a:rPr lang="en-CA" sz="3200" b="0" strike="noStrike" spc="-1" dirty="0">
-                <a:solidFill>
-                  <a:srgbClr val="FFFFFF"/>
-                </a:solidFill>
-                <a:uFill>
-                  <a:solidFill>
-                    <a:srgbClr val="FFFFFF"/>
-                  </a:solidFill>
-                </a:uFill>
-                <a:latin typeface="Calibri" charset="0"/>
-                <a:ea typeface="Calibri" charset="0"/>
-                <a:cs typeface="Calibri" charset="0"/>
-              </a:rPr>
-              <a:t> function located in the Player() class.</a:t>
-            </a:r>
-          </a:p>
-          <a:p>
-            <a:pPr marL="432000" indent="-321120">
-              <a:lnSpc>
-                <a:spcPct val="100000"/>
-              </a:lnSpc>
-              <a:buClr>
-                <a:srgbClr val="FFFFFF"/>
-              </a:buClr>
-              <a:buSzPct val="45000"/>
-              <a:buFont typeface="Wingdings" charset="2"/>
-              <a:buChar char=""/>
-            </a:pPr>
-            <a:endParaRPr lang="en-CA" sz="3200" spc="-1" dirty="0">
-              <a:solidFill>
-                <a:srgbClr val="FFFFFF"/>
-              </a:solidFill>
-              <a:uFill>
-                <a:solidFill>
-                  <a:srgbClr val="FFFFFF"/>
-                </a:solidFill>
-              </a:uFill>
-              <a:latin typeface="Calibri" charset="0"/>
-              <a:ea typeface="Calibri" charset="0"/>
-              <a:cs typeface="Calibri" charset="0"/>
-            </a:endParaRPr>
-          </a:p>
-          <a:p>
-            <a:pPr marL="432000" indent="-321120">
-              <a:lnSpc>
-                <a:spcPct val="100000"/>
-              </a:lnSpc>
-              <a:buClr>
-                <a:srgbClr val="FFFFFF"/>
-              </a:buClr>
-              <a:buSzPct val="45000"/>
-              <a:buFont typeface="Wingdings" charset="2"/>
-              <a:buChar char=""/>
-            </a:pPr>
-            <a:endParaRPr lang="en-CA" sz="3200" spc="-1" dirty="0">
-              <a:solidFill>
-                <a:srgbClr val="FFFFFF"/>
-              </a:solidFill>
-              <a:uFill>
-                <a:solidFill>
-                  <a:srgbClr val="FFFFFF"/>
-                </a:solidFill>
-              </a:uFill>
-              <a:latin typeface="Calibri" charset="0"/>
-              <a:ea typeface="Calibri" charset="0"/>
-              <a:cs typeface="Calibri" charset="0"/>
-            </a:endParaRPr>
-          </a:p>
-          <a:p>
-            <a:pPr marL="432000" indent="-321120">
-              <a:lnSpc>
-                <a:spcPct val="100000"/>
-              </a:lnSpc>
-              <a:buClr>
-                <a:srgbClr val="FFFFFF"/>
-              </a:buClr>
-              <a:buSzPct val="45000"/>
-              <a:buFont typeface="Wingdings" charset="2"/>
-              <a:buChar char=""/>
-            </a:pPr>
-            <a:endParaRPr lang="en-CA" sz="3200" b="0" strike="noStrike" spc="-1" dirty="0">
-              <a:solidFill>
-                <a:srgbClr val="FFFFFF"/>
-              </a:solidFill>
-              <a:uFill>
-                <a:solidFill>
-                  <a:srgbClr val="FFFFFF"/>
-                </a:solidFill>
-              </a:uFill>
-              <a:latin typeface="Calibri" charset="0"/>
-              <a:ea typeface="Calibri" charset="0"/>
-              <a:cs typeface="Calibri" charset="0"/>
-            </a:endParaRPr>
-          </a:p>
-          <a:p>
-            <a:pPr marL="432000" indent="-321120">
-              <a:lnSpc>
-                <a:spcPct val="100000"/>
-              </a:lnSpc>
-              <a:buClr>
-                <a:srgbClr val="FFFFFF"/>
-              </a:buClr>
-              <a:buSzPct val="45000"/>
-              <a:buFont typeface="Wingdings" charset="2"/>
-              <a:buChar char=""/>
-            </a:pPr>
-            <a:r>
-              <a:rPr lang="en-CA" sz="3200" spc="-1" dirty="0">
-                <a:solidFill>
-                  <a:srgbClr val="FFFFFF"/>
-                </a:solidFill>
-                <a:uFill>
-                  <a:solidFill>
-                    <a:srgbClr val="FFFFFF"/>
-                  </a:solidFill>
-                </a:uFill>
-                <a:latin typeface="Calibri" charset="0"/>
-                <a:ea typeface="Calibri" charset="0"/>
-                <a:cs typeface="Calibri" charset="0"/>
-              </a:rPr>
-              <a:t>After some research it became apparent that the .wav files tend to work best within </a:t>
-            </a:r>
-            <a:r>
-              <a:rPr lang="en-CA" sz="3200" spc="-1" dirty="0" err="1">
-                <a:solidFill>
-                  <a:srgbClr val="FFFFFF"/>
-                </a:solidFill>
-                <a:uFill>
-                  <a:solidFill>
-                    <a:srgbClr val="FFFFFF"/>
-                  </a:solidFill>
-                </a:uFill>
-                <a:latin typeface="Calibri" charset="0"/>
-                <a:ea typeface="Calibri" charset="0"/>
-                <a:cs typeface="Calibri" charset="0"/>
-              </a:rPr>
-              <a:t>pygame</a:t>
-            </a:r>
-            <a:r>
-              <a:rPr lang="en-CA" sz="3200" spc="-1" dirty="0">
-                <a:solidFill>
-                  <a:srgbClr val="FFFFFF"/>
-                </a:solidFill>
-                <a:uFill>
-                  <a:solidFill>
-                    <a:srgbClr val="FFFFFF"/>
-                  </a:solidFill>
-                </a:uFill>
-                <a:latin typeface="Calibri" charset="0"/>
-                <a:ea typeface="Calibri" charset="0"/>
-                <a:cs typeface="Calibri" charset="0"/>
-              </a:rPr>
-              <a:t> programs</a:t>
-            </a:r>
-            <a:r>
-              <a:rPr lang="en-CA" sz="3200" b="0" strike="noStrike" spc="-1" dirty="0">
-                <a:solidFill>
-                  <a:srgbClr val="FFFFFF"/>
-                </a:solidFill>
-                <a:uFill>
-                  <a:solidFill>
-                    <a:srgbClr val="FFFFFF"/>
-                  </a:solidFill>
-                </a:uFill>
-                <a:latin typeface="Calibri" charset="0"/>
-                <a:ea typeface="Calibri" charset="0"/>
-                <a:cs typeface="Calibri" charset="0"/>
-              </a:rPr>
-              <a:t>.</a:t>
-            </a:r>
-          </a:p>
-        </p:txBody>
-      </p:sp>
-      <p:pic>
-        <p:nvPicPr>
-          <p:cNvPr id="4" name="Picture 3"/>
-          <p:cNvPicPr>
-            <a:picLocks noChangeAspect="1"/>
-          </p:cNvPicPr>
-          <p:nvPr/>
-        </p:nvPicPr>
-        <p:blipFill rotWithShape="1">
-          <a:blip r:embed="rId2">
-            <a:extLst>
-              <a:ext uri="{28A0092B-C50C-407E-A947-70E740481C1C}">
-                <a14:useLocalDpi xmlns:a14="http://schemas.microsoft.com/office/drawing/2010/main" val="0"/>
-              </a:ext>
-            </a:extLst>
-          </a:blip>
-          <a:srcRect l="3161" t="28259" r="2613" b="53632"/>
-          <a:stretch/>
-        </p:blipFill>
-        <p:spPr>
-          <a:xfrm>
-            <a:off x="1409700" y="3712193"/>
-            <a:ext cx="5946443" cy="1241945"/>
-          </a:xfrm>
-          <a:prstGeom prst="rect">
-            <a:avLst/>
-          </a:prstGeom>
-        </p:spPr>
-      </p:pic>
-    </p:spTree>
-  </p:cSld>
-  <p:clrMapOvr>
-    <a:masterClrMapping/>
-  </p:clrMapOvr>
-  <p:timing>
-    <p:tnLst>
-      <p:par>
-        <p:cTn id="1" dur="indefinite" restart="never" nodeType="tmRoot">
-          <p:childTnLst>
-            <p:seq>
-              <p:cTn id="2" nodeType="mainSeq"/>
-              <p:prevCondLst>
-                <p:cond evt="onPrev" delay="0">
-                  <p:tgtEl>
-                    <p:sldTgt/>
-                  </p:tgtEl>
-                </p:cond>
-              </p:prevCondLst>
-              <p:nextCondLst>
-                <p:cond evt="onNext" delay="0">
-                  <p:tgtEl>
-                    <p:sldTgt/>
-                  </p:tgtEl>
-                </p:cond>
-              </p:nextCondLst>
-            </p:seq>
-          </p:childTnLst>
-        </p:cTn>
-      </p:par>
-    </p:tnLst>
-  </p:timing>
-</p:sld>
-</file>
-
-<file path=ppt/slides/slide15.xml><?xml version="1.0" encoding="utf-8"?>
-<p:sld xmlns:a="http://schemas.openxmlformats.org/drawingml/2006/main" xmlns:r="http://schemas.openxmlformats.org/officeDocument/2006/relationships" xmlns:p="http://schemas.openxmlformats.org/presentationml/2006/main">
-  <p:cSld>
-    <p:spTree>
-      <p:nvGrpSpPr>
-        <p:cNvPr id="1" name=""/>
-        <p:cNvGrpSpPr/>
-        <p:nvPr/>
-      </p:nvGrpSpPr>
-      <p:grpSpPr>
-        <a:xfrm>
-          <a:off x="0" y="0"/>
-          <a:ext cx="0" cy="0"/>
-          <a:chOff x="0" y="0"/>
-          <a:chExt cx="0" cy="0"/>
-        </a:xfrm>
-      </p:grpSpPr>
-      <p:sp>
-        <p:nvSpPr>
-          <p:cNvPr id="3" name="Content Placeholder 2"/>
-          <p:cNvSpPr>
-            <a:spLocks noGrp="1"/>
-          </p:cNvSpPr>
-          <p:nvPr>
-            <p:ph idx="1"/>
-          </p:nvPr>
-        </p:nvSpPr>
-        <p:spPr>
-          <a:xfrm>
-            <a:off x="512473" y="1225569"/>
-            <a:ext cx="7955280" cy="5325356"/>
-          </a:xfrm>
-        </p:spPr>
-        <p:txBody>
-          <a:bodyPr>
-            <a:noAutofit/>
-          </a:bodyPr>
-          <a:lstStyle/>
-          <a:p>
-            <a:r>
-              <a:rPr lang="en-US" sz="3200" dirty="0">
-                <a:latin typeface="Calibri" charset="0"/>
-                <a:ea typeface="Calibri" charset="0"/>
-                <a:cs typeface="Calibri" charset="0"/>
-              </a:rPr>
-              <a:t>Since we chose to program our game using Python, our team decided to use the cross-platform know as </a:t>
-            </a:r>
-            <a:r>
-              <a:rPr lang="en-US" sz="3200" dirty="0" err="1">
-                <a:latin typeface="Calibri" charset="0"/>
-                <a:ea typeface="Calibri" charset="0"/>
-                <a:cs typeface="Calibri" charset="0"/>
-              </a:rPr>
-              <a:t>Pygame</a:t>
-            </a:r>
-            <a:r>
-              <a:rPr lang="en-US" sz="3200" dirty="0">
-                <a:latin typeface="Calibri" charset="0"/>
-                <a:ea typeface="Calibri" charset="0"/>
-                <a:cs typeface="Calibri" charset="0"/>
-              </a:rPr>
-              <a:t>.</a:t>
-            </a:r>
-          </a:p>
-          <a:p>
-            <a:r>
-              <a:rPr lang="en-US" sz="3200" dirty="0" err="1">
-                <a:latin typeface="Calibri" charset="0"/>
-                <a:ea typeface="Calibri" charset="0"/>
-                <a:cs typeface="Calibri" charset="0"/>
-              </a:rPr>
-              <a:t>Pygame</a:t>
-            </a:r>
-            <a:r>
-              <a:rPr lang="en-US" sz="3200" dirty="0">
-                <a:latin typeface="Calibri" charset="0"/>
-                <a:ea typeface="Calibri" charset="0"/>
-                <a:cs typeface="Calibri" charset="0"/>
-              </a:rPr>
-              <a:t> is a open source library which uses the Python programming language. </a:t>
-            </a:r>
-          </a:p>
-          <a:p>
-            <a:r>
-              <a:rPr lang="en-US" sz="3200" dirty="0">
-                <a:latin typeface="Calibri" charset="0"/>
-                <a:ea typeface="Calibri" charset="0"/>
-                <a:cs typeface="Calibri" charset="0"/>
-              </a:rPr>
-              <a:t>The </a:t>
-            </a:r>
-            <a:r>
-              <a:rPr lang="en-US" sz="3200" dirty="0" err="1">
-                <a:latin typeface="Calibri" charset="0"/>
-                <a:ea typeface="Calibri" charset="0"/>
-                <a:cs typeface="Calibri" charset="0"/>
-              </a:rPr>
-              <a:t>Pygame</a:t>
-            </a:r>
-            <a:r>
-              <a:rPr lang="en-US" sz="3200">
-                <a:latin typeface="Calibri" charset="0"/>
-                <a:ea typeface="Calibri" charset="0"/>
-                <a:cs typeface="Calibri" charset="0"/>
-              </a:rPr>
-              <a:t> library has </a:t>
-            </a:r>
-            <a:r>
-              <a:rPr lang="en-US" sz="3200" dirty="0">
-                <a:latin typeface="Calibri" charset="0"/>
-                <a:ea typeface="Calibri" charset="0"/>
-                <a:cs typeface="Calibri" charset="0"/>
-              </a:rPr>
-              <a:t>all sorts of built in modules available for users such as the sound module and the draw module which we used in order to draw images to our scenes, as well as load and play sound files.</a:t>
-            </a:r>
-          </a:p>
-        </p:txBody>
-      </p:sp>
-      <p:sp>
-        <p:nvSpPr>
-          <p:cNvPr id="5" name="CustomShape 1"/>
-          <p:cNvSpPr/>
-          <p:nvPr/>
-        </p:nvSpPr>
-        <p:spPr>
-          <a:xfrm>
-            <a:off x="457200" y="95534"/>
-            <a:ext cx="8226360" cy="1146412"/>
-          </a:xfrm>
-          <a:prstGeom prst="rect">
-            <a:avLst/>
-          </a:prstGeom>
-          <a:noFill/>
-          <a:ln>
-            <a:noFill/>
-          </a:ln>
-        </p:spPr>
-        <p:style>
-          <a:lnRef idx="0">
-            <a:scrgbClr r="0" g="0" b="0"/>
-          </a:lnRef>
-          <a:fillRef idx="0">
-            <a:scrgbClr r="0" g="0" b="0"/>
-          </a:fillRef>
-          <a:effectRef idx="0">
-            <a:scrgbClr r="0" g="0" b="0"/>
-          </a:effectRef>
-          <a:fontRef idx="minor"/>
-        </p:style>
-        <p:txBody>
-          <a:bodyPr lIns="90000" tIns="45000" rIns="90000" bIns="45000" anchor="ctr"/>
-          <a:lstStyle/>
-          <a:p>
-            <a:pPr algn="ctr">
-              <a:lnSpc>
-                <a:spcPct val="100000"/>
-              </a:lnSpc>
-            </a:pPr>
-            <a:r>
-              <a:rPr lang="en-CA" sz="4400" spc="-1" dirty="0" err="1">
-                <a:solidFill>
-                  <a:srgbClr val="FFFFFF"/>
-                </a:solidFill>
-                <a:uFill>
-                  <a:solidFill>
-                    <a:srgbClr val="FFFFFF"/>
-                  </a:solidFill>
-                </a:uFill>
-                <a:latin typeface="Calibri"/>
-                <a:ea typeface="DejaVu Sans"/>
-              </a:rPr>
-              <a:t>Pygame</a:t>
-            </a:r>
-            <a:endParaRPr lang="en-CA" sz="1800" b="0" strike="noStrike" spc="-1" dirty="0">
-              <a:solidFill>
-                <a:srgbClr val="FFFFFF"/>
-              </a:solidFill>
-              <a:uFill>
-                <a:solidFill>
-                  <a:srgbClr val="FFFFFF"/>
-                </a:solidFill>
-              </a:uFill>
-              <a:latin typeface="Arial"/>
-            </a:endParaRPr>
-          </a:p>
-        </p:txBody>
-      </p:sp>
-    </p:spTree>
-    <p:extLst>
-      <p:ext uri="{BB962C8B-B14F-4D97-AF65-F5344CB8AC3E}">
-        <p14:creationId xmlns:p14="http://schemas.microsoft.com/office/powerpoint/2010/main" val="91396009"/>
-      </p:ext>
-    </p:extLst>
-  </p:cSld>
-  <p:clrMapOvr>
-    <a:masterClrMapping/>
-  </p:clrMapOvr>
-</p:sld>
-</file>
-
-<file path=ppt/slides/slide16.xml><?xml version="1.0" encoding="utf-8"?>
-<p:sld xmlns:a="http://schemas.openxmlformats.org/drawingml/2006/main" xmlns:r="http://schemas.openxmlformats.org/officeDocument/2006/relationships" xmlns:p="http://schemas.openxmlformats.org/presentationml/2006/main">
-  <p:cSld>
-    <p:spTree>
-      <p:nvGrpSpPr>
-        <p:cNvPr id="1" name=""/>
-        <p:cNvGrpSpPr/>
-        <p:nvPr/>
-      </p:nvGrpSpPr>
-      <p:grpSpPr>
-        <a:xfrm>
-          <a:off x="0" y="0"/>
-          <a:ext cx="0" cy="0"/>
-          <a:chOff x="0" y="0"/>
-          <a:chExt cx="0" cy="0"/>
-        </a:xfrm>
-      </p:grpSpPr>
-      <p:sp>
-        <p:nvSpPr>
-          <p:cNvPr id="3" name="Content Placeholder 2"/>
-          <p:cNvSpPr>
-            <a:spLocks noGrp="1"/>
-          </p:cNvSpPr>
-          <p:nvPr>
-            <p:ph idx="1"/>
-          </p:nvPr>
-        </p:nvSpPr>
-        <p:spPr>
-          <a:xfrm>
-            <a:off x="594360" y="1910687"/>
-            <a:ext cx="7955280" cy="4352953"/>
-          </a:xfrm>
-        </p:spPr>
-        <p:txBody>
-          <a:bodyPr/>
-          <a:lstStyle/>
-          <a:p>
-            <a:r>
-              <a:rPr lang="en-US" sz="3200" dirty="0">
-                <a:latin typeface="Calibri" charset="0"/>
-                <a:ea typeface="Calibri" charset="0"/>
-                <a:cs typeface="Calibri" charset="0"/>
-              </a:rPr>
-              <a:t>Color matching within video games helps to improve cognitive skills.</a:t>
-            </a:r>
-          </a:p>
-          <a:p>
-            <a:r>
-              <a:rPr lang="en-US" sz="3200" dirty="0">
-                <a:latin typeface="Calibri" charset="0"/>
-                <a:ea typeface="Calibri" charset="0"/>
-                <a:cs typeface="Calibri" charset="0"/>
-              </a:rPr>
-              <a:t>The added requirement to match colors in order to take out enemy targets makes our game more challenging. </a:t>
-            </a:r>
-          </a:p>
-          <a:p>
-            <a:r>
-              <a:rPr lang="en-US" sz="3200" dirty="0">
-                <a:latin typeface="Calibri" charset="0"/>
-                <a:ea typeface="Calibri" charset="0"/>
-                <a:cs typeface="Calibri" charset="0"/>
-              </a:rPr>
-              <a:t>The addition of color matching to our game may also help to improve one’s decision making skills as well as their reaction times . </a:t>
-            </a:r>
-          </a:p>
-          <a:p>
-            <a:endParaRPr lang="en-US" dirty="0"/>
-          </a:p>
-        </p:txBody>
-      </p:sp>
-      <p:sp>
-        <p:nvSpPr>
-          <p:cNvPr id="5" name="CustomShape 1"/>
-          <p:cNvSpPr/>
-          <p:nvPr/>
-        </p:nvSpPr>
-        <p:spPr>
-          <a:xfrm>
-            <a:off x="457200" y="336164"/>
-            <a:ext cx="8226360" cy="1146412"/>
-          </a:xfrm>
-          <a:prstGeom prst="rect">
-            <a:avLst/>
-          </a:prstGeom>
-          <a:noFill/>
-          <a:ln>
-            <a:noFill/>
-          </a:ln>
-        </p:spPr>
-        <p:style>
-          <a:lnRef idx="0">
-            <a:scrgbClr r="0" g="0" b="0"/>
-          </a:lnRef>
-          <a:fillRef idx="0">
-            <a:scrgbClr r="0" g="0" b="0"/>
-          </a:fillRef>
-          <a:effectRef idx="0">
-            <a:scrgbClr r="0" g="0" b="0"/>
-          </a:effectRef>
-          <a:fontRef idx="minor"/>
-        </p:style>
-        <p:txBody>
-          <a:bodyPr lIns="90000" tIns="45000" rIns="90000" bIns="45000" anchor="ctr"/>
-          <a:lstStyle/>
-          <a:p>
-            <a:pPr algn="ctr">
-              <a:lnSpc>
-                <a:spcPct val="100000"/>
-              </a:lnSpc>
-            </a:pPr>
-            <a:r>
-              <a:rPr lang="en-CA" sz="4400" spc="-1" dirty="0">
-                <a:solidFill>
-                  <a:srgbClr val="FFFFFF"/>
-                </a:solidFill>
-                <a:uFill>
-                  <a:solidFill>
-                    <a:srgbClr val="FFFFFF"/>
-                  </a:solidFill>
-                </a:uFill>
-                <a:latin typeface="Calibri"/>
-                <a:ea typeface="DejaVu Sans"/>
-              </a:rPr>
-              <a:t>Color Matching</a:t>
-            </a:r>
-            <a:endParaRPr lang="en-CA" sz="1800" b="0" strike="noStrike" spc="-1" dirty="0">
-              <a:solidFill>
-                <a:srgbClr val="FFFFFF"/>
-              </a:solidFill>
-              <a:uFill>
-                <a:solidFill>
-                  <a:srgbClr val="FFFFFF"/>
-                </a:solidFill>
-              </a:uFill>
-              <a:latin typeface="Arial"/>
-            </a:endParaRPr>
-          </a:p>
-        </p:txBody>
-      </p:sp>
-    </p:spTree>
-    <p:extLst>
-      <p:ext uri="{BB962C8B-B14F-4D97-AF65-F5344CB8AC3E}">
-        <p14:creationId xmlns:p14="http://schemas.microsoft.com/office/powerpoint/2010/main" val="823839288"/>
-      </p:ext>
-    </p:extLst>
-  </p:cSld>
-  <p:clrMapOvr>
-    <a:masterClrMapping/>
-  </p:clrMapOvr>
-</p:sld>
-</file>
-
-<file path=ppt/slides/slide17.xml><?xml version="1.0" encoding="utf-8"?>
-<p:sld xmlns:a="http://schemas.openxmlformats.org/drawingml/2006/main" xmlns:r="http://schemas.openxmlformats.org/officeDocument/2006/relationships" xmlns:p="http://schemas.openxmlformats.org/presentationml/2006/main">
-  <p:cSld>
-    <p:spTree>
-      <p:nvGrpSpPr>
-        <p:cNvPr id="1" name=""/>
-        <p:cNvGrpSpPr/>
-        <p:nvPr/>
-      </p:nvGrpSpPr>
-      <p:grpSpPr>
-        <a:xfrm>
-          <a:off x="0" y="0"/>
-          <a:ext cx="0" cy="0"/>
-          <a:chOff x="0" y="0"/>
-          <a:chExt cx="0" cy="0"/>
-        </a:xfrm>
-      </p:grpSpPr>
-      <p:sp>
-        <p:nvSpPr>
-          <p:cNvPr id="3" name="Content Placeholder 2"/>
-          <p:cNvSpPr>
-            <a:spLocks noGrp="1"/>
-          </p:cNvSpPr>
-          <p:nvPr>
-            <p:ph idx="1"/>
-          </p:nvPr>
-        </p:nvSpPr>
-        <p:spPr>
-          <a:xfrm>
-            <a:off x="662598" y="1419367"/>
-            <a:ext cx="7955280" cy="5240740"/>
-          </a:xfrm>
-        </p:spPr>
-        <p:txBody>
-          <a:bodyPr>
-            <a:noAutofit/>
-          </a:bodyPr>
-          <a:lstStyle/>
-          <a:p>
-            <a:r>
-              <a:rPr lang="en-US" sz="3200" dirty="0">
-                <a:latin typeface="Calibri" charset="0"/>
-                <a:ea typeface="Calibri" charset="0"/>
-                <a:cs typeface="Calibri" charset="0"/>
-              </a:rPr>
-              <a:t>We’ve included color matching</a:t>
-            </a:r>
-          </a:p>
-          <a:p>
-            <a:pPr lvl="1"/>
-            <a:r>
-              <a:rPr lang="en-US" sz="3200" dirty="0">
-                <a:latin typeface="Calibri" charset="0"/>
-                <a:ea typeface="Calibri" charset="0"/>
-                <a:cs typeface="Calibri" charset="0"/>
-              </a:rPr>
-              <a:t>This requires the player to think and react quickly which makes our game more of a challenge and therefore more likely to be played.</a:t>
-            </a:r>
-          </a:p>
-          <a:p>
-            <a:r>
-              <a:rPr lang="en-US" sz="3200" dirty="0">
-                <a:latin typeface="Calibri" charset="0"/>
-                <a:ea typeface="Calibri" charset="0"/>
-                <a:cs typeface="Calibri" charset="0"/>
-              </a:rPr>
-              <a:t>We chose a language that is popular and easy </a:t>
-            </a:r>
-          </a:p>
-          <a:p>
-            <a:pPr lvl="1"/>
-            <a:r>
-              <a:rPr lang="en-US" sz="3200" dirty="0">
-                <a:latin typeface="Calibri" charset="0"/>
-                <a:ea typeface="Calibri" charset="0"/>
-                <a:cs typeface="Calibri" charset="0"/>
-              </a:rPr>
-              <a:t>The original </a:t>
-            </a:r>
-            <a:r>
-              <a:rPr lang="en-US" sz="3200" dirty="0" err="1">
-                <a:latin typeface="Calibri" charset="0"/>
-                <a:ea typeface="Calibri" charset="0"/>
-                <a:cs typeface="Calibri" charset="0"/>
-              </a:rPr>
-              <a:t>Galaga</a:t>
-            </a:r>
-            <a:r>
-              <a:rPr lang="en-US" sz="3200" dirty="0">
-                <a:latin typeface="Calibri" charset="0"/>
-                <a:ea typeface="Calibri" charset="0"/>
-                <a:cs typeface="Calibri" charset="0"/>
-              </a:rPr>
-              <a:t> game was created in Assembly which is a language that not as many developers work with and therefore makes it more difficult to keep the game updated.</a:t>
-            </a:r>
-          </a:p>
-          <a:p>
-            <a:pPr lvl="1"/>
-            <a:endParaRPr lang="en-US" sz="3200" dirty="0">
-              <a:latin typeface="Calibri" charset="0"/>
-              <a:ea typeface="Calibri" charset="0"/>
-              <a:cs typeface="Calibri" charset="0"/>
-            </a:endParaRPr>
-          </a:p>
-        </p:txBody>
-      </p:sp>
-      <p:sp>
-        <p:nvSpPr>
-          <p:cNvPr id="4" name="CustomShape 1"/>
-          <p:cNvSpPr/>
-          <p:nvPr/>
-        </p:nvSpPr>
-        <p:spPr>
-          <a:xfrm>
-            <a:off x="2213810" y="247575"/>
-            <a:ext cx="8226360" cy="1146412"/>
-          </a:xfrm>
-          <a:prstGeom prst="rect">
-            <a:avLst/>
-          </a:prstGeom>
-          <a:noFill/>
-          <a:ln>
-            <a:noFill/>
-          </a:ln>
-        </p:spPr>
-        <p:style>
-          <a:lnRef idx="0">
-            <a:scrgbClr r="0" g="0" b="0"/>
-          </a:lnRef>
-          <a:fillRef idx="0">
-            <a:scrgbClr r="0" g="0" b="0"/>
-          </a:fillRef>
-          <a:effectRef idx="0">
-            <a:scrgbClr r="0" g="0" b="0"/>
-          </a:effectRef>
-          <a:fontRef idx="minor"/>
-        </p:style>
-        <p:txBody>
-          <a:bodyPr lIns="90000" tIns="45000" rIns="90000" bIns="45000" anchor="ctr"/>
-          <a:lstStyle/>
-          <a:p>
-            <a:pPr algn="ctr">
-              <a:lnSpc>
-                <a:spcPct val="100000"/>
-              </a:lnSpc>
-            </a:pPr>
-            <a:r>
-              <a:rPr lang="en-CA" sz="4400" spc="-1" dirty="0">
-                <a:solidFill>
-                  <a:srgbClr val="FFFFFF"/>
-                </a:solidFill>
-                <a:uFill>
-                  <a:solidFill>
-                    <a:srgbClr val="FFFFFF"/>
-                  </a:solidFill>
-                </a:uFill>
-                <a:latin typeface="Calibri"/>
-                <a:ea typeface="DejaVu Sans"/>
-              </a:rPr>
-              <a:t>What Makes Our</a:t>
-            </a:r>
-          </a:p>
-          <a:p>
-            <a:pPr algn="ctr">
-              <a:lnSpc>
-                <a:spcPct val="100000"/>
-              </a:lnSpc>
-            </a:pPr>
-            <a:r>
-              <a:rPr lang="en-CA" sz="4400" spc="-1" dirty="0">
-                <a:solidFill>
-                  <a:srgbClr val="FFFFFF"/>
-                </a:solidFill>
-                <a:uFill>
-                  <a:solidFill>
-                    <a:srgbClr val="FFFFFF"/>
-                  </a:solidFill>
-                </a:uFill>
-                <a:latin typeface="Calibri"/>
-                <a:ea typeface="DejaVu Sans"/>
-              </a:rPr>
-              <a:t>Version Better?</a:t>
-            </a:r>
-            <a:endParaRPr lang="en-CA" sz="1800" b="0" strike="noStrike" spc="-1" dirty="0">
-              <a:solidFill>
-                <a:srgbClr val="FFFFFF"/>
-              </a:solidFill>
-              <a:uFill>
-                <a:solidFill>
-                  <a:srgbClr val="FFFFFF"/>
-                </a:solidFill>
-              </a:uFill>
-              <a:latin typeface="Arial"/>
-            </a:endParaRPr>
-          </a:p>
-        </p:txBody>
-      </p:sp>
-    </p:spTree>
-    <p:extLst>
-      <p:ext uri="{BB962C8B-B14F-4D97-AF65-F5344CB8AC3E}">
-        <p14:creationId xmlns:p14="http://schemas.microsoft.com/office/powerpoint/2010/main" val="759521035"/>
-      </p:ext>
-    </p:extLst>
-  </p:cSld>
-  <p:clrMapOvr>
-    <a:masterClrMapping/>
-  </p:clrMapOvr>
-</p:sld>
-</file>
-
 <file path=ppt/slides/slide2.xml><?xml version="1.0" encoding="utf-8"?>
 <p:sld xmlns:a="http://schemas.openxmlformats.org/drawingml/2006/main" xmlns:r="http://schemas.openxmlformats.org/officeDocument/2006/relationships" xmlns:p="http://schemas.openxmlformats.org/presentationml/2006/main">
   <p:cSld>
@@ -10760,7 +8479,7 @@
               </a:lnSpc>
             </a:pPr>
             <a:r>
-              <a:rPr lang="en-CA" sz="4400" b="0" strike="noStrike" spc="-1">
+              <a:rPr lang="en-CA" sz="4400" b="0" strike="noStrike" spc="-1" dirty="0">
                 <a:solidFill>
                   <a:srgbClr val="FFFFFF"/>
                 </a:solidFill>
@@ -10772,9 +8491,9 @@
                 <a:latin typeface="Calibri"/>
                 <a:ea typeface="DejaVu Sans"/>
               </a:rPr>
-              <a:t>Project Structure</a:t>
-            </a:r>
-            <a:endParaRPr lang="en-CA" sz="1800" b="0" strike="noStrike" spc="-1">
+              <a:t>Project Objectives</a:t>
+            </a:r>
+            <a:endParaRPr lang="en-CA" sz="1800" b="0" strike="noStrike" spc="-1" dirty="0">
               <a:solidFill>
                 <a:srgbClr val="FFFFFF"/>
               </a:solidFill>
@@ -10834,7 +8553,7 @@
               <a:buChar char="•"/>
             </a:pPr>
             <a:r>
-              <a:rPr lang="en-CA" sz="3200" b="0" strike="noStrike" spc="-1">
+              <a:rPr lang="en-CA" sz="3200" spc="-1" dirty="0">
                 <a:solidFill>
                   <a:srgbClr val="FFFFFF"/>
                 </a:solidFill>
@@ -10844,11 +8563,38 @@
                   </a:solidFill>
                 </a:uFill>
                 <a:latin typeface="Calibri"/>
-                <a:ea typeface="DejaVu Sans"/>
               </a:rPr>
-              <a:t>Lazer Blast uses the Python setuptools module, to make installation and development easier.</a:t>
-            </a:r>
-            <a:endParaRPr lang="en-CA" sz="1800" b="0" strike="noStrike" spc="-1">
+              <a:t>Create a video game in the same spirit as arcade top-down shooters like </a:t>
+            </a:r>
+            <a:r>
+              <a:rPr lang="en-CA" sz="3200" spc="-1" dirty="0" err="1" smtClean="0">
+                <a:solidFill>
+                  <a:srgbClr val="FFFFFF"/>
+                </a:solidFill>
+                <a:uFill>
+                  <a:solidFill>
+                    <a:srgbClr val="FFFFFF"/>
+                  </a:solidFill>
+                </a:uFill>
+                <a:latin typeface="Calibri"/>
+              </a:rPr>
+              <a:t>Galaga</a:t>
+            </a:r>
+            <a:r>
+              <a:rPr lang="en-CA" sz="3200" spc="-1" dirty="0" smtClean="0">
+                <a:solidFill>
+                  <a:srgbClr val="FFFFFF"/>
+                </a:solidFill>
+                <a:uFill>
+                  <a:solidFill>
+                    <a:srgbClr val="FFFFFF"/>
+                  </a:solidFill>
+                </a:uFill>
+                <a:latin typeface="Calibri"/>
+              </a:rPr>
+              <a:t>.</a:t>
+            </a:r>
+            <a:endParaRPr lang="en-CA" sz="1800" b="0" strike="noStrike" spc="-1" dirty="0">
               <a:solidFill>
                 <a:srgbClr val="FFFFFF"/>
               </a:solidFill>
@@ -10872,7 +8618,7 @@
               <a:buChar char="•"/>
             </a:pPr>
             <a:r>
-              <a:rPr lang="en-CA" sz="3200" b="0" strike="noStrike" spc="-1">
+              <a:rPr lang="en-CA" sz="3200" b="0" strike="noStrike" spc="-1" dirty="0">
                 <a:solidFill>
                   <a:srgbClr val="FFFFFF"/>
                 </a:solidFill>
@@ -10884,19 +8630,68 @@
                 <a:latin typeface="Calibri"/>
                 <a:ea typeface="DejaVu Sans"/>
               </a:rPr>
-              <a:t>It could easily be hosted on PypI, and users could install it just by typing `pip3 install lazer_blast`</a:t>
-            </a:r>
-            <a:endParaRPr lang="en-CA" sz="1800" b="0" strike="noStrike" spc="-1">
-              <a:solidFill>
-                <a:srgbClr val="FFFFFF"/>
-              </a:solidFill>
-              <a:uFill>
+              <a:t>Add challenge of </a:t>
+            </a:r>
+            <a:r>
+              <a:rPr lang="en-CA" sz="3200" spc="-1" dirty="0">
                 <a:solidFill>
                   <a:srgbClr val="FFFFFF"/>
                 </a:solidFill>
-              </a:uFill>
-              <a:latin typeface="Arial"/>
-            </a:endParaRPr>
+                <a:uFill>
+                  <a:solidFill>
+                    <a:srgbClr val="FFFFFF"/>
+                  </a:solidFill>
+                </a:uFill>
+                <a:latin typeface="Calibri"/>
+                <a:ea typeface="DejaVu Sans"/>
+              </a:rPr>
+              <a:t>multiple enemy types that require color matching laser hits to </a:t>
+            </a:r>
+            <a:r>
+              <a:rPr lang="en-CA" sz="3200" spc="-1" dirty="0" smtClean="0">
+                <a:solidFill>
+                  <a:srgbClr val="FFFFFF"/>
+                </a:solidFill>
+                <a:uFill>
+                  <a:solidFill>
+                    <a:srgbClr val="FFFFFF"/>
+                  </a:solidFill>
+                </a:uFill>
+                <a:latin typeface="Calibri"/>
+                <a:ea typeface="DejaVu Sans"/>
+              </a:rPr>
+              <a:t>destroy.  Specifically, we aimed to improve upon the open-source game, </a:t>
+            </a:r>
+            <a:r>
+              <a:rPr lang="en-CA" sz="3200" spc="-1" dirty="0" err="1" smtClean="0">
+                <a:solidFill>
+                  <a:srgbClr val="FFFFFF"/>
+                </a:solidFill>
+                <a:uFill>
+                  <a:solidFill>
+                    <a:srgbClr val="FFFFFF"/>
+                  </a:solidFill>
+                </a:uFill>
+                <a:latin typeface="Calibri"/>
+                <a:ea typeface="DejaVu Sans"/>
+              </a:rPr>
+              <a:t>Pylaga</a:t>
+            </a:r>
+            <a:r>
+              <a:rPr lang="en-CA" sz="3200" spc="-1" dirty="0" smtClean="0">
+                <a:solidFill>
+                  <a:srgbClr val="FFFFFF"/>
+                </a:solidFill>
+                <a:uFill>
+                  <a:solidFill>
+                    <a:srgbClr val="FFFFFF"/>
+                  </a:solidFill>
+                </a:uFill>
+                <a:latin typeface="Calibri"/>
+                <a:ea typeface="DejaVu Sans"/>
+              </a:rPr>
+              <a:t>.</a:t>
+            </a:r>
           </a:p>
           <a:p>
             <a:pPr marL="343080" indent="-339840">
@@ -10910,7 +8705,7 @@
               <a:buChar char="•"/>
             </a:pPr>
             <a:r>
-              <a:rPr lang="en-CA" sz="3200" b="0" strike="noStrike" spc="-1">
+              <a:rPr lang="en-CA" sz="3200" spc="-1" dirty="0" smtClean="0">
                 <a:solidFill>
                   <a:srgbClr val="FFFFFF"/>
                 </a:solidFill>
@@ -10922,9 +8717,9 @@
                 <a:latin typeface="Calibri"/>
                 <a:ea typeface="DejaVu Sans"/>
               </a:rPr>
-              <a:t>It also gives a common entry point for tests and requirements installation.</a:t>
-            </a:r>
-            <a:endParaRPr lang="en-CA" sz="1800" b="0" strike="noStrike" spc="-1">
+              <a:t>Follow standard practices for Python modules, and make the game extensible for later developers.</a:t>
+            </a:r>
+            <a:endParaRPr lang="en-CA" sz="3200" spc="-1" dirty="0">
               <a:solidFill>
                 <a:srgbClr val="FFFFFF"/>
               </a:solidFill>
@@ -10933,7 +8728,8 @@
                   <a:srgbClr val="FFFFFF"/>
                 </a:solidFill>
               </a:uFill>
-              <a:latin typeface="Arial"/>
+              <a:latin typeface="Calibri"/>
+              <a:ea typeface="DejaVu Sans"/>
             </a:endParaRPr>
           </a:p>
         </p:txBody>
@@ -10946,7 +8742,7 @@
   <p:timing>
     <p:tnLst>
       <p:par>
-        <p:cTn id="1" dur="indefinite" restart="never" nodeType="tmRoot">
+        <p:cTn xmlns:p14="http://schemas.microsoft.com/office/powerpoint/2010/main" id="1" dur="indefinite" restart="never" nodeType="tmRoot">
           <p:childTnLst>
             <p:seq>
               <p:cTn id="2" nodeType="mainSeq"/>
@@ -11031,7 +8827,7 @@
               </a:lnSpc>
             </a:pPr>
             <a:r>
-              <a:rPr lang="en-CA" sz="4400" b="0" strike="noStrike" spc="-1">
+              <a:rPr lang="en-CA" sz="4400" spc="-1" dirty="0">
                 <a:solidFill>
                   <a:srgbClr val="FFFFFF"/>
                 </a:solidFill>
@@ -11041,11 +8837,10 @@
                   </a:solidFill>
                 </a:uFill>
                 <a:latin typeface="Calibri"/>
-                <a:ea typeface="DejaVu Sans"/>
               </a:rPr>
-              <a:t>Base Classes</a:t>
-            </a:r>
-            <a:endParaRPr lang="en-CA" sz="1800" b="0" strike="noStrike" spc="-1">
+              <a:t>Implementation Language</a:t>
+            </a:r>
+            <a:endParaRPr lang="en-CA" sz="1800" b="0" strike="noStrike" spc="-1" dirty="0">
               <a:solidFill>
                 <a:srgbClr val="FFFFFF"/>
               </a:solidFill>
@@ -11105,7 +8900,7 @@
               <a:buChar char="•"/>
             </a:pPr>
             <a:r>
-              <a:rPr lang="en-CA" sz="3200" b="0" strike="noStrike" spc="-1">
+              <a:rPr lang="en-CA" sz="3200" spc="-1" dirty="0" smtClean="0">
                 <a:solidFill>
                   <a:srgbClr val="FFFFFF"/>
                 </a:solidFill>
@@ -11117,9 +8912,39 @@
                 <a:latin typeface="Calibri"/>
                 <a:ea typeface="DejaVu Sans"/>
               </a:rPr>
-              <a:t>To help reduce duplication, we made two base classes: RenderedBase and ActorBase.</a:t>
-            </a:r>
-            <a:endParaRPr lang="en-CA" sz="1800" b="0" strike="noStrike" spc="-1">
+              <a:t>Written in Python using the </a:t>
+            </a:r>
+            <a:r>
+              <a:rPr lang="en-CA" sz="3200" spc="-1" dirty="0" err="1" smtClean="0">
+                <a:solidFill>
+                  <a:srgbClr val="FFFFFF"/>
+                </a:solidFill>
+                <a:uFill>
+                  <a:solidFill>
+                    <a:srgbClr val="FFFFFF"/>
+                  </a:solidFill>
+                </a:uFill>
+                <a:latin typeface="Calibri"/>
+                <a:ea typeface="DejaVu Sans"/>
+              </a:rPr>
+              <a:t>PyGame</a:t>
+            </a:r>
+            <a:r>
+              <a:rPr lang="en-CA" sz="3200" spc="-1" dirty="0" smtClean="0">
+                <a:solidFill>
+                  <a:srgbClr val="FFFFFF"/>
+                </a:solidFill>
+                <a:uFill>
+                  <a:solidFill>
+                    <a:srgbClr val="FFFFFF"/>
+                  </a:solidFill>
+                </a:uFill>
+                <a:latin typeface="Calibri"/>
+                <a:ea typeface="DejaVu Sans"/>
+              </a:rPr>
+              <a:t> library.</a:t>
+            </a:r>
+            <a:endParaRPr lang="en-CA" sz="3200" spc="-1" dirty="0">
               <a:solidFill>
                 <a:srgbClr val="FFFFFF"/>
               </a:solidFill>
@@ -11128,7 +8953,8 @@
                   <a:srgbClr val="FFFFFF"/>
                 </a:solidFill>
               </a:uFill>
-              <a:latin typeface="Arial"/>
+              <a:latin typeface="Calibri"/>
+              <a:ea typeface="DejaVu Sans"/>
             </a:endParaRPr>
           </a:p>
           <a:p>
@@ -11143,7 +8969,7 @@
               <a:buChar char="•"/>
             </a:pPr>
             <a:r>
-              <a:rPr lang="en-CA" sz="3200" b="0" strike="noStrike" spc="-1">
+              <a:rPr lang="en-CA" sz="3200" b="0" strike="noStrike" spc="-1" dirty="0" smtClean="0">
                 <a:solidFill>
                   <a:srgbClr val="FFFFFF"/>
                 </a:solidFill>
@@ -11153,35 +8979,11 @@
                   </a:solidFill>
                 </a:uFill>
                 <a:latin typeface="Calibri"/>
-                <a:ea typeface="DejaVu Sans"/>
               </a:rPr>
-              <a:t>Anything  which is rendered will inherit from RenderedBase, and anything which has agency inherits from ActorBase.</a:t>
-            </a:r>
-            <a:endParaRPr lang="en-CA" sz="1800" b="0" strike="noStrike" spc="-1">
-              <a:solidFill>
-                <a:srgbClr val="FFFFFF"/>
-              </a:solidFill>
-              <a:uFill>
-                <a:solidFill>
-                  <a:srgbClr val="FFFFFF"/>
-                </a:solidFill>
-              </a:uFill>
-              <a:latin typeface="Arial"/>
-            </a:endParaRPr>
-          </a:p>
-          <a:p>
-            <a:pPr marL="343080" indent="-339840">
-              <a:lnSpc>
-                <a:spcPct val="100000"/>
-              </a:lnSpc>
-              <a:buClr>
-                <a:srgbClr val="FFFFFF"/>
-              </a:buClr>
-              <a:buFont typeface="Arial"/>
-              <a:buChar char="•"/>
-            </a:pPr>
-            <a:r>
-              <a:rPr lang="en-CA" sz="3200" b="0" strike="noStrike" spc="-1">
+              <a:t>Python was chosen because of its widespread use, the availability of open-source components on </a:t>
+            </a:r>
+            <a:r>
+              <a:rPr lang="en-CA" sz="3200" b="0" strike="noStrike" spc="-1" dirty="0" err="1" smtClean="0">
                 <a:solidFill>
                   <a:srgbClr val="FFFFFF"/>
                 </a:solidFill>
@@ -11191,11 +8993,24 @@
                   </a:solidFill>
                 </a:uFill>
                 <a:latin typeface="Calibri"/>
-                <a:ea typeface="DejaVu Sans"/>
               </a:rPr>
-              <a:t>This also hides complexity from the API, and allows for easier use by later developers.</a:t>
-            </a:r>
-            <a:endParaRPr lang="en-CA" sz="1800" b="0" strike="noStrike" spc="-1">
+              <a:t>PyPI</a:t>
+            </a:r>
+            <a:r>
+              <a:rPr lang="en-CA" sz="3200" spc="-1" dirty="0" smtClean="0">
+                <a:solidFill>
+                  <a:srgbClr val="FFFFFF"/>
+                </a:solidFill>
+                <a:uFill>
+                  <a:solidFill>
+                    <a:srgbClr val="FFFFFF"/>
+                  </a:solidFill>
+                </a:uFill>
+                <a:latin typeface="Calibri"/>
+              </a:rPr>
+              <a:t>, and the ease with which modules can be packaged and released.</a:t>
+            </a:r>
+            <a:endParaRPr lang="en-CA" sz="3200" b="0" strike="noStrike" spc="-1" dirty="0">
               <a:solidFill>
                 <a:srgbClr val="FFFFFF"/>
               </a:solidFill>
@@ -11204,7 +9019,7 @@
                   <a:srgbClr val="FFFFFF"/>
                 </a:solidFill>
               </a:uFill>
-              <a:latin typeface="Arial"/>
+              <a:latin typeface="Calibri"/>
             </a:endParaRPr>
           </a:p>
         </p:txBody>
@@ -11217,7 +9032,7 @@
   <p:timing>
     <p:tnLst>
       <p:par>
-        <p:cTn id="1" dur="indefinite" restart="never" nodeType="tmRoot">
+        <p:cTn xmlns:p14="http://schemas.microsoft.com/office/powerpoint/2010/main" id="1" dur="indefinite" restart="never" nodeType="tmRoot">
           <p:childTnLst>
             <p:seq>
               <p:cTn id="2" nodeType="mainSeq"/>
@@ -11263,7 +9078,7 @@
       </p:grpSpPr>
       <p:sp>
         <p:nvSpPr>
-          <p:cNvPr id="78" name="CustomShape 1"/>
+          <p:cNvPr id="76" name="CustomShape 1"/>
           <p:cNvSpPr/>
           <p:nvPr/>
         </p:nvSpPr>
@@ -11302,7 +9117,7 @@
               </a:lnSpc>
             </a:pPr>
             <a:r>
-              <a:rPr lang="en-CA" sz="4400" b="0" strike="noStrike" spc="-1">
+              <a:rPr lang="en-CA" sz="4400" spc="-1" dirty="0" smtClean="0">
                 <a:solidFill>
                   <a:srgbClr val="FFFFFF"/>
                 </a:solidFill>
@@ -11312,11 +9127,10 @@
                   </a:solidFill>
                 </a:uFill>
                 <a:latin typeface="Calibri"/>
-                <a:ea typeface="DejaVu Sans"/>
               </a:rPr>
-              <a:t>Unit Tests</a:t>
-            </a:r>
-            <a:endParaRPr lang="en-CA" sz="1800" b="0" strike="noStrike" spc="-1">
+              <a:t>Lines of Code</a:t>
+            </a:r>
+            <a:endParaRPr lang="en-CA" sz="1800" b="0" strike="noStrike" spc="-1" dirty="0">
               <a:solidFill>
                 <a:srgbClr val="FFFFFF"/>
               </a:solidFill>
@@ -11332,7 +9146,7 @@
       </p:sp>
       <p:sp>
         <p:nvSpPr>
-          <p:cNvPr id="79" name="CustomShape 2"/>
+          <p:cNvPr id="77" name="CustomShape 2"/>
           <p:cNvSpPr/>
           <p:nvPr/>
         </p:nvSpPr>
@@ -11376,7 +9190,7 @@
               <a:buChar char="•"/>
             </a:pPr>
             <a:r>
-              <a:rPr lang="en-CA" sz="3200" b="0" strike="noStrike" spc="-1">
+              <a:rPr lang="en-CA" sz="3200" spc="-1" dirty="0" smtClean="0">
                 <a:solidFill>
                   <a:srgbClr val="FFFFFF"/>
                 </a:solidFill>
@@ -11386,11 +9200,10 @@
                   </a:solidFill>
                 </a:uFill>
                 <a:latin typeface="Calibri"/>
-                <a:ea typeface="DejaVu Sans"/>
               </a:rPr>
-              <a:t>Our base classes, Player class and Enemy class all have unit tests for their main methods.</a:t>
-            </a:r>
-            <a:endParaRPr lang="en-CA" sz="1800" b="0" strike="noStrike" spc="-1">
+              <a:t>In total, we had 1120 lines of code.  (Including internal documentation and tests.)</a:t>
+            </a:r>
+            <a:endParaRPr lang="en-CA" sz="3200" b="0" strike="noStrike" spc="-1" dirty="0">
               <a:solidFill>
                 <a:srgbClr val="FFFFFF"/>
               </a:solidFill>
@@ -11399,88 +9212,47 @@
                   <a:srgbClr val="FFFFFF"/>
                 </a:solidFill>
               </a:uFill>
-              <a:latin typeface="Arial"/>
+              <a:latin typeface="Calibri"/>
             </a:endParaRPr>
           </a:p>
-          <a:p>
-            <a:pPr marL="343080" indent="-339840">
-              <a:lnSpc>
-                <a:spcPct val="100000"/>
-              </a:lnSpc>
-              <a:buClr>
-                <a:srgbClr val="FFFFFF"/>
-              </a:buClr>
-              <a:buFont typeface="Arial"/>
-              <a:buChar char="•"/>
-            </a:pPr>
-            <a:r>
-              <a:rPr lang="en-CA" sz="3200" b="0" strike="noStrike" spc="-1">
-                <a:solidFill>
-                  <a:srgbClr val="FFFFFF"/>
-                </a:solidFill>
-                <a:uFill>
-                  <a:solidFill>
-                    <a:srgbClr val="FFFFFF"/>
-                  </a:solidFill>
-                </a:uFill>
-                <a:latin typeface="Calibri"/>
-                <a:ea typeface="DejaVu Sans"/>
-              </a:rPr>
-              <a:t>This helped to reduce regression.</a:t>
-            </a:r>
-            <a:endParaRPr lang="en-CA" sz="1800" b="0" strike="noStrike" spc="-1">
-              <a:solidFill>
-                <a:srgbClr val="FFFFFF"/>
-              </a:solidFill>
-              <a:uFill>
-                <a:solidFill>
-                  <a:srgbClr val="FFFFFF"/>
-                </a:solidFill>
-              </a:uFill>
-              <a:latin typeface="Arial"/>
-            </a:endParaRPr>
-          </a:p>
-          <a:p>
-            <a:pPr marL="343080" indent="-339840">
-              <a:lnSpc>
-                <a:spcPct val="100000"/>
-              </a:lnSpc>
-              <a:buClr>
-                <a:srgbClr val="FFFFFF"/>
-              </a:buClr>
-              <a:buFont typeface="Arial"/>
-              <a:buChar char="•"/>
-            </a:pPr>
-            <a:r>
-              <a:rPr lang="en-CA" sz="3200" b="0" strike="noStrike" spc="-1">
-                <a:solidFill>
-                  <a:srgbClr val="FFFFFF"/>
-                </a:solidFill>
-                <a:uFill>
-                  <a:solidFill>
-                    <a:srgbClr val="FFFFFF"/>
-                  </a:solidFill>
-                </a:uFill>
-                <a:latin typeface="Calibri"/>
-                <a:ea typeface="DejaVu Sans"/>
-              </a:rPr>
-              <a:t>It also provided an example of the expected use, and so helped when working as a team.</a:t>
-            </a:r>
-            <a:endParaRPr lang="en-CA" sz="1800" b="0" strike="noStrike" spc="-1">
-              <a:solidFill>
-                <a:srgbClr val="FFFFFF"/>
-              </a:solidFill>
-              <a:uFill>
-                <a:solidFill>
-                  <a:srgbClr val="FFFFFF"/>
-                </a:solidFill>
-              </a:uFill>
-              <a:latin typeface="Arial"/>
-            </a:endParaRPr>
-          </a:p>
-        </p:txBody>
-      </p:sp>
+        </p:txBody>
+      </p:sp>
+      <p:pic>
+        <p:nvPicPr>
+          <p:cNvPr id="2" name="Picture 1" descr="LoC.png"/>
+          <p:cNvPicPr>
+            <a:picLocks noChangeAspect="1"/>
+          </p:cNvPicPr>
+          <p:nvPr/>
+        </p:nvPicPr>
+        <p:blipFill>
+          <a:blip r:embed="rId2">
+            <a:extLst>
+              <a:ext uri="{28A0092B-C50C-407E-A947-70E740481C1C}">
+                <a14:useLocalDpi xmlns:a14="http://schemas.microsoft.com/office/drawing/2010/main" val="0"/>
+              </a:ext>
+            </a:extLst>
+          </a:blip>
+          <a:stretch>
+            <a:fillRect/>
+          </a:stretch>
+        </p:blipFill>
+        <p:spPr>
+          <a:xfrm>
+            <a:off x="2319487" y="2996182"/>
+            <a:ext cx="4658424" cy="3054871"/>
+          </a:xfrm>
+          <a:prstGeom prst="rect">
+            <a:avLst/>
+          </a:prstGeom>
+        </p:spPr>
+      </p:pic>
     </p:spTree>
+    <p:extLst>
+      <p:ext uri="{BB962C8B-B14F-4D97-AF65-F5344CB8AC3E}">
+        <p14:creationId xmlns:p14="http://schemas.microsoft.com/office/powerpoint/2010/main" val="3587125347"/>
+      </p:ext>
+    </p:extLst>
   </p:cSld>
   <p:clrMapOvr>
     <a:masterClrMapping/>
@@ -11488,7 +9260,7 @@
   <p:timing>
     <p:tnLst>
       <p:par>
-        <p:cTn id="1" dur="indefinite" restart="never" nodeType="tmRoot">
+        <p:cTn xmlns:p14="http://schemas.microsoft.com/office/powerpoint/2010/main" id="1" dur="indefinite" restart="never" nodeType="tmRoot">
           <p:childTnLst>
             <p:seq>
               <p:cTn id="2" nodeType="mainSeq"/>
@@ -11534,7 +9306,7 @@
       </p:grpSpPr>
       <p:sp>
         <p:nvSpPr>
-          <p:cNvPr id="80" name="CustomShape 1"/>
+          <p:cNvPr id="76" name="CustomShape 1"/>
           <p:cNvSpPr/>
           <p:nvPr/>
         </p:nvSpPr>
@@ -11573,7 +9345,7 @@
               </a:lnSpc>
             </a:pPr>
             <a:r>
-              <a:rPr lang="en-CA" sz="4400" b="0" strike="noStrike" spc="-1">
+              <a:rPr lang="en-CA" sz="4400" spc="-1" dirty="0" smtClean="0">
                 <a:solidFill>
                   <a:srgbClr val="FFFFFF"/>
                 </a:solidFill>
@@ -11583,11 +9355,10 @@
                   </a:solidFill>
                 </a:uFill>
                 <a:latin typeface="Calibri"/>
-                <a:ea typeface="DejaVu Sans"/>
               </a:rPr>
-              <a:t>Settings File</a:t>
-            </a:r>
-            <a:endParaRPr lang="en-CA" sz="1800" b="0" strike="noStrike" spc="-1">
+              <a:t>Number of Functions</a:t>
+            </a:r>
+            <a:endParaRPr lang="en-CA" sz="1800" b="0" strike="noStrike" spc="-1" dirty="0">
               <a:solidFill>
                 <a:srgbClr val="FFFFFF"/>
               </a:solidFill>
@@ -11603,7 +9374,7 @@
       </p:sp>
       <p:sp>
         <p:nvSpPr>
-          <p:cNvPr id="81" name="CustomShape 2"/>
+          <p:cNvPr id="77" name="CustomShape 2"/>
           <p:cNvSpPr/>
           <p:nvPr/>
         </p:nvSpPr>
@@ -11647,7 +9418,7 @@
               <a:buChar char="•"/>
             </a:pPr>
             <a:r>
-              <a:rPr lang="en-CA" sz="3200" b="0" strike="noStrike" spc="-1" dirty="0">
+              <a:rPr lang="en-CA" sz="3200" spc="-1" dirty="0" smtClean="0">
                 <a:solidFill>
                   <a:srgbClr val="FFFFFF"/>
                 </a:solidFill>
@@ -11657,41 +9428,10 @@
                   </a:solidFill>
                 </a:uFill>
                 <a:latin typeface="Calibri"/>
-                <a:ea typeface="DejaVu Sans"/>
               </a:rPr>
-              <a:t>An additional improvement over </a:t>
-            </a:r>
-            <a:r>
-              <a:rPr lang="en-CA" sz="3200" b="0" strike="noStrike" spc="-1" dirty="0" err="1">
-                <a:solidFill>
-                  <a:srgbClr val="FFFFFF"/>
-                </a:solidFill>
-                <a:uFill>
-                  <a:solidFill>
-                    <a:srgbClr val="FFFFFF"/>
-                  </a:solidFill>
-                </a:uFill>
-                <a:latin typeface="Calibri"/>
-                <a:ea typeface="DejaVu Sans"/>
-              </a:rPr>
-              <a:t>Pylaga</a:t>
-            </a:r>
-            <a:r>
-              <a:rPr lang="en-CA" sz="3200" b="0" strike="noStrike" spc="-1" dirty="0">
-                <a:solidFill>
-                  <a:srgbClr val="FFFFFF"/>
-                </a:solidFill>
-                <a:uFill>
-                  <a:solidFill>
-                    <a:srgbClr val="FFFFFF"/>
-                  </a:solidFill>
-                </a:uFill>
-                <a:latin typeface="Calibri"/>
-                <a:ea typeface="DejaVu Sans"/>
-              </a:rPr>
-              <a:t> was the use of a settings file.</a:t>
-            </a:r>
-            <a:endParaRPr lang="en-CA" sz="1800" b="0" strike="noStrike" spc="-1" dirty="0">
+              <a:t>There were a total of 84 functions.  When considering lines of code (including documentation) that makes each function/method around 13 lines long.</a:t>
+            </a:r>
+            <a:endParaRPr lang="en-CA" sz="3200" b="0" strike="noStrike" spc="-1" dirty="0">
               <a:solidFill>
                 <a:srgbClr val="FFFFFF"/>
               </a:solidFill>
@@ -11700,126 +9440,47 @@
                   <a:srgbClr val="FFFFFF"/>
                 </a:solidFill>
               </a:uFill>
-              <a:latin typeface="Arial"/>
+              <a:latin typeface="Calibri"/>
             </a:endParaRPr>
           </a:p>
-          <a:p>
-            <a:pPr marL="343080" indent="-339840">
-              <a:lnSpc>
-                <a:spcPct val="100000"/>
-              </a:lnSpc>
-              <a:buClr>
-                <a:srgbClr val="FFFFFF"/>
-              </a:buClr>
-              <a:buFont typeface="Arial"/>
-              <a:buChar char="•"/>
-            </a:pPr>
-            <a:r>
-              <a:rPr lang="en-CA" sz="3200" b="0" strike="noStrike" spc="-1" dirty="0">
-                <a:solidFill>
-                  <a:srgbClr val="FFFFFF"/>
-                </a:solidFill>
-                <a:uFill>
-                  <a:solidFill>
-                    <a:srgbClr val="FFFFFF"/>
-                  </a:solidFill>
-                </a:uFill>
-                <a:latin typeface="Calibri"/>
-                <a:ea typeface="DejaVu Sans"/>
-              </a:rPr>
-              <a:t>Things such as key-bindings, spawn rates, speed and strength can easily be changed.</a:t>
-            </a:r>
-            <a:endParaRPr lang="en-CA" sz="1800" b="0" strike="noStrike" spc="-1" dirty="0">
-              <a:solidFill>
-                <a:srgbClr val="FFFFFF"/>
-              </a:solidFill>
-              <a:uFill>
-                <a:solidFill>
-                  <a:srgbClr val="FFFFFF"/>
-                </a:solidFill>
-              </a:uFill>
-              <a:latin typeface="Arial"/>
-            </a:endParaRPr>
-          </a:p>
-          <a:p>
-            <a:pPr marL="343080" indent="-339840">
-              <a:lnSpc>
-                <a:spcPct val="100000"/>
-              </a:lnSpc>
-              <a:buClr>
-                <a:srgbClr val="FFFFFF"/>
-              </a:buClr>
-              <a:buFont typeface="Arial"/>
-              <a:buChar char="•"/>
-            </a:pPr>
-            <a:r>
-              <a:rPr lang="en-CA" sz="3200" b="0" strike="noStrike" spc="-1" dirty="0">
-                <a:solidFill>
-                  <a:srgbClr val="FFFFFF"/>
-                </a:solidFill>
-                <a:uFill>
-                  <a:solidFill>
-                    <a:srgbClr val="FFFFFF"/>
-                  </a:solidFill>
-                </a:uFill>
-                <a:latin typeface="Calibri"/>
-                <a:ea typeface="DejaVu Sans"/>
-              </a:rPr>
-              <a:t>This helped when performing usability testing, as updates could be made in real time.</a:t>
-            </a:r>
-            <a:endParaRPr lang="en-CA" sz="1800" b="0" strike="noStrike" spc="-1" dirty="0">
-              <a:solidFill>
-                <a:srgbClr val="FFFFFF"/>
-              </a:solidFill>
-              <a:uFill>
-                <a:solidFill>
-                  <a:srgbClr val="FFFFFF"/>
-                </a:solidFill>
-              </a:uFill>
-              <a:latin typeface="Arial"/>
-            </a:endParaRPr>
-          </a:p>
-          <a:p>
-            <a:pPr marL="343080" indent="-339840">
-              <a:lnSpc>
-                <a:spcPct val="100000"/>
-              </a:lnSpc>
-              <a:buClr>
-                <a:srgbClr val="FFFFFF"/>
-              </a:buClr>
-              <a:buFont typeface="Arial"/>
-              <a:buChar char="•"/>
-            </a:pPr>
-            <a:r>
-              <a:rPr lang="en-CA" sz="3200" b="0" strike="noStrike" spc="-1" dirty="0">
-                <a:solidFill>
-                  <a:srgbClr val="FFFFFF"/>
-                </a:solidFill>
-                <a:uFill>
-                  <a:solidFill>
-                    <a:srgbClr val="FFFFFF"/>
-                  </a:solidFill>
-                </a:uFill>
-                <a:latin typeface="Calibri"/>
-                <a:ea typeface="DejaVu Sans"/>
-              </a:rPr>
-              <a:t>In the future we would move it to another format (like YAML or JSON) and allow all settings to be edited/saved through the GUI.</a:t>
-            </a:r>
-            <a:endParaRPr lang="en-CA" sz="1800" b="0" strike="noStrike" spc="-1" dirty="0">
-              <a:solidFill>
-                <a:srgbClr val="FFFFFF"/>
-              </a:solidFill>
-              <a:uFill>
-                <a:solidFill>
-                  <a:srgbClr val="FFFFFF"/>
-                </a:solidFill>
-              </a:uFill>
-              <a:latin typeface="Arial"/>
-            </a:endParaRPr>
-          </a:p>
-        </p:txBody>
-      </p:sp>
+        </p:txBody>
+      </p:sp>
+      <p:pic>
+        <p:nvPicPr>
+          <p:cNvPr id="2" name="Picture 1" descr="function_count.png"/>
+          <p:cNvPicPr>
+            <a:picLocks noChangeAspect="1"/>
+          </p:cNvPicPr>
+          <p:nvPr/>
+        </p:nvPicPr>
+        <p:blipFill>
+          <a:blip r:embed="rId2">
+            <a:extLst>
+              <a:ext uri="{28A0092B-C50C-407E-A947-70E740481C1C}">
+                <a14:useLocalDpi xmlns:a14="http://schemas.microsoft.com/office/drawing/2010/main" val="0"/>
+              </a:ext>
+            </a:extLst>
+          </a:blip>
+          <a:stretch>
+            <a:fillRect/>
+          </a:stretch>
+        </p:blipFill>
+        <p:spPr>
+          <a:xfrm>
+            <a:off x="1918143" y="3711137"/>
+            <a:ext cx="5018802" cy="2956531"/>
+          </a:xfrm>
+          <a:prstGeom prst="rect">
+            <a:avLst/>
+          </a:prstGeom>
+        </p:spPr>
+      </p:pic>
     </p:spTree>
+    <p:extLst>
+      <p:ext uri="{BB962C8B-B14F-4D97-AF65-F5344CB8AC3E}">
+        <p14:creationId xmlns:p14="http://schemas.microsoft.com/office/powerpoint/2010/main" val="4007038744"/>
+      </p:ext>
+    </p:extLst>
   </p:cSld>
   <p:clrMapOvr>
     <a:masterClrMapping/>
@@ -11827,7 +9488,7 @@
   <p:timing>
     <p:tnLst>
       <p:par>
-        <p:cTn id="1" dur="indefinite" restart="never" nodeType="tmRoot">
+        <p:cTn xmlns:p14="http://schemas.microsoft.com/office/powerpoint/2010/main" id="1" dur="indefinite" restart="never" nodeType="tmRoot">
           <p:childTnLst>
             <p:seq>
               <p:cTn id="2" nodeType="mainSeq"/>
@@ -11873,7 +9534,7 @@
       </p:grpSpPr>
       <p:sp>
         <p:nvSpPr>
-          <p:cNvPr id="82" name="CustomShape 1"/>
+          <p:cNvPr id="76" name="CustomShape 1"/>
           <p:cNvSpPr/>
           <p:nvPr/>
         </p:nvSpPr>
@@ -11912,7 +9573,7 @@
               </a:lnSpc>
             </a:pPr>
             <a:r>
-              <a:rPr lang="en-CA" sz="4400" b="0" strike="noStrike" spc="-1">
+              <a:rPr lang="en-CA" sz="4400" spc="-1" dirty="0" smtClean="0">
                 <a:solidFill>
                   <a:srgbClr val="FFFFFF"/>
                 </a:solidFill>
@@ -11922,11 +9583,10 @@
                   </a:solidFill>
                 </a:uFill>
                 <a:latin typeface="Calibri"/>
-                <a:ea typeface="DejaVu Sans"/>
               </a:rPr>
-              <a:t>Scenes </a:t>
-            </a:r>
-            <a:endParaRPr lang="en-CA" sz="1800" b="0" strike="noStrike" spc="-1">
+              <a:t>Specific Methods Used</a:t>
+            </a:r>
+            <a:endParaRPr lang="en-CA" sz="1800" b="0" strike="noStrike" spc="-1" dirty="0">
               <a:solidFill>
                 <a:srgbClr val="FFFFFF"/>
               </a:solidFill>
@@ -11942,7 +9602,7 @@
       </p:sp>
       <p:sp>
         <p:nvSpPr>
-          <p:cNvPr id="83" name="CustomShape 2"/>
+          <p:cNvPr id="77" name="CustomShape 2"/>
           <p:cNvSpPr/>
           <p:nvPr/>
         </p:nvSpPr>
@@ -11975,19 +9635,18 @@
           <a:bodyPr lIns="90000" tIns="45000" rIns="90000" bIns="45000"/>
           <a:lstStyle/>
           <a:p>
-            <a:pPr marL="432000" indent="-321120">
+            <a:pPr marL="343080" indent="-339840">
               <a:lnSpc>
                 <a:spcPct val="100000"/>
               </a:lnSpc>
               <a:buClr>
                 <a:srgbClr val="FFFFFF"/>
               </a:buClr>
-              <a:buSzPct val="45000"/>
-              <a:buFont typeface="Wingdings" charset="2"/>
-              <a:buChar char=""/>
+              <a:buFont typeface="Arial"/>
+              <a:buChar char="•"/>
             </a:pPr>
             <a:r>
-              <a:rPr lang="en-CA" sz="3200" b="0" strike="noStrike" spc="-1" dirty="0">
+              <a:rPr lang="en-CA" sz="3200" b="0" strike="noStrike" spc="-1" dirty="0" smtClean="0">
                 <a:solidFill>
                   <a:srgbClr val="FFFFFF"/>
                 </a:solidFill>
@@ -11997,36 +9656,51 @@
                   </a:solidFill>
                 </a:uFill>
                 <a:latin typeface="Calibri"/>
-                <a:ea typeface="DejaVu Sans"/>
               </a:rPr>
-              <a:t>To modularize the main game loop, we used scenes.</a:t>
-            </a:r>
-            <a:endParaRPr lang="en-CA" sz="1800" b="0" strike="noStrike" spc="-1" dirty="0">
-              <a:solidFill>
-                <a:srgbClr val="FFFFFF"/>
-              </a:solidFill>
-              <a:uFill>
+              <a:t>We made use of the Spiral Method to implement </a:t>
+            </a:r>
+            <a:r>
+              <a:rPr lang="en-CA" sz="3200" b="0" strike="noStrike" spc="-1" dirty="0" err="1" smtClean="0">
                 <a:solidFill>
                   <a:srgbClr val="FFFFFF"/>
                 </a:solidFill>
-              </a:uFill>
-              <a:latin typeface="Arial"/>
-            </a:endParaRPr>
-          </a:p>
-          <a:p>
-            <a:pPr marL="432000" indent="-321120">
+                <a:uFill>
+                  <a:solidFill>
+                    <a:srgbClr val="FFFFFF"/>
+                  </a:solidFill>
+                </a:uFill>
+                <a:latin typeface="Calibri"/>
+              </a:rPr>
+              <a:t>LazerBlast</a:t>
+            </a:r>
+            <a:r>
+              <a:rPr lang="en-CA" sz="3200" b="0" strike="noStrike" spc="-1" dirty="0" smtClean="0">
+                <a:solidFill>
+                  <a:srgbClr val="FFFFFF"/>
+                </a:solidFill>
+                <a:uFill>
+                  <a:solidFill>
+                    <a:srgbClr val="FFFFFF"/>
+                  </a:solidFill>
+                </a:uFill>
+                <a:latin typeface="Calibri"/>
+              </a:rPr>
+              <a:t>.</a:t>
+            </a:r>
+          </a:p>
+          <a:p>
+            <a:pPr marL="343080" indent="-339840">
               <a:lnSpc>
                 <a:spcPct val="100000"/>
               </a:lnSpc>
               <a:buClr>
                 <a:srgbClr val="FFFFFF"/>
               </a:buClr>
-              <a:buSzPct val="45000"/>
-              <a:buFont typeface="Wingdings" charset="2"/>
-              <a:buChar char=""/>
+              <a:buFont typeface="Arial"/>
+              <a:buChar char="•"/>
             </a:pPr>
             <a:r>
-              <a:rPr lang="en-CA" sz="3200" b="0" strike="noStrike" spc="-1" dirty="0">
+              <a:rPr lang="en-CA" sz="3200" spc="-1" dirty="0" smtClean="0">
                 <a:solidFill>
                   <a:srgbClr val="FFFFFF"/>
                 </a:solidFill>
@@ -12036,36 +9710,23 @@
                   </a:solidFill>
                 </a:uFill>
                 <a:latin typeface="Calibri"/>
-                <a:ea typeface="DejaVu Sans"/>
               </a:rPr>
-              <a:t>Each scene implements input handling and graphical rendering separately.</a:t>
-            </a:r>
-            <a:endParaRPr lang="en-CA" sz="1800" b="0" strike="noStrike" spc="-1" dirty="0">
-              <a:solidFill>
-                <a:srgbClr val="FFFFFF"/>
-              </a:solidFill>
-              <a:uFill>
-                <a:solidFill>
-                  <a:srgbClr val="FFFFFF"/>
-                </a:solidFill>
-              </a:uFill>
-              <a:latin typeface="Arial"/>
-            </a:endParaRPr>
-          </a:p>
-          <a:p>
-            <a:pPr marL="432000" indent="-321120">
+              <a:t>For example, when developing the graphics, we first rendered each player as a simple box, then in the next go around added color, and finally added actual images.</a:t>
+            </a:r>
+          </a:p>
+          <a:p>
+            <a:pPr marL="343080" indent="-339840">
               <a:lnSpc>
                 <a:spcPct val="100000"/>
               </a:lnSpc>
               <a:buClr>
                 <a:srgbClr val="FFFFFF"/>
               </a:buClr>
-              <a:buSzPct val="45000"/>
-              <a:buFont typeface="Wingdings" charset="2"/>
-              <a:buChar char=""/>
+              <a:buFont typeface="Arial"/>
+              <a:buChar char="•"/>
             </a:pPr>
             <a:r>
-              <a:rPr lang="en-CA" sz="3200" b="0" strike="noStrike" spc="-1" dirty="0">
+              <a:rPr lang="en-CA" sz="3200" spc="-1" dirty="0" smtClean="0">
                 <a:solidFill>
                   <a:srgbClr val="FFFFFF"/>
                 </a:solidFill>
@@ -12075,11 +9736,10 @@
                   </a:solidFill>
                 </a:uFill>
                 <a:latin typeface="Calibri"/>
-                <a:ea typeface="DejaVu Sans"/>
               </a:rPr>
-              <a:t>This modular design makes adding or modifying scenes easy for later developers.</a:t>
-            </a:r>
-            <a:endParaRPr lang="en-CA" sz="1800" b="0" strike="noStrike" spc="-1" dirty="0">
+              <a:t>In addition, we  used Test Driven Development for each arm of the spiral.</a:t>
+            </a:r>
+            <a:endParaRPr lang="en-CA" sz="3200" b="0" strike="noStrike" spc="-1" dirty="0">
               <a:solidFill>
                 <a:srgbClr val="FFFFFF"/>
               </a:solidFill>
@@ -12088,12 +9748,17 @@
                   <a:srgbClr val="FFFFFF"/>
                 </a:solidFill>
               </a:uFill>
-              <a:latin typeface="Arial"/>
+              <a:latin typeface="Calibri"/>
             </a:endParaRPr>
           </a:p>
         </p:txBody>
       </p:sp>
     </p:spTree>
+    <p:extLst>
+      <p:ext uri="{BB962C8B-B14F-4D97-AF65-F5344CB8AC3E}">
+        <p14:creationId xmlns:p14="http://schemas.microsoft.com/office/powerpoint/2010/main" val="737722969"/>
+      </p:ext>
+    </p:extLst>
   </p:cSld>
   <p:clrMapOvr>
     <a:masterClrMapping/>
@@ -12101,7 +9766,7 @@
   <p:timing>
     <p:tnLst>
       <p:par>
-        <p:cTn id="1" dur="indefinite" restart="never" nodeType="tmRoot">
+        <p:cTn xmlns:p14="http://schemas.microsoft.com/office/powerpoint/2010/main" id="1" dur="indefinite" restart="never" nodeType="tmRoot">
           <p:childTnLst>
             <p:seq>
               <p:cTn id="2" nodeType="mainSeq"/>
@@ -12147,14 +9812,242 @@
       </p:grpSpPr>
       <p:sp>
         <p:nvSpPr>
-          <p:cNvPr id="84" name="CustomShape 1"/>
+          <p:cNvPr id="157" name="TextShape 1"/>
+          <p:cNvSpPr txBox="1"/>
+          <p:nvPr/>
+        </p:nvSpPr>
+        <p:spPr>
+          <a:xfrm>
+            <a:off x="594360" y="1910520"/>
+            <a:ext cx="7954920" cy="4352760"/>
+          </a:xfrm>
+          <a:prstGeom prst="rect">
+            <a:avLst/>
+          </a:prstGeom>
+          <a:noFill/>
+          <a:ln>
+            <a:noFill/>
+          </a:ln>
+        </p:spPr>
+        <p:txBody>
+          <a:bodyPr/>
+          <a:lstStyle/>
+          <a:p>
+            <a:pPr marL="343080" indent="-339840">
+              <a:lnSpc>
+                <a:spcPct val="100000"/>
+              </a:lnSpc>
+              <a:buClr>
+                <a:srgbClr val="FFFFFF"/>
+              </a:buClr>
+              <a:buFont typeface="Arial"/>
+              <a:buChar char="•"/>
+            </a:pPr>
+            <a:r>
+              <a:rPr lang="en-CA" sz="2000" spc="-1" dirty="0" smtClean="0">
+                <a:solidFill>
+                  <a:srgbClr val="FFFFFF"/>
+                </a:solidFill>
+                <a:uFill>
+                  <a:solidFill>
+                    <a:srgbClr val="FFFFFF"/>
+                  </a:solidFill>
+                </a:uFill>
+                <a:latin typeface="Calibri"/>
+              </a:rPr>
+              <a:t>Do we have a finished game? </a:t>
+            </a:r>
+          </a:p>
+          <a:p>
+            <a:pPr marL="800280" lvl="1" indent="-339840">
+              <a:buClr>
+                <a:srgbClr val="FFFFFF"/>
+              </a:buClr>
+              <a:buFont typeface="Arial"/>
+              <a:buChar char="•"/>
+            </a:pPr>
+            <a:r>
+              <a:rPr lang="en-CA" sz="2000" spc="-1" dirty="0" smtClean="0">
+                <a:solidFill>
+                  <a:srgbClr val="FFFFFF"/>
+                </a:solidFill>
+                <a:uFill>
+                  <a:solidFill>
+                    <a:srgbClr val="FFFFFF"/>
+                  </a:solidFill>
+                </a:uFill>
+                <a:latin typeface="Calibri"/>
+              </a:rPr>
+              <a:t>Yes.  The finished product satisfies all of the functional requirements specified in the Planning phase.</a:t>
+            </a:r>
+            <a:endParaRPr lang="en-CA" sz="1200" spc="-1" dirty="0" smtClean="0">
+              <a:solidFill>
+                <a:srgbClr val="FFFFFF"/>
+              </a:solidFill>
+              <a:uFill>
+                <a:solidFill>
+                  <a:srgbClr val="FFFFFF"/>
+                </a:solidFill>
+              </a:uFill>
+              <a:latin typeface="Arial"/>
+            </a:endParaRPr>
+          </a:p>
+          <a:p>
+            <a:pPr marL="343080" indent="-339840">
+              <a:lnSpc>
+                <a:spcPct val="100000"/>
+              </a:lnSpc>
+              <a:buClr>
+                <a:srgbClr val="FFFFFF"/>
+              </a:buClr>
+              <a:buFont typeface="Arial"/>
+              <a:buChar char="•"/>
+            </a:pPr>
+            <a:r>
+              <a:rPr lang="en-CA" sz="2000" spc="-1" dirty="0" smtClean="0">
+                <a:solidFill>
+                  <a:srgbClr val="FFFFFF"/>
+                </a:solidFill>
+                <a:uFill>
+                  <a:solidFill>
+                    <a:srgbClr val="FFFFFF"/>
+                  </a:solidFill>
+                </a:uFill>
+                <a:latin typeface="Calibri"/>
+                <a:ea typeface="DejaVu Sans"/>
+              </a:rPr>
+              <a:t>Did the project expand upon </a:t>
+            </a:r>
+            <a:r>
+              <a:rPr lang="en-CA" sz="2000" spc="-1" dirty="0" err="1" smtClean="0">
+                <a:solidFill>
+                  <a:srgbClr val="FFFFFF"/>
+                </a:solidFill>
+                <a:uFill>
+                  <a:solidFill>
+                    <a:srgbClr val="FFFFFF"/>
+                  </a:solidFill>
+                </a:uFill>
+                <a:latin typeface="Calibri"/>
+                <a:ea typeface="DejaVu Sans"/>
+              </a:rPr>
+              <a:t>Pylaga</a:t>
+            </a:r>
+            <a:r>
+              <a:rPr lang="en-CA" sz="2000" spc="-1" dirty="0" smtClean="0">
+                <a:solidFill>
+                  <a:srgbClr val="FFFFFF"/>
+                </a:solidFill>
+                <a:uFill>
+                  <a:solidFill>
+                    <a:srgbClr val="FFFFFF"/>
+                  </a:solidFill>
+                </a:uFill>
+                <a:latin typeface="Calibri"/>
+                <a:ea typeface="DejaVu Sans"/>
+              </a:rPr>
+              <a:t> by adding color, increasing difficulty? </a:t>
+            </a:r>
+          </a:p>
+          <a:p>
+            <a:pPr marL="800280" lvl="1" indent="-339840">
+              <a:buClr>
+                <a:srgbClr val="FFFFFF"/>
+              </a:buClr>
+              <a:buFont typeface="Arial"/>
+              <a:buChar char="•"/>
+            </a:pPr>
+            <a:r>
+              <a:rPr lang="en-CA" sz="2000" spc="-1" dirty="0" smtClean="0">
+                <a:solidFill>
+                  <a:srgbClr val="FFFFFF"/>
+                </a:solidFill>
+                <a:uFill>
+                  <a:solidFill>
+                    <a:srgbClr val="FFFFFF"/>
+                  </a:solidFill>
+                </a:uFill>
+                <a:latin typeface="Calibri"/>
+                <a:ea typeface="DejaVu Sans"/>
+              </a:rPr>
+              <a:t>Yes.  There are colors, and difficulty can be controlled through the settings module.</a:t>
+            </a:r>
+          </a:p>
+          <a:p>
+            <a:pPr marL="343080" indent="-339840">
+              <a:lnSpc>
+                <a:spcPct val="100000"/>
+              </a:lnSpc>
+              <a:buClr>
+                <a:srgbClr val="FFFFFF"/>
+              </a:buClr>
+              <a:buFont typeface="Arial"/>
+              <a:buChar char="•"/>
+            </a:pPr>
+            <a:r>
+              <a:rPr lang="en-CA" sz="2000" spc="-1" dirty="0" smtClean="0">
+                <a:solidFill>
+                  <a:srgbClr val="FFFFFF"/>
+                </a:solidFill>
+                <a:uFill>
+                  <a:solidFill>
+                    <a:srgbClr val="FFFFFF"/>
+                  </a:solidFill>
+                </a:uFill>
+                <a:latin typeface="Calibri"/>
+                <a:ea typeface="DejaVu Sans"/>
+              </a:rPr>
+              <a:t>Did the project follow standard practices for Python modules, and make the game extensible for later developers?</a:t>
+            </a:r>
+          </a:p>
+          <a:p>
+            <a:pPr marL="800280" lvl="1" indent="-339840">
+              <a:buClr>
+                <a:srgbClr val="FFFFFF"/>
+              </a:buClr>
+              <a:buFont typeface="Arial"/>
+              <a:buChar char="•"/>
+            </a:pPr>
+            <a:r>
+              <a:rPr lang="en-CA" sz="2000" spc="-1" dirty="0" smtClean="0">
+                <a:solidFill>
+                  <a:srgbClr val="FFFFFF"/>
+                </a:solidFill>
+                <a:uFill>
+                  <a:solidFill>
+                    <a:srgbClr val="FFFFFF"/>
+                  </a:solidFill>
+                </a:uFill>
+                <a:latin typeface="Calibri"/>
+                <a:ea typeface="DejaVu Sans"/>
+              </a:rPr>
+              <a:t>Yes. The module can be installed using pip.  Logic is encapsulated in classes and has a clear hierarchy.  Tests also exist to prevent regression.</a:t>
+            </a:r>
+            <a:endParaRPr lang="en-CA" sz="2400" spc="-1" dirty="0">
+              <a:solidFill>
+                <a:srgbClr val="FFFFFF"/>
+              </a:solidFill>
+              <a:uFill>
+                <a:solidFill>
+                  <a:srgbClr val="FFFFFF"/>
+                </a:solidFill>
+              </a:uFill>
+              <a:latin typeface="Calibri"/>
+              <a:ea typeface="DejaVu Sans"/>
+            </a:endParaRPr>
+          </a:p>
+        </p:txBody>
+      </p:sp>
+      <p:sp>
+        <p:nvSpPr>
+          <p:cNvPr id="158" name="CustomShape 2"/>
           <p:cNvSpPr/>
           <p:nvPr/>
         </p:nvSpPr>
         <p:spPr>
           <a:xfrm>
-            <a:off x="457200" y="274680"/>
-            <a:ext cx="8226360" cy="1139760"/>
+            <a:off x="457200" y="336240"/>
+            <a:ext cx="8226000" cy="1145880"/>
           </a:xfrm>
           <a:prstGeom prst="rect">
             <a:avLst/>
@@ -12186,7 +10079,7 @@
               </a:lnSpc>
             </a:pPr>
             <a:r>
-              <a:rPr lang="en-CA" sz="4400" b="0" strike="noStrike" spc="-1">
+              <a:rPr lang="en-CA" sz="4400" b="0" strike="noStrike" spc="-1" dirty="0" smtClean="0">
                 <a:solidFill>
                   <a:srgbClr val="FFFFFF"/>
                 </a:solidFill>
@@ -12198,70 +10091,10 @@
                 <a:latin typeface="Calibri"/>
                 <a:ea typeface="DejaVu Sans"/>
               </a:rPr>
-              <a:t>Laser</a:t>
-            </a:r>
-            <a:endParaRPr lang="en-CA" sz="1800" b="0" strike="noStrike" spc="-1">
-              <a:solidFill>
-                <a:srgbClr val="FFFFFF"/>
-              </a:solidFill>
-              <a:uFill>
-                <a:solidFill>
-                  <a:srgbClr val="FFFFFF"/>
-                </a:solidFill>
-              </a:uFill>
-              <a:latin typeface="Arial"/>
-            </a:endParaRPr>
-          </a:p>
-        </p:txBody>
-      </p:sp>
-      <p:sp>
-        <p:nvSpPr>
-          <p:cNvPr id="85" name="CustomShape 2"/>
-          <p:cNvSpPr/>
-          <p:nvPr/>
-        </p:nvSpPr>
-        <p:spPr>
-          <a:xfrm>
-            <a:off x="457200" y="1600200"/>
-            <a:ext cx="8226360" cy="4522680"/>
-          </a:xfrm>
-          <a:prstGeom prst="rect">
-            <a:avLst/>
-          </a:prstGeom>
-          <a:noFill/>
-          <a:ln>
-            <a:noFill/>
-          </a:ln>
-        </p:spPr>
-        <p:style>
-          <a:lnRef idx="0">
-            <a:scrgbClr r="0" g="0" b="0"/>
-          </a:lnRef>
-          <a:fillRef idx="0">
-            <a:scrgbClr r="0" g="0" b="0"/>
-          </a:fillRef>
-          <a:effectRef idx="0">
-            <a:scrgbClr r="0" g="0" b="0"/>
-          </a:effectRef>
-          <a:fontRef idx="minor"/>
-        </p:style>
-        <p:txBody>
-          <a:bodyPr lIns="90000" tIns="45000" rIns="90000" bIns="45000"/>
-          <a:lstStyle/>
-          <a:p>
-            <a:pPr marL="432000" indent="-321120">
-              <a:lnSpc>
-                <a:spcPct val="100000"/>
-              </a:lnSpc>
-              <a:buClr>
-                <a:srgbClr val="FFFFFF"/>
-              </a:buClr>
-              <a:buSzPct val="45000"/>
-              <a:buFont typeface="Wingdings" charset="2"/>
-              <a:buChar char=""/>
-            </a:pPr>
-            <a:r>
-              <a:rPr lang="en-CA" sz="3200" b="0" strike="noStrike" spc="-1">
+              <a:t>Results of Project</a:t>
+            </a:r>
+            <a:r>
+              <a:rPr lang="en-CA" sz="4400" b="0" strike="noStrike" spc="-1" dirty="0">
                 <a:solidFill>
                   <a:srgbClr val="FFFFFF"/>
                 </a:solidFill>
@@ -12273,9 +10106,9 @@
                 <a:latin typeface="Calibri"/>
                 <a:ea typeface="DejaVu Sans"/>
               </a:rPr>
-              <a:t>Ships in Pylaga fire slow-moving projectiles which require precise timing and estimation of trajectory.</a:t>
-            </a:r>
-            <a:endParaRPr lang="en-CA" sz="1800" b="0" strike="noStrike" spc="-1">
+              <a:t>	</a:t>
+            </a:r>
+            <a:endParaRPr lang="en-CA" sz="1800" b="0" strike="noStrike" spc="-1" dirty="0">
               <a:solidFill>
                 <a:srgbClr val="FFFFFF"/>
               </a:solidFill>
@@ -12287,87 +10120,14 @@
               <a:latin typeface="Arial"/>
             </a:endParaRPr>
           </a:p>
-          <a:p>
-            <a:pPr marL="432000" indent="-321120">
-              <a:lnSpc>
-                <a:spcPct val="100000"/>
-              </a:lnSpc>
-              <a:buClr>
-                <a:srgbClr val="FFFFFF"/>
-              </a:buClr>
-              <a:buSzPct val="45000"/>
-              <a:buFont typeface="Wingdings" charset="2"/>
-              <a:buChar char=""/>
-            </a:pPr>
-            <a:r>
-              <a:rPr lang="en-CA" sz="3200" b="0" strike="noStrike" spc="-1">
-                <a:solidFill>
-                  <a:srgbClr val="FFFFFF"/>
-                </a:solidFill>
-                <a:uFill>
-                  <a:solidFill>
-                    <a:srgbClr val="FFFFFF"/>
-                  </a:solidFill>
-                </a:uFill>
-                <a:latin typeface="Calibri"/>
-                <a:ea typeface="DejaVu Sans"/>
-              </a:rPr>
-              <a:t>In Lazer Blast ships fire laser beams that instantly hit their targets, which  requires no trajectory estimation.</a:t>
-            </a:r>
-            <a:endParaRPr lang="en-CA" sz="1800" b="0" strike="noStrike" spc="-1">
-              <a:solidFill>
-                <a:srgbClr val="FFFFFF"/>
-              </a:solidFill>
-              <a:uFill>
-                <a:solidFill>
-                  <a:srgbClr val="FFFFFF"/>
-                </a:solidFill>
-              </a:uFill>
-              <a:latin typeface="Arial"/>
-            </a:endParaRPr>
-          </a:p>
-          <a:p>
-            <a:pPr marL="432000" indent="-321120">
-              <a:lnSpc>
-                <a:spcPct val="100000"/>
-              </a:lnSpc>
-              <a:buClr>
-                <a:srgbClr val="FFFFFF"/>
-              </a:buClr>
-              <a:buSzPct val="45000"/>
-              <a:buFont typeface="Wingdings" charset="2"/>
-              <a:buChar char=""/>
-            </a:pPr>
-            <a:r>
-              <a:rPr lang="en-CA" sz="3200" b="0" strike="noStrike" spc="-1">
-                <a:solidFill>
-                  <a:srgbClr val="FFFFFF"/>
-                </a:solidFill>
-                <a:uFill>
-                  <a:solidFill>
-                    <a:srgbClr val="FFFFFF"/>
-                  </a:solidFill>
-                </a:uFill>
-                <a:latin typeface="Calibri"/>
-                <a:ea typeface="DejaVu Sans"/>
-              </a:rPr>
-              <a:t>The user’s focus is instead directed toward the color changing mechanic.</a:t>
-            </a:r>
-            <a:endParaRPr lang="en-CA" sz="1800" b="0" strike="noStrike" spc="-1">
-              <a:solidFill>
-                <a:srgbClr val="FFFFFF"/>
-              </a:solidFill>
-              <a:uFill>
-                <a:solidFill>
-                  <a:srgbClr val="FFFFFF"/>
-                </a:solidFill>
-              </a:uFill>
-              <a:latin typeface="Arial"/>
-            </a:endParaRPr>
-          </a:p>
         </p:txBody>
       </p:sp>
     </p:spTree>
+    <p:extLst>
+      <p:ext uri="{BB962C8B-B14F-4D97-AF65-F5344CB8AC3E}">
+        <p14:creationId xmlns:p14="http://schemas.microsoft.com/office/powerpoint/2010/main" val="2597657072"/>
+      </p:ext>
+    </p:extLst>
   </p:cSld>
   <p:clrMapOvr>
     <a:masterClrMapping/>
@@ -12375,585 +10135,7 @@
   <p:timing>
     <p:tnLst>
       <p:par>
-        <p:cTn id="1" dur="indefinite" restart="never" nodeType="tmRoot">
-          <p:childTnLst>
-            <p:seq>
-              <p:cTn id="2" nodeType="mainSeq"/>
-              <p:prevCondLst>
-                <p:cond evt="onPrev" delay="0">
-                  <p:tgtEl>
-                    <p:sldTgt/>
-                  </p:tgtEl>
-                </p:cond>
-              </p:prevCondLst>
-              <p:nextCondLst>
-                <p:cond evt="onNext" delay="0">
-                  <p:tgtEl>
-                    <p:sldTgt/>
-                  </p:tgtEl>
-                </p:cond>
-              </p:nextCondLst>
-            </p:seq>
-          </p:childTnLst>
-        </p:cTn>
-      </p:par>
-    </p:tnLst>
-  </p:timing>
-</p:sld>
-</file>
-
-<file path=ppt/slides/slide8.xml><?xml version="1.0" encoding="utf-8"?>
-<p:sld xmlns:a="http://schemas.openxmlformats.org/drawingml/2006/main" xmlns:r="http://schemas.openxmlformats.org/officeDocument/2006/relationships" xmlns:p="http://schemas.openxmlformats.org/presentationml/2006/main">
-  <p:cSld>
-    <p:spTree>
-      <p:nvGrpSpPr>
-        <p:cNvPr id="1" name=""/>
-        <p:cNvGrpSpPr/>
-        <p:nvPr/>
-      </p:nvGrpSpPr>
-      <p:grpSpPr>
-        <a:xfrm>
-          <a:off x="0" y="0"/>
-          <a:ext cx="0" cy="0"/>
-          <a:chOff x="0" y="0"/>
-          <a:chExt cx="0" cy="0"/>
-        </a:xfrm>
-      </p:grpSpPr>
-      <p:sp>
-        <p:nvSpPr>
-          <p:cNvPr id="86" name="CustomShape 1"/>
-          <p:cNvSpPr/>
-          <p:nvPr/>
-        </p:nvSpPr>
-        <p:spPr>
-          <a:xfrm>
-            <a:off x="457200" y="274680"/>
-            <a:ext cx="8226360" cy="1139760"/>
-          </a:xfrm>
-          <a:prstGeom prst="rect">
-            <a:avLst/>
-          </a:prstGeom>
-          <a:noFill/>
-          <a:ln>
-            <a:noFill/>
-          </a:ln>
-        </p:spPr>
-        <p:style>
-          <a:lnRef idx="0">
-            <a:scrgbClr r="0" g="0" b="0"/>
-          </a:lnRef>
-          <a:fillRef idx="0">
-            <a:scrgbClr r="0" g="0" b="0"/>
-          </a:fillRef>
-          <a:effectRef idx="0">
-            <a:scrgbClr r="0" g="0" b="0"/>
-          </a:effectRef>
-          <a:fontRef idx="minor"/>
-        </p:style>
-        <p:txBody>
-          <a:bodyPr lIns="90000" tIns="45000" rIns="90000" bIns="45000" anchor="ctr"/>
-          <a:lstStyle/>
-          <a:p>
-            <a:pPr algn="ctr">
-              <a:lnSpc>
-                <a:spcPct val="100000"/>
-              </a:lnSpc>
-            </a:pPr>
-            <a:r>
-              <a:rPr lang="en-CA" sz="4400" b="0" strike="noStrike" spc="-1">
-                <a:solidFill>
-                  <a:srgbClr val="FFFFFF"/>
-                </a:solidFill>
-                <a:uFill>
-                  <a:solidFill>
-                    <a:srgbClr val="FFFFFF"/>
-                  </a:solidFill>
-                </a:uFill>
-                <a:latin typeface="Calibri"/>
-                <a:ea typeface="DejaVu Sans"/>
-              </a:rPr>
-              <a:t>Laser (Continued) </a:t>
-            </a:r>
-            <a:endParaRPr lang="en-CA" sz="1800" b="0" strike="noStrike" spc="-1">
-              <a:solidFill>
-                <a:srgbClr val="FFFFFF"/>
-              </a:solidFill>
-              <a:uFill>
-                <a:solidFill>
-                  <a:srgbClr val="FFFFFF"/>
-                </a:solidFill>
-              </a:uFill>
-              <a:latin typeface="Arial"/>
-            </a:endParaRPr>
-          </a:p>
-        </p:txBody>
-      </p:sp>
-      <p:sp>
-        <p:nvSpPr>
-          <p:cNvPr id="87" name="CustomShape 2"/>
-          <p:cNvSpPr/>
-          <p:nvPr/>
-        </p:nvSpPr>
-        <p:spPr>
-          <a:xfrm>
-            <a:off x="457200" y="1600200"/>
-            <a:ext cx="8226360" cy="4522680"/>
-          </a:xfrm>
-          <a:prstGeom prst="rect">
-            <a:avLst/>
-          </a:prstGeom>
-          <a:noFill/>
-          <a:ln>
-            <a:noFill/>
-          </a:ln>
-        </p:spPr>
-        <p:style>
-          <a:lnRef idx="0">
-            <a:scrgbClr r="0" g="0" b="0"/>
-          </a:lnRef>
-          <a:fillRef idx="0">
-            <a:scrgbClr r="0" g="0" b="0"/>
-          </a:fillRef>
-          <a:effectRef idx="0">
-            <a:scrgbClr r="0" g="0" b="0"/>
-          </a:effectRef>
-          <a:fontRef idx="minor"/>
-        </p:style>
-        <p:txBody>
-          <a:bodyPr lIns="90000" tIns="45000" rIns="90000" bIns="45000"/>
-          <a:lstStyle/>
-          <a:p>
-            <a:pPr marL="432000" indent="-321120">
-              <a:lnSpc>
-                <a:spcPct val="100000"/>
-              </a:lnSpc>
-              <a:buClr>
-                <a:srgbClr val="FFFFFF"/>
-              </a:buClr>
-              <a:buSzPct val="45000"/>
-              <a:buFont typeface="Wingdings" charset="2"/>
-              <a:buChar char=""/>
-            </a:pPr>
-            <a:r>
-              <a:rPr lang="en-CA" sz="3200" b="0" strike="noStrike" spc="-1">
-                <a:solidFill>
-                  <a:srgbClr val="FFFFFF"/>
-                </a:solidFill>
-                <a:uFill>
-                  <a:solidFill>
-                    <a:srgbClr val="FFFFFF"/>
-                  </a:solidFill>
-                </a:uFill>
-                <a:latin typeface="Calibri"/>
-                <a:ea typeface="DejaVu Sans"/>
-              </a:rPr>
-              <a:t>The user switches the color of their laser to enemies to damage them.</a:t>
-            </a:r>
-            <a:endParaRPr lang="en-CA" sz="1800" b="0" strike="noStrike" spc="-1">
-              <a:solidFill>
-                <a:srgbClr val="FFFFFF"/>
-              </a:solidFill>
-              <a:uFill>
-                <a:solidFill>
-                  <a:srgbClr val="FFFFFF"/>
-                </a:solidFill>
-              </a:uFill>
-              <a:latin typeface="Arial"/>
-            </a:endParaRPr>
-          </a:p>
-          <a:p>
-            <a:pPr marL="432000" indent="-321120">
-              <a:lnSpc>
-                <a:spcPct val="100000"/>
-              </a:lnSpc>
-              <a:buClr>
-                <a:srgbClr val="FFFFFF"/>
-              </a:buClr>
-              <a:buSzPct val="45000"/>
-              <a:buFont typeface="Wingdings" charset="2"/>
-              <a:buChar char=""/>
-            </a:pPr>
-            <a:r>
-              <a:rPr lang="en-CA" sz="3200" b="0" strike="noStrike" spc="-1">
-                <a:solidFill>
-                  <a:srgbClr val="FFFFFF"/>
-                </a:solidFill>
-                <a:uFill>
-                  <a:solidFill>
-                    <a:srgbClr val="FFFFFF"/>
-                  </a:solidFill>
-                </a:uFill>
-                <a:latin typeface="Calibri"/>
-                <a:ea typeface="DejaVu Sans"/>
-              </a:rPr>
-              <a:t>This introduces challenge that was provided by the slow projectiles in Pylaga.</a:t>
-            </a:r>
-            <a:endParaRPr lang="en-CA" sz="1800" b="0" strike="noStrike" spc="-1">
-              <a:solidFill>
-                <a:srgbClr val="FFFFFF"/>
-              </a:solidFill>
-              <a:uFill>
-                <a:solidFill>
-                  <a:srgbClr val="FFFFFF"/>
-                </a:solidFill>
-              </a:uFill>
-              <a:latin typeface="Arial"/>
-            </a:endParaRPr>
-          </a:p>
-          <a:p>
-            <a:pPr marL="432000" indent="-321120">
-              <a:lnSpc>
-                <a:spcPct val="100000"/>
-              </a:lnSpc>
-              <a:buClr>
-                <a:srgbClr val="FFFFFF"/>
-              </a:buClr>
-              <a:buSzPct val="45000"/>
-              <a:buFont typeface="Wingdings" charset="2"/>
-              <a:buChar char=""/>
-            </a:pPr>
-            <a:r>
-              <a:rPr lang="en-CA" sz="3200" b="0" strike="noStrike" spc="-1">
-                <a:solidFill>
-                  <a:srgbClr val="FFFFFF"/>
-                </a:solidFill>
-                <a:uFill>
-                  <a:solidFill>
-                    <a:srgbClr val="FFFFFF"/>
-                  </a:solidFill>
-                </a:uFill>
-                <a:latin typeface="Calibri"/>
-                <a:ea typeface="DejaVu Sans"/>
-              </a:rPr>
-              <a:t>The selection of colors can be edited in the settings file to adjust aesthetics and difficulty.</a:t>
-            </a:r>
-            <a:endParaRPr lang="en-CA" sz="1800" b="0" strike="noStrike" spc="-1">
-              <a:solidFill>
-                <a:srgbClr val="FFFFFF"/>
-              </a:solidFill>
-              <a:uFill>
-                <a:solidFill>
-                  <a:srgbClr val="FFFFFF"/>
-                </a:solidFill>
-              </a:uFill>
-              <a:latin typeface="Arial"/>
-            </a:endParaRPr>
-          </a:p>
-        </p:txBody>
-      </p:sp>
-    </p:spTree>
-  </p:cSld>
-  <p:clrMapOvr>
-    <a:masterClrMapping/>
-  </p:clrMapOvr>
-  <p:timing>
-    <p:tnLst>
-      <p:par>
-        <p:cTn id="1" dur="indefinite" restart="never" nodeType="tmRoot">
-          <p:childTnLst>
-            <p:seq>
-              <p:cTn id="2" nodeType="mainSeq"/>
-              <p:prevCondLst>
-                <p:cond evt="onPrev" delay="0">
-                  <p:tgtEl>
-                    <p:sldTgt/>
-                  </p:tgtEl>
-                </p:cond>
-              </p:prevCondLst>
-              <p:nextCondLst>
-                <p:cond evt="onNext" delay="0">
-                  <p:tgtEl>
-                    <p:sldTgt/>
-                  </p:tgtEl>
-                </p:cond>
-              </p:nextCondLst>
-            </p:seq>
-          </p:childTnLst>
-        </p:cTn>
-      </p:par>
-    </p:tnLst>
-  </p:timing>
-</p:sld>
-</file>
-
-<file path=ppt/slides/slide9.xml><?xml version="1.0" encoding="utf-8"?>
-<p:sld xmlns:a="http://schemas.openxmlformats.org/drawingml/2006/main" xmlns:r="http://schemas.openxmlformats.org/officeDocument/2006/relationships" xmlns:p="http://schemas.openxmlformats.org/presentationml/2006/main">
-  <p:cSld>
-    <p:spTree>
-      <p:nvGrpSpPr>
-        <p:cNvPr id="1" name=""/>
-        <p:cNvGrpSpPr/>
-        <p:nvPr/>
-      </p:nvGrpSpPr>
-      <p:grpSpPr>
-        <a:xfrm>
-          <a:off x="0" y="0"/>
-          <a:ext cx="0" cy="0"/>
-          <a:chOff x="0" y="0"/>
-          <a:chExt cx="0" cy="0"/>
-        </a:xfrm>
-      </p:grpSpPr>
-      <p:sp>
-        <p:nvSpPr>
-          <p:cNvPr id="88" name="CustomShape 1"/>
-          <p:cNvSpPr/>
-          <p:nvPr/>
-        </p:nvSpPr>
-        <p:spPr>
-          <a:xfrm>
-            <a:off x="457200" y="274680"/>
-            <a:ext cx="8226360" cy="1139760"/>
-          </a:xfrm>
-          <a:prstGeom prst="rect">
-            <a:avLst/>
-          </a:prstGeom>
-          <a:noFill/>
-          <a:ln>
-            <a:noFill/>
-          </a:ln>
-        </p:spPr>
-        <p:style>
-          <a:lnRef idx="0">
-            <a:scrgbClr r="0" g="0" b="0"/>
-          </a:lnRef>
-          <a:fillRef idx="0">
-            <a:scrgbClr r="0" g="0" b="0"/>
-          </a:fillRef>
-          <a:effectRef idx="0">
-            <a:scrgbClr r="0" g="0" b="0"/>
-          </a:effectRef>
-          <a:fontRef idx="minor"/>
-        </p:style>
-        <p:txBody>
-          <a:bodyPr lIns="90000" tIns="45000" rIns="90000" bIns="45000" anchor="ctr"/>
-          <a:lstStyle/>
-          <a:p>
-            <a:pPr algn="ctr">
-              <a:lnSpc>
-                <a:spcPct val="100000"/>
-              </a:lnSpc>
-            </a:pPr>
-            <a:r>
-              <a:rPr lang="en-CA" sz="4400" b="0" strike="noStrike" spc="-1">
-                <a:solidFill>
-                  <a:srgbClr val="FFFFFF"/>
-                </a:solidFill>
-                <a:uFill>
-                  <a:solidFill>
-                    <a:srgbClr val="FFFFFF"/>
-                  </a:solidFill>
-                </a:uFill>
-                <a:latin typeface="Calibri"/>
-                <a:ea typeface="DejaVu Sans"/>
-              </a:rPr>
-              <a:t>User Input </a:t>
-            </a:r>
-            <a:endParaRPr lang="en-CA" sz="1800" b="0" strike="noStrike" spc="-1">
-              <a:solidFill>
-                <a:srgbClr val="FFFFFF"/>
-              </a:solidFill>
-              <a:uFill>
-                <a:solidFill>
-                  <a:srgbClr val="FFFFFF"/>
-                </a:solidFill>
-              </a:uFill>
-              <a:latin typeface="Arial"/>
-            </a:endParaRPr>
-          </a:p>
-        </p:txBody>
-      </p:sp>
-      <p:sp>
-        <p:nvSpPr>
-          <p:cNvPr id="89" name="CustomShape 2"/>
-          <p:cNvSpPr/>
-          <p:nvPr/>
-        </p:nvSpPr>
-        <p:spPr>
-          <a:xfrm>
-            <a:off x="457200" y="1600200"/>
-            <a:ext cx="8226360" cy="4522680"/>
-          </a:xfrm>
-          <a:prstGeom prst="rect">
-            <a:avLst/>
-          </a:prstGeom>
-          <a:noFill/>
-          <a:ln>
-            <a:noFill/>
-          </a:ln>
-        </p:spPr>
-        <p:style>
-          <a:lnRef idx="0">
-            <a:scrgbClr r="0" g="0" b="0"/>
-          </a:lnRef>
-          <a:fillRef idx="0">
-            <a:scrgbClr r="0" g="0" b="0"/>
-          </a:fillRef>
-          <a:effectRef idx="0">
-            <a:scrgbClr r="0" g="0" b="0"/>
-          </a:effectRef>
-          <a:fontRef idx="minor"/>
-        </p:style>
-        <p:txBody>
-          <a:bodyPr lIns="90000" tIns="45000" rIns="90000" bIns="45000"/>
-          <a:lstStyle/>
-          <a:p>
-            <a:pPr marL="432000" indent="-321120">
-              <a:lnSpc>
-                <a:spcPct val="100000"/>
-              </a:lnSpc>
-              <a:buClr>
-                <a:srgbClr val="FFFFFF"/>
-              </a:buClr>
-              <a:buSzPct val="45000"/>
-              <a:buFont typeface="Wingdings" charset="2"/>
-              <a:buChar char=""/>
-            </a:pPr>
-            <a:r>
-              <a:rPr lang="en-CA" sz="3200" b="0" strike="noStrike" spc="-1" dirty="0">
-                <a:solidFill>
-                  <a:srgbClr val="FFFFFF"/>
-                </a:solidFill>
-                <a:uFill>
-                  <a:solidFill>
-                    <a:srgbClr val="FFFFFF"/>
-                  </a:solidFill>
-                </a:uFill>
-                <a:latin typeface="Calibri"/>
-                <a:ea typeface="DejaVu Sans"/>
-              </a:rPr>
-              <a:t>By default </a:t>
-            </a:r>
-            <a:r>
-              <a:rPr lang="en-CA" sz="3200" b="0" strike="noStrike" spc="-1" dirty="0" err="1">
-                <a:solidFill>
-                  <a:srgbClr val="FFFFFF"/>
-                </a:solidFill>
-                <a:uFill>
-                  <a:solidFill>
-                    <a:srgbClr val="FFFFFF"/>
-                  </a:solidFill>
-                </a:uFill>
-                <a:latin typeface="Calibri"/>
-                <a:ea typeface="DejaVu Sans"/>
-              </a:rPr>
-              <a:t>Lazer</a:t>
-            </a:r>
-            <a:r>
-              <a:rPr lang="en-CA" sz="3200" b="0" strike="noStrike" spc="-1" dirty="0">
-                <a:solidFill>
-                  <a:srgbClr val="FFFFFF"/>
-                </a:solidFill>
-                <a:uFill>
-                  <a:solidFill>
-                    <a:srgbClr val="FFFFFF"/>
-                  </a:solidFill>
-                </a:uFill>
-                <a:latin typeface="Calibri"/>
-                <a:ea typeface="DejaVu Sans"/>
-              </a:rPr>
-              <a:t> Blast uses WASD for movement and the spacebar for firing.</a:t>
-            </a:r>
-            <a:endParaRPr lang="en-CA" sz="1800" b="0" strike="noStrike" spc="-1" dirty="0">
-              <a:solidFill>
-                <a:srgbClr val="FFFFFF"/>
-              </a:solidFill>
-              <a:uFill>
-                <a:solidFill>
-                  <a:srgbClr val="FFFFFF"/>
-                </a:solidFill>
-              </a:uFill>
-              <a:latin typeface="Arial"/>
-            </a:endParaRPr>
-          </a:p>
-          <a:p>
-            <a:pPr marL="432000" indent="-321120">
-              <a:lnSpc>
-                <a:spcPct val="100000"/>
-              </a:lnSpc>
-              <a:buClr>
-                <a:srgbClr val="FFFFFF"/>
-              </a:buClr>
-              <a:buSzPct val="45000"/>
-              <a:buFont typeface="Wingdings" charset="2"/>
-              <a:buChar char=""/>
-            </a:pPr>
-            <a:r>
-              <a:rPr lang="en-CA" sz="3200" b="0" strike="noStrike" spc="-1" dirty="0">
-                <a:solidFill>
-                  <a:srgbClr val="FFFFFF"/>
-                </a:solidFill>
-                <a:uFill>
-                  <a:solidFill>
-                    <a:srgbClr val="FFFFFF"/>
-                  </a:solidFill>
-                </a:uFill>
-                <a:latin typeface="Calibri"/>
-                <a:ea typeface="DejaVu Sans"/>
-              </a:rPr>
-              <a:t>These movement keys are a conventional configuration for many modern computer games.</a:t>
-            </a:r>
-            <a:endParaRPr lang="en-CA" sz="1800" b="0" strike="noStrike" spc="-1" dirty="0">
-              <a:solidFill>
-                <a:srgbClr val="FFFFFF"/>
-              </a:solidFill>
-              <a:uFill>
-                <a:solidFill>
-                  <a:srgbClr val="FFFFFF"/>
-                </a:solidFill>
-              </a:uFill>
-              <a:latin typeface="Arial"/>
-            </a:endParaRPr>
-          </a:p>
-          <a:p>
-            <a:pPr marL="432000" indent="-321120">
-              <a:lnSpc>
-                <a:spcPct val="100000"/>
-              </a:lnSpc>
-              <a:buClr>
-                <a:srgbClr val="FFFFFF"/>
-              </a:buClr>
-              <a:buSzPct val="45000"/>
-              <a:buFont typeface="Wingdings" charset="2"/>
-              <a:buChar char=""/>
-            </a:pPr>
-            <a:r>
-              <a:rPr lang="en-CA" sz="3200" b="0" strike="noStrike" spc="-1" dirty="0">
-                <a:solidFill>
-                  <a:srgbClr val="FFFFFF"/>
-                </a:solidFill>
-                <a:uFill>
-                  <a:solidFill>
-                    <a:srgbClr val="FFFFFF"/>
-                  </a:solidFill>
-                </a:uFill>
-                <a:latin typeface="Calibri"/>
-                <a:ea typeface="DejaVu Sans"/>
-              </a:rPr>
-              <a:t>The settings file allows custom key bindings as well as separate bindings for a Dvorak keyboard.</a:t>
-            </a:r>
-            <a:endParaRPr lang="en-CA" sz="1800" b="0" strike="noStrike" spc="-1" dirty="0">
-              <a:solidFill>
-                <a:srgbClr val="FFFFFF"/>
-              </a:solidFill>
-              <a:uFill>
-                <a:solidFill>
-                  <a:srgbClr val="FFFFFF"/>
-                </a:solidFill>
-              </a:uFill>
-              <a:latin typeface="Arial"/>
-            </a:endParaRPr>
-          </a:p>
-        </p:txBody>
-      </p:sp>
-    </p:spTree>
-  </p:cSld>
-  <p:clrMapOvr>
-    <a:masterClrMapping/>
-  </p:clrMapOvr>
-  <p:timing>
-    <p:tnLst>
-      <p:par>
-        <p:cTn id="1" dur="indefinite" restart="never" nodeType="tmRoot">
+        <p:cTn xmlns:p14="http://schemas.microsoft.com/office/powerpoint/2010/main" id="1" dur="indefinite" restart="never" nodeType="tmRoot">
           <p:childTnLst>
             <p:seq>
               <p:cTn id="2" nodeType="mainSeq"/>
@@ -13248,7 +10430,7 @@
     </a:clrScheme>
     <a:fontScheme name="Vapor Trail">
       <a:majorFont>
-        <a:latin typeface="Century Gothic" panose="020B0502020202020204"/>
+        <a:latin typeface="Century Gothic"/>
         <a:ea typeface=""/>
         <a:cs typeface=""/>
         <a:font script="Jpan" typeface="ＭＳ Ｐゴシック"/>
@@ -13283,7 +10465,7 @@
         <a:font script="Geor" typeface="Sylfaen"/>
       </a:majorFont>
       <a:minorFont>
-        <a:latin typeface="Century Gothic" panose="020B0502020202020204"/>
+        <a:latin typeface="Century Gothic"/>
         <a:ea typeface=""/>
         <a:cs typeface=""/>
         <a:font script="Jpan" typeface="ＭＳ Ｐゴシック"/>
@@ -13469,7 +10651,7 @@
   <a:extraClrSchemeLst/>
   <a:extLst>
     <a:ext uri="{05A4C25C-085E-4340-85A3-A5531E510DB2}">
-      <thm15:themeFamily xmlns:thm15="http://schemas.microsoft.com/office/thememl/2012/main" name="Vapor Trail" id="{4FDF2955-7D9C-493C-B9F9-C205151B46CD}" vid="{8F31A783-2159-4870-BC29-2BA7D038EA44}"/>
+      <thm15:themeFamily xmlns:thm15="http://schemas.microsoft.com/office/thememl/2012/main" xmlns="" name="Vapor Trail" id="{4FDF2955-7D9C-493C-B9F9-C205151B46CD}" vid="{8F31A783-2159-4870-BC29-2BA7D038EA44}"/>
     </a:ext>
   </a:extLst>
 </a:theme>
@@ -13518,7 +10700,7 @@
     </a:clrScheme>
     <a:fontScheme name="Office">
       <a:majorFont>
-        <a:latin typeface="Calibri Light" panose="020F0302020204030204"/>
+        <a:latin typeface="Calibri Light"/>
         <a:ea typeface=""/>
         <a:cs typeface=""/>
         <a:font script="Jpan" typeface="Yu Gothic Light"/>
@@ -13553,7 +10735,7 @@
         <a:font script="Geor" typeface="Sylfaen"/>
       </a:majorFont>
       <a:minorFont>
-        <a:latin typeface="Calibri" panose="020F0502020204030204"/>
+        <a:latin typeface="Calibri"/>
         <a:ea typeface=""/>
         <a:cs typeface=""/>
         <a:font script="Jpan" typeface="Yu Gothic"/>
@@ -13730,7 +10912,7 @@
   <a:extraClrSchemeLst/>
   <a:extLst>
     <a:ext uri="{05A4C25C-085E-4340-85A3-A5531E510DB2}">
-      <thm15:themeFamily xmlns:thm15="http://schemas.microsoft.com/office/thememl/2012/main" name="Office Theme" id="{62F939B6-93AF-4DB8-9C6B-D6C7DFDC589F}" vid="{4A3C46E8-61CC-4603-A589-7422A47A8E4A}"/>
+      <thm15:themeFamily xmlns:thm15="http://schemas.microsoft.com/office/thememl/2012/main" xmlns="" name="Office Theme" id="{62F939B6-93AF-4DB8-9C6B-D6C7DFDC589F}" vid="{4A3C46E8-61CC-4603-A589-7422A47A8E4A}"/>
     </a:ext>
   </a:extLst>
 </a:theme>

--- a/final_presentation/Presentation.pptx
+++ b/final_presentation/Presentation.pptx
@@ -116,7 +116,7 @@
   </p:defaultTextStyle>
   <p:extLst>
     <p:ext uri="{EFAFB233-063F-42B5-8137-9DF3F51BA10A}">
-      <p15:sldGuideLst xmlns:p15="http://schemas.microsoft.com/office/powerpoint/2012/main" xmlns=""/>
+      <p15:sldGuideLst xmlns="" xmlns:p15="http://schemas.microsoft.com/office/powerpoint/2012/main"/>
     </p:ext>
   </p:extLst>
 </p:presentation>
@@ -204,7 +204,7 @@
           <a:p>
             <a:fld id="{EC39D051-DB48-D945-8FCA-B54E06EC6697}" type="datetimeFigureOut">
               <a:rPr lang="en-US" smtClean="0"/>
-              <a:t>4/12/17</a:t>
+              <a:t>4/20/17</a:t>
             </a:fld>
             <a:endParaRPr lang="en-US"/>
           </a:p>
@@ -1281,7 +1281,7 @@
           <a:p>
             <a:fld id="{48A87A34-81AB-432B-8DAE-1953F412C126}" type="datetimeFigureOut">
               <a:rPr lang="en-US" smtClean="0"/>
-              <a:t>4/12/17</a:t>
+              <a:t>4/20/17</a:t>
             </a:fld>
             <a:endParaRPr lang="en-US" dirty="0"/>
           </a:p>
@@ -1346,7 +1346,7 @@
   </p:clrMapOvr>
   <p:extLst>
     <p:ext uri="{DCECCB84-F9BA-43D5-87BE-67443E8EF086}">
-      <p15:sldGuideLst xmlns:p15="http://schemas.microsoft.com/office/powerpoint/2012/main" xmlns=""/>
+      <p15:sldGuideLst xmlns="" xmlns:p15="http://schemas.microsoft.com/office/powerpoint/2012/main"/>
     </p:ext>
   </p:extLst>
 </p:sldLayout>
@@ -1461,7 +1461,7 @@
           <a:p>
             <a:fld id="{48A87A34-81AB-432B-8DAE-1953F412C126}" type="datetimeFigureOut">
               <a:rPr lang="en-US" smtClean="0"/>
-              <a:t>4/12/17</a:t>
+              <a:t>4/20/17</a:t>
             </a:fld>
             <a:endParaRPr lang="en-US" dirty="0"/>
           </a:p>
@@ -1746,7 +1746,7 @@
             <a:fld id="{48A87A34-81AB-432B-8DAE-1953F412C126}" type="datetimeFigureOut">
               <a:rPr lang="en-US" smtClean="0"/>
               <a:pPr/>
-              <a:t>4/12/17</a:t>
+              <a:t>4/20/17</a:t>
             </a:fld>
             <a:endParaRPr lang="en-US" dirty="0"/>
           </a:p>
@@ -1811,7 +1811,7 @@
   </p:clrMapOvr>
   <p:extLst>
     <p:ext uri="{DCECCB84-F9BA-43D5-87BE-67443E8EF086}">
-      <p15:sldGuideLst xmlns:p15="http://schemas.microsoft.com/office/powerpoint/2012/main" xmlns=""/>
+      <p15:sldGuideLst xmlns="" xmlns:p15="http://schemas.microsoft.com/office/powerpoint/2012/main"/>
     </p:ext>
   </p:extLst>
 </p:sldLayout>
@@ -1988,7 +1988,7 @@
           <a:p>
             <a:fld id="{48A87A34-81AB-432B-8DAE-1953F412C126}" type="datetimeFigureOut">
               <a:rPr lang="en-US" smtClean="0"/>
-              <a:t>4/12/17</a:t>
+              <a:t>4/20/17</a:t>
             </a:fld>
             <a:endParaRPr lang="en-US" dirty="0"/>
           </a:p>
@@ -2043,7 +2043,7 @@
   </p:clrMapOvr>
   <p:extLst>
     <p:ext uri="{DCECCB84-F9BA-43D5-87BE-67443E8EF086}">
-      <p15:sldGuideLst xmlns:p15="http://schemas.microsoft.com/office/powerpoint/2012/main" xmlns=""/>
+      <p15:sldGuideLst xmlns="" xmlns:p15="http://schemas.microsoft.com/office/powerpoint/2012/main"/>
     </p:ext>
   </p:extLst>
 </p:sldLayout>
@@ -2367,7 +2367,7 @@
           <a:p>
             <a:fld id="{48A87A34-81AB-432B-8DAE-1953F412C126}" type="datetimeFigureOut">
               <a:rPr lang="en-US" smtClean="0"/>
-              <a:t>4/12/17</a:t>
+              <a:t>4/20/17</a:t>
             </a:fld>
             <a:endParaRPr lang="en-US" dirty="0"/>
           </a:p>
@@ -2422,7 +2422,7 @@
   </p:clrMapOvr>
   <p:extLst>
     <p:ext uri="{DCECCB84-F9BA-43D5-87BE-67443E8EF086}">
-      <p15:sldGuideLst xmlns:p15="http://schemas.microsoft.com/office/powerpoint/2012/main" xmlns=""/>
+      <p15:sldGuideLst xmlns="" xmlns:p15="http://schemas.microsoft.com/office/powerpoint/2012/main"/>
     </p:ext>
   </p:extLst>
 </p:sldLayout>
@@ -2485,7 +2485,7 @@
           <a:p>
             <a:fld id="{48A87A34-81AB-432B-8DAE-1953F412C126}" type="datetimeFigureOut">
               <a:rPr lang="en-US" smtClean="0"/>
-              <a:t>4/12/17</a:t>
+              <a:t>4/20/17</a:t>
             </a:fld>
             <a:endParaRPr lang="en-US" dirty="0"/>
           </a:p>
@@ -2575,7 +2575,7 @@
           <a:p>
             <a:fld id="{48A87A34-81AB-432B-8DAE-1953F412C126}" type="datetimeFigureOut">
               <a:rPr lang="en-US" smtClean="0"/>
-              <a:t>4/12/17</a:t>
+              <a:t>4/20/17</a:t>
             </a:fld>
             <a:endParaRPr lang="en-US" dirty="0"/>
           </a:p>
@@ -2920,7 +2920,7 @@
           <a:p>
             <a:fld id="{48A87A34-81AB-432B-8DAE-1953F412C126}" type="datetimeFigureOut">
               <a:rPr lang="en-US" smtClean="0"/>
-              <a:t>4/12/17</a:t>
+              <a:t>4/20/17</a:t>
             </a:fld>
             <a:endParaRPr lang="en-US" dirty="0"/>
           </a:p>
@@ -2975,7 +2975,7 @@
   </p:clrMapOvr>
   <p:extLst>
     <p:ext uri="{DCECCB84-F9BA-43D5-87BE-67443E8EF086}">
-      <p15:sldGuideLst xmlns:p15="http://schemas.microsoft.com/office/powerpoint/2012/main" xmlns=""/>
+      <p15:sldGuideLst xmlns="" xmlns:p15="http://schemas.microsoft.com/office/powerpoint/2012/main"/>
     </p:ext>
   </p:extLst>
 </p:sldLayout>
@@ -3177,7 +3177,7 @@
           <a:p>
             <a:fld id="{48A87A34-81AB-432B-8DAE-1953F412C126}" type="datetimeFigureOut">
               <a:rPr lang="en-US" smtClean="0"/>
-              <a:t>4/12/17</a:t>
+              <a:t>4/20/17</a:t>
             </a:fld>
             <a:endParaRPr lang="en-US" dirty="0"/>
           </a:p>
@@ -3429,7 +3429,7 @@
           <a:p>
             <a:fld id="{4D9FFFB4-400D-1240-AB24-6F86C96D4DFB}" type="datetimeFigureOut">
               <a:rPr lang="en-US" smtClean="0"/>
-              <a:t>4/12/17</a:t>
+              <a:t>4/20/17</a:t>
             </a:fld>
             <a:endParaRPr lang="en-US" dirty="0"/>
           </a:p>
@@ -3656,7 +3656,7 @@
           <a:p>
             <a:fld id="{E28077EF-3DB9-4852-A8C8-9AA18A70A9F8}" type="datetimeFigureOut">
               <a:rPr lang="en-US" smtClean="0"/>
-              <a:t>4/12/17</a:t>
+              <a:t>4/20/17</a:t>
             </a:fld>
             <a:endParaRPr lang="en-US" dirty="0"/>
           </a:p>
@@ -3962,7 +3962,7 @@
           <a:p>
             <a:fld id="{E28077EF-3DB9-4852-A8C8-9AA18A70A9F8}" type="datetimeFigureOut">
               <a:rPr lang="en-US" smtClean="0"/>
-              <a:t>4/12/17</a:t>
+              <a:t>4/20/17</a:t>
             </a:fld>
             <a:endParaRPr lang="en-US" dirty="0"/>
           </a:p>
@@ -4431,7 +4431,7 @@
           <a:p>
             <a:fld id="{E28077EF-3DB9-4852-A8C8-9AA18A70A9F8}" type="datetimeFigureOut">
               <a:rPr lang="en-US" smtClean="0"/>
-              <a:t>4/12/17</a:t>
+              <a:t>4/20/17</a:t>
             </a:fld>
             <a:endParaRPr lang="en-US" dirty="0"/>
           </a:p>
@@ -4974,7 +4974,7 @@
           <a:p>
             <a:fld id="{4D9FFFB4-400D-1240-AB24-6F86C96D4DFB}" type="datetimeFigureOut">
               <a:rPr lang="en-US" smtClean="0"/>
-              <a:t>4/12/17</a:t>
+              <a:t>4/20/17</a:t>
             </a:fld>
             <a:endParaRPr lang="en-US" dirty="0"/>
           </a:p>
@@ -5744,7 +5744,7 @@
           <a:p>
             <a:fld id="{4D9FFFB4-400D-1240-AB24-6F86C96D4DFB}" type="datetimeFigureOut">
               <a:rPr lang="en-US" smtClean="0"/>
-              <a:t>4/12/17</a:t>
+              <a:t>4/20/17</a:t>
             </a:fld>
             <a:endParaRPr lang="en-US" dirty="0"/>
           </a:p>
@@ -5915,7 +5915,7 @@
           <a:p>
             <a:fld id="{48A87A34-81AB-432B-8DAE-1953F412C126}" type="datetimeFigureOut">
               <a:rPr lang="en-US" smtClean="0"/>
-              <a:t>4/12/17</a:t>
+              <a:t>4/20/17</a:t>
             </a:fld>
             <a:endParaRPr lang="en-US" dirty="0"/>
           </a:p>
@@ -6134,7 +6134,7 @@
             <a:fld id="{48A87A34-81AB-432B-8DAE-1953F412C126}" type="datetimeFigureOut">
               <a:rPr lang="en-US" smtClean="0"/>
               <a:pPr/>
-              <a:t>4/12/17</a:t>
+              <a:t>4/20/17</a:t>
             </a:fld>
             <a:endParaRPr lang="en-US" dirty="0"/>
           </a:p>
@@ -6199,7 +6199,7 @@
   </p:clrMapOvr>
   <p:extLst>
     <p:ext uri="{DCECCB84-F9BA-43D5-87BE-67443E8EF086}">
-      <p15:sldGuideLst xmlns:p15="http://schemas.microsoft.com/office/powerpoint/2012/main" xmlns=""/>
+      <p15:sldGuideLst xmlns="" xmlns:p15="http://schemas.microsoft.com/office/powerpoint/2012/main"/>
     </p:ext>
   </p:extLst>
 </p:sldLayout>
@@ -7831,7 +7831,7 @@
             <a:fld id="{48A87A34-81AB-432B-8DAE-1953F412C126}" type="datetimeFigureOut">
               <a:rPr lang="en-US" dirty="0"/>
               <a:pPr/>
-              <a:t>4/12/17</a:t>
+              <a:t>4/20/17</a:t>
             </a:fld>
             <a:endParaRPr lang="en-US" dirty="0"/>
           </a:p>
@@ -8225,7 +8225,7 @@
   </p:txStyles>
   <p:extLst>
     <p:ext uri="{27BBF7A9-308A-43DC-89C8-2F10F3537804}">
-      <p15:sldGuideLst xmlns:p15="http://schemas.microsoft.com/office/powerpoint/2012/main" xmlns=""/>
+      <p15:sldGuideLst xmlns="" xmlns:p15="http://schemas.microsoft.com/office/powerpoint/2012/main"/>
     </p:ext>
   </p:extLst>
 </p:sldMaster>
@@ -8289,9 +8289,11 @@
               </a:lnSpc>
             </a:pPr>
             <a:r>
-              <a:rPr lang="en-CA" sz="4400" b="0" strike="noStrike" spc="-1">
-                <a:solidFill>
-                  <a:srgbClr val="FFFFFF"/>
+              <a:rPr lang="en-CA" sz="4400" b="0" strike="noStrike" spc="-1" dirty="0" err="1">
+                <a:solidFill>
+                  <a:schemeClr val="bg1">
+                    <a:lumMod val="95000"/>
+                  </a:schemeClr>
                 </a:solidFill>
                 <a:uFill>
                   <a:solidFill>
@@ -8303,9 +8305,11 @@
               </a:rPr>
               <a:t>LazerBlast</a:t>
             </a:r>
-            <a:endParaRPr lang="en-CA" sz="1800" b="0" strike="noStrike" spc="-1">
+            <a:endParaRPr lang="en-CA" sz="1800" b="0" strike="noStrike" spc="-1" dirty="0">
               <a:solidFill>
-                <a:srgbClr val="FFFFFF"/>
+                <a:schemeClr val="bg1">
+                  <a:lumMod val="95000"/>
+                </a:schemeClr>
               </a:solidFill>
               <a:uFill>
                 <a:solidFill>
@@ -8358,9 +8362,9 @@
               </a:lnSpc>
             </a:pPr>
             <a:r>
-              <a:rPr lang="en-CA" sz="3200" b="0" strike="noStrike" spc="-1">
-                <a:solidFill>
-                  <a:srgbClr val="FFFFFF"/>
+              <a:rPr lang="en-CA" sz="3200" b="0" strike="noStrike" spc="-1" dirty="0">
+                <a:solidFill>
+                  <a:srgbClr val="F2F2F2"/>
                 </a:solidFill>
                 <a:uFill>
                   <a:solidFill>
@@ -8370,11 +8374,26 @@
                 <a:latin typeface="Calibri"/>
                 <a:ea typeface="DejaVu Sans"/>
               </a:rPr>
-              <a:t>An Improvement on Pylaga</a:t>
-            </a:r>
-            <a:endParaRPr lang="en-CA" sz="1800" b="0" strike="noStrike" spc="-1">
+              <a:t>An Improvement on </a:t>
+            </a:r>
+            <a:r>
+              <a:rPr lang="en-CA" sz="3200" b="0" strike="noStrike" spc="-1" dirty="0" err="1">
+                <a:solidFill>
+                  <a:srgbClr val="F2F2F2"/>
+                </a:solidFill>
+                <a:uFill>
+                  <a:solidFill>
+                    <a:srgbClr val="FFFFFF"/>
+                  </a:solidFill>
+                </a:uFill>
+                <a:latin typeface="Calibri"/>
+                <a:ea typeface="DejaVu Sans"/>
+              </a:rPr>
+              <a:t>Pylaga</a:t>
+            </a:r>
+            <a:endParaRPr lang="en-CA" sz="1800" b="0" strike="noStrike" spc="-1" dirty="0">
               <a:solidFill>
-                <a:srgbClr val="FFFFFF"/>
+                <a:srgbClr val="F2F2F2"/>
               </a:solidFill>
               <a:uFill>
                 <a:solidFill>
@@ -8481,7 +8500,7 @@
             <a:r>
               <a:rPr lang="en-CA" sz="4400" b="0" strike="noStrike" spc="-1" dirty="0">
                 <a:solidFill>
-                  <a:srgbClr val="FFFFFF"/>
+                  <a:srgbClr val="F2F2F2"/>
                 </a:solidFill>
                 <a:uFill>
                   <a:solidFill>
@@ -8495,7 +8514,7 @@
             </a:r>
             <a:endParaRPr lang="en-CA" sz="1800" b="0" strike="noStrike" spc="-1" dirty="0">
               <a:solidFill>
-                <a:srgbClr val="FFFFFF"/>
+                <a:srgbClr val="F2F2F2"/>
               </a:solidFill>
               <a:uFill>
                 <a:solidFill>
@@ -8516,7 +8535,7 @@
         <p:spPr>
           <a:xfrm>
             <a:off x="457200" y="1600200"/>
-            <a:ext cx="8226360" cy="4522680"/>
+            <a:ext cx="8226360" cy="3561222"/>
           </a:xfrm>
           <a:prstGeom prst="rect">
             <a:avLst/>
@@ -8546,6 +8565,9 @@
               <a:lnSpc>
                 <a:spcPct val="100000"/>
               </a:lnSpc>
+              <a:spcAft>
+                <a:spcPts val="1200"/>
+              </a:spcAft>
               <a:buClr>
                 <a:srgbClr val="FFFFFF"/>
               </a:buClr>
@@ -8553,74 +8575,9 @@
               <a:buChar char="•"/>
             </a:pPr>
             <a:r>
-              <a:rPr lang="en-CA" sz="3200" spc="-1" dirty="0">
-                <a:solidFill>
-                  <a:srgbClr val="FFFFFF"/>
-                </a:solidFill>
-                <a:uFill>
-                  <a:solidFill>
-                    <a:srgbClr val="FFFFFF"/>
-                  </a:solidFill>
-                </a:uFill>
-                <a:latin typeface="Calibri"/>
-              </a:rPr>
-              <a:t>Create a video game in the same spirit as arcade top-down shooters like </a:t>
-            </a:r>
-            <a:r>
-              <a:rPr lang="en-CA" sz="3200" spc="-1" dirty="0" err="1" smtClean="0">
-                <a:solidFill>
-                  <a:srgbClr val="FFFFFF"/>
-                </a:solidFill>
-                <a:uFill>
-                  <a:solidFill>
-                    <a:srgbClr val="FFFFFF"/>
-                  </a:solidFill>
-                </a:uFill>
-                <a:latin typeface="Calibri"/>
-              </a:rPr>
-              <a:t>Galaga</a:t>
-            </a:r>
-            <a:r>
-              <a:rPr lang="en-CA" sz="3200" spc="-1" dirty="0" smtClean="0">
-                <a:solidFill>
-                  <a:srgbClr val="FFFFFF"/>
-                </a:solidFill>
-                <a:uFill>
-                  <a:solidFill>
-                    <a:srgbClr val="FFFFFF"/>
-                  </a:solidFill>
-                </a:uFill>
-                <a:latin typeface="Calibri"/>
-              </a:rPr>
-              <a:t>.</a:t>
-            </a:r>
-            <a:endParaRPr lang="en-CA" sz="1800" b="0" strike="noStrike" spc="-1" dirty="0">
-              <a:solidFill>
-                <a:srgbClr val="FFFFFF"/>
-              </a:solidFill>
-              <a:uFill>
-                <a:solidFill>
-                  <a:srgbClr val="FFFFFF"/>
-                </a:solidFill>
-              </a:uFill>
-              <a:latin typeface="Arial"/>
-            </a:endParaRPr>
-          </a:p>
-          <a:p>
-            <a:pPr marL="343080" indent="-339840">
-              <a:lnSpc>
-                <a:spcPct val="100000"/>
-              </a:lnSpc>
-              <a:buClr>
-                <a:srgbClr val="FFFFFF"/>
-              </a:buClr>
-              <a:buFont typeface="Arial"/>
-              <a:buChar char="•"/>
-            </a:pPr>
-            <a:r>
-              <a:rPr lang="en-CA" sz="3200" b="0" strike="noStrike" spc="-1" dirty="0">
-                <a:solidFill>
-                  <a:srgbClr val="FFFFFF"/>
+              <a:rPr lang="en-CA" sz="2800" spc="-1" dirty="0" smtClean="0">
+                <a:solidFill>
+                  <a:srgbClr val="F2F2F2"/>
                 </a:solidFill>
                 <a:uFill>
                   <a:solidFill>
@@ -8630,12 +8587,24 @@
                 <a:latin typeface="Calibri"/>
                 <a:ea typeface="DejaVu Sans"/>
               </a:rPr>
-              <a:t>Add challenge of </a:t>
-            </a:r>
-            <a:r>
-              <a:rPr lang="en-CA" sz="3200" spc="-1" dirty="0">
-                <a:solidFill>
-                  <a:srgbClr val="FFFFFF"/>
+              <a:t>We had two main improvements that we wanted to make:</a:t>
+            </a:r>
+          </a:p>
+          <a:p>
+            <a:pPr marL="800280" lvl="1" indent="-339840">
+              <a:spcAft>
+                <a:spcPts val="1200"/>
+              </a:spcAft>
+              <a:buClr>
+                <a:srgbClr val="FFFFFF"/>
+              </a:buClr>
+              <a:buFont typeface="Arial"/>
+              <a:buChar char="•"/>
+            </a:pPr>
+            <a:r>
+              <a:rPr lang="en-CA" sz="2800" spc="-1" dirty="0" smtClean="0">
+                <a:solidFill>
+                  <a:srgbClr val="F2F2F2"/>
                 </a:solidFill>
                 <a:uFill>
                   <a:solidFill>
@@ -8645,12 +8614,36 @@
                 <a:latin typeface="Calibri"/>
                 <a:ea typeface="DejaVu Sans"/>
               </a:rPr>
-              <a:t>multiple enemy types that require color matching laser hits to </a:t>
-            </a:r>
-            <a:r>
-              <a:rPr lang="en-CA" sz="3200" spc="-1" dirty="0" smtClean="0">
+              <a:t>Add a color changing-component to arcade-like shooters.</a:t>
+            </a:r>
+            <a:endParaRPr lang="en-CA" sz="2800" spc="-1" dirty="0">
+              <a:solidFill>
+                <a:srgbClr val="F2F2F2"/>
+              </a:solidFill>
+              <a:uFill>
                 <a:solidFill>
                   <a:srgbClr val="FFFFFF"/>
+                </a:solidFill>
+              </a:uFill>
+              <a:latin typeface="Calibri"/>
+              <a:ea typeface="DejaVu Sans"/>
+            </a:endParaRPr>
+          </a:p>
+          <a:p>
+            <a:pPr marL="800280" lvl="1" indent="-339840">
+              <a:spcAft>
+                <a:spcPts val="1200"/>
+              </a:spcAft>
+              <a:buClr>
+                <a:srgbClr val="FFFFFF"/>
+              </a:buClr>
+              <a:buFont typeface="Arial"/>
+              <a:buChar char="•"/>
+            </a:pPr>
+            <a:r>
+              <a:rPr lang="en-CA" sz="2800" spc="-1" dirty="0" smtClean="0">
+                <a:solidFill>
+                  <a:srgbClr val="F2F2F2"/>
                 </a:solidFill>
                 <a:uFill>
                   <a:solidFill>
@@ -8660,12 +8653,12 @@
                 <a:latin typeface="Calibri"/>
                 <a:ea typeface="DejaVu Sans"/>
               </a:rPr>
-              <a:t>destroy.  Specifically, we aimed to improve upon the open-source game, </a:t>
-            </a:r>
-            <a:r>
-              <a:rPr lang="en-CA" sz="3200" spc="-1" dirty="0" err="1" smtClean="0">
-                <a:solidFill>
-                  <a:srgbClr val="FFFFFF"/>
+              <a:t>Follow </a:t>
+            </a:r>
+            <a:r>
+              <a:rPr lang="en-CA" sz="2800" spc="-1" dirty="0">
+                <a:solidFill>
+                  <a:srgbClr val="F2F2F2"/>
                 </a:solidFill>
                 <a:uFill>
                   <a:solidFill>
@@ -8675,12 +8668,12 @@
                 <a:latin typeface="Calibri"/>
                 <a:ea typeface="DejaVu Sans"/>
               </a:rPr>
-              <a:t>Pylaga</a:t>
-            </a:r>
-            <a:r>
-              <a:rPr lang="en-CA" sz="3200" spc="-1" dirty="0" smtClean="0">
-                <a:solidFill>
-                  <a:srgbClr val="FFFFFF"/>
+              <a:t>standard practices for Python modules, and make the game extensible for later developers</a:t>
+            </a:r>
+            <a:r>
+              <a:rPr lang="en-CA" sz="2800" spc="-1" dirty="0" smtClean="0">
+                <a:solidFill>
+                  <a:srgbClr val="F2F2F2"/>
                 </a:solidFill>
                 <a:uFill>
                   <a:solidFill>
@@ -8690,38 +8683,11 @@
                 <a:latin typeface="Calibri"/>
                 <a:ea typeface="DejaVu Sans"/>
               </a:rPr>
-              <a:t>.</a:t>
-            </a:r>
-          </a:p>
-          <a:p>
-            <a:pPr marL="343080" indent="-339840">
-              <a:lnSpc>
-                <a:spcPct val="100000"/>
-              </a:lnSpc>
-              <a:buClr>
-                <a:srgbClr val="FFFFFF"/>
-              </a:buClr>
-              <a:buFont typeface="Arial"/>
-              <a:buChar char="•"/>
-            </a:pPr>
-            <a:r>
-              <a:rPr lang="en-CA" sz="3200" spc="-1" dirty="0" smtClean="0">
-                <a:solidFill>
-                  <a:srgbClr val="FFFFFF"/>
-                </a:solidFill>
-                <a:uFill>
-                  <a:solidFill>
-                    <a:srgbClr val="FFFFFF"/>
-                  </a:solidFill>
-                </a:uFill>
-                <a:latin typeface="Calibri"/>
-                <a:ea typeface="DejaVu Sans"/>
-              </a:rPr>
-              <a:t>Follow standard practices for Python modules, and make the game extensible for later developers.</a:t>
-            </a:r>
-            <a:endParaRPr lang="en-CA" sz="3200" spc="-1" dirty="0">
+              <a:t>.*</a:t>
+            </a:r>
+            <a:endParaRPr lang="en-CA" sz="2800" spc="-1" dirty="0">
               <a:solidFill>
-                <a:srgbClr val="FFFFFF"/>
+                <a:srgbClr val="F2F2F2"/>
               </a:solidFill>
               <a:uFill>
                 <a:solidFill>
@@ -8731,6 +8697,62 @@
               <a:latin typeface="Calibri"/>
               <a:ea typeface="DejaVu Sans"/>
             </a:endParaRPr>
+          </a:p>
+          <a:p>
+            <a:pPr marL="3240">
+              <a:lnSpc>
+                <a:spcPct val="100000"/>
+              </a:lnSpc>
+              <a:spcAft>
+                <a:spcPts val="1200"/>
+              </a:spcAft>
+              <a:buClr>
+                <a:srgbClr val="FFFFFF"/>
+              </a:buClr>
+            </a:pPr>
+            <a:endParaRPr lang="en-CA" sz="3200" spc="-1" dirty="0">
+              <a:solidFill>
+                <a:srgbClr val="F2F2F2"/>
+              </a:solidFill>
+              <a:uFill>
+                <a:solidFill>
+                  <a:srgbClr val="FFFFFF"/>
+                </a:solidFill>
+              </a:uFill>
+              <a:latin typeface="Calibri"/>
+              <a:ea typeface="DejaVu Sans"/>
+            </a:endParaRPr>
+          </a:p>
+        </p:txBody>
+      </p:sp>
+      <p:sp>
+        <p:nvSpPr>
+          <p:cNvPr id="2" name="TextBox 1"/>
+          <p:cNvSpPr txBox="1"/>
+          <p:nvPr/>
+        </p:nvSpPr>
+        <p:spPr>
+          <a:xfrm>
+            <a:off x="457200" y="5899426"/>
+            <a:ext cx="6312545" cy="369332"/>
+          </a:xfrm>
+          <a:prstGeom prst="rect">
+            <a:avLst/>
+          </a:prstGeom>
+          <a:noFill/>
+        </p:spPr>
+        <p:txBody>
+          <a:bodyPr wrap="none" rtlCol="0">
+            <a:spAutoFit/>
+          </a:bodyPr>
+          <a:lstStyle/>
+          <a:p>
+            <a:pPr algn="ctr"/>
+            <a:r>
+              <a:rPr lang="en-US" dirty="0" smtClean="0"/>
+              <a:t>*This improvement will be the topic of this presentation. </a:t>
+            </a:r>
+            <a:endParaRPr lang="en-US" dirty="0"/>
           </a:p>
         </p:txBody>
       </p:sp>
@@ -8829,7 +8851,7 @@
             <a:r>
               <a:rPr lang="en-CA" sz="4400" spc="-1" dirty="0">
                 <a:solidFill>
-                  <a:srgbClr val="FFFFFF"/>
+                  <a:srgbClr val="F2F2F2"/>
                 </a:solidFill>
                 <a:uFill>
                   <a:solidFill>
@@ -8842,7 +8864,7 @@
             </a:r>
             <a:endParaRPr lang="en-CA" sz="1800" b="0" strike="noStrike" spc="-1" dirty="0">
               <a:solidFill>
-                <a:srgbClr val="FFFFFF"/>
+                <a:srgbClr val="F2F2F2"/>
               </a:solidFill>
               <a:uFill>
                 <a:solidFill>
@@ -8893,6 +8915,9 @@
               <a:lnSpc>
                 <a:spcPct val="100000"/>
               </a:lnSpc>
+              <a:spcAft>
+                <a:spcPts val="1200"/>
+              </a:spcAft>
               <a:buClr>
                 <a:srgbClr val="FFFFFF"/>
               </a:buClr>
@@ -8900,9 +8925,9 @@
               <a:buChar char="•"/>
             </a:pPr>
             <a:r>
-              <a:rPr lang="en-CA" sz="3200" spc="-1" dirty="0" smtClean="0">
-                <a:solidFill>
-                  <a:srgbClr val="FFFFFF"/>
+              <a:rPr lang="en-CA" sz="2800" spc="-1" dirty="0" smtClean="0">
+                <a:solidFill>
+                  <a:srgbClr val="F2F2F2"/>
                 </a:solidFill>
                 <a:uFill>
                   <a:solidFill>
@@ -8915,9 +8940,9 @@
               <a:t>Written in Python using the </a:t>
             </a:r>
             <a:r>
-              <a:rPr lang="en-CA" sz="3200" spc="-1" dirty="0" err="1" smtClean="0">
-                <a:solidFill>
-                  <a:srgbClr val="FFFFFF"/>
+              <a:rPr lang="en-CA" sz="2800" spc="-1" dirty="0" err="1" smtClean="0">
+                <a:solidFill>
+                  <a:srgbClr val="F2F2F2"/>
                 </a:solidFill>
                 <a:uFill>
                   <a:solidFill>
@@ -8930,9 +8955,9 @@
               <a:t>PyGame</a:t>
             </a:r>
             <a:r>
-              <a:rPr lang="en-CA" sz="3200" spc="-1" dirty="0" smtClean="0">
-                <a:solidFill>
-                  <a:srgbClr val="FFFFFF"/>
+              <a:rPr lang="en-CA" sz="2800" spc="-1" dirty="0" smtClean="0">
+                <a:solidFill>
+                  <a:srgbClr val="F2F2F2"/>
                 </a:solidFill>
                 <a:uFill>
                   <a:solidFill>
@@ -8944,9 +8969,9 @@
               </a:rPr>
               <a:t> library.</a:t>
             </a:r>
-            <a:endParaRPr lang="en-CA" sz="3200" spc="-1" dirty="0">
+            <a:endParaRPr lang="en-CA" sz="2800" spc="-1" dirty="0">
               <a:solidFill>
-                <a:srgbClr val="FFFFFF"/>
+                <a:srgbClr val="F2F2F2"/>
               </a:solidFill>
               <a:uFill>
                 <a:solidFill>
@@ -8962,6 +8987,9 @@
               <a:lnSpc>
                 <a:spcPct val="100000"/>
               </a:lnSpc>
+              <a:spcAft>
+                <a:spcPts val="1200"/>
+              </a:spcAft>
               <a:buClr>
                 <a:srgbClr val="FFFFFF"/>
               </a:buClr>
@@ -8969,9 +8997,9 @@
               <a:buChar char="•"/>
             </a:pPr>
             <a:r>
-              <a:rPr lang="en-CA" sz="3200" b="0" strike="noStrike" spc="-1" dirty="0" smtClean="0">
-                <a:solidFill>
-                  <a:srgbClr val="FFFFFF"/>
+              <a:rPr lang="en-CA" sz="2800" b="0" strike="noStrike" spc="-1" dirty="0" smtClean="0">
+                <a:solidFill>
+                  <a:srgbClr val="F2F2F2"/>
                 </a:solidFill>
                 <a:uFill>
                   <a:solidFill>
@@ -8983,9 +9011,9 @@
               <a:t>Python was chosen because of its widespread use, the availability of open-source components on </a:t>
             </a:r>
             <a:r>
-              <a:rPr lang="en-CA" sz="3200" b="0" strike="noStrike" spc="-1" dirty="0" err="1" smtClean="0">
-                <a:solidFill>
-                  <a:srgbClr val="FFFFFF"/>
+              <a:rPr lang="en-CA" sz="2800" b="0" strike="noStrike" spc="-1" dirty="0" err="1" smtClean="0">
+                <a:solidFill>
+                  <a:srgbClr val="F2F2F2"/>
                 </a:solidFill>
                 <a:uFill>
                   <a:solidFill>
@@ -8997,9 +9025,9 @@
               <a:t>PyPI</a:t>
             </a:r>
             <a:r>
-              <a:rPr lang="en-CA" sz="3200" spc="-1" dirty="0" smtClean="0">
-                <a:solidFill>
-                  <a:srgbClr val="FFFFFF"/>
+              <a:rPr lang="en-CA" sz="2800" spc="-1" dirty="0" smtClean="0">
+                <a:solidFill>
+                  <a:srgbClr val="F2F2F2"/>
                 </a:solidFill>
                 <a:uFill>
                   <a:solidFill>
@@ -9008,11 +9036,140 @@
                 </a:uFill>
                 <a:latin typeface="Calibri"/>
               </a:rPr>
-              <a:t>, and the ease with which modules can be packaged and released.</a:t>
-            </a:r>
-            <a:endParaRPr lang="en-CA" sz="3200" b="0" strike="noStrike" spc="-1" dirty="0">
+              <a:t>, and the ease with which modules can be packaged and released</a:t>
+            </a:r>
+            <a:r>
+              <a:rPr lang="en-CA" sz="2800" spc="-1" dirty="0" smtClean="0">
+                <a:solidFill>
+                  <a:srgbClr val="F2F2F2"/>
+                </a:solidFill>
+                <a:uFill>
+                  <a:solidFill>
+                    <a:srgbClr val="FFFFFF"/>
+                  </a:solidFill>
+                </a:uFill>
+                <a:latin typeface="Calibri"/>
+              </a:rPr>
+              <a:t>.</a:t>
+            </a:r>
+          </a:p>
+          <a:p>
+            <a:pPr marL="800280" lvl="1" indent="-339840">
+              <a:spcAft>
+                <a:spcPts val="1200"/>
+              </a:spcAft>
+              <a:buClr>
+                <a:srgbClr val="FFFFFF"/>
+              </a:buClr>
+              <a:buFont typeface="Arial"/>
+              <a:buChar char="•"/>
+            </a:pPr>
+            <a:r>
+              <a:rPr lang="en-CA" sz="2800" b="0" strike="noStrike" spc="-1" dirty="0" err="1" smtClean="0">
+                <a:solidFill>
+                  <a:srgbClr val="F2F2F2"/>
+                </a:solidFill>
+                <a:uFill>
+                  <a:solidFill>
+                    <a:srgbClr val="FFFFFF"/>
+                  </a:solidFill>
+                </a:uFill>
+                <a:latin typeface="Calibri"/>
+              </a:rPr>
+              <a:t>Pylaga</a:t>
+            </a:r>
+            <a:r>
+              <a:rPr lang="en-CA" sz="2800" b="0" strike="noStrike" spc="-1" dirty="0" smtClean="0">
+                <a:solidFill>
+                  <a:srgbClr val="F2F2F2"/>
+                </a:solidFill>
+                <a:uFill>
+                  <a:solidFill>
+                    <a:srgbClr val="FFFFFF"/>
+                  </a:solidFill>
+                </a:uFill>
+                <a:latin typeface="Calibri"/>
+              </a:rPr>
+              <a:t> did not take advantage of </a:t>
+            </a:r>
+            <a:r>
+              <a:rPr lang="en-CA" sz="2800" b="0" strike="noStrike" spc="-1" dirty="0" err="1" smtClean="0">
+                <a:solidFill>
+                  <a:srgbClr val="F2F2F2"/>
+                </a:solidFill>
+                <a:uFill>
+                  <a:solidFill>
+                    <a:srgbClr val="FFFFFF"/>
+                  </a:solidFill>
+                </a:uFill>
+                <a:latin typeface="Calibri"/>
+              </a:rPr>
+              <a:t>PyPI</a:t>
+            </a:r>
+            <a:r>
+              <a:rPr lang="en-CA" sz="2800" b="0" strike="noStrike" spc="-1" dirty="0" smtClean="0">
+                <a:solidFill>
+                  <a:srgbClr val="F2F2F2"/>
+                </a:solidFill>
+                <a:uFill>
+                  <a:solidFill>
+                    <a:srgbClr val="FFFFFF"/>
+                  </a:solidFill>
+                </a:uFill>
+                <a:latin typeface="Calibri"/>
+              </a:rPr>
+              <a:t>, or the python’s </a:t>
+            </a:r>
+            <a:r>
+              <a:rPr lang="en-CA" sz="2800" b="0" strike="noStrike" spc="-1" dirty="0" err="1" smtClean="0">
+                <a:solidFill>
+                  <a:schemeClr val="tx1">
+                    <a:lumMod val="95000"/>
+                  </a:schemeClr>
+                </a:solidFill>
+                <a:uFill>
+                  <a:solidFill>
+                    <a:srgbClr val="FFFFFF"/>
+                  </a:solidFill>
+                </a:uFill>
+                <a:latin typeface="Andale Mono"/>
+                <a:cs typeface="Andale Mono"/>
+              </a:rPr>
+              <a:t>setup_utils</a:t>
+            </a:r>
+            <a:r>
+              <a:rPr lang="en-CA" sz="2800" b="0" strike="noStrike" spc="-1" dirty="0" smtClean="0">
+                <a:solidFill>
+                  <a:schemeClr val="tx1">
+                    <a:lumMod val="95000"/>
+                  </a:schemeClr>
+                </a:solidFill>
+                <a:uFill>
+                  <a:solidFill>
+                    <a:srgbClr val="FFFFFF"/>
+                  </a:solidFill>
+                </a:uFill>
+                <a:latin typeface="Calibri"/>
+              </a:rPr>
+              <a:t> </a:t>
+            </a:r>
+            <a:r>
+              <a:rPr lang="en-CA" sz="2800" b="0" strike="noStrike" spc="-1" dirty="0" smtClean="0">
+                <a:solidFill>
+                  <a:srgbClr val="F2F2F2"/>
+                </a:solidFill>
+                <a:uFill>
+                  <a:solidFill>
+                    <a:srgbClr val="FFFFFF"/>
+                  </a:solidFill>
+                </a:uFill>
+                <a:latin typeface="Calibri"/>
+              </a:rPr>
+              <a:t>module.</a:t>
+            </a:r>
+            <a:endParaRPr lang="en-CA" sz="2800" b="0" strike="noStrike" spc="-1" dirty="0">
               <a:solidFill>
-                <a:srgbClr val="FFFFFF"/>
+                <a:srgbClr val="F2F2F2"/>
               </a:solidFill>
               <a:uFill>
                 <a:solidFill>
@@ -9119,7 +9276,7 @@
             <a:r>
               <a:rPr lang="en-CA" sz="4400" spc="-1" dirty="0" smtClean="0">
                 <a:solidFill>
-                  <a:srgbClr val="FFFFFF"/>
+                  <a:srgbClr val="F2F2F2"/>
                 </a:solidFill>
                 <a:uFill>
                   <a:solidFill>
@@ -9132,7 +9289,7 @@
             </a:r>
             <a:endParaRPr lang="en-CA" sz="1800" b="0" strike="noStrike" spc="-1" dirty="0">
               <a:solidFill>
-                <a:srgbClr val="FFFFFF"/>
+                <a:srgbClr val="F2F2F2"/>
               </a:solidFill>
               <a:uFill>
                 <a:solidFill>
@@ -9190,9 +9347,9 @@
               <a:buChar char="•"/>
             </a:pPr>
             <a:r>
-              <a:rPr lang="en-CA" sz="3200" spc="-1" dirty="0" smtClean="0">
-                <a:solidFill>
-                  <a:srgbClr val="FFFFFF"/>
+              <a:rPr lang="en-CA" sz="2800" spc="-1" dirty="0" smtClean="0">
+                <a:solidFill>
+                  <a:srgbClr val="F2F2F2"/>
                 </a:solidFill>
                 <a:uFill>
                   <a:solidFill>
@@ -9201,11 +9358,53 @@
                 </a:uFill>
                 <a:latin typeface="Calibri"/>
               </a:rPr>
-              <a:t>In total, we had 1120 lines of code.  (Including internal documentation and tests.)</a:t>
-            </a:r>
-            <a:endParaRPr lang="en-CA" sz="3200" b="0" strike="noStrike" spc="-1" dirty="0">
+              <a:t>In total, we had 1120 lines of code.  (Including internal documentation and tests.</a:t>
+            </a:r>
+            <a:r>
+              <a:rPr lang="en-CA" sz="2800" spc="-1" dirty="0" smtClean="0">
+                <a:solidFill>
+                  <a:srgbClr val="F2F2F2"/>
+                </a:solidFill>
+                <a:uFill>
+                  <a:solidFill>
+                    <a:srgbClr val="FFFFFF"/>
+                  </a:solidFill>
+                </a:uFill>
+                <a:latin typeface="Calibri"/>
+              </a:rPr>
+              <a:t>)  </a:t>
+            </a:r>
+            <a:r>
+              <a:rPr lang="en-CA" sz="2800" spc="-1" dirty="0" err="1" smtClean="0">
+                <a:solidFill>
+                  <a:srgbClr val="F2F2F2"/>
+                </a:solidFill>
+                <a:uFill>
+                  <a:solidFill>
+                    <a:srgbClr val="FFFFFF"/>
+                  </a:solidFill>
+                </a:uFill>
+                <a:latin typeface="Calibri"/>
+              </a:rPr>
+              <a:t>Pylaga</a:t>
+            </a:r>
+            <a:r>
+              <a:rPr lang="en-CA" sz="2800" spc="-1" dirty="0" smtClean="0">
+                <a:solidFill>
+                  <a:srgbClr val="F2F2F2"/>
+                </a:solidFill>
+                <a:uFill>
+                  <a:solidFill>
+                    <a:srgbClr val="FFFFFF"/>
+                  </a:solidFill>
+                </a:uFill>
+                <a:latin typeface="Calibri"/>
+              </a:rPr>
+              <a:t> had 1445 lines total.</a:t>
+            </a:r>
+            <a:endParaRPr lang="en-CA" sz="2800" b="0" strike="noStrike" spc="-1" dirty="0">
               <a:solidFill>
-                <a:srgbClr val="FFFFFF"/>
+                <a:srgbClr val="F2F2F2"/>
               </a:solidFill>
               <a:uFill>
                 <a:solidFill>
@@ -9347,7 +9546,7 @@
             <a:r>
               <a:rPr lang="en-CA" sz="4400" spc="-1" dirty="0" smtClean="0">
                 <a:solidFill>
-                  <a:srgbClr val="FFFFFF"/>
+                  <a:srgbClr val="F2F2F2"/>
                 </a:solidFill>
                 <a:uFill>
                   <a:solidFill>
@@ -9360,7 +9559,7 @@
             </a:r>
             <a:endParaRPr lang="en-CA" sz="1800" b="0" strike="noStrike" spc="-1" dirty="0">
               <a:solidFill>
-                <a:srgbClr val="FFFFFF"/>
+                <a:srgbClr val="F2F2F2"/>
               </a:solidFill>
               <a:uFill>
                 <a:solidFill>
@@ -9418,9 +9617,9 @@
               <a:buChar char="•"/>
             </a:pPr>
             <a:r>
-              <a:rPr lang="en-CA" sz="3200" spc="-1" dirty="0" smtClean="0">
-                <a:solidFill>
-                  <a:srgbClr val="FFFFFF"/>
+              <a:rPr lang="en-CA" sz="2800" spc="-1" dirty="0" smtClean="0">
+                <a:solidFill>
+                  <a:srgbClr val="F2F2F2"/>
                 </a:solidFill>
                 <a:uFill>
                   <a:solidFill>
@@ -9429,11 +9628,53 @@
                 </a:uFill>
                 <a:latin typeface="Calibri"/>
               </a:rPr>
-              <a:t>There were a total of 84 functions.  When considering lines of code (including documentation) that makes each function/method around 13 lines long.</a:t>
-            </a:r>
-            <a:endParaRPr lang="en-CA" sz="3200" b="0" strike="noStrike" spc="-1" dirty="0">
+              <a:t>There were a total of 84 functions.  When considering lines of code (including documentation) that makes each function/method around 13 lines long</a:t>
+            </a:r>
+            <a:r>
+              <a:rPr lang="en-CA" sz="2800" spc="-1" dirty="0" smtClean="0">
+                <a:solidFill>
+                  <a:srgbClr val="F2F2F2"/>
+                </a:solidFill>
+                <a:uFill>
+                  <a:solidFill>
+                    <a:srgbClr val="FFFFFF"/>
+                  </a:solidFill>
+                </a:uFill>
+                <a:latin typeface="Calibri"/>
+              </a:rPr>
+              <a:t>.  </a:t>
+            </a:r>
+            <a:r>
+              <a:rPr lang="en-CA" sz="2800" spc="-1" dirty="0" err="1" smtClean="0">
+                <a:solidFill>
+                  <a:srgbClr val="F2F2F2"/>
+                </a:solidFill>
+                <a:uFill>
+                  <a:solidFill>
+                    <a:srgbClr val="FFFFFF"/>
+                  </a:solidFill>
+                </a:uFill>
+                <a:latin typeface="Calibri"/>
+              </a:rPr>
+              <a:t>Pylaga</a:t>
+            </a:r>
+            <a:r>
+              <a:rPr lang="en-CA" sz="2800" spc="-1" dirty="0" smtClean="0">
+                <a:solidFill>
+                  <a:srgbClr val="F2F2F2"/>
+                </a:solidFill>
+                <a:uFill>
+                  <a:solidFill>
+                    <a:srgbClr val="FFFFFF"/>
+                  </a:solidFill>
+                </a:uFill>
+                <a:latin typeface="Calibri"/>
+              </a:rPr>
+              <a:t> had a total of 106 (so, also around 13 lines per function.)</a:t>
+            </a:r>
+            <a:endParaRPr lang="en-CA" sz="2800" b="0" strike="noStrike" spc="-1" dirty="0">
               <a:solidFill>
-                <a:srgbClr val="FFFFFF"/>
+                <a:srgbClr val="F2F2F2"/>
               </a:solidFill>
               <a:uFill>
                 <a:solidFill>
@@ -9467,8 +9708,8 @@
         </p:blipFill>
         <p:spPr>
           <a:xfrm>
-            <a:off x="1918143" y="3711137"/>
-            <a:ext cx="5018802" cy="2956531"/>
+            <a:off x="2130243" y="3836083"/>
+            <a:ext cx="4806702" cy="2831585"/>
           </a:xfrm>
           <a:prstGeom prst="rect">
             <a:avLst/>
@@ -9575,7 +9816,7 @@
             <a:r>
               <a:rPr lang="en-CA" sz="4400" spc="-1" dirty="0" smtClean="0">
                 <a:solidFill>
-                  <a:srgbClr val="FFFFFF"/>
+                  <a:srgbClr val="F2F2F2"/>
                 </a:solidFill>
                 <a:uFill>
                   <a:solidFill>
@@ -9588,7 +9829,7 @@
             </a:r>
             <a:endParaRPr lang="en-CA" sz="1800" b="0" strike="noStrike" spc="-1" dirty="0">
               <a:solidFill>
-                <a:srgbClr val="FFFFFF"/>
+                <a:srgbClr val="F2F2F2"/>
               </a:solidFill>
               <a:uFill>
                 <a:solidFill>
@@ -9639,6 +9880,9 @@
               <a:lnSpc>
                 <a:spcPct val="100000"/>
               </a:lnSpc>
+              <a:spcAft>
+                <a:spcPts val="1200"/>
+              </a:spcAft>
               <a:buClr>
                 <a:srgbClr val="FFFFFF"/>
               </a:buClr>
@@ -9646,9 +9890,9 @@
               <a:buChar char="•"/>
             </a:pPr>
             <a:r>
-              <a:rPr lang="en-CA" sz="3200" b="0" strike="noStrike" spc="-1" dirty="0" smtClean="0">
-                <a:solidFill>
-                  <a:srgbClr val="FFFFFF"/>
+              <a:rPr lang="en-CA" sz="2800" b="0" strike="noStrike" spc="-1" dirty="0" smtClean="0">
+                <a:solidFill>
+                  <a:srgbClr val="F2F2F2"/>
                 </a:solidFill>
                 <a:uFill>
                   <a:solidFill>
@@ -9660,9 +9904,9 @@
               <a:t>We made use of the Spiral Method to implement </a:t>
             </a:r>
             <a:r>
-              <a:rPr lang="en-CA" sz="3200" b="0" strike="noStrike" spc="-1" dirty="0" err="1" smtClean="0">
-                <a:solidFill>
-                  <a:srgbClr val="FFFFFF"/>
+              <a:rPr lang="en-CA" sz="2800" b="0" strike="noStrike" spc="-1" dirty="0" err="1" smtClean="0">
+                <a:solidFill>
+                  <a:srgbClr val="F2F2F2"/>
                 </a:solidFill>
                 <a:uFill>
                   <a:solidFill>
@@ -9674,9 +9918,9 @@
               <a:t>LazerBlast</a:t>
             </a:r>
             <a:r>
-              <a:rPr lang="en-CA" sz="3200" b="0" strike="noStrike" spc="-1" dirty="0" smtClean="0">
-                <a:solidFill>
-                  <a:srgbClr val="FFFFFF"/>
+              <a:rPr lang="en-CA" sz="2800" b="0" strike="noStrike" spc="-1" dirty="0" smtClean="0">
+                <a:solidFill>
+                  <a:srgbClr val="F2F2F2"/>
                 </a:solidFill>
                 <a:uFill>
                   <a:solidFill>
@@ -9689,10 +9933,10 @@
             </a:r>
           </a:p>
           <a:p>
-            <a:pPr marL="343080" indent="-339840">
-              <a:lnSpc>
-                <a:spcPct val="100000"/>
-              </a:lnSpc>
+            <a:pPr marL="800280" lvl="1" indent="-339840">
+              <a:spcAft>
+                <a:spcPts val="1200"/>
+              </a:spcAft>
               <a:buClr>
                 <a:srgbClr val="FFFFFF"/>
               </a:buClr>
@@ -9700,9 +9944,9 @@
               <a:buChar char="•"/>
             </a:pPr>
             <a:r>
-              <a:rPr lang="en-CA" sz="3200" spc="-1" dirty="0" smtClean="0">
-                <a:solidFill>
-                  <a:srgbClr val="FFFFFF"/>
+              <a:rPr lang="en-CA" sz="2800" spc="-1" dirty="0" smtClean="0">
+                <a:solidFill>
+                  <a:srgbClr val="F2F2F2"/>
                 </a:solidFill>
                 <a:uFill>
                   <a:solidFill>
@@ -9711,14 +9955,28 @@
                 </a:uFill>
                 <a:latin typeface="Calibri"/>
               </a:rPr>
-              <a:t>For example, when developing the graphics, we first rendered each player as a simple box, then in the next go around added color, and finally added actual images.</a:t>
-            </a:r>
+              <a:t>In the first iteration, we created base classes for objects which are rendered and in motion.  This gave the game more structure.</a:t>
+            </a:r>
+            <a:endParaRPr lang="en-CA" sz="2800" spc="-1" dirty="0" smtClean="0">
+              <a:solidFill>
+                <a:srgbClr val="F2F2F2"/>
+              </a:solidFill>
+              <a:uFill>
+                <a:solidFill>
+                  <a:srgbClr val="FFFFFF"/>
+                </a:solidFill>
+              </a:uFill>
+              <a:latin typeface="Calibri"/>
+            </a:endParaRPr>
           </a:p>
           <a:p>
             <a:pPr marL="343080" indent="-339840">
               <a:lnSpc>
                 <a:spcPct val="100000"/>
               </a:lnSpc>
+              <a:spcAft>
+                <a:spcPts val="1200"/>
+              </a:spcAft>
               <a:buClr>
                 <a:srgbClr val="FFFFFF"/>
               </a:buClr>
@@ -9726,9 +9984,9 @@
               <a:buChar char="•"/>
             </a:pPr>
             <a:r>
-              <a:rPr lang="en-CA" sz="3200" spc="-1" dirty="0" smtClean="0">
-                <a:solidFill>
-                  <a:srgbClr val="FFFFFF"/>
+              <a:rPr lang="en-CA" sz="2800" spc="-1" dirty="0" smtClean="0">
+                <a:solidFill>
+                  <a:srgbClr val="F2F2F2"/>
                 </a:solidFill>
                 <a:uFill>
                   <a:solidFill>
@@ -9737,11 +9995,51 @@
                 </a:uFill>
                 <a:latin typeface="Calibri"/>
               </a:rPr>
-              <a:t>In addition, we  used Test Driven Development for each arm of the spiral.</a:t>
-            </a:r>
-            <a:endParaRPr lang="en-CA" sz="3200" b="0" strike="noStrike" spc="-1" dirty="0">
+              <a:t>In addition, we  used Test Driven Development for each arm of the spiral</a:t>
+            </a:r>
+            <a:r>
+              <a:rPr lang="en-CA" sz="2800" spc="-1" dirty="0" smtClean="0">
+                <a:solidFill>
+                  <a:srgbClr val="F2F2F2"/>
+                </a:solidFill>
+                <a:uFill>
+                  <a:solidFill>
+                    <a:srgbClr val="FFFFFF"/>
+                  </a:solidFill>
+                </a:uFill>
+                <a:latin typeface="Calibri"/>
+              </a:rPr>
+              <a:t>.</a:t>
+            </a:r>
+          </a:p>
+          <a:p>
+            <a:pPr marL="800280" lvl="1" indent="-339840">
+              <a:spcAft>
+                <a:spcPts val="1200"/>
+              </a:spcAft>
+              <a:buClr>
+                <a:srgbClr val="FFFFFF"/>
+              </a:buClr>
+              <a:buFont typeface="Arial"/>
+              <a:buChar char="•"/>
+            </a:pPr>
+            <a:r>
+              <a:rPr lang="en-CA" sz="2800" b="0" strike="noStrike" spc="-1" dirty="0" smtClean="0">
+                <a:solidFill>
+                  <a:srgbClr val="F2F2F2"/>
+                </a:solidFill>
+                <a:uFill>
+                  <a:solidFill>
+                    <a:srgbClr val="FFFFFF"/>
+                  </a:solidFill>
+                </a:uFill>
+                <a:latin typeface="Calibri"/>
+              </a:rPr>
+              <a:t>Tests are primarily on the base classes and models.</a:t>
+            </a:r>
+            <a:endParaRPr lang="en-CA" sz="2800" b="0" strike="noStrike" spc="-1" dirty="0">
               <a:solidFill>
-                <a:srgbClr val="FFFFFF"/>
+                <a:srgbClr val="F2F2F2"/>
               </a:solidFill>
               <a:uFill>
                 <a:solidFill>
@@ -9846,7 +10144,7 @@
             <a:r>
               <a:rPr lang="en-CA" sz="2000" spc="-1" dirty="0" smtClean="0">
                 <a:solidFill>
-                  <a:srgbClr val="FFFFFF"/>
+                  <a:srgbClr val="F2F2F2"/>
                 </a:solidFill>
                 <a:uFill>
                   <a:solidFill>
@@ -9869,7 +10167,7 @@
             <a:r>
               <a:rPr lang="en-CA" sz="2000" spc="-1" dirty="0" smtClean="0">
                 <a:solidFill>
-                  <a:srgbClr val="FFFFFF"/>
+                  <a:srgbClr val="F2F2F2"/>
                 </a:solidFill>
                 <a:uFill>
                   <a:solidFill>
@@ -9882,7 +10180,7 @@
             </a:r>
             <a:endParaRPr lang="en-CA" sz="1200" spc="-1" dirty="0" smtClean="0">
               <a:solidFill>
-                <a:srgbClr val="FFFFFF"/>
+                <a:srgbClr val="F2F2F2"/>
               </a:solidFill>
               <a:uFill>
                 <a:solidFill>
@@ -9906,7 +10204,7 @@
             <a:r>
               <a:rPr lang="en-CA" sz="2000" spc="-1" dirty="0" smtClean="0">
                 <a:solidFill>
-                  <a:srgbClr val="FFFFFF"/>
+                  <a:srgbClr val="F2F2F2"/>
                 </a:solidFill>
                 <a:uFill>
                   <a:solidFill>
@@ -9921,7 +10219,7 @@
             <a:r>
               <a:rPr lang="en-CA" sz="2000" spc="-1" dirty="0" err="1" smtClean="0">
                 <a:solidFill>
-                  <a:srgbClr val="FFFFFF"/>
+                  <a:srgbClr val="F2F2F2"/>
                 </a:solidFill>
                 <a:uFill>
                   <a:solidFill>
@@ -9936,7 +10234,7 @@
             <a:r>
               <a:rPr lang="en-CA" sz="2000" spc="-1" dirty="0" smtClean="0">
                 <a:solidFill>
-                  <a:srgbClr val="FFFFFF"/>
+                  <a:srgbClr val="F2F2F2"/>
                 </a:solidFill>
                 <a:uFill>
                   <a:solidFill>
@@ -9960,7 +10258,7 @@
             <a:r>
               <a:rPr lang="en-CA" sz="2000" spc="-1" dirty="0" smtClean="0">
                 <a:solidFill>
-                  <a:srgbClr val="FFFFFF"/>
+                  <a:srgbClr val="F2F2F2"/>
                 </a:solidFill>
                 <a:uFill>
                   <a:solidFill>
@@ -9987,7 +10285,7 @@
             <a:r>
               <a:rPr lang="en-CA" sz="2000" spc="-1" dirty="0" smtClean="0">
                 <a:solidFill>
-                  <a:srgbClr val="FFFFFF"/>
+                  <a:srgbClr val="F2F2F2"/>
                 </a:solidFill>
                 <a:uFill>
                   <a:solidFill>
@@ -10011,7 +10309,7 @@
             <a:r>
               <a:rPr lang="en-CA" sz="2000" spc="-1" dirty="0" smtClean="0">
                 <a:solidFill>
-                  <a:srgbClr val="FFFFFF"/>
+                  <a:srgbClr val="F2F2F2"/>
                 </a:solidFill>
                 <a:uFill>
                   <a:solidFill>
@@ -10025,7 +10323,7 @@
             </a:r>
             <a:endParaRPr lang="en-CA" sz="2400" spc="-1" dirty="0">
               <a:solidFill>
-                <a:srgbClr val="FFFFFF"/>
+                <a:srgbClr val="F2F2F2"/>
               </a:solidFill>
               <a:uFill>
                 <a:solidFill>
@@ -10081,7 +10379,7 @@
             <a:r>
               <a:rPr lang="en-CA" sz="4400" b="0" strike="noStrike" spc="-1" dirty="0" smtClean="0">
                 <a:solidFill>
-                  <a:srgbClr val="FFFFFF"/>
+                  <a:srgbClr val="F2F2F2"/>
                 </a:solidFill>
                 <a:uFill>
                   <a:solidFill>
@@ -10096,7 +10394,7 @@
             <a:r>
               <a:rPr lang="en-CA" sz="4400" b="0" strike="noStrike" spc="-1" dirty="0">
                 <a:solidFill>
-                  <a:srgbClr val="FFFFFF"/>
+                  <a:srgbClr val="F2F2F2"/>
                 </a:solidFill>
                 <a:uFill>
                   <a:solidFill>
@@ -10110,7 +10408,7 @@
             </a:r>
             <a:endParaRPr lang="en-CA" sz="1800" b="0" strike="noStrike" spc="-1" dirty="0">
               <a:solidFill>
-                <a:srgbClr val="FFFFFF"/>
+                <a:srgbClr val="F2F2F2"/>
               </a:solidFill>
               <a:uFill>
                 <a:solidFill>
@@ -10651,7 +10949,7 @@
   <a:extraClrSchemeLst/>
   <a:extLst>
     <a:ext uri="{05A4C25C-085E-4340-85A3-A5531E510DB2}">
-      <thm15:themeFamily xmlns:thm15="http://schemas.microsoft.com/office/thememl/2012/main" xmlns="" name="Vapor Trail" id="{4FDF2955-7D9C-493C-B9F9-C205151B46CD}" vid="{8F31A783-2159-4870-BC29-2BA7D038EA44}"/>
+      <thm15:themeFamily xmlns="" xmlns:thm15="http://schemas.microsoft.com/office/thememl/2012/main" name="Vapor Trail" id="{4FDF2955-7D9C-493C-B9F9-C205151B46CD}" vid="{8F31A783-2159-4870-BC29-2BA7D038EA44}"/>
     </a:ext>
   </a:extLst>
 </a:theme>
@@ -10912,7 +11210,7 @@
   <a:extraClrSchemeLst/>
   <a:extLst>
     <a:ext uri="{05A4C25C-085E-4340-85A3-A5531E510DB2}">
-      <thm15:themeFamily xmlns:thm15="http://schemas.microsoft.com/office/thememl/2012/main" xmlns="" name="Office Theme" id="{62F939B6-93AF-4DB8-9C6B-D6C7DFDC589F}" vid="{4A3C46E8-61CC-4603-A589-7422A47A8E4A}"/>
+      <thm15:themeFamily xmlns="" xmlns:thm15="http://schemas.microsoft.com/office/thememl/2012/main" name="Office Theme" id="{62F939B6-93AF-4DB8-9C6B-D6C7DFDC589F}" vid="{4A3C46E8-61CC-4603-A589-7422A47A8E4A}"/>
     </a:ext>
   </a:extLst>
 </a:theme>
